--- a/Resources/GraphicalResources/Presentation1.pptx
+++ b/Resources/GraphicalResources/Presentation1.pptx
@@ -105,6 +105,11 @@
       </a:defRPr>
     </a:lvl9pPr>
   </p:defaultTextStyle>
+  <p:extLst>
+    <p:ext uri="{EFAFB233-063F-42B5-8137-9DF3F51BA10A}">
+      <p15:sldGuideLst xmlns:p15="http://schemas.microsoft.com/office/powerpoint/2012/main"/>
+    </p:ext>
+  </p:extLst>
 </p:presentation>
 </file>
 
@@ -150,10 +155,9 @@
           </a:lstStyle>
           <a:p>
             <a:r>
-              <a:rPr lang="en-US" smtClean="0"/>
+              <a:rPr lang="en-US"/>
               <a:t>Click to edit Master title style</a:t>
             </a:r>
-            <a:endParaRPr lang="en-US"/>
           </a:p>
         </p:txBody>
       </p:sp>
@@ -215,10 +219,9 @@
           </a:lstStyle>
           <a:p>
             <a:r>
-              <a:rPr lang="en-US" smtClean="0"/>
+              <a:rPr lang="en-US"/>
               <a:t>Click to edit Master subtitle style</a:t>
             </a:r>
-            <a:endParaRPr lang="en-US"/>
           </a:p>
         </p:txBody>
       </p:sp>
@@ -239,7 +242,7 @@
           <a:p>
             <a:fld id="{52674EDA-D5F0-4BA8-BCF8-E774905099E5}" type="datetimeFigureOut">
               <a:rPr lang="en-US" smtClean="0"/>
-              <a:t>1/23/2019</a:t>
+              <a:t>11/8/2019</a:t>
             </a:fld>
             <a:endParaRPr lang="en-US"/>
           </a:p>
@@ -333,10 +336,9 @@
           <a:lstStyle/>
           <a:p>
             <a:r>
-              <a:rPr lang="en-US" smtClean="0"/>
+              <a:rPr lang="en-US"/>
               <a:t>Click to edit Master title style</a:t>
             </a:r>
-            <a:endParaRPr lang="en-US"/>
           </a:p>
         </p:txBody>
       </p:sp>
@@ -357,38 +359,37 @@
           <a:p>
             <a:pPr lvl="0"/>
             <a:r>
-              <a:rPr lang="en-US" smtClean="0"/>
+              <a:rPr lang="en-US"/>
               <a:t>Click to edit Master text styles</a:t>
             </a:r>
           </a:p>
           <a:p>
             <a:pPr lvl="1"/>
             <a:r>
-              <a:rPr lang="en-US" smtClean="0"/>
+              <a:rPr lang="en-US"/>
               <a:t>Second level</a:t>
             </a:r>
           </a:p>
           <a:p>
             <a:pPr lvl="2"/>
             <a:r>
-              <a:rPr lang="en-US" smtClean="0"/>
+              <a:rPr lang="en-US"/>
               <a:t>Third level</a:t>
             </a:r>
           </a:p>
           <a:p>
             <a:pPr lvl="3"/>
             <a:r>
-              <a:rPr lang="en-US" smtClean="0"/>
+              <a:rPr lang="en-US"/>
               <a:t>Fourth level</a:t>
             </a:r>
           </a:p>
           <a:p>
             <a:pPr lvl="4"/>
             <a:r>
-              <a:rPr lang="en-US" smtClean="0"/>
+              <a:rPr lang="en-US"/>
               <a:t>Fifth level</a:t>
             </a:r>
-            <a:endParaRPr lang="en-US"/>
           </a:p>
         </p:txBody>
       </p:sp>
@@ -409,7 +410,7 @@
           <a:p>
             <a:fld id="{52674EDA-D5F0-4BA8-BCF8-E774905099E5}" type="datetimeFigureOut">
               <a:rPr lang="en-US" smtClean="0"/>
-              <a:t>1/23/2019</a:t>
+              <a:t>11/8/2019</a:t>
             </a:fld>
             <a:endParaRPr lang="en-US"/>
           </a:p>
@@ -508,10 +509,9 @@
           <a:lstStyle/>
           <a:p>
             <a:r>
-              <a:rPr lang="en-US" smtClean="0"/>
+              <a:rPr lang="en-US"/>
               <a:t>Click to edit Master title style</a:t>
             </a:r>
-            <a:endParaRPr lang="en-US"/>
           </a:p>
         </p:txBody>
       </p:sp>
@@ -537,38 +537,37 @@
           <a:p>
             <a:pPr lvl="0"/>
             <a:r>
-              <a:rPr lang="en-US" smtClean="0"/>
+              <a:rPr lang="en-US"/>
               <a:t>Click to edit Master text styles</a:t>
             </a:r>
           </a:p>
           <a:p>
             <a:pPr lvl="1"/>
             <a:r>
-              <a:rPr lang="en-US" smtClean="0"/>
+              <a:rPr lang="en-US"/>
               <a:t>Second level</a:t>
             </a:r>
           </a:p>
           <a:p>
             <a:pPr lvl="2"/>
             <a:r>
-              <a:rPr lang="en-US" smtClean="0"/>
+              <a:rPr lang="en-US"/>
               <a:t>Third level</a:t>
             </a:r>
           </a:p>
           <a:p>
             <a:pPr lvl="3"/>
             <a:r>
-              <a:rPr lang="en-US" smtClean="0"/>
+              <a:rPr lang="en-US"/>
               <a:t>Fourth level</a:t>
             </a:r>
           </a:p>
           <a:p>
             <a:pPr lvl="4"/>
             <a:r>
-              <a:rPr lang="en-US" smtClean="0"/>
+              <a:rPr lang="en-US"/>
               <a:t>Fifth level</a:t>
             </a:r>
-            <a:endParaRPr lang="en-US"/>
           </a:p>
         </p:txBody>
       </p:sp>
@@ -589,7 +588,7 @@
           <a:p>
             <a:fld id="{52674EDA-D5F0-4BA8-BCF8-E774905099E5}" type="datetimeFigureOut">
               <a:rPr lang="en-US" smtClean="0"/>
-              <a:t>1/23/2019</a:t>
+              <a:t>11/8/2019</a:t>
             </a:fld>
             <a:endParaRPr lang="en-US"/>
           </a:p>
@@ -683,10 +682,9 @@
           <a:lstStyle/>
           <a:p>
             <a:r>
-              <a:rPr lang="en-US" smtClean="0"/>
+              <a:rPr lang="en-US"/>
               <a:t>Click to edit Master title style</a:t>
             </a:r>
-            <a:endParaRPr lang="en-US"/>
           </a:p>
         </p:txBody>
       </p:sp>
@@ -707,38 +705,37 @@
           <a:p>
             <a:pPr lvl="0"/>
             <a:r>
-              <a:rPr lang="en-US" smtClean="0"/>
+              <a:rPr lang="en-US"/>
               <a:t>Click to edit Master text styles</a:t>
             </a:r>
           </a:p>
           <a:p>
             <a:pPr lvl="1"/>
             <a:r>
-              <a:rPr lang="en-US" smtClean="0"/>
+              <a:rPr lang="en-US"/>
               <a:t>Second level</a:t>
             </a:r>
           </a:p>
           <a:p>
             <a:pPr lvl="2"/>
             <a:r>
-              <a:rPr lang="en-US" smtClean="0"/>
+              <a:rPr lang="en-US"/>
               <a:t>Third level</a:t>
             </a:r>
           </a:p>
           <a:p>
             <a:pPr lvl="3"/>
             <a:r>
-              <a:rPr lang="en-US" smtClean="0"/>
+              <a:rPr lang="en-US"/>
               <a:t>Fourth level</a:t>
             </a:r>
           </a:p>
           <a:p>
             <a:pPr lvl="4"/>
             <a:r>
-              <a:rPr lang="en-US" smtClean="0"/>
+              <a:rPr lang="en-US"/>
               <a:t>Fifth level</a:t>
             </a:r>
-            <a:endParaRPr lang="en-US"/>
           </a:p>
         </p:txBody>
       </p:sp>
@@ -759,7 +756,7 @@
           <a:p>
             <a:fld id="{52674EDA-D5F0-4BA8-BCF8-E774905099E5}" type="datetimeFigureOut">
               <a:rPr lang="en-US" smtClean="0"/>
-              <a:t>1/23/2019</a:t>
+              <a:t>11/8/2019</a:t>
             </a:fld>
             <a:endParaRPr lang="en-US"/>
           </a:p>
@@ -862,10 +859,9 @@
           </a:lstStyle>
           <a:p>
             <a:r>
-              <a:rPr lang="en-US" smtClean="0"/>
+              <a:rPr lang="en-US"/>
               <a:t>Click to edit Master title style</a:t>
             </a:r>
-            <a:endParaRPr lang="en-US"/>
           </a:p>
         </p:txBody>
       </p:sp>
@@ -982,7 +978,7 @@
           <a:p>
             <a:pPr lvl="0"/>
             <a:r>
-              <a:rPr lang="en-US" smtClean="0"/>
+              <a:rPr lang="en-US"/>
               <a:t>Click to edit Master text styles</a:t>
             </a:r>
           </a:p>
@@ -1005,7 +1001,7 @@
           <a:p>
             <a:fld id="{52674EDA-D5F0-4BA8-BCF8-E774905099E5}" type="datetimeFigureOut">
               <a:rPr lang="en-US" smtClean="0"/>
-              <a:t>1/23/2019</a:t>
+              <a:t>11/8/2019</a:t>
             </a:fld>
             <a:endParaRPr lang="en-US"/>
           </a:p>
@@ -1099,10 +1095,9 @@
           <a:lstStyle/>
           <a:p>
             <a:r>
-              <a:rPr lang="en-US" smtClean="0"/>
+              <a:rPr lang="en-US"/>
               <a:t>Click to edit Master title style</a:t>
             </a:r>
-            <a:endParaRPr lang="en-US"/>
           </a:p>
         </p:txBody>
       </p:sp>
@@ -1128,38 +1123,37 @@
           <a:p>
             <a:pPr lvl="0"/>
             <a:r>
-              <a:rPr lang="en-US" smtClean="0"/>
+              <a:rPr lang="en-US"/>
               <a:t>Click to edit Master text styles</a:t>
             </a:r>
           </a:p>
           <a:p>
             <a:pPr lvl="1"/>
             <a:r>
-              <a:rPr lang="en-US" smtClean="0"/>
+              <a:rPr lang="en-US"/>
               <a:t>Second level</a:t>
             </a:r>
           </a:p>
           <a:p>
             <a:pPr lvl="2"/>
             <a:r>
-              <a:rPr lang="en-US" smtClean="0"/>
+              <a:rPr lang="en-US"/>
               <a:t>Third level</a:t>
             </a:r>
           </a:p>
           <a:p>
             <a:pPr lvl="3"/>
             <a:r>
-              <a:rPr lang="en-US" smtClean="0"/>
+              <a:rPr lang="en-US"/>
               <a:t>Fourth level</a:t>
             </a:r>
           </a:p>
           <a:p>
             <a:pPr lvl="4"/>
             <a:r>
-              <a:rPr lang="en-US" smtClean="0"/>
+              <a:rPr lang="en-US"/>
               <a:t>Fifth level</a:t>
             </a:r>
-            <a:endParaRPr lang="en-US"/>
           </a:p>
         </p:txBody>
       </p:sp>
@@ -1185,38 +1179,37 @@
           <a:p>
             <a:pPr lvl="0"/>
             <a:r>
-              <a:rPr lang="en-US" smtClean="0"/>
+              <a:rPr lang="en-US"/>
               <a:t>Click to edit Master text styles</a:t>
             </a:r>
           </a:p>
           <a:p>
             <a:pPr lvl="1"/>
             <a:r>
-              <a:rPr lang="en-US" smtClean="0"/>
+              <a:rPr lang="en-US"/>
               <a:t>Second level</a:t>
             </a:r>
           </a:p>
           <a:p>
             <a:pPr lvl="2"/>
             <a:r>
-              <a:rPr lang="en-US" smtClean="0"/>
+              <a:rPr lang="en-US"/>
               <a:t>Third level</a:t>
             </a:r>
           </a:p>
           <a:p>
             <a:pPr lvl="3"/>
             <a:r>
-              <a:rPr lang="en-US" smtClean="0"/>
+              <a:rPr lang="en-US"/>
               <a:t>Fourth level</a:t>
             </a:r>
           </a:p>
           <a:p>
             <a:pPr lvl="4"/>
             <a:r>
-              <a:rPr lang="en-US" smtClean="0"/>
+              <a:rPr lang="en-US"/>
               <a:t>Fifth level</a:t>
             </a:r>
-            <a:endParaRPr lang="en-US"/>
           </a:p>
         </p:txBody>
       </p:sp>
@@ -1237,7 +1230,7 @@
           <a:p>
             <a:fld id="{52674EDA-D5F0-4BA8-BCF8-E774905099E5}" type="datetimeFigureOut">
               <a:rPr lang="en-US" smtClean="0"/>
-              <a:t>1/23/2019</a:t>
+              <a:t>11/8/2019</a:t>
             </a:fld>
             <a:endParaRPr lang="en-US"/>
           </a:p>
@@ -1336,10 +1329,9 @@
           <a:lstStyle/>
           <a:p>
             <a:r>
-              <a:rPr lang="en-US" smtClean="0"/>
+              <a:rPr lang="en-US"/>
               <a:t>Click to edit Master title style</a:t>
             </a:r>
-            <a:endParaRPr lang="en-US"/>
           </a:p>
         </p:txBody>
       </p:sp>
@@ -1402,7 +1394,7 @@
           <a:p>
             <a:pPr lvl="0"/>
             <a:r>
-              <a:rPr lang="en-US" smtClean="0"/>
+              <a:rPr lang="en-US"/>
               <a:t>Click to edit Master text styles</a:t>
             </a:r>
           </a:p>
@@ -1430,38 +1422,37 @@
           <a:p>
             <a:pPr lvl="0"/>
             <a:r>
-              <a:rPr lang="en-US" smtClean="0"/>
+              <a:rPr lang="en-US"/>
               <a:t>Click to edit Master text styles</a:t>
             </a:r>
           </a:p>
           <a:p>
             <a:pPr lvl="1"/>
             <a:r>
-              <a:rPr lang="en-US" smtClean="0"/>
+              <a:rPr lang="en-US"/>
               <a:t>Second level</a:t>
             </a:r>
           </a:p>
           <a:p>
             <a:pPr lvl="2"/>
             <a:r>
-              <a:rPr lang="en-US" smtClean="0"/>
+              <a:rPr lang="en-US"/>
               <a:t>Third level</a:t>
             </a:r>
           </a:p>
           <a:p>
             <a:pPr lvl="3"/>
             <a:r>
-              <a:rPr lang="en-US" smtClean="0"/>
+              <a:rPr lang="en-US"/>
               <a:t>Fourth level</a:t>
             </a:r>
           </a:p>
           <a:p>
             <a:pPr lvl="4"/>
             <a:r>
-              <a:rPr lang="en-US" smtClean="0"/>
+              <a:rPr lang="en-US"/>
               <a:t>Fifth level</a:t>
             </a:r>
-            <a:endParaRPr lang="en-US"/>
           </a:p>
         </p:txBody>
       </p:sp>
@@ -1524,7 +1515,7 @@
           <a:p>
             <a:pPr lvl="0"/>
             <a:r>
-              <a:rPr lang="en-US" smtClean="0"/>
+              <a:rPr lang="en-US"/>
               <a:t>Click to edit Master text styles</a:t>
             </a:r>
           </a:p>
@@ -1552,38 +1543,37 @@
           <a:p>
             <a:pPr lvl="0"/>
             <a:r>
-              <a:rPr lang="en-US" smtClean="0"/>
+              <a:rPr lang="en-US"/>
               <a:t>Click to edit Master text styles</a:t>
             </a:r>
           </a:p>
           <a:p>
             <a:pPr lvl="1"/>
             <a:r>
-              <a:rPr lang="en-US" smtClean="0"/>
+              <a:rPr lang="en-US"/>
               <a:t>Second level</a:t>
             </a:r>
           </a:p>
           <a:p>
             <a:pPr lvl="2"/>
             <a:r>
-              <a:rPr lang="en-US" smtClean="0"/>
+              <a:rPr lang="en-US"/>
               <a:t>Third level</a:t>
             </a:r>
           </a:p>
           <a:p>
             <a:pPr lvl="3"/>
             <a:r>
-              <a:rPr lang="en-US" smtClean="0"/>
+              <a:rPr lang="en-US"/>
               <a:t>Fourth level</a:t>
             </a:r>
           </a:p>
           <a:p>
             <a:pPr lvl="4"/>
             <a:r>
-              <a:rPr lang="en-US" smtClean="0"/>
+              <a:rPr lang="en-US"/>
               <a:t>Fifth level</a:t>
             </a:r>
-            <a:endParaRPr lang="en-US"/>
           </a:p>
         </p:txBody>
       </p:sp>
@@ -1604,7 +1594,7 @@
           <a:p>
             <a:fld id="{52674EDA-D5F0-4BA8-BCF8-E774905099E5}" type="datetimeFigureOut">
               <a:rPr lang="en-US" smtClean="0"/>
-              <a:t>1/23/2019</a:t>
+              <a:t>11/8/2019</a:t>
             </a:fld>
             <a:endParaRPr lang="en-US"/>
           </a:p>
@@ -1698,10 +1688,9 @@
           <a:lstStyle/>
           <a:p>
             <a:r>
-              <a:rPr lang="en-US" smtClean="0"/>
+              <a:rPr lang="en-US"/>
               <a:t>Click to edit Master title style</a:t>
             </a:r>
-            <a:endParaRPr lang="en-US"/>
           </a:p>
         </p:txBody>
       </p:sp>
@@ -1722,7 +1711,7 @@
           <a:p>
             <a:fld id="{52674EDA-D5F0-4BA8-BCF8-E774905099E5}" type="datetimeFigureOut">
               <a:rPr lang="en-US" smtClean="0"/>
-              <a:t>1/23/2019</a:t>
+              <a:t>11/8/2019</a:t>
             </a:fld>
             <a:endParaRPr lang="en-US"/>
           </a:p>
@@ -1817,7 +1806,7 @@
           <a:p>
             <a:fld id="{52674EDA-D5F0-4BA8-BCF8-E774905099E5}" type="datetimeFigureOut">
               <a:rPr lang="en-US" smtClean="0"/>
-              <a:t>1/23/2019</a:t>
+              <a:t>11/8/2019</a:t>
             </a:fld>
             <a:endParaRPr lang="en-US"/>
           </a:p>
@@ -1920,10 +1909,9 @@
           </a:lstStyle>
           <a:p>
             <a:r>
-              <a:rPr lang="en-US" smtClean="0"/>
+              <a:rPr lang="en-US"/>
               <a:t>Click to edit Master title style</a:t>
             </a:r>
-            <a:endParaRPr lang="en-US"/>
           </a:p>
         </p:txBody>
       </p:sp>
@@ -1977,38 +1965,37 @@
           <a:p>
             <a:pPr lvl="0"/>
             <a:r>
-              <a:rPr lang="en-US" smtClean="0"/>
+              <a:rPr lang="en-US"/>
               <a:t>Click to edit Master text styles</a:t>
             </a:r>
           </a:p>
           <a:p>
             <a:pPr lvl="1"/>
             <a:r>
-              <a:rPr lang="en-US" smtClean="0"/>
+              <a:rPr lang="en-US"/>
               <a:t>Second level</a:t>
             </a:r>
           </a:p>
           <a:p>
             <a:pPr lvl="2"/>
             <a:r>
-              <a:rPr lang="en-US" smtClean="0"/>
+              <a:rPr lang="en-US"/>
               <a:t>Third level</a:t>
             </a:r>
           </a:p>
           <a:p>
             <a:pPr lvl="3"/>
             <a:r>
-              <a:rPr lang="en-US" smtClean="0"/>
+              <a:rPr lang="en-US"/>
               <a:t>Fourth level</a:t>
             </a:r>
           </a:p>
           <a:p>
             <a:pPr lvl="4"/>
             <a:r>
-              <a:rPr lang="en-US" smtClean="0"/>
+              <a:rPr lang="en-US"/>
               <a:t>Fifth level</a:t>
             </a:r>
-            <a:endParaRPr lang="en-US"/>
           </a:p>
         </p:txBody>
       </p:sp>
@@ -2071,7 +2058,7 @@
           <a:p>
             <a:pPr lvl="0"/>
             <a:r>
-              <a:rPr lang="en-US" smtClean="0"/>
+              <a:rPr lang="en-US"/>
               <a:t>Click to edit Master text styles</a:t>
             </a:r>
           </a:p>
@@ -2094,7 +2081,7 @@
           <a:p>
             <a:fld id="{52674EDA-D5F0-4BA8-BCF8-E774905099E5}" type="datetimeFigureOut">
               <a:rPr lang="en-US" smtClean="0"/>
-              <a:t>1/23/2019</a:t>
+              <a:t>11/8/2019</a:t>
             </a:fld>
             <a:endParaRPr lang="en-US"/>
           </a:p>
@@ -2197,10 +2184,9 @@
           </a:lstStyle>
           <a:p>
             <a:r>
-              <a:rPr lang="en-US" smtClean="0"/>
+              <a:rPr lang="en-US"/>
               <a:t>Click to edit Master title style</a:t>
             </a:r>
-            <a:endParaRPr lang="en-US"/>
           </a:p>
         </p:txBody>
       </p:sp>
@@ -2324,7 +2310,7 @@
           <a:p>
             <a:pPr lvl="0"/>
             <a:r>
-              <a:rPr lang="en-US" smtClean="0"/>
+              <a:rPr lang="en-US"/>
               <a:t>Click to edit Master text styles</a:t>
             </a:r>
           </a:p>
@@ -2347,7 +2333,7 @@
           <a:p>
             <a:fld id="{52674EDA-D5F0-4BA8-BCF8-E774905099E5}" type="datetimeFigureOut">
               <a:rPr lang="en-US" smtClean="0"/>
-              <a:t>1/23/2019</a:t>
+              <a:t>11/8/2019</a:t>
             </a:fld>
             <a:endParaRPr lang="en-US"/>
           </a:p>
@@ -2456,10 +2442,9 @@
           <a:lstStyle/>
           <a:p>
             <a:r>
-              <a:rPr lang="en-US" smtClean="0"/>
+              <a:rPr lang="en-US"/>
               <a:t>Click to edit Master title style</a:t>
             </a:r>
-            <a:endParaRPr lang="en-US"/>
           </a:p>
         </p:txBody>
       </p:sp>
@@ -2490,38 +2475,37 @@
           <a:p>
             <a:pPr lvl="0"/>
             <a:r>
-              <a:rPr lang="en-US" smtClean="0"/>
+              <a:rPr lang="en-US"/>
               <a:t>Click to edit Master text styles</a:t>
             </a:r>
           </a:p>
           <a:p>
             <a:pPr lvl="1"/>
             <a:r>
-              <a:rPr lang="en-US" smtClean="0"/>
+              <a:rPr lang="en-US"/>
               <a:t>Second level</a:t>
             </a:r>
           </a:p>
           <a:p>
             <a:pPr lvl="2"/>
             <a:r>
-              <a:rPr lang="en-US" smtClean="0"/>
+              <a:rPr lang="en-US"/>
               <a:t>Third level</a:t>
             </a:r>
           </a:p>
           <a:p>
             <a:pPr lvl="3"/>
             <a:r>
-              <a:rPr lang="en-US" smtClean="0"/>
+              <a:rPr lang="en-US"/>
               <a:t>Fourth level</a:t>
             </a:r>
           </a:p>
           <a:p>
             <a:pPr lvl="4"/>
             <a:r>
-              <a:rPr lang="en-US" smtClean="0"/>
+              <a:rPr lang="en-US"/>
               <a:t>Fifth level</a:t>
             </a:r>
-            <a:endParaRPr lang="en-US"/>
           </a:p>
         </p:txBody>
       </p:sp>
@@ -2560,7 +2544,7 @@
           <a:p>
             <a:fld id="{52674EDA-D5F0-4BA8-BCF8-E774905099E5}" type="datetimeFigureOut">
               <a:rPr lang="en-US" smtClean="0"/>
-              <a:t>1/23/2019</a:t>
+              <a:t>11/8/2019</a:t>
             </a:fld>
             <a:endParaRPr lang="en-US"/>
           </a:p>
@@ -3373,7 +3357,7 @@
           <a:lstStyle/>
           <a:p>
             <a:r>
-              <a:rPr lang="en-US" sz="6000" dirty="0" smtClean="0">
+              <a:rPr lang="en-US" sz="6000" dirty="0">
                 <a:solidFill>
                   <a:srgbClr val="0F6CB6"/>
                 </a:solidFill>
@@ -3384,7 +3368,7 @@
               <a:t>Next</a:t>
             </a:r>
             <a:r>
-              <a:rPr lang="en-US" sz="6000" b="1" dirty="0" smtClean="0">
+              <a:rPr lang="en-US" sz="6000" b="1" dirty="0">
                 <a:solidFill>
                   <a:srgbClr val="0F6CB6"/>
                 </a:solidFill>
@@ -3394,14 +3378,6 @@
               </a:rPr>
               <a:t>Flow</a:t>
             </a:r>
-            <a:endParaRPr lang="en-US" sz="6000" b="1" dirty="0">
-              <a:solidFill>
-                <a:srgbClr val="0F6CB6"/>
-              </a:solidFill>
-              <a:latin typeface="Lao UI" panose="020B0502040204020203" pitchFamily="34" charset="0"/>
-              <a:ea typeface="Tahoma" panose="020B0604030504040204" pitchFamily="34" charset="0"/>
-              <a:cs typeface="Lao UI" panose="020B0502040204020203" pitchFamily="34" charset="0"/>
-            </a:endParaRPr>
           </a:p>
         </p:txBody>
       </p:sp>
@@ -3428,7 +3404,7 @@
           <a:lstStyle/>
           <a:p>
             <a:r>
-              <a:rPr lang="en-US" sz="2000" dirty="0" smtClean="0">
+              <a:rPr lang="en-US" sz="2000" dirty="0">
                 <a:solidFill>
                   <a:schemeClr val="bg2">
                     <a:lumMod val="50000"/>
@@ -3439,15 +3415,6 @@
               </a:rPr>
               <a:t>Water Supply Forecasting</a:t>
             </a:r>
-            <a:endParaRPr lang="en-US" sz="2000" dirty="0">
-              <a:solidFill>
-                <a:schemeClr val="bg2">
-                  <a:lumMod val="50000"/>
-                </a:schemeClr>
-              </a:solidFill>
-              <a:latin typeface="Lao UI" panose="020B0502040204020203" pitchFamily="34" charset="0"/>
-              <a:cs typeface="Lao UI" panose="020B0502040204020203" pitchFamily="34" charset="0"/>
-            </a:endParaRPr>
           </a:p>
         </p:txBody>
       </p:sp>
@@ -4389,10 +4356,10 @@
         </p:nvGrpSpPr>
         <p:grpSpPr>
           <a:xfrm>
-            <a:off x="2544553" y="4268190"/>
-            <a:ext cx="4404466" cy="1762959"/>
-            <a:chOff x="2544552" y="4268190"/>
-            <a:chExt cx="5970623" cy="2389839"/>
+            <a:off x="5632730" y="1978821"/>
+            <a:ext cx="4423665" cy="1205225"/>
+            <a:chOff x="2518527" y="4532593"/>
+            <a:chExt cx="5996648" cy="1633785"/>
           </a:xfrm>
         </p:grpSpPr>
         <p:sp>
@@ -4418,7 +4385,7 @@
             </a:solidFill>
             <a:ln w="38100">
               <a:solidFill>
-                <a:srgbClr val="0F6CB6"/>
+                <a:srgbClr val="003E51"/>
               </a:solidFill>
             </a:ln>
           </p:spPr>
@@ -4455,8 +4422,8 @@
           </p:nvSpPr>
           <p:spPr>
             <a:xfrm>
-              <a:off x="2554280" y="4666549"/>
-              <a:ext cx="3871583" cy="1043042"/>
+              <a:off x="2518527" y="4532593"/>
+              <a:ext cx="4510188" cy="1251652"/>
             </a:xfrm>
             <a:prstGeom prst="rect">
               <a:avLst/>
@@ -4470,35 +4437,27 @@
             <a:lstStyle/>
             <a:p>
               <a:r>
-                <a:rPr lang="en-US" sz="4400" dirty="0" smtClean="0">
+                <a:rPr lang="en-US" sz="5400" dirty="0">
                   <a:solidFill>
-                    <a:srgbClr val="0F6CB6"/>
+                    <a:srgbClr val="003E51"/>
                   </a:solidFill>
-                  <a:latin typeface="Lao UI" panose="020B0502040204020203" pitchFamily="34" charset="0"/>
+                  <a:latin typeface="Segoe UI Semilight" panose="020B0402040204020203" pitchFamily="34" charset="0"/>
                   <a:ea typeface="Tahoma" panose="020B0604030504040204" pitchFamily="34" charset="0"/>
-                  <a:cs typeface="Lao UI" panose="020B0502040204020203" pitchFamily="34" charset="0"/>
+                  <a:cs typeface="Segoe UI Semilight" panose="020B0402040204020203" pitchFamily="34" charset="0"/>
                 </a:rPr>
                 <a:t>Next</a:t>
               </a:r>
               <a:r>
-                <a:rPr lang="en-US" sz="4400" b="1" dirty="0" smtClean="0">
+                <a:rPr lang="en-US" sz="5400" b="1" dirty="0">
                   <a:solidFill>
-                    <a:srgbClr val="0F6CB6"/>
+                    <a:srgbClr val="003E51"/>
                   </a:solidFill>
-                  <a:latin typeface="Lao UI" panose="020B0502040204020203" pitchFamily="34" charset="0"/>
+                  <a:latin typeface="Segoe UI Semibold" panose="020B0702040204020203" pitchFamily="34" charset="0"/>
                   <a:ea typeface="Tahoma" panose="020B0604030504040204" pitchFamily="34" charset="0"/>
-                  <a:cs typeface="Lao UI" panose="020B0502040204020203" pitchFamily="34" charset="0"/>
+                  <a:cs typeface="Segoe UI Semibold" panose="020B0702040204020203" pitchFamily="34" charset="0"/>
                 </a:rPr>
                 <a:t>Flow</a:t>
               </a:r>
-              <a:endParaRPr lang="en-US" sz="4400" b="1" dirty="0">
-                <a:solidFill>
-                  <a:srgbClr val="0F6CB6"/>
-                </a:solidFill>
-                <a:latin typeface="Lao UI" panose="020B0502040204020203" pitchFamily="34" charset="0"/>
-                <a:ea typeface="Tahoma" panose="020B0604030504040204" pitchFamily="34" charset="0"/>
-                <a:cs typeface="Lao UI" panose="020B0502040204020203" pitchFamily="34" charset="0"/>
-              </a:endParaRPr>
             </a:p>
           </p:txBody>
         </p:sp>
@@ -4510,8 +4469,8 @@
           </p:nvSpPr>
           <p:spPr>
             <a:xfrm>
-              <a:off x="2648241" y="5517338"/>
-              <a:ext cx="3901913" cy="438077"/>
+              <a:off x="2583681" y="5463111"/>
+              <a:ext cx="5193927" cy="625826"/>
             </a:xfrm>
             <a:prstGeom prst="rect">
               <a:avLst/>
@@ -4525,191 +4484,200 @@
             <a:lstStyle/>
             <a:p>
               <a:r>
-                <a:rPr lang="en-US" sz="1500" dirty="0" smtClean="0">
+                <a:rPr lang="en-US" sz="2400" dirty="0">
                   <a:solidFill>
-                    <a:schemeClr val="bg2">
-                      <a:lumMod val="50000"/>
-                    </a:schemeClr>
+                    <a:srgbClr val="007396"/>
                   </a:solidFill>
-                  <a:latin typeface="Lao UI" panose="020B0502040204020203" pitchFamily="34" charset="0"/>
-                  <a:cs typeface="Lao UI" panose="020B0502040204020203" pitchFamily="34" charset="0"/>
+                  <a:latin typeface="Segoe UI Semibold" panose="020B0702040204020203" pitchFamily="34" charset="0"/>
+                  <a:cs typeface="Segoe UI Semibold" panose="020B0702040204020203" pitchFamily="34" charset="0"/>
                 </a:rPr>
                 <a:t>Water Supply Forecasting</a:t>
               </a:r>
-              <a:endParaRPr lang="en-US" sz="1500" dirty="0">
-                <a:solidFill>
-                  <a:schemeClr val="bg2">
-                    <a:lumMod val="50000"/>
-                  </a:schemeClr>
-                </a:solidFill>
-                <a:latin typeface="Lao UI" panose="020B0502040204020203" pitchFamily="34" charset="0"/>
-                <a:cs typeface="Lao UI" panose="020B0502040204020203" pitchFamily="34" charset="0"/>
-              </a:endParaRPr>
-            </a:p>
-          </p:txBody>
-        </p:sp>
-        <p:pic>
-          <p:nvPicPr>
-            <p:cNvPr id="15" name="Picture 14"/>
-            <p:cNvPicPr>
-              <a:picLocks noChangeAspect="1"/>
-            </p:cNvPicPr>
-            <p:nvPr/>
-          </p:nvPicPr>
-          <p:blipFill>
-            <a:blip r:embed="rId2">
-              <a:clrChange>
-                <a:clrFrom>
-                  <a:srgbClr val="FFFFFF"/>
-                </a:clrFrom>
-                <a:clrTo>
-                  <a:srgbClr val="FFFFFF">
-                    <a:alpha val="0"/>
-                  </a:srgbClr>
-                </a:clrTo>
-              </a:clrChange>
-              <a:extLst>
-                <a:ext uri="{28A0092B-C50C-407E-A947-70E740481C1C}">
-                  <a14:useLocalDpi xmlns:a14="http://schemas.microsoft.com/office/drawing/2010/main" val="0"/>
-                </a:ext>
-              </a:extLst>
-            </a:blip>
-            <a:stretch>
-              <a:fillRect/>
-            </a:stretch>
-          </p:blipFill>
-          <p:spPr>
-            <a:xfrm>
-              <a:off x="5924150" y="4268190"/>
-              <a:ext cx="2591025" cy="2389839"/>
-            </a:xfrm>
-            <a:prstGeom prst="rect">
-              <a:avLst/>
-            </a:prstGeom>
-          </p:spPr>
-        </p:pic>
-        <p:sp>
-          <p:nvSpPr>
-            <p:cNvPr id="16" name="Freeform 15"/>
-            <p:cNvSpPr/>
-            <p:nvPr/>
-          </p:nvSpPr>
-          <p:spPr>
-            <a:xfrm>
-              <a:off x="6874688" y="4341922"/>
-              <a:ext cx="767772" cy="686434"/>
-            </a:xfrm>
-            <a:custGeom>
-              <a:avLst/>
-              <a:gdLst>
-                <a:gd name="connsiteX0" fmla="*/ 0 w 389642"/>
-                <a:gd name="connsiteY0" fmla="*/ 109979 h 235670"/>
-                <a:gd name="connsiteX1" fmla="*/ 153972 w 389642"/>
-                <a:gd name="connsiteY1" fmla="*/ 0 h 235670"/>
-                <a:gd name="connsiteX2" fmla="*/ 389642 w 389642"/>
-                <a:gd name="connsiteY2" fmla="*/ 157113 h 235670"/>
-                <a:gd name="connsiteX3" fmla="*/ 276520 w 389642"/>
-                <a:gd name="connsiteY3" fmla="*/ 144544 h 235670"/>
-                <a:gd name="connsiteX4" fmla="*/ 201106 w 389642"/>
-                <a:gd name="connsiteY4" fmla="*/ 235670 h 235670"/>
-                <a:gd name="connsiteX5" fmla="*/ 131976 w 389642"/>
-                <a:gd name="connsiteY5" fmla="*/ 147686 h 235670"/>
-                <a:gd name="connsiteX6" fmla="*/ 37708 w 389642"/>
-                <a:gd name="connsiteY6" fmla="*/ 210532 h 235670"/>
-                <a:gd name="connsiteX7" fmla="*/ 0 w 389642"/>
-                <a:gd name="connsiteY7" fmla="*/ 109979 h 235670"/>
-              </a:gdLst>
-              <a:ahLst/>
-              <a:cxnLst>
-                <a:cxn ang="0">
-                  <a:pos x="connsiteX0" y="connsiteY0"/>
-                </a:cxn>
-                <a:cxn ang="0">
-                  <a:pos x="connsiteX1" y="connsiteY1"/>
-                </a:cxn>
-                <a:cxn ang="0">
-                  <a:pos x="connsiteX2" y="connsiteY2"/>
-                </a:cxn>
-                <a:cxn ang="0">
-                  <a:pos x="connsiteX3" y="connsiteY3"/>
-                </a:cxn>
-                <a:cxn ang="0">
-                  <a:pos x="connsiteX4" y="connsiteY4"/>
-                </a:cxn>
-                <a:cxn ang="0">
-                  <a:pos x="connsiteX5" y="connsiteY5"/>
-                </a:cxn>
-                <a:cxn ang="0">
-                  <a:pos x="connsiteX6" y="connsiteY6"/>
-                </a:cxn>
-                <a:cxn ang="0">
-                  <a:pos x="connsiteX7" y="connsiteY7"/>
-                </a:cxn>
-              </a:cxnLst>
-              <a:rect l="l" t="t" r="r" b="b"/>
-              <a:pathLst>
-                <a:path w="389642" h="235670">
-                  <a:moveTo>
-                    <a:pt x="0" y="109979"/>
-                  </a:moveTo>
-                  <a:lnTo>
-                    <a:pt x="153972" y="0"/>
-                  </a:lnTo>
-                  <a:lnTo>
-                    <a:pt x="389642" y="157113"/>
-                  </a:lnTo>
-                  <a:lnTo>
-                    <a:pt x="276520" y="144544"/>
-                  </a:lnTo>
-                  <a:lnTo>
-                    <a:pt x="201106" y="235670"/>
-                  </a:lnTo>
-                  <a:lnTo>
-                    <a:pt x="131976" y="147686"/>
-                  </a:lnTo>
-                  <a:lnTo>
-                    <a:pt x="37708" y="210532"/>
-                  </a:lnTo>
-                  <a:lnTo>
-                    <a:pt x="0" y="109979"/>
-                  </a:lnTo>
-                  <a:close/>
-                </a:path>
-              </a:pathLst>
-            </a:custGeom>
-            <a:solidFill>
-              <a:schemeClr val="bg1"/>
-            </a:solidFill>
-            <a:ln>
-              <a:noFill/>
-            </a:ln>
-          </p:spPr>
-          <p:style>
-            <a:lnRef idx="2">
-              <a:schemeClr val="accent1">
-                <a:shade val="50000"/>
-              </a:schemeClr>
-            </a:lnRef>
-            <a:fillRef idx="1">
-              <a:schemeClr val="accent1"/>
-            </a:fillRef>
-            <a:effectRef idx="0">
-              <a:schemeClr val="accent1"/>
-            </a:effectRef>
-            <a:fontRef idx="minor">
-              <a:schemeClr val="lt1"/>
-            </a:fontRef>
-          </p:style>
-          <p:txBody>
-            <a:bodyPr rtlCol="0" anchor="ctr"/>
-            <a:lstStyle/>
-            <a:p>
-              <a:pPr algn="ctr"/>
-              <a:endParaRPr lang="en-US"/>
             </a:p>
           </p:txBody>
         </p:sp>
       </p:grpSp>
+      <p:pic>
+        <p:nvPicPr>
+          <p:cNvPr id="1026" name="Picture 2" descr="Reclamation shield with Bureau of Reclamation">
+            <a:extLst>
+              <a:ext uri="{FF2B5EF4-FFF2-40B4-BE49-F238E27FC236}">
+                <a16:creationId xmlns:a16="http://schemas.microsoft.com/office/drawing/2014/main" id="{FC8FBE18-EE92-4C84-8DA4-658D4D2C9FE8}"/>
+              </a:ext>
+            </a:extLst>
+          </p:cNvPr>
+          <p:cNvPicPr>
+            <a:picLocks noChangeAspect="1" noChangeArrowheads="1"/>
+          </p:cNvPicPr>
+          <p:nvPr/>
+        </p:nvPicPr>
+        <p:blipFill>
+          <a:blip r:embed="rId2" cstate="print">
+            <a:extLst>
+              <a:ext uri="{28A0092B-C50C-407E-A947-70E740481C1C}">
+                <a14:useLocalDpi xmlns:a14="http://schemas.microsoft.com/office/drawing/2010/main" val="0"/>
+              </a:ext>
+            </a:extLst>
+          </a:blip>
+          <a:srcRect/>
+          <a:stretch>
+            <a:fillRect/>
+          </a:stretch>
+        </p:blipFill>
+        <p:spPr bwMode="auto">
+          <a:xfrm>
+            <a:off x="4885286" y="3909083"/>
+            <a:ext cx="3069777" cy="2836671"/>
+          </a:xfrm>
+          <a:prstGeom prst="rect">
+            <a:avLst/>
+          </a:prstGeom>
+          <a:noFill/>
+          <a:extLst>
+            <a:ext uri="{909E8E84-426E-40DD-AFC4-6F175D3DCCD1}">
+              <a14:hiddenFill xmlns:a14="http://schemas.microsoft.com/office/drawing/2010/main">
+                <a:solidFill>
+                  <a:srgbClr val="FFFFFF"/>
+                </a:solidFill>
+              </a14:hiddenFill>
+            </a:ext>
+          </a:extLst>
+        </p:spPr>
+      </p:pic>
+      <p:sp>
+        <p:nvSpPr>
+          <p:cNvPr id="3" name="Freeform: Shape 2">
+            <a:extLst>
+              <a:ext uri="{FF2B5EF4-FFF2-40B4-BE49-F238E27FC236}">
+                <a16:creationId xmlns:a16="http://schemas.microsoft.com/office/drawing/2014/main" id="{B7692D72-B338-4514-87F5-6F225D5C64D5}"/>
+              </a:ext>
+            </a:extLst>
+          </p:cNvPr>
+          <p:cNvSpPr/>
+          <p:nvPr/>
+        </p:nvSpPr>
+        <p:spPr>
+          <a:xfrm>
+            <a:off x="9384882" y="2104552"/>
+            <a:ext cx="1343025" cy="434975"/>
+          </a:xfrm>
+          <a:custGeom>
+            <a:avLst/>
+            <a:gdLst>
+              <a:gd name="connsiteX0" fmla="*/ 0 w 1343025"/>
+              <a:gd name="connsiteY0" fmla="*/ 428625 h 428625"/>
+              <a:gd name="connsiteX1" fmla="*/ 396875 w 1343025"/>
+              <a:gd name="connsiteY1" fmla="*/ 85725 h 428625"/>
+              <a:gd name="connsiteX2" fmla="*/ 609600 w 1343025"/>
+              <a:gd name="connsiteY2" fmla="*/ 190500 h 428625"/>
+              <a:gd name="connsiteX3" fmla="*/ 809625 w 1343025"/>
+              <a:gd name="connsiteY3" fmla="*/ 0 h 428625"/>
+              <a:gd name="connsiteX4" fmla="*/ 1343025 w 1343025"/>
+              <a:gd name="connsiteY4" fmla="*/ 336550 h 428625"/>
+              <a:gd name="connsiteX0" fmla="*/ 0 w 1343025"/>
+              <a:gd name="connsiteY0" fmla="*/ 434975 h 434975"/>
+              <a:gd name="connsiteX1" fmla="*/ 396875 w 1343025"/>
+              <a:gd name="connsiteY1" fmla="*/ 92075 h 434975"/>
+              <a:gd name="connsiteX2" fmla="*/ 609600 w 1343025"/>
+              <a:gd name="connsiteY2" fmla="*/ 196850 h 434975"/>
+              <a:gd name="connsiteX3" fmla="*/ 819150 w 1343025"/>
+              <a:gd name="connsiteY3" fmla="*/ 0 h 434975"/>
+              <a:gd name="connsiteX4" fmla="*/ 1343025 w 1343025"/>
+              <a:gd name="connsiteY4" fmla="*/ 342900 h 434975"/>
+              <a:gd name="connsiteX0" fmla="*/ 0 w 1343025"/>
+              <a:gd name="connsiteY0" fmla="*/ 434975 h 434975"/>
+              <a:gd name="connsiteX1" fmla="*/ 396875 w 1343025"/>
+              <a:gd name="connsiteY1" fmla="*/ 92075 h 434975"/>
+              <a:gd name="connsiteX2" fmla="*/ 600075 w 1343025"/>
+              <a:gd name="connsiteY2" fmla="*/ 254000 h 434975"/>
+              <a:gd name="connsiteX3" fmla="*/ 819150 w 1343025"/>
+              <a:gd name="connsiteY3" fmla="*/ 0 h 434975"/>
+              <a:gd name="connsiteX4" fmla="*/ 1343025 w 1343025"/>
+              <a:gd name="connsiteY4" fmla="*/ 342900 h 434975"/>
+              <a:gd name="connsiteX0" fmla="*/ 0 w 1343025"/>
+              <a:gd name="connsiteY0" fmla="*/ 434975 h 434975"/>
+              <a:gd name="connsiteX1" fmla="*/ 396875 w 1343025"/>
+              <a:gd name="connsiteY1" fmla="*/ 92075 h 434975"/>
+              <a:gd name="connsiteX2" fmla="*/ 600075 w 1343025"/>
+              <a:gd name="connsiteY2" fmla="*/ 193675 h 434975"/>
+              <a:gd name="connsiteX3" fmla="*/ 819150 w 1343025"/>
+              <a:gd name="connsiteY3" fmla="*/ 0 h 434975"/>
+              <a:gd name="connsiteX4" fmla="*/ 1343025 w 1343025"/>
+              <a:gd name="connsiteY4" fmla="*/ 342900 h 434975"/>
+            </a:gdLst>
+            <a:ahLst/>
+            <a:cxnLst>
+              <a:cxn ang="0">
+                <a:pos x="connsiteX0" y="connsiteY0"/>
+              </a:cxn>
+              <a:cxn ang="0">
+                <a:pos x="connsiteX1" y="connsiteY1"/>
+              </a:cxn>
+              <a:cxn ang="0">
+                <a:pos x="connsiteX2" y="connsiteY2"/>
+              </a:cxn>
+              <a:cxn ang="0">
+                <a:pos x="connsiteX3" y="connsiteY3"/>
+              </a:cxn>
+              <a:cxn ang="0">
+                <a:pos x="connsiteX4" y="connsiteY4"/>
+              </a:cxn>
+            </a:cxnLst>
+            <a:rect l="l" t="t" r="r" b="b"/>
+            <a:pathLst>
+              <a:path w="1343025" h="434975">
+                <a:moveTo>
+                  <a:pt x="0" y="434975"/>
+                </a:moveTo>
+                <a:lnTo>
+                  <a:pt x="396875" y="92075"/>
+                </a:lnTo>
+                <a:lnTo>
+                  <a:pt x="600075" y="193675"/>
+                </a:lnTo>
+                <a:lnTo>
+                  <a:pt x="819150" y="0"/>
+                </a:lnTo>
+                <a:lnTo>
+                  <a:pt x="1343025" y="342900"/>
+                </a:lnTo>
+              </a:path>
+            </a:pathLst>
+          </a:custGeom>
+          <a:solidFill>
+            <a:srgbClr val="007396"/>
+          </a:solidFill>
+          <a:ln>
+            <a:solidFill>
+              <a:srgbClr val="007396"/>
+            </a:solidFill>
+          </a:ln>
+        </p:spPr>
+        <p:style>
+          <a:lnRef idx="2">
+            <a:schemeClr val="accent1">
+              <a:shade val="50000"/>
+            </a:schemeClr>
+          </a:lnRef>
+          <a:fillRef idx="1">
+            <a:schemeClr val="accent1"/>
+          </a:fillRef>
+          <a:effectRef idx="0">
+            <a:schemeClr val="accent1"/>
+          </a:effectRef>
+          <a:fontRef idx="minor">
+            <a:schemeClr val="lt1"/>
+          </a:fontRef>
+        </p:style>
+        <p:txBody>
+          <a:bodyPr rtlCol="0" anchor="ctr"/>
+          <a:lstStyle/>
+          <a:p>
+            <a:pPr algn="ctr"/>
+            <a:endParaRPr lang="en-US"/>
+          </a:p>
+        </p:txBody>
+      </p:sp>
     </p:spTree>
     <p:extLst>
       <p:ext uri="{BB962C8B-B14F-4D97-AF65-F5344CB8AC3E}">

--- a/Resources/GraphicalResources/Presentation1.pptx
+++ b/Resources/GraphicalResources/Presentation1.pptx
@@ -8,6 +8,7 @@
     <p:sldId id="256" r:id="rId2"/>
     <p:sldId id="257" r:id="rId3"/>
     <p:sldId id="258" r:id="rId4"/>
+    <p:sldId id="259" r:id="rId5"/>
   </p:sldIdLst>
   <p:sldSz cx="12192000" cy="6858000"/>
   <p:notesSz cx="6858000" cy="9144000"/>
@@ -18188,10 +18189,3947 @@
           </p:txBody>
         </p:sp>
       </p:grpSp>
+      <p:sp>
+        <p:nvSpPr>
+          <p:cNvPr id="56" name="Rounded Rectangle 16">
+            <a:extLst>
+              <a:ext uri="{FF2B5EF4-FFF2-40B4-BE49-F238E27FC236}">
+                <a16:creationId xmlns:a16="http://schemas.microsoft.com/office/drawing/2014/main" id="{A7C0D529-CB62-4029-8B96-8DE59807D5D3}"/>
+              </a:ext>
+            </a:extLst>
+          </p:cNvPr>
+          <p:cNvSpPr/>
+          <p:nvPr/>
+        </p:nvSpPr>
+        <p:spPr>
+          <a:xfrm>
+            <a:off x="2962126" y="5388088"/>
+            <a:ext cx="3818314" cy="904712"/>
+          </a:xfrm>
+          <a:prstGeom prst="roundRect">
+            <a:avLst>
+              <a:gd name="adj" fmla="val 8218"/>
+            </a:avLst>
+          </a:prstGeom>
+          <a:solidFill>
+            <a:srgbClr val="FFFFFF">
+              <a:alpha val="80000"/>
+            </a:srgbClr>
+          </a:solidFill>
+          <a:ln w="38100">
+            <a:noFill/>
+          </a:ln>
+        </p:spPr>
+        <p:style>
+          <a:lnRef idx="2">
+            <a:schemeClr val="accent1">
+              <a:shade val="50000"/>
+            </a:schemeClr>
+          </a:lnRef>
+          <a:fillRef idx="1">
+            <a:schemeClr val="accent1"/>
+          </a:fillRef>
+          <a:effectRef idx="0">
+            <a:schemeClr val="accent1"/>
+          </a:effectRef>
+          <a:fontRef idx="minor">
+            <a:schemeClr val="lt1"/>
+          </a:fontRef>
+        </p:style>
+        <p:txBody>
+          <a:bodyPr rtlCol="0" anchor="ctr"/>
+          <a:lstStyle/>
+          <a:p>
+            <a:pPr algn="ctr"/>
+            <a:endParaRPr lang="en-US" dirty="0"/>
+          </a:p>
+        </p:txBody>
+      </p:sp>
+      <p:sp>
+        <p:nvSpPr>
+          <p:cNvPr id="57" name="TextBox 56">
+            <a:extLst>
+              <a:ext uri="{FF2B5EF4-FFF2-40B4-BE49-F238E27FC236}">
+                <a16:creationId xmlns:a16="http://schemas.microsoft.com/office/drawing/2014/main" id="{6108927C-CCF9-4C42-85EF-4606B7ED06B9}"/>
+              </a:ext>
+            </a:extLst>
+          </p:cNvPr>
+          <p:cNvSpPr txBox="1"/>
+          <p:nvPr/>
+        </p:nvSpPr>
+        <p:spPr>
+          <a:xfrm>
+            <a:off x="2941222" y="5303683"/>
+            <a:ext cx="3082530" cy="800217"/>
+          </a:xfrm>
+          <a:prstGeom prst="rect">
+            <a:avLst/>
+          </a:prstGeom>
+          <a:noFill/>
+        </p:spPr>
+        <p:txBody>
+          <a:bodyPr wrap="square" rtlCol="0">
+            <a:spAutoFit/>
+          </a:bodyPr>
+          <a:lstStyle/>
+          <a:p>
+            <a:r>
+              <a:rPr lang="en-US" sz="4600" kern="0" dirty="0">
+                <a:solidFill>
+                  <a:srgbClr val="003E51"/>
+                </a:solidFill>
+                <a:latin typeface="Segoe UI Semilight" panose="020B0402040204020203" pitchFamily="34" charset="0"/>
+                <a:ea typeface="Tahoma" panose="020B0604030504040204" pitchFamily="34" charset="0"/>
+                <a:cs typeface="Segoe UI Semilight" panose="020B0402040204020203" pitchFamily="34" charset="0"/>
+              </a:rPr>
+              <a:t>Next</a:t>
+            </a:r>
+            <a:r>
+              <a:rPr lang="en-US" sz="4600" b="1" kern="0" dirty="0">
+                <a:solidFill>
+                  <a:srgbClr val="003E51"/>
+                </a:solidFill>
+                <a:latin typeface="Segoe UI Semibold" panose="020B0702040204020203" pitchFamily="34" charset="0"/>
+                <a:ea typeface="Tahoma" panose="020B0604030504040204" pitchFamily="34" charset="0"/>
+                <a:cs typeface="Segoe UI Semibold" panose="020B0702040204020203" pitchFamily="34" charset="0"/>
+              </a:rPr>
+              <a:t>Flow</a:t>
+            </a:r>
+          </a:p>
+        </p:txBody>
+      </p:sp>
+      <p:sp>
+        <p:nvSpPr>
+          <p:cNvPr id="58" name="TextBox 57">
+            <a:extLst>
+              <a:ext uri="{FF2B5EF4-FFF2-40B4-BE49-F238E27FC236}">
+                <a16:creationId xmlns:a16="http://schemas.microsoft.com/office/drawing/2014/main" id="{FDC5B2BE-FC19-4097-8B4A-BB60A17C3646}"/>
+              </a:ext>
+            </a:extLst>
+          </p:cNvPr>
+          <p:cNvSpPr txBox="1"/>
+          <p:nvPr/>
+        </p:nvSpPr>
+        <p:spPr>
+          <a:xfrm>
+            <a:off x="2985611" y="5890631"/>
+            <a:ext cx="2857602" cy="342774"/>
+          </a:xfrm>
+          <a:prstGeom prst="rect">
+            <a:avLst/>
+          </a:prstGeom>
+          <a:noFill/>
+        </p:spPr>
+        <p:txBody>
+          <a:bodyPr wrap="square" rtlCol="0">
+            <a:spAutoFit/>
+          </a:bodyPr>
+          <a:lstStyle/>
+          <a:p>
+            <a:r>
+              <a:rPr lang="en-US" sz="1600" dirty="0">
+                <a:solidFill>
+                  <a:srgbClr val="007396"/>
+                </a:solidFill>
+                <a:latin typeface="Segoe UI Semibold" panose="020B0702040204020203" pitchFamily="34" charset="0"/>
+                <a:cs typeface="Segoe UI Semibold" panose="020B0702040204020203" pitchFamily="34" charset="0"/>
+              </a:rPr>
+              <a:t>Water Supply Forecasting</a:t>
+            </a:r>
+          </a:p>
+        </p:txBody>
+      </p:sp>
+      <p:grpSp>
+        <p:nvGrpSpPr>
+          <p:cNvPr id="59" name="Group 58">
+            <a:extLst>
+              <a:ext uri="{FF2B5EF4-FFF2-40B4-BE49-F238E27FC236}">
+                <a16:creationId xmlns:a16="http://schemas.microsoft.com/office/drawing/2014/main" id="{6F0610D2-1535-4FBC-A5BC-CEDCAAE2FD37}"/>
+              </a:ext>
+            </a:extLst>
+          </p:cNvPr>
+          <p:cNvGrpSpPr/>
+          <p:nvPr/>
+        </p:nvGrpSpPr>
+        <p:grpSpPr>
+          <a:xfrm>
+            <a:off x="5521934" y="5444947"/>
+            <a:ext cx="1102160" cy="772577"/>
+            <a:chOff x="5738399" y="308014"/>
+            <a:chExt cx="5000604" cy="3505254"/>
+          </a:xfrm>
+        </p:grpSpPr>
+        <p:grpSp>
+          <p:nvGrpSpPr>
+            <p:cNvPr id="60" name="Group 59">
+              <a:extLst>
+                <a:ext uri="{FF2B5EF4-FFF2-40B4-BE49-F238E27FC236}">
+                  <a16:creationId xmlns:a16="http://schemas.microsoft.com/office/drawing/2014/main" id="{6E5B566B-82FD-4073-986D-2F0E7D33EFD0}"/>
+                </a:ext>
+              </a:extLst>
+            </p:cNvPr>
+            <p:cNvGrpSpPr/>
+            <p:nvPr/>
+          </p:nvGrpSpPr>
+          <p:grpSpPr>
+            <a:xfrm>
+              <a:off x="5738399" y="308014"/>
+              <a:ext cx="5000604" cy="1679952"/>
+              <a:chOff x="7515689" y="3541086"/>
+              <a:chExt cx="1622651" cy="545129"/>
+            </a:xfrm>
+          </p:grpSpPr>
+          <p:sp>
+            <p:nvSpPr>
+              <p:cNvPr id="69" name="Freeform: Shape 68">
+                <a:extLst>
+                  <a:ext uri="{FF2B5EF4-FFF2-40B4-BE49-F238E27FC236}">
+                    <a16:creationId xmlns:a16="http://schemas.microsoft.com/office/drawing/2014/main" id="{5CE00340-15C4-4EE0-BA9B-BAAD61564CF5}"/>
+                  </a:ext>
+                </a:extLst>
+              </p:cNvPr>
+              <p:cNvSpPr/>
+              <p:nvPr/>
+            </p:nvSpPr>
+            <p:spPr>
+              <a:xfrm>
+                <a:off x="7515689" y="3541086"/>
+                <a:ext cx="1622651" cy="545129"/>
+              </a:xfrm>
+              <a:custGeom>
+                <a:avLst/>
+                <a:gdLst>
+                  <a:gd name="connsiteX0" fmla="*/ 0 w 1385888"/>
+                  <a:gd name="connsiteY0" fmla="*/ 442912 h 442912"/>
+                  <a:gd name="connsiteX1" fmla="*/ 1385888 w 1385888"/>
+                  <a:gd name="connsiteY1" fmla="*/ 442912 h 442912"/>
+                  <a:gd name="connsiteX2" fmla="*/ 823913 w 1385888"/>
+                  <a:gd name="connsiteY2" fmla="*/ 0 h 442912"/>
+                  <a:gd name="connsiteX3" fmla="*/ 600075 w 1385888"/>
+                  <a:gd name="connsiteY3" fmla="*/ 185737 h 442912"/>
+                  <a:gd name="connsiteX4" fmla="*/ 404813 w 1385888"/>
+                  <a:gd name="connsiteY4" fmla="*/ 100012 h 442912"/>
+                  <a:gd name="connsiteX5" fmla="*/ 0 w 1385888"/>
+                  <a:gd name="connsiteY5" fmla="*/ 442912 h 442912"/>
+                </a:gdLst>
+                <a:ahLst/>
+                <a:cxnLst>
+                  <a:cxn ang="0">
+                    <a:pos x="connsiteX0" y="connsiteY0"/>
+                  </a:cxn>
+                  <a:cxn ang="0">
+                    <a:pos x="connsiteX1" y="connsiteY1"/>
+                  </a:cxn>
+                  <a:cxn ang="0">
+                    <a:pos x="connsiteX2" y="connsiteY2"/>
+                  </a:cxn>
+                  <a:cxn ang="0">
+                    <a:pos x="connsiteX3" y="connsiteY3"/>
+                  </a:cxn>
+                  <a:cxn ang="0">
+                    <a:pos x="connsiteX4" y="connsiteY4"/>
+                  </a:cxn>
+                  <a:cxn ang="0">
+                    <a:pos x="connsiteX5" y="connsiteY5"/>
+                  </a:cxn>
+                </a:cxnLst>
+                <a:rect l="l" t="t" r="r" b="b"/>
+                <a:pathLst>
+                  <a:path w="1385888" h="442912">
+                    <a:moveTo>
+                      <a:pt x="0" y="442912"/>
+                    </a:moveTo>
+                    <a:lnTo>
+                      <a:pt x="1385888" y="442912"/>
+                    </a:lnTo>
+                    <a:lnTo>
+                      <a:pt x="823913" y="0"/>
+                    </a:lnTo>
+                    <a:lnTo>
+                      <a:pt x="600075" y="185737"/>
+                    </a:lnTo>
+                    <a:lnTo>
+                      <a:pt x="404813" y="100012"/>
+                    </a:lnTo>
+                    <a:lnTo>
+                      <a:pt x="0" y="442912"/>
+                    </a:lnTo>
+                    <a:close/>
+                  </a:path>
+                </a:pathLst>
+              </a:custGeom>
+              <a:solidFill>
+                <a:srgbClr val="003E51"/>
+              </a:solidFill>
+              <a:ln>
+                <a:noFill/>
+              </a:ln>
+            </p:spPr>
+            <p:style>
+              <a:lnRef idx="2">
+                <a:schemeClr val="accent1">
+                  <a:shade val="50000"/>
+                </a:schemeClr>
+              </a:lnRef>
+              <a:fillRef idx="1">
+                <a:schemeClr val="accent1"/>
+              </a:fillRef>
+              <a:effectRef idx="0">
+                <a:schemeClr val="accent1"/>
+              </a:effectRef>
+              <a:fontRef idx="minor">
+                <a:schemeClr val="lt1"/>
+              </a:fontRef>
+            </p:style>
+            <p:txBody>
+              <a:bodyPr rtlCol="0" anchor="ctr"/>
+              <a:lstStyle/>
+              <a:p>
+                <a:pPr algn="ctr"/>
+                <a:endParaRPr lang="en-US" dirty="0"/>
+              </a:p>
+            </p:txBody>
+          </p:sp>
+          <p:sp>
+            <p:nvSpPr>
+              <p:cNvPr id="70" name="Freeform: Shape 69">
+                <a:extLst>
+                  <a:ext uri="{FF2B5EF4-FFF2-40B4-BE49-F238E27FC236}">
+                    <a16:creationId xmlns:a16="http://schemas.microsoft.com/office/drawing/2014/main" id="{C15396A1-6067-4122-93B9-87D72E5DCEA3}"/>
+                  </a:ext>
+                </a:extLst>
+              </p:cNvPr>
+              <p:cNvSpPr/>
+              <p:nvPr/>
+            </p:nvSpPr>
+            <p:spPr>
+              <a:xfrm>
+                <a:off x="7859109" y="3711072"/>
+                <a:ext cx="263342" cy="140678"/>
+              </a:xfrm>
+              <a:custGeom>
+                <a:avLst/>
+                <a:gdLst>
+                  <a:gd name="connsiteX0" fmla="*/ 0 w 226218"/>
+                  <a:gd name="connsiteY0" fmla="*/ 104775 h 114300"/>
+                  <a:gd name="connsiteX1" fmla="*/ 121443 w 226218"/>
+                  <a:gd name="connsiteY1" fmla="*/ 0 h 114300"/>
+                  <a:gd name="connsiteX2" fmla="*/ 226218 w 226218"/>
+                  <a:gd name="connsiteY2" fmla="*/ 42863 h 114300"/>
+                  <a:gd name="connsiteX3" fmla="*/ 185737 w 226218"/>
+                  <a:gd name="connsiteY3" fmla="*/ 90488 h 114300"/>
+                  <a:gd name="connsiteX4" fmla="*/ 133350 w 226218"/>
+                  <a:gd name="connsiteY4" fmla="*/ 61913 h 114300"/>
+                  <a:gd name="connsiteX5" fmla="*/ 83343 w 226218"/>
+                  <a:gd name="connsiteY5" fmla="*/ 114300 h 114300"/>
+                  <a:gd name="connsiteX6" fmla="*/ 52387 w 226218"/>
+                  <a:gd name="connsiteY6" fmla="*/ 92869 h 114300"/>
+                  <a:gd name="connsiteX7" fmla="*/ 0 w 226218"/>
+                  <a:gd name="connsiteY7" fmla="*/ 104775 h 114300"/>
+                </a:gdLst>
+                <a:ahLst/>
+                <a:cxnLst>
+                  <a:cxn ang="0">
+                    <a:pos x="connsiteX0" y="connsiteY0"/>
+                  </a:cxn>
+                  <a:cxn ang="0">
+                    <a:pos x="connsiteX1" y="connsiteY1"/>
+                  </a:cxn>
+                  <a:cxn ang="0">
+                    <a:pos x="connsiteX2" y="connsiteY2"/>
+                  </a:cxn>
+                  <a:cxn ang="0">
+                    <a:pos x="connsiteX3" y="connsiteY3"/>
+                  </a:cxn>
+                  <a:cxn ang="0">
+                    <a:pos x="connsiteX4" y="connsiteY4"/>
+                  </a:cxn>
+                  <a:cxn ang="0">
+                    <a:pos x="connsiteX5" y="connsiteY5"/>
+                  </a:cxn>
+                  <a:cxn ang="0">
+                    <a:pos x="connsiteX6" y="connsiteY6"/>
+                  </a:cxn>
+                  <a:cxn ang="0">
+                    <a:pos x="connsiteX7" y="connsiteY7"/>
+                  </a:cxn>
+                </a:cxnLst>
+                <a:rect l="l" t="t" r="r" b="b"/>
+                <a:pathLst>
+                  <a:path w="226218" h="114300">
+                    <a:moveTo>
+                      <a:pt x="0" y="104775"/>
+                    </a:moveTo>
+                    <a:lnTo>
+                      <a:pt x="121443" y="0"/>
+                    </a:lnTo>
+                    <a:lnTo>
+                      <a:pt x="226218" y="42863"/>
+                    </a:lnTo>
+                    <a:lnTo>
+                      <a:pt x="185737" y="90488"/>
+                    </a:lnTo>
+                    <a:lnTo>
+                      <a:pt x="133350" y="61913"/>
+                    </a:lnTo>
+                    <a:lnTo>
+                      <a:pt x="83343" y="114300"/>
+                    </a:lnTo>
+                    <a:lnTo>
+                      <a:pt x="52387" y="92869"/>
+                    </a:lnTo>
+                    <a:lnTo>
+                      <a:pt x="0" y="104775"/>
+                    </a:lnTo>
+                    <a:close/>
+                  </a:path>
+                </a:pathLst>
+              </a:custGeom>
+              <a:solidFill>
+                <a:schemeClr val="bg2"/>
+              </a:solidFill>
+              <a:ln>
+                <a:solidFill>
+                  <a:schemeClr val="bg2"/>
+                </a:solidFill>
+              </a:ln>
+            </p:spPr>
+            <p:style>
+              <a:lnRef idx="2">
+                <a:schemeClr val="accent1">
+                  <a:shade val="50000"/>
+                </a:schemeClr>
+              </a:lnRef>
+              <a:fillRef idx="1">
+                <a:schemeClr val="accent1"/>
+              </a:fillRef>
+              <a:effectRef idx="0">
+                <a:schemeClr val="accent1"/>
+              </a:effectRef>
+              <a:fontRef idx="minor">
+                <a:schemeClr val="lt1"/>
+              </a:fontRef>
+            </p:style>
+            <p:txBody>
+              <a:bodyPr rtlCol="0" anchor="ctr"/>
+              <a:lstStyle/>
+              <a:p>
+                <a:pPr algn="ctr"/>
+                <a:endParaRPr lang="en-US" dirty="0"/>
+              </a:p>
+            </p:txBody>
+          </p:sp>
+          <p:sp>
+            <p:nvSpPr>
+              <p:cNvPr id="71" name="Freeform: Shape 70">
+                <a:extLst>
+                  <a:ext uri="{FF2B5EF4-FFF2-40B4-BE49-F238E27FC236}">
+                    <a16:creationId xmlns:a16="http://schemas.microsoft.com/office/drawing/2014/main" id="{4AD52037-A94F-4E44-AA6F-ECC0460C32FB}"/>
+                  </a:ext>
+                </a:extLst>
+              </p:cNvPr>
+              <p:cNvSpPr/>
+              <p:nvPr/>
+            </p:nvSpPr>
+            <p:spPr>
+              <a:xfrm>
+                <a:off x="8296363" y="3593880"/>
+                <a:ext cx="365980" cy="234424"/>
+              </a:xfrm>
+              <a:custGeom>
+                <a:avLst/>
+                <a:gdLst>
+                  <a:gd name="connsiteX0" fmla="*/ 64294 w 316706"/>
+                  <a:gd name="connsiteY0" fmla="*/ 80962 h 207169"/>
+                  <a:gd name="connsiteX1" fmla="*/ 152400 w 316706"/>
+                  <a:gd name="connsiteY1" fmla="*/ 0 h 207169"/>
+                  <a:gd name="connsiteX2" fmla="*/ 316706 w 316706"/>
+                  <a:gd name="connsiteY2" fmla="*/ 135731 h 207169"/>
+                  <a:gd name="connsiteX3" fmla="*/ 238125 w 316706"/>
+                  <a:gd name="connsiteY3" fmla="*/ 126206 h 207169"/>
+                  <a:gd name="connsiteX4" fmla="*/ 197644 w 316706"/>
+                  <a:gd name="connsiteY4" fmla="*/ 183356 h 207169"/>
+                  <a:gd name="connsiteX5" fmla="*/ 145256 w 316706"/>
+                  <a:gd name="connsiteY5" fmla="*/ 121444 h 207169"/>
+                  <a:gd name="connsiteX6" fmla="*/ 85725 w 316706"/>
+                  <a:gd name="connsiteY6" fmla="*/ 207169 h 207169"/>
+                  <a:gd name="connsiteX7" fmla="*/ 0 w 316706"/>
+                  <a:gd name="connsiteY7" fmla="*/ 130969 h 207169"/>
+                  <a:gd name="connsiteX8" fmla="*/ 64294 w 316706"/>
+                  <a:gd name="connsiteY8" fmla="*/ 80962 h 207169"/>
+                  <a:gd name="connsiteX0" fmla="*/ 57150 w 309562"/>
+                  <a:gd name="connsiteY0" fmla="*/ 80962 h 207169"/>
+                  <a:gd name="connsiteX1" fmla="*/ 145256 w 309562"/>
+                  <a:gd name="connsiteY1" fmla="*/ 0 h 207169"/>
+                  <a:gd name="connsiteX2" fmla="*/ 309562 w 309562"/>
+                  <a:gd name="connsiteY2" fmla="*/ 135731 h 207169"/>
+                  <a:gd name="connsiteX3" fmla="*/ 230981 w 309562"/>
+                  <a:gd name="connsiteY3" fmla="*/ 126206 h 207169"/>
+                  <a:gd name="connsiteX4" fmla="*/ 190500 w 309562"/>
+                  <a:gd name="connsiteY4" fmla="*/ 183356 h 207169"/>
+                  <a:gd name="connsiteX5" fmla="*/ 138112 w 309562"/>
+                  <a:gd name="connsiteY5" fmla="*/ 121444 h 207169"/>
+                  <a:gd name="connsiteX6" fmla="*/ 78581 w 309562"/>
+                  <a:gd name="connsiteY6" fmla="*/ 207169 h 207169"/>
+                  <a:gd name="connsiteX7" fmla="*/ 0 w 309562"/>
+                  <a:gd name="connsiteY7" fmla="*/ 140494 h 207169"/>
+                  <a:gd name="connsiteX8" fmla="*/ 57150 w 309562"/>
+                  <a:gd name="connsiteY8" fmla="*/ 80962 h 207169"/>
+                  <a:gd name="connsiteX0" fmla="*/ 71438 w 323850"/>
+                  <a:gd name="connsiteY0" fmla="*/ 80962 h 207169"/>
+                  <a:gd name="connsiteX1" fmla="*/ 159544 w 323850"/>
+                  <a:gd name="connsiteY1" fmla="*/ 0 h 207169"/>
+                  <a:gd name="connsiteX2" fmla="*/ 323850 w 323850"/>
+                  <a:gd name="connsiteY2" fmla="*/ 135731 h 207169"/>
+                  <a:gd name="connsiteX3" fmla="*/ 245269 w 323850"/>
+                  <a:gd name="connsiteY3" fmla="*/ 126206 h 207169"/>
+                  <a:gd name="connsiteX4" fmla="*/ 204788 w 323850"/>
+                  <a:gd name="connsiteY4" fmla="*/ 183356 h 207169"/>
+                  <a:gd name="connsiteX5" fmla="*/ 152400 w 323850"/>
+                  <a:gd name="connsiteY5" fmla="*/ 121444 h 207169"/>
+                  <a:gd name="connsiteX6" fmla="*/ 92869 w 323850"/>
+                  <a:gd name="connsiteY6" fmla="*/ 207169 h 207169"/>
+                  <a:gd name="connsiteX7" fmla="*/ 0 w 323850"/>
+                  <a:gd name="connsiteY7" fmla="*/ 133350 h 207169"/>
+                  <a:gd name="connsiteX8" fmla="*/ 71438 w 323850"/>
+                  <a:gd name="connsiteY8" fmla="*/ 80962 h 207169"/>
+                  <a:gd name="connsiteX0" fmla="*/ 73820 w 326232"/>
+                  <a:gd name="connsiteY0" fmla="*/ 80962 h 207169"/>
+                  <a:gd name="connsiteX1" fmla="*/ 161926 w 326232"/>
+                  <a:gd name="connsiteY1" fmla="*/ 0 h 207169"/>
+                  <a:gd name="connsiteX2" fmla="*/ 326232 w 326232"/>
+                  <a:gd name="connsiteY2" fmla="*/ 135731 h 207169"/>
+                  <a:gd name="connsiteX3" fmla="*/ 247651 w 326232"/>
+                  <a:gd name="connsiteY3" fmla="*/ 126206 h 207169"/>
+                  <a:gd name="connsiteX4" fmla="*/ 207170 w 326232"/>
+                  <a:gd name="connsiteY4" fmla="*/ 183356 h 207169"/>
+                  <a:gd name="connsiteX5" fmla="*/ 154782 w 326232"/>
+                  <a:gd name="connsiteY5" fmla="*/ 121444 h 207169"/>
+                  <a:gd name="connsiteX6" fmla="*/ 95251 w 326232"/>
+                  <a:gd name="connsiteY6" fmla="*/ 207169 h 207169"/>
+                  <a:gd name="connsiteX7" fmla="*/ 0 w 326232"/>
+                  <a:gd name="connsiteY7" fmla="*/ 147637 h 207169"/>
+                  <a:gd name="connsiteX8" fmla="*/ 73820 w 326232"/>
+                  <a:gd name="connsiteY8" fmla="*/ 80962 h 207169"/>
+                  <a:gd name="connsiteX0" fmla="*/ 73820 w 326232"/>
+                  <a:gd name="connsiteY0" fmla="*/ 71437 h 197644"/>
+                  <a:gd name="connsiteX1" fmla="*/ 166688 w 326232"/>
+                  <a:gd name="connsiteY1" fmla="*/ 0 h 197644"/>
+                  <a:gd name="connsiteX2" fmla="*/ 326232 w 326232"/>
+                  <a:gd name="connsiteY2" fmla="*/ 126206 h 197644"/>
+                  <a:gd name="connsiteX3" fmla="*/ 247651 w 326232"/>
+                  <a:gd name="connsiteY3" fmla="*/ 116681 h 197644"/>
+                  <a:gd name="connsiteX4" fmla="*/ 207170 w 326232"/>
+                  <a:gd name="connsiteY4" fmla="*/ 173831 h 197644"/>
+                  <a:gd name="connsiteX5" fmla="*/ 154782 w 326232"/>
+                  <a:gd name="connsiteY5" fmla="*/ 111919 h 197644"/>
+                  <a:gd name="connsiteX6" fmla="*/ 95251 w 326232"/>
+                  <a:gd name="connsiteY6" fmla="*/ 197644 h 197644"/>
+                  <a:gd name="connsiteX7" fmla="*/ 0 w 326232"/>
+                  <a:gd name="connsiteY7" fmla="*/ 138112 h 197644"/>
+                  <a:gd name="connsiteX8" fmla="*/ 73820 w 326232"/>
+                  <a:gd name="connsiteY8" fmla="*/ 71437 h 197644"/>
+                </a:gdLst>
+                <a:ahLst/>
+                <a:cxnLst>
+                  <a:cxn ang="0">
+                    <a:pos x="connsiteX0" y="connsiteY0"/>
+                  </a:cxn>
+                  <a:cxn ang="0">
+                    <a:pos x="connsiteX1" y="connsiteY1"/>
+                  </a:cxn>
+                  <a:cxn ang="0">
+                    <a:pos x="connsiteX2" y="connsiteY2"/>
+                  </a:cxn>
+                  <a:cxn ang="0">
+                    <a:pos x="connsiteX3" y="connsiteY3"/>
+                  </a:cxn>
+                  <a:cxn ang="0">
+                    <a:pos x="connsiteX4" y="connsiteY4"/>
+                  </a:cxn>
+                  <a:cxn ang="0">
+                    <a:pos x="connsiteX5" y="connsiteY5"/>
+                  </a:cxn>
+                  <a:cxn ang="0">
+                    <a:pos x="connsiteX6" y="connsiteY6"/>
+                  </a:cxn>
+                  <a:cxn ang="0">
+                    <a:pos x="connsiteX7" y="connsiteY7"/>
+                  </a:cxn>
+                  <a:cxn ang="0">
+                    <a:pos x="connsiteX8" y="connsiteY8"/>
+                  </a:cxn>
+                </a:cxnLst>
+                <a:rect l="l" t="t" r="r" b="b"/>
+                <a:pathLst>
+                  <a:path w="326232" h="197644">
+                    <a:moveTo>
+                      <a:pt x="73820" y="71437"/>
+                    </a:moveTo>
+                    <a:lnTo>
+                      <a:pt x="166688" y="0"/>
+                    </a:lnTo>
+                    <a:lnTo>
+                      <a:pt x="326232" y="126206"/>
+                    </a:lnTo>
+                    <a:lnTo>
+                      <a:pt x="247651" y="116681"/>
+                    </a:lnTo>
+                    <a:lnTo>
+                      <a:pt x="207170" y="173831"/>
+                    </a:lnTo>
+                    <a:lnTo>
+                      <a:pt x="154782" y="111919"/>
+                    </a:lnTo>
+                    <a:lnTo>
+                      <a:pt x="95251" y="197644"/>
+                    </a:lnTo>
+                    <a:lnTo>
+                      <a:pt x="0" y="138112"/>
+                    </a:lnTo>
+                    <a:lnTo>
+                      <a:pt x="73820" y="71437"/>
+                    </a:lnTo>
+                    <a:close/>
+                  </a:path>
+                </a:pathLst>
+              </a:custGeom>
+              <a:solidFill>
+                <a:schemeClr val="bg2"/>
+              </a:solidFill>
+              <a:ln>
+                <a:solidFill>
+                  <a:schemeClr val="bg2"/>
+                </a:solidFill>
+              </a:ln>
+            </p:spPr>
+            <p:style>
+              <a:lnRef idx="2">
+                <a:schemeClr val="accent1">
+                  <a:shade val="50000"/>
+                </a:schemeClr>
+              </a:lnRef>
+              <a:fillRef idx="1">
+                <a:schemeClr val="accent1"/>
+              </a:fillRef>
+              <a:effectRef idx="0">
+                <a:schemeClr val="accent1"/>
+              </a:effectRef>
+              <a:fontRef idx="minor">
+                <a:schemeClr val="lt1"/>
+              </a:fontRef>
+            </p:style>
+            <p:txBody>
+              <a:bodyPr rtlCol="0" anchor="ctr"/>
+              <a:lstStyle/>
+              <a:p>
+                <a:pPr algn="ctr"/>
+                <a:endParaRPr lang="en-US"/>
+              </a:p>
+            </p:txBody>
+          </p:sp>
+        </p:grpSp>
+        <p:sp>
+          <p:nvSpPr>
+            <p:cNvPr id="61" name="Trapezoid 60">
+              <a:extLst>
+                <a:ext uri="{FF2B5EF4-FFF2-40B4-BE49-F238E27FC236}">
+                  <a16:creationId xmlns:a16="http://schemas.microsoft.com/office/drawing/2014/main" id="{AE396393-C087-442A-AE82-4448F2382C86}"/>
+                </a:ext>
+              </a:extLst>
+            </p:cNvPr>
+            <p:cNvSpPr/>
+            <p:nvPr/>
+          </p:nvSpPr>
+          <p:spPr>
+            <a:xfrm rot="10800000">
+              <a:off x="5738399" y="2124989"/>
+              <a:ext cx="5000604" cy="131064"/>
+            </a:xfrm>
+            <a:prstGeom prst="trapezoid">
+              <a:avLst>
+                <a:gd name="adj" fmla="val 108604"/>
+              </a:avLst>
+            </a:prstGeom>
+            <a:solidFill>
+              <a:srgbClr val="007396"/>
+            </a:solidFill>
+            <a:ln>
+              <a:noFill/>
+            </a:ln>
+          </p:spPr>
+          <p:style>
+            <a:lnRef idx="2">
+              <a:schemeClr val="accent1">
+                <a:shade val="50000"/>
+              </a:schemeClr>
+            </a:lnRef>
+            <a:fillRef idx="1">
+              <a:schemeClr val="accent1"/>
+            </a:fillRef>
+            <a:effectRef idx="0">
+              <a:schemeClr val="accent1"/>
+            </a:effectRef>
+            <a:fontRef idx="minor">
+              <a:schemeClr val="lt1"/>
+            </a:fontRef>
+          </p:style>
+          <p:txBody>
+            <a:bodyPr rtlCol="0" anchor="ctr"/>
+            <a:lstStyle/>
+            <a:p>
+              <a:pPr algn="ctr"/>
+              <a:endParaRPr lang="en-US"/>
+            </a:p>
+          </p:txBody>
+        </p:sp>
+        <p:sp>
+          <p:nvSpPr>
+            <p:cNvPr id="62" name="Trapezoid 61">
+              <a:extLst>
+                <a:ext uri="{FF2B5EF4-FFF2-40B4-BE49-F238E27FC236}">
+                  <a16:creationId xmlns:a16="http://schemas.microsoft.com/office/drawing/2014/main" id="{A3F65DA6-5BA1-4884-AB64-6EA4AD464B2C}"/>
+                </a:ext>
+              </a:extLst>
+            </p:cNvPr>
+            <p:cNvSpPr/>
+            <p:nvPr/>
+          </p:nvSpPr>
+          <p:spPr>
+            <a:xfrm rot="10800000">
+              <a:off x="6038062" y="2387117"/>
+              <a:ext cx="4375517" cy="131064"/>
+            </a:xfrm>
+            <a:prstGeom prst="trapezoid">
+              <a:avLst>
+                <a:gd name="adj" fmla="val 108604"/>
+              </a:avLst>
+            </a:prstGeom>
+            <a:solidFill>
+              <a:srgbClr val="007396"/>
+            </a:solidFill>
+            <a:ln>
+              <a:noFill/>
+            </a:ln>
+          </p:spPr>
+          <p:style>
+            <a:lnRef idx="2">
+              <a:schemeClr val="accent1">
+                <a:shade val="50000"/>
+              </a:schemeClr>
+            </a:lnRef>
+            <a:fillRef idx="1">
+              <a:schemeClr val="accent1"/>
+            </a:fillRef>
+            <a:effectRef idx="0">
+              <a:schemeClr val="accent1"/>
+            </a:effectRef>
+            <a:fontRef idx="minor">
+              <a:schemeClr val="lt1"/>
+            </a:fontRef>
+          </p:style>
+          <p:txBody>
+            <a:bodyPr rtlCol="0" anchor="ctr"/>
+            <a:lstStyle/>
+            <a:p>
+              <a:pPr algn="ctr"/>
+              <a:endParaRPr lang="en-US"/>
+            </a:p>
+          </p:txBody>
+        </p:sp>
+        <p:sp>
+          <p:nvSpPr>
+            <p:cNvPr id="63" name="Trapezoid 62">
+              <a:extLst>
+                <a:ext uri="{FF2B5EF4-FFF2-40B4-BE49-F238E27FC236}">
+                  <a16:creationId xmlns:a16="http://schemas.microsoft.com/office/drawing/2014/main" id="{53608024-9B73-4EE4-9790-CA93F7740417}"/>
+                </a:ext>
+              </a:extLst>
+            </p:cNvPr>
+            <p:cNvSpPr/>
+            <p:nvPr/>
+          </p:nvSpPr>
+          <p:spPr>
+            <a:xfrm rot="10800000">
+              <a:off x="6333364" y="2649245"/>
+              <a:ext cx="3770378" cy="131064"/>
+            </a:xfrm>
+            <a:prstGeom prst="trapezoid">
+              <a:avLst>
+                <a:gd name="adj" fmla="val 108604"/>
+              </a:avLst>
+            </a:prstGeom>
+            <a:solidFill>
+              <a:srgbClr val="007396"/>
+            </a:solidFill>
+            <a:ln>
+              <a:noFill/>
+            </a:ln>
+          </p:spPr>
+          <p:style>
+            <a:lnRef idx="2">
+              <a:schemeClr val="accent1">
+                <a:shade val="50000"/>
+              </a:schemeClr>
+            </a:lnRef>
+            <a:fillRef idx="1">
+              <a:schemeClr val="accent1"/>
+            </a:fillRef>
+            <a:effectRef idx="0">
+              <a:schemeClr val="accent1"/>
+            </a:effectRef>
+            <a:fontRef idx="minor">
+              <a:schemeClr val="lt1"/>
+            </a:fontRef>
+          </p:style>
+          <p:txBody>
+            <a:bodyPr rtlCol="0" anchor="ctr"/>
+            <a:lstStyle/>
+            <a:p>
+              <a:pPr algn="ctr"/>
+              <a:endParaRPr lang="en-US"/>
+            </a:p>
+          </p:txBody>
+        </p:sp>
+        <p:sp>
+          <p:nvSpPr>
+            <p:cNvPr id="64" name="Trapezoid 63">
+              <a:extLst>
+                <a:ext uri="{FF2B5EF4-FFF2-40B4-BE49-F238E27FC236}">
+                  <a16:creationId xmlns:a16="http://schemas.microsoft.com/office/drawing/2014/main" id="{2457F1E4-4B73-4BD0-846A-CE9C22820335}"/>
+                </a:ext>
+              </a:extLst>
+            </p:cNvPr>
+            <p:cNvSpPr/>
+            <p:nvPr/>
+          </p:nvSpPr>
+          <p:spPr>
+            <a:xfrm rot="10800000">
+              <a:off x="6627510" y="2913071"/>
+              <a:ext cx="3151279" cy="131064"/>
+            </a:xfrm>
+            <a:prstGeom prst="trapezoid">
+              <a:avLst>
+                <a:gd name="adj" fmla="val 108604"/>
+              </a:avLst>
+            </a:prstGeom>
+            <a:solidFill>
+              <a:srgbClr val="007396"/>
+            </a:solidFill>
+            <a:ln>
+              <a:noFill/>
+            </a:ln>
+          </p:spPr>
+          <p:style>
+            <a:lnRef idx="2">
+              <a:schemeClr val="accent1">
+                <a:shade val="50000"/>
+              </a:schemeClr>
+            </a:lnRef>
+            <a:fillRef idx="1">
+              <a:schemeClr val="accent1"/>
+            </a:fillRef>
+            <a:effectRef idx="0">
+              <a:schemeClr val="accent1"/>
+            </a:effectRef>
+            <a:fontRef idx="minor">
+              <a:schemeClr val="lt1"/>
+            </a:fontRef>
+          </p:style>
+          <p:txBody>
+            <a:bodyPr rtlCol="0" anchor="ctr"/>
+            <a:lstStyle/>
+            <a:p>
+              <a:pPr algn="ctr"/>
+              <a:endParaRPr lang="en-US"/>
+            </a:p>
+          </p:txBody>
+        </p:sp>
+        <p:sp>
+          <p:nvSpPr>
+            <p:cNvPr id="65" name="Trapezoid 64">
+              <a:extLst>
+                <a:ext uri="{FF2B5EF4-FFF2-40B4-BE49-F238E27FC236}">
+                  <a16:creationId xmlns:a16="http://schemas.microsoft.com/office/drawing/2014/main" id="{36C6D42D-F40F-4025-90D1-4789C67AD1C5}"/>
+                </a:ext>
+              </a:extLst>
+            </p:cNvPr>
+            <p:cNvSpPr/>
+            <p:nvPr/>
+          </p:nvSpPr>
+          <p:spPr>
+            <a:xfrm rot="10800000">
+              <a:off x="8002888" y="3173501"/>
+              <a:ext cx="1458505" cy="131064"/>
+            </a:xfrm>
+            <a:prstGeom prst="trapezoid">
+              <a:avLst>
+                <a:gd name="adj" fmla="val 108604"/>
+              </a:avLst>
+            </a:prstGeom>
+            <a:solidFill>
+              <a:srgbClr val="007396"/>
+            </a:solidFill>
+            <a:ln>
+              <a:noFill/>
+            </a:ln>
+          </p:spPr>
+          <p:style>
+            <a:lnRef idx="2">
+              <a:schemeClr val="accent1">
+                <a:shade val="50000"/>
+              </a:schemeClr>
+            </a:lnRef>
+            <a:fillRef idx="1">
+              <a:schemeClr val="accent1"/>
+            </a:fillRef>
+            <a:effectRef idx="0">
+              <a:schemeClr val="accent1"/>
+            </a:effectRef>
+            <a:fontRef idx="minor">
+              <a:schemeClr val="lt1"/>
+            </a:fontRef>
+          </p:style>
+          <p:txBody>
+            <a:bodyPr rtlCol="0" anchor="ctr"/>
+            <a:lstStyle/>
+            <a:p>
+              <a:pPr algn="ctr"/>
+              <a:endParaRPr lang="en-US"/>
+            </a:p>
+          </p:txBody>
+        </p:sp>
+        <p:sp>
+          <p:nvSpPr>
+            <p:cNvPr id="66" name="Trapezoid 65">
+              <a:extLst>
+                <a:ext uri="{FF2B5EF4-FFF2-40B4-BE49-F238E27FC236}">
+                  <a16:creationId xmlns:a16="http://schemas.microsoft.com/office/drawing/2014/main" id="{DAD88FE1-65CE-43AC-9DD7-32B1B1898D2B}"/>
+                </a:ext>
+              </a:extLst>
+            </p:cNvPr>
+            <p:cNvSpPr/>
+            <p:nvPr/>
+          </p:nvSpPr>
+          <p:spPr>
+            <a:xfrm rot="10800000">
+              <a:off x="8312727" y="3435628"/>
+              <a:ext cx="842609" cy="131064"/>
+            </a:xfrm>
+            <a:prstGeom prst="trapezoid">
+              <a:avLst>
+                <a:gd name="adj" fmla="val 108604"/>
+              </a:avLst>
+            </a:prstGeom>
+            <a:solidFill>
+              <a:srgbClr val="007396"/>
+            </a:solidFill>
+            <a:ln>
+              <a:noFill/>
+            </a:ln>
+          </p:spPr>
+          <p:style>
+            <a:lnRef idx="2">
+              <a:schemeClr val="accent1">
+                <a:shade val="50000"/>
+              </a:schemeClr>
+            </a:lnRef>
+            <a:fillRef idx="1">
+              <a:schemeClr val="accent1"/>
+            </a:fillRef>
+            <a:effectRef idx="0">
+              <a:schemeClr val="accent1"/>
+            </a:effectRef>
+            <a:fontRef idx="minor">
+              <a:schemeClr val="lt1"/>
+            </a:fontRef>
+          </p:style>
+          <p:txBody>
+            <a:bodyPr rtlCol="0" anchor="ctr"/>
+            <a:lstStyle/>
+            <a:p>
+              <a:pPr algn="ctr"/>
+              <a:endParaRPr lang="en-US"/>
+            </a:p>
+          </p:txBody>
+        </p:sp>
+        <p:sp>
+          <p:nvSpPr>
+            <p:cNvPr id="67" name="Freeform: Shape 66">
+              <a:extLst>
+                <a:ext uri="{FF2B5EF4-FFF2-40B4-BE49-F238E27FC236}">
+                  <a16:creationId xmlns:a16="http://schemas.microsoft.com/office/drawing/2014/main" id="{F1121729-EC7A-415E-863F-374E029B260A}"/>
+                </a:ext>
+              </a:extLst>
+            </p:cNvPr>
+            <p:cNvSpPr/>
+            <p:nvPr/>
+          </p:nvSpPr>
+          <p:spPr>
+            <a:xfrm>
+              <a:off x="6922688" y="3172990"/>
+              <a:ext cx="811338" cy="133761"/>
+            </a:xfrm>
+            <a:custGeom>
+              <a:avLst/>
+              <a:gdLst>
+                <a:gd name="connsiteX0" fmla="*/ 0 w 811338"/>
+                <a:gd name="connsiteY0" fmla="*/ 0 h 133761"/>
+                <a:gd name="connsiteX1" fmla="*/ 151303 w 811338"/>
+                <a:gd name="connsiteY1" fmla="*/ 133761 h 133761"/>
+                <a:gd name="connsiteX2" fmla="*/ 532852 w 811338"/>
+                <a:gd name="connsiteY2" fmla="*/ 133761 h 133761"/>
+                <a:gd name="connsiteX3" fmla="*/ 811338 w 811338"/>
+                <a:gd name="connsiteY3" fmla="*/ 0 h 133761"/>
+                <a:gd name="connsiteX4" fmla="*/ 0 w 811338"/>
+                <a:gd name="connsiteY4" fmla="*/ 0 h 133761"/>
+              </a:gdLst>
+              <a:ahLst/>
+              <a:cxnLst>
+                <a:cxn ang="0">
+                  <a:pos x="connsiteX0" y="connsiteY0"/>
+                </a:cxn>
+                <a:cxn ang="0">
+                  <a:pos x="connsiteX1" y="connsiteY1"/>
+                </a:cxn>
+                <a:cxn ang="0">
+                  <a:pos x="connsiteX2" y="connsiteY2"/>
+                </a:cxn>
+                <a:cxn ang="0">
+                  <a:pos x="connsiteX3" y="connsiteY3"/>
+                </a:cxn>
+                <a:cxn ang="0">
+                  <a:pos x="connsiteX4" y="connsiteY4"/>
+                </a:cxn>
+              </a:cxnLst>
+              <a:rect l="l" t="t" r="r" b="b"/>
+              <a:pathLst>
+                <a:path w="811338" h="133761">
+                  <a:moveTo>
+                    <a:pt x="0" y="0"/>
+                  </a:moveTo>
+                  <a:lnTo>
+                    <a:pt x="151303" y="133761"/>
+                  </a:lnTo>
+                  <a:lnTo>
+                    <a:pt x="532852" y="133761"/>
+                  </a:lnTo>
+                  <a:lnTo>
+                    <a:pt x="811338" y="0"/>
+                  </a:lnTo>
+                  <a:lnTo>
+                    <a:pt x="0" y="0"/>
+                  </a:lnTo>
+                  <a:close/>
+                </a:path>
+              </a:pathLst>
+            </a:custGeom>
+            <a:solidFill>
+              <a:srgbClr val="007396"/>
+            </a:solidFill>
+            <a:ln>
+              <a:noFill/>
+            </a:ln>
+          </p:spPr>
+          <p:style>
+            <a:lnRef idx="2">
+              <a:schemeClr val="accent1">
+                <a:shade val="50000"/>
+              </a:schemeClr>
+            </a:lnRef>
+            <a:fillRef idx="1">
+              <a:schemeClr val="accent1"/>
+            </a:fillRef>
+            <a:effectRef idx="0">
+              <a:schemeClr val="accent1"/>
+            </a:effectRef>
+            <a:fontRef idx="minor">
+              <a:schemeClr val="lt1"/>
+            </a:fontRef>
+          </p:style>
+          <p:txBody>
+            <a:bodyPr rtlCol="0" anchor="ctr"/>
+            <a:lstStyle/>
+            <a:p>
+              <a:pPr algn="ctr"/>
+              <a:endParaRPr lang="en-US"/>
+            </a:p>
+          </p:txBody>
+        </p:sp>
+        <p:sp>
+          <p:nvSpPr>
+            <p:cNvPr id="68" name="Isosceles Triangle 67">
+              <a:extLst>
+                <a:ext uri="{FF2B5EF4-FFF2-40B4-BE49-F238E27FC236}">
+                  <a16:creationId xmlns:a16="http://schemas.microsoft.com/office/drawing/2014/main" id="{578B980B-542B-4ACA-9DC8-C06EB24372A2}"/>
+                </a:ext>
+              </a:extLst>
+            </p:cNvPr>
+            <p:cNvSpPr/>
+            <p:nvPr/>
+          </p:nvSpPr>
+          <p:spPr>
+            <a:xfrm rot="10800000">
+              <a:off x="8601402" y="3682202"/>
+              <a:ext cx="261475" cy="131066"/>
+            </a:xfrm>
+            <a:prstGeom prst="triangle">
+              <a:avLst/>
+            </a:prstGeom>
+            <a:solidFill>
+              <a:srgbClr val="007396"/>
+            </a:solidFill>
+            <a:ln>
+              <a:noFill/>
+            </a:ln>
+          </p:spPr>
+          <p:style>
+            <a:lnRef idx="2">
+              <a:schemeClr val="accent1">
+                <a:shade val="50000"/>
+              </a:schemeClr>
+            </a:lnRef>
+            <a:fillRef idx="1">
+              <a:schemeClr val="accent1"/>
+            </a:fillRef>
+            <a:effectRef idx="0">
+              <a:schemeClr val="accent1"/>
+            </a:effectRef>
+            <a:fontRef idx="minor">
+              <a:schemeClr val="lt1"/>
+            </a:fontRef>
+          </p:style>
+          <p:txBody>
+            <a:bodyPr rtlCol="0" anchor="ctr"/>
+            <a:lstStyle/>
+            <a:p>
+              <a:pPr algn="ctr"/>
+              <a:endParaRPr lang="en-US"/>
+            </a:p>
+          </p:txBody>
+        </p:sp>
+      </p:grpSp>
     </p:spTree>
     <p:extLst>
       <p:ext uri="{BB962C8B-B14F-4D97-AF65-F5344CB8AC3E}">
         <p14:creationId xmlns:p14="http://schemas.microsoft.com/office/powerpoint/2010/main" val="2277603536"/>
+      </p:ext>
+    </p:extLst>
+  </p:cSld>
+  <p:clrMapOvr>
+    <a:masterClrMapping/>
+  </p:clrMapOvr>
+</p:sld>
+</file>
+
+<file path=ppt/slides/slide4.xml><?xml version="1.0" encoding="utf-8"?>
+<p:sld xmlns:a="http://schemas.openxmlformats.org/drawingml/2006/main" xmlns:r="http://schemas.openxmlformats.org/officeDocument/2006/relationships" xmlns:p="http://schemas.openxmlformats.org/presentationml/2006/main">
+  <p:cSld>
+    <p:bg>
+      <p:bgPr>
+        <a:pattFill prst="dkDnDiag">
+          <a:fgClr>
+            <a:schemeClr val="accent1"/>
+          </a:fgClr>
+          <a:bgClr>
+            <a:schemeClr val="bg1"/>
+          </a:bgClr>
+        </a:pattFill>
+        <a:effectLst/>
+      </p:bgPr>
+    </p:bg>
+    <p:spTree>
+      <p:nvGrpSpPr>
+        <p:cNvPr id="1" name=""/>
+        <p:cNvGrpSpPr/>
+        <p:nvPr/>
+      </p:nvGrpSpPr>
+      <p:grpSpPr>
+        <a:xfrm>
+          <a:off x="0" y="0"/>
+          <a:ext cx="0" cy="0"/>
+          <a:chOff x="0" y="0"/>
+          <a:chExt cx="0" cy="0"/>
+        </a:xfrm>
+      </p:grpSpPr>
+      <p:grpSp>
+        <p:nvGrpSpPr>
+          <p:cNvPr id="4" name="Group 3">
+            <a:extLst>
+              <a:ext uri="{FF2B5EF4-FFF2-40B4-BE49-F238E27FC236}">
+                <a16:creationId xmlns:a16="http://schemas.microsoft.com/office/drawing/2014/main" id="{1391D89D-0F41-471F-A846-C08D1B7F15A2}"/>
+              </a:ext>
+            </a:extLst>
+          </p:cNvPr>
+          <p:cNvGrpSpPr/>
+          <p:nvPr/>
+        </p:nvGrpSpPr>
+        <p:grpSpPr>
+          <a:xfrm>
+            <a:off x="230588" y="308010"/>
+            <a:ext cx="4971857" cy="3314779"/>
+            <a:chOff x="7525017" y="3541086"/>
+            <a:chExt cx="1613323" cy="1075616"/>
+          </a:xfrm>
+        </p:grpSpPr>
+        <p:sp>
+          <p:nvSpPr>
+            <p:cNvPr id="5" name="Freeform: Shape 4">
+              <a:extLst>
+                <a:ext uri="{FF2B5EF4-FFF2-40B4-BE49-F238E27FC236}">
+                  <a16:creationId xmlns:a16="http://schemas.microsoft.com/office/drawing/2014/main" id="{FBC1CC10-D5E6-4562-98CB-249931D2D96D}"/>
+                </a:ext>
+              </a:extLst>
+            </p:cNvPr>
+            <p:cNvSpPr/>
+            <p:nvPr/>
+          </p:nvSpPr>
+          <p:spPr>
+            <a:xfrm flipV="1">
+              <a:off x="7525017" y="4073918"/>
+              <a:ext cx="1606526" cy="542784"/>
+            </a:xfrm>
+            <a:custGeom>
+              <a:avLst/>
+              <a:gdLst>
+                <a:gd name="connsiteX0" fmla="*/ 0 w 1609725"/>
+                <a:gd name="connsiteY0" fmla="*/ 540543 h 542925"/>
+                <a:gd name="connsiteX1" fmla="*/ 471488 w 1609725"/>
+                <a:gd name="connsiteY1" fmla="*/ 121443 h 542925"/>
+                <a:gd name="connsiteX2" fmla="*/ 695325 w 1609725"/>
+                <a:gd name="connsiteY2" fmla="*/ 228600 h 542925"/>
+                <a:gd name="connsiteX3" fmla="*/ 959644 w 1609725"/>
+                <a:gd name="connsiteY3" fmla="*/ 0 h 542925"/>
+                <a:gd name="connsiteX4" fmla="*/ 1607344 w 1609725"/>
+                <a:gd name="connsiteY4" fmla="*/ 542925 h 542925"/>
+                <a:gd name="connsiteX5" fmla="*/ 1609725 w 1609725"/>
+                <a:gd name="connsiteY5" fmla="*/ 540543 h 542925"/>
+                <a:gd name="connsiteX0" fmla="*/ 0 w 1607344"/>
+                <a:gd name="connsiteY0" fmla="*/ 540543 h 542925"/>
+                <a:gd name="connsiteX1" fmla="*/ 471488 w 1607344"/>
+                <a:gd name="connsiteY1" fmla="*/ 121443 h 542925"/>
+                <a:gd name="connsiteX2" fmla="*/ 695325 w 1607344"/>
+                <a:gd name="connsiteY2" fmla="*/ 228600 h 542925"/>
+                <a:gd name="connsiteX3" fmla="*/ 959644 w 1607344"/>
+                <a:gd name="connsiteY3" fmla="*/ 0 h 542925"/>
+                <a:gd name="connsiteX4" fmla="*/ 1607344 w 1607344"/>
+                <a:gd name="connsiteY4" fmla="*/ 542925 h 542925"/>
+              </a:gdLst>
+              <a:ahLst/>
+              <a:cxnLst>
+                <a:cxn ang="0">
+                  <a:pos x="connsiteX0" y="connsiteY0"/>
+                </a:cxn>
+                <a:cxn ang="0">
+                  <a:pos x="connsiteX1" y="connsiteY1"/>
+                </a:cxn>
+                <a:cxn ang="0">
+                  <a:pos x="connsiteX2" y="connsiteY2"/>
+                </a:cxn>
+                <a:cxn ang="0">
+                  <a:pos x="connsiteX3" y="connsiteY3"/>
+                </a:cxn>
+                <a:cxn ang="0">
+                  <a:pos x="connsiteX4" y="connsiteY4"/>
+                </a:cxn>
+              </a:cxnLst>
+              <a:rect l="l" t="t" r="r" b="b"/>
+              <a:pathLst>
+                <a:path w="1607344" h="542925">
+                  <a:moveTo>
+                    <a:pt x="0" y="540543"/>
+                  </a:moveTo>
+                  <a:lnTo>
+                    <a:pt x="471488" y="121443"/>
+                  </a:lnTo>
+                  <a:lnTo>
+                    <a:pt x="695325" y="228600"/>
+                  </a:lnTo>
+                  <a:lnTo>
+                    <a:pt x="959644" y="0"/>
+                  </a:lnTo>
+                  <a:lnTo>
+                    <a:pt x="1607344" y="542925"/>
+                  </a:lnTo>
+                </a:path>
+              </a:pathLst>
+            </a:custGeom>
+            <a:solidFill>
+              <a:srgbClr val="CA9117"/>
+            </a:solidFill>
+            <a:ln>
+              <a:solidFill>
+                <a:srgbClr val="003E51"/>
+              </a:solidFill>
+            </a:ln>
+          </p:spPr>
+          <p:style>
+            <a:lnRef idx="2">
+              <a:schemeClr val="accent1">
+                <a:shade val="50000"/>
+              </a:schemeClr>
+            </a:lnRef>
+            <a:fillRef idx="1">
+              <a:schemeClr val="accent1"/>
+            </a:fillRef>
+            <a:effectRef idx="0">
+              <a:schemeClr val="accent1"/>
+            </a:effectRef>
+            <a:fontRef idx="minor">
+              <a:schemeClr val="lt1"/>
+            </a:fontRef>
+          </p:style>
+          <p:txBody>
+            <a:bodyPr rtlCol="0" anchor="ctr"/>
+            <a:lstStyle/>
+            <a:p>
+              <a:pPr algn="ctr"/>
+              <a:endParaRPr lang="en-US"/>
+            </a:p>
+          </p:txBody>
+        </p:sp>
+        <p:sp>
+          <p:nvSpPr>
+            <p:cNvPr id="6" name="Freeform: Shape 5">
+              <a:extLst>
+                <a:ext uri="{FF2B5EF4-FFF2-40B4-BE49-F238E27FC236}">
+                  <a16:creationId xmlns:a16="http://schemas.microsoft.com/office/drawing/2014/main" id="{765C3480-8396-4700-8C74-465E14443D3D}"/>
+                </a:ext>
+              </a:extLst>
+            </p:cNvPr>
+            <p:cNvSpPr/>
+            <p:nvPr/>
+          </p:nvSpPr>
+          <p:spPr>
+            <a:xfrm rot="10800000">
+              <a:off x="8082027" y="4054394"/>
+              <a:ext cx="801570" cy="414441"/>
+            </a:xfrm>
+            <a:custGeom>
+              <a:avLst/>
+              <a:gdLst>
+                <a:gd name="connsiteX0" fmla="*/ 0 w 1838325"/>
+                <a:gd name="connsiteY0" fmla="*/ 386022 h 397929"/>
+                <a:gd name="connsiteX1" fmla="*/ 676275 w 1838325"/>
+                <a:gd name="connsiteY1" fmla="*/ 183616 h 397929"/>
+                <a:gd name="connsiteX2" fmla="*/ 923925 w 1838325"/>
+                <a:gd name="connsiteY2" fmla="*/ 260 h 397929"/>
+                <a:gd name="connsiteX3" fmla="*/ 1281112 w 1838325"/>
+                <a:gd name="connsiteY3" fmla="*/ 224097 h 397929"/>
+                <a:gd name="connsiteX4" fmla="*/ 1838325 w 1838325"/>
+                <a:gd name="connsiteY4" fmla="*/ 397929 h 397929"/>
+                <a:gd name="connsiteX0" fmla="*/ 0 w 1838325"/>
+                <a:gd name="connsiteY0" fmla="*/ 386152 h 398059"/>
+                <a:gd name="connsiteX1" fmla="*/ 485775 w 1838325"/>
+                <a:gd name="connsiteY1" fmla="*/ 281377 h 398059"/>
+                <a:gd name="connsiteX2" fmla="*/ 923925 w 1838325"/>
+                <a:gd name="connsiteY2" fmla="*/ 390 h 398059"/>
+                <a:gd name="connsiteX3" fmla="*/ 1281112 w 1838325"/>
+                <a:gd name="connsiteY3" fmla="*/ 224227 h 398059"/>
+                <a:gd name="connsiteX4" fmla="*/ 1838325 w 1838325"/>
+                <a:gd name="connsiteY4" fmla="*/ 398059 h 398059"/>
+                <a:gd name="connsiteX0" fmla="*/ 0 w 1838325"/>
+                <a:gd name="connsiteY0" fmla="*/ 386152 h 398059"/>
+                <a:gd name="connsiteX1" fmla="*/ 485775 w 1838325"/>
+                <a:gd name="connsiteY1" fmla="*/ 281377 h 398059"/>
+                <a:gd name="connsiteX2" fmla="*/ 923925 w 1838325"/>
+                <a:gd name="connsiteY2" fmla="*/ 390 h 398059"/>
+                <a:gd name="connsiteX3" fmla="*/ 1281112 w 1838325"/>
+                <a:gd name="connsiteY3" fmla="*/ 224227 h 398059"/>
+                <a:gd name="connsiteX4" fmla="*/ 1838325 w 1838325"/>
+                <a:gd name="connsiteY4" fmla="*/ 398059 h 398059"/>
+                <a:gd name="connsiteX0" fmla="*/ 0 w 1838325"/>
+                <a:gd name="connsiteY0" fmla="*/ 386152 h 398059"/>
+                <a:gd name="connsiteX1" fmla="*/ 485775 w 1838325"/>
+                <a:gd name="connsiteY1" fmla="*/ 281377 h 398059"/>
+                <a:gd name="connsiteX2" fmla="*/ 923925 w 1838325"/>
+                <a:gd name="connsiteY2" fmla="*/ 390 h 398059"/>
+                <a:gd name="connsiteX3" fmla="*/ 1281112 w 1838325"/>
+                <a:gd name="connsiteY3" fmla="*/ 224227 h 398059"/>
+                <a:gd name="connsiteX4" fmla="*/ 1838325 w 1838325"/>
+                <a:gd name="connsiteY4" fmla="*/ 398059 h 398059"/>
+                <a:gd name="connsiteX0" fmla="*/ 0 w 1838325"/>
+                <a:gd name="connsiteY0" fmla="*/ 386152 h 398059"/>
+                <a:gd name="connsiteX1" fmla="*/ 485775 w 1838325"/>
+                <a:gd name="connsiteY1" fmla="*/ 281377 h 398059"/>
+                <a:gd name="connsiteX2" fmla="*/ 923925 w 1838325"/>
+                <a:gd name="connsiteY2" fmla="*/ 390 h 398059"/>
+                <a:gd name="connsiteX3" fmla="*/ 1281112 w 1838325"/>
+                <a:gd name="connsiteY3" fmla="*/ 224227 h 398059"/>
+                <a:gd name="connsiteX4" fmla="*/ 1838325 w 1838325"/>
+                <a:gd name="connsiteY4" fmla="*/ 398059 h 398059"/>
+                <a:gd name="connsiteX0" fmla="*/ 0 w 1838325"/>
+                <a:gd name="connsiteY0" fmla="*/ 386152 h 398059"/>
+                <a:gd name="connsiteX1" fmla="*/ 485775 w 1838325"/>
+                <a:gd name="connsiteY1" fmla="*/ 281377 h 398059"/>
+                <a:gd name="connsiteX2" fmla="*/ 923925 w 1838325"/>
+                <a:gd name="connsiteY2" fmla="*/ 390 h 398059"/>
+                <a:gd name="connsiteX3" fmla="*/ 1281112 w 1838325"/>
+                <a:gd name="connsiteY3" fmla="*/ 224227 h 398059"/>
+                <a:gd name="connsiteX4" fmla="*/ 1838325 w 1838325"/>
+                <a:gd name="connsiteY4" fmla="*/ 398059 h 398059"/>
+                <a:gd name="connsiteX0" fmla="*/ 0 w 1838325"/>
+                <a:gd name="connsiteY0" fmla="*/ 386152 h 398059"/>
+                <a:gd name="connsiteX1" fmla="*/ 485775 w 1838325"/>
+                <a:gd name="connsiteY1" fmla="*/ 281377 h 398059"/>
+                <a:gd name="connsiteX2" fmla="*/ 923925 w 1838325"/>
+                <a:gd name="connsiteY2" fmla="*/ 390 h 398059"/>
+                <a:gd name="connsiteX3" fmla="*/ 1281112 w 1838325"/>
+                <a:gd name="connsiteY3" fmla="*/ 224227 h 398059"/>
+                <a:gd name="connsiteX4" fmla="*/ 1838325 w 1838325"/>
+                <a:gd name="connsiteY4" fmla="*/ 398059 h 398059"/>
+                <a:gd name="connsiteX0" fmla="*/ 0 w 1838325"/>
+                <a:gd name="connsiteY0" fmla="*/ 357640 h 369547"/>
+                <a:gd name="connsiteX1" fmla="*/ 485775 w 1838325"/>
+                <a:gd name="connsiteY1" fmla="*/ 252865 h 369547"/>
+                <a:gd name="connsiteX2" fmla="*/ 826294 w 1838325"/>
+                <a:gd name="connsiteY2" fmla="*/ 453 h 369547"/>
+                <a:gd name="connsiteX3" fmla="*/ 1281112 w 1838325"/>
+                <a:gd name="connsiteY3" fmla="*/ 195715 h 369547"/>
+                <a:gd name="connsiteX4" fmla="*/ 1838325 w 1838325"/>
+                <a:gd name="connsiteY4" fmla="*/ 369547 h 369547"/>
+                <a:gd name="connsiteX0" fmla="*/ 0 w 1838325"/>
+                <a:gd name="connsiteY0" fmla="*/ 358152 h 370059"/>
+                <a:gd name="connsiteX1" fmla="*/ 485775 w 1838325"/>
+                <a:gd name="connsiteY1" fmla="*/ 253377 h 370059"/>
+                <a:gd name="connsiteX2" fmla="*/ 826294 w 1838325"/>
+                <a:gd name="connsiteY2" fmla="*/ 965 h 370059"/>
+                <a:gd name="connsiteX3" fmla="*/ 1281112 w 1838325"/>
+                <a:gd name="connsiteY3" fmla="*/ 196227 h 370059"/>
+                <a:gd name="connsiteX4" fmla="*/ 1838325 w 1838325"/>
+                <a:gd name="connsiteY4" fmla="*/ 370059 h 370059"/>
+                <a:gd name="connsiteX0" fmla="*/ 0 w 1838325"/>
+                <a:gd name="connsiteY0" fmla="*/ 358152 h 370059"/>
+                <a:gd name="connsiteX1" fmla="*/ 485775 w 1838325"/>
+                <a:gd name="connsiteY1" fmla="*/ 253377 h 370059"/>
+                <a:gd name="connsiteX2" fmla="*/ 826294 w 1838325"/>
+                <a:gd name="connsiteY2" fmla="*/ 965 h 370059"/>
+                <a:gd name="connsiteX3" fmla="*/ 1281112 w 1838325"/>
+                <a:gd name="connsiteY3" fmla="*/ 196227 h 370059"/>
+                <a:gd name="connsiteX4" fmla="*/ 1838325 w 1838325"/>
+                <a:gd name="connsiteY4" fmla="*/ 370059 h 370059"/>
+                <a:gd name="connsiteX0" fmla="*/ 0 w 1838325"/>
+                <a:gd name="connsiteY0" fmla="*/ 377052 h 388959"/>
+                <a:gd name="connsiteX1" fmla="*/ 485775 w 1838325"/>
+                <a:gd name="connsiteY1" fmla="*/ 272277 h 388959"/>
+                <a:gd name="connsiteX2" fmla="*/ 826294 w 1838325"/>
+                <a:gd name="connsiteY2" fmla="*/ 19865 h 388959"/>
+                <a:gd name="connsiteX3" fmla="*/ 1116806 w 1838325"/>
+                <a:gd name="connsiteY3" fmla="*/ 57964 h 388959"/>
+                <a:gd name="connsiteX4" fmla="*/ 1838325 w 1838325"/>
+                <a:gd name="connsiteY4" fmla="*/ 388959 h 388959"/>
+                <a:gd name="connsiteX0" fmla="*/ 0 w 1838325"/>
+                <a:gd name="connsiteY0" fmla="*/ 365610 h 377517"/>
+                <a:gd name="connsiteX1" fmla="*/ 485775 w 1838325"/>
+                <a:gd name="connsiteY1" fmla="*/ 260835 h 377517"/>
+                <a:gd name="connsiteX2" fmla="*/ 826294 w 1838325"/>
+                <a:gd name="connsiteY2" fmla="*/ 8423 h 377517"/>
+                <a:gd name="connsiteX3" fmla="*/ 1116806 w 1838325"/>
+                <a:gd name="connsiteY3" fmla="*/ 46522 h 377517"/>
+                <a:gd name="connsiteX4" fmla="*/ 1838325 w 1838325"/>
+                <a:gd name="connsiteY4" fmla="*/ 377517 h 377517"/>
+                <a:gd name="connsiteX0" fmla="*/ 0 w 1838325"/>
+                <a:gd name="connsiteY0" fmla="*/ 369420 h 381327"/>
+                <a:gd name="connsiteX1" fmla="*/ 485775 w 1838325"/>
+                <a:gd name="connsiteY1" fmla="*/ 264645 h 381327"/>
+                <a:gd name="connsiteX2" fmla="*/ 826294 w 1838325"/>
+                <a:gd name="connsiteY2" fmla="*/ 12233 h 381327"/>
+                <a:gd name="connsiteX3" fmla="*/ 1116806 w 1838325"/>
+                <a:gd name="connsiteY3" fmla="*/ 50332 h 381327"/>
+                <a:gd name="connsiteX4" fmla="*/ 1838325 w 1838325"/>
+                <a:gd name="connsiteY4" fmla="*/ 381327 h 381327"/>
+                <a:gd name="connsiteX0" fmla="*/ 0 w 1838325"/>
+                <a:gd name="connsiteY0" fmla="*/ 359223 h 371130"/>
+                <a:gd name="connsiteX1" fmla="*/ 485775 w 1838325"/>
+                <a:gd name="connsiteY1" fmla="*/ 254448 h 371130"/>
+                <a:gd name="connsiteX2" fmla="*/ 826294 w 1838325"/>
+                <a:gd name="connsiteY2" fmla="*/ 2036 h 371130"/>
+                <a:gd name="connsiteX3" fmla="*/ 1116806 w 1838325"/>
+                <a:gd name="connsiteY3" fmla="*/ 40135 h 371130"/>
+                <a:gd name="connsiteX4" fmla="*/ 1331119 w 1838325"/>
+                <a:gd name="connsiteY4" fmla="*/ 133005 h 371130"/>
+                <a:gd name="connsiteX5" fmla="*/ 1838325 w 1838325"/>
+                <a:gd name="connsiteY5" fmla="*/ 371130 h 371130"/>
+                <a:gd name="connsiteX0" fmla="*/ 0 w 1838325"/>
+                <a:gd name="connsiteY0" fmla="*/ 360726 h 372633"/>
+                <a:gd name="connsiteX1" fmla="*/ 485775 w 1838325"/>
+                <a:gd name="connsiteY1" fmla="*/ 255951 h 372633"/>
+                <a:gd name="connsiteX2" fmla="*/ 826294 w 1838325"/>
+                <a:gd name="connsiteY2" fmla="*/ 3539 h 372633"/>
+                <a:gd name="connsiteX3" fmla="*/ 1116806 w 1838325"/>
+                <a:gd name="connsiteY3" fmla="*/ 41638 h 372633"/>
+                <a:gd name="connsiteX4" fmla="*/ 1340644 w 1838325"/>
+                <a:gd name="connsiteY4" fmla="*/ 236901 h 372633"/>
+                <a:gd name="connsiteX5" fmla="*/ 1838325 w 1838325"/>
+                <a:gd name="connsiteY5" fmla="*/ 372633 h 372633"/>
+                <a:gd name="connsiteX0" fmla="*/ 0 w 1838325"/>
+                <a:gd name="connsiteY0" fmla="*/ 393137 h 405044"/>
+                <a:gd name="connsiteX1" fmla="*/ 485775 w 1838325"/>
+                <a:gd name="connsiteY1" fmla="*/ 288362 h 405044"/>
+                <a:gd name="connsiteX2" fmla="*/ 826294 w 1838325"/>
+                <a:gd name="connsiteY2" fmla="*/ 35950 h 405044"/>
+                <a:gd name="connsiteX3" fmla="*/ 1023937 w 1838325"/>
+                <a:gd name="connsiteY3" fmla="*/ 26424 h 405044"/>
+                <a:gd name="connsiteX4" fmla="*/ 1340644 w 1838325"/>
+                <a:gd name="connsiteY4" fmla="*/ 269312 h 405044"/>
+                <a:gd name="connsiteX5" fmla="*/ 1838325 w 1838325"/>
+                <a:gd name="connsiteY5" fmla="*/ 405044 h 405044"/>
+                <a:gd name="connsiteX0" fmla="*/ 0 w 1838325"/>
+                <a:gd name="connsiteY0" fmla="*/ 382525 h 394432"/>
+                <a:gd name="connsiteX1" fmla="*/ 485775 w 1838325"/>
+                <a:gd name="connsiteY1" fmla="*/ 277750 h 394432"/>
+                <a:gd name="connsiteX2" fmla="*/ 826294 w 1838325"/>
+                <a:gd name="connsiteY2" fmla="*/ 25338 h 394432"/>
+                <a:gd name="connsiteX3" fmla="*/ 1023937 w 1838325"/>
+                <a:gd name="connsiteY3" fmla="*/ 15812 h 394432"/>
+                <a:gd name="connsiteX4" fmla="*/ 1340644 w 1838325"/>
+                <a:gd name="connsiteY4" fmla="*/ 258700 h 394432"/>
+                <a:gd name="connsiteX5" fmla="*/ 1838325 w 1838325"/>
+                <a:gd name="connsiteY5" fmla="*/ 394432 h 394432"/>
+                <a:gd name="connsiteX0" fmla="*/ 0 w 1838325"/>
+                <a:gd name="connsiteY0" fmla="*/ 400038 h 411945"/>
+                <a:gd name="connsiteX1" fmla="*/ 485775 w 1838325"/>
+                <a:gd name="connsiteY1" fmla="*/ 295263 h 411945"/>
+                <a:gd name="connsiteX2" fmla="*/ 826294 w 1838325"/>
+                <a:gd name="connsiteY2" fmla="*/ 42851 h 411945"/>
+                <a:gd name="connsiteX3" fmla="*/ 1023937 w 1838325"/>
+                <a:gd name="connsiteY3" fmla="*/ 33325 h 411945"/>
+                <a:gd name="connsiteX4" fmla="*/ 1340644 w 1838325"/>
+                <a:gd name="connsiteY4" fmla="*/ 276213 h 411945"/>
+                <a:gd name="connsiteX5" fmla="*/ 1838325 w 1838325"/>
+                <a:gd name="connsiteY5" fmla="*/ 411945 h 411945"/>
+                <a:gd name="connsiteX0" fmla="*/ 0 w 1838325"/>
+                <a:gd name="connsiteY0" fmla="*/ 389769 h 401676"/>
+                <a:gd name="connsiteX1" fmla="*/ 485775 w 1838325"/>
+                <a:gd name="connsiteY1" fmla="*/ 284994 h 401676"/>
+                <a:gd name="connsiteX2" fmla="*/ 826294 w 1838325"/>
+                <a:gd name="connsiteY2" fmla="*/ 32582 h 401676"/>
+                <a:gd name="connsiteX3" fmla="*/ 1023937 w 1838325"/>
+                <a:gd name="connsiteY3" fmla="*/ 23056 h 401676"/>
+                <a:gd name="connsiteX4" fmla="*/ 1340644 w 1838325"/>
+                <a:gd name="connsiteY4" fmla="*/ 265944 h 401676"/>
+                <a:gd name="connsiteX5" fmla="*/ 1838325 w 1838325"/>
+                <a:gd name="connsiteY5" fmla="*/ 401676 h 401676"/>
+                <a:gd name="connsiteX0" fmla="*/ 0 w 1838325"/>
+                <a:gd name="connsiteY0" fmla="*/ 376984 h 388891"/>
+                <a:gd name="connsiteX1" fmla="*/ 485775 w 1838325"/>
+                <a:gd name="connsiteY1" fmla="*/ 272209 h 388891"/>
+                <a:gd name="connsiteX2" fmla="*/ 728663 w 1838325"/>
+                <a:gd name="connsiteY2" fmla="*/ 43609 h 388891"/>
+                <a:gd name="connsiteX3" fmla="*/ 1023937 w 1838325"/>
+                <a:gd name="connsiteY3" fmla="*/ 10271 h 388891"/>
+                <a:gd name="connsiteX4" fmla="*/ 1340644 w 1838325"/>
+                <a:gd name="connsiteY4" fmla="*/ 253159 h 388891"/>
+                <a:gd name="connsiteX5" fmla="*/ 1838325 w 1838325"/>
+                <a:gd name="connsiteY5" fmla="*/ 388891 h 388891"/>
+                <a:gd name="connsiteX0" fmla="*/ 0 w 1838325"/>
+                <a:gd name="connsiteY0" fmla="*/ 355953 h 367860"/>
+                <a:gd name="connsiteX1" fmla="*/ 485775 w 1838325"/>
+                <a:gd name="connsiteY1" fmla="*/ 251178 h 367860"/>
+                <a:gd name="connsiteX2" fmla="*/ 728663 w 1838325"/>
+                <a:gd name="connsiteY2" fmla="*/ 22578 h 367860"/>
+                <a:gd name="connsiteX3" fmla="*/ 1085849 w 1838325"/>
+                <a:gd name="connsiteY3" fmla="*/ 32102 h 367860"/>
+                <a:gd name="connsiteX4" fmla="*/ 1340644 w 1838325"/>
+                <a:gd name="connsiteY4" fmla="*/ 232128 h 367860"/>
+                <a:gd name="connsiteX5" fmla="*/ 1838325 w 1838325"/>
+                <a:gd name="connsiteY5" fmla="*/ 367860 h 367860"/>
+                <a:gd name="connsiteX0" fmla="*/ 0 w 1838325"/>
+                <a:gd name="connsiteY0" fmla="*/ 371332 h 383239"/>
+                <a:gd name="connsiteX1" fmla="*/ 485775 w 1838325"/>
+                <a:gd name="connsiteY1" fmla="*/ 266557 h 383239"/>
+                <a:gd name="connsiteX2" fmla="*/ 728663 w 1838325"/>
+                <a:gd name="connsiteY2" fmla="*/ 37957 h 383239"/>
+                <a:gd name="connsiteX3" fmla="*/ 1085849 w 1838325"/>
+                <a:gd name="connsiteY3" fmla="*/ 47481 h 383239"/>
+                <a:gd name="connsiteX4" fmla="*/ 1340644 w 1838325"/>
+                <a:gd name="connsiteY4" fmla="*/ 247507 h 383239"/>
+                <a:gd name="connsiteX5" fmla="*/ 1838325 w 1838325"/>
+                <a:gd name="connsiteY5" fmla="*/ 383239 h 383239"/>
+                <a:gd name="connsiteX0" fmla="*/ 0 w 1838325"/>
+                <a:gd name="connsiteY0" fmla="*/ 355953 h 367860"/>
+                <a:gd name="connsiteX1" fmla="*/ 485775 w 1838325"/>
+                <a:gd name="connsiteY1" fmla="*/ 251178 h 367860"/>
+                <a:gd name="connsiteX2" fmla="*/ 728663 w 1838325"/>
+                <a:gd name="connsiteY2" fmla="*/ 22578 h 367860"/>
+                <a:gd name="connsiteX3" fmla="*/ 1085849 w 1838325"/>
+                <a:gd name="connsiteY3" fmla="*/ 32102 h 367860"/>
+                <a:gd name="connsiteX4" fmla="*/ 1340644 w 1838325"/>
+                <a:gd name="connsiteY4" fmla="*/ 232128 h 367860"/>
+                <a:gd name="connsiteX5" fmla="*/ 1838325 w 1838325"/>
+                <a:gd name="connsiteY5" fmla="*/ 367860 h 367860"/>
+                <a:gd name="connsiteX0" fmla="*/ 0 w 1838325"/>
+                <a:gd name="connsiteY0" fmla="*/ 366176 h 378083"/>
+                <a:gd name="connsiteX1" fmla="*/ 485775 w 1838325"/>
+                <a:gd name="connsiteY1" fmla="*/ 261401 h 378083"/>
+                <a:gd name="connsiteX2" fmla="*/ 728663 w 1838325"/>
+                <a:gd name="connsiteY2" fmla="*/ 32801 h 378083"/>
+                <a:gd name="connsiteX3" fmla="*/ 1085849 w 1838325"/>
+                <a:gd name="connsiteY3" fmla="*/ 42325 h 378083"/>
+                <a:gd name="connsiteX4" fmla="*/ 1340644 w 1838325"/>
+                <a:gd name="connsiteY4" fmla="*/ 242351 h 378083"/>
+                <a:gd name="connsiteX5" fmla="*/ 1838325 w 1838325"/>
+                <a:gd name="connsiteY5" fmla="*/ 378083 h 378083"/>
+                <a:gd name="connsiteX0" fmla="*/ 0 w 1838325"/>
+                <a:gd name="connsiteY0" fmla="*/ 364342 h 376249"/>
+                <a:gd name="connsiteX1" fmla="*/ 485775 w 1838325"/>
+                <a:gd name="connsiteY1" fmla="*/ 259567 h 376249"/>
+                <a:gd name="connsiteX2" fmla="*/ 728663 w 1838325"/>
+                <a:gd name="connsiteY2" fmla="*/ 30967 h 376249"/>
+                <a:gd name="connsiteX3" fmla="*/ 1085849 w 1838325"/>
+                <a:gd name="connsiteY3" fmla="*/ 40491 h 376249"/>
+                <a:gd name="connsiteX4" fmla="*/ 1340644 w 1838325"/>
+                <a:gd name="connsiteY4" fmla="*/ 240517 h 376249"/>
+                <a:gd name="connsiteX5" fmla="*/ 1838325 w 1838325"/>
+                <a:gd name="connsiteY5" fmla="*/ 376249 h 376249"/>
+                <a:gd name="connsiteX0" fmla="*/ 0 w 1838325"/>
+                <a:gd name="connsiteY0" fmla="*/ 351460 h 363367"/>
+                <a:gd name="connsiteX1" fmla="*/ 485775 w 1838325"/>
+                <a:gd name="connsiteY1" fmla="*/ 246685 h 363367"/>
+                <a:gd name="connsiteX2" fmla="*/ 742951 w 1838325"/>
+                <a:gd name="connsiteY2" fmla="*/ 25229 h 363367"/>
+                <a:gd name="connsiteX3" fmla="*/ 1085849 w 1838325"/>
+                <a:gd name="connsiteY3" fmla="*/ 27609 h 363367"/>
+                <a:gd name="connsiteX4" fmla="*/ 1340644 w 1838325"/>
+                <a:gd name="connsiteY4" fmla="*/ 227635 h 363367"/>
+                <a:gd name="connsiteX5" fmla="*/ 1838325 w 1838325"/>
+                <a:gd name="connsiteY5" fmla="*/ 363367 h 363367"/>
+                <a:gd name="connsiteX0" fmla="*/ 0 w 1838325"/>
+                <a:gd name="connsiteY0" fmla="*/ 359242 h 371149"/>
+                <a:gd name="connsiteX1" fmla="*/ 485775 w 1838325"/>
+                <a:gd name="connsiteY1" fmla="*/ 254467 h 371149"/>
+                <a:gd name="connsiteX2" fmla="*/ 742951 w 1838325"/>
+                <a:gd name="connsiteY2" fmla="*/ 33011 h 371149"/>
+                <a:gd name="connsiteX3" fmla="*/ 1085849 w 1838325"/>
+                <a:gd name="connsiteY3" fmla="*/ 35391 h 371149"/>
+                <a:gd name="connsiteX4" fmla="*/ 1340644 w 1838325"/>
+                <a:gd name="connsiteY4" fmla="*/ 235417 h 371149"/>
+                <a:gd name="connsiteX5" fmla="*/ 1838325 w 1838325"/>
+                <a:gd name="connsiteY5" fmla="*/ 371149 h 371149"/>
+                <a:gd name="connsiteX0" fmla="*/ 0 w 1838325"/>
+                <a:gd name="connsiteY0" fmla="*/ 372715 h 384622"/>
+                <a:gd name="connsiteX1" fmla="*/ 485775 w 1838325"/>
+                <a:gd name="connsiteY1" fmla="*/ 267940 h 384622"/>
+                <a:gd name="connsiteX2" fmla="*/ 776288 w 1838325"/>
+                <a:gd name="connsiteY2" fmla="*/ 27434 h 384622"/>
+                <a:gd name="connsiteX3" fmla="*/ 1085849 w 1838325"/>
+                <a:gd name="connsiteY3" fmla="*/ 48864 h 384622"/>
+                <a:gd name="connsiteX4" fmla="*/ 1340644 w 1838325"/>
+                <a:gd name="connsiteY4" fmla="*/ 248890 h 384622"/>
+                <a:gd name="connsiteX5" fmla="*/ 1838325 w 1838325"/>
+                <a:gd name="connsiteY5" fmla="*/ 384622 h 384622"/>
+                <a:gd name="connsiteX0" fmla="*/ 0 w 1838325"/>
+                <a:gd name="connsiteY0" fmla="*/ 374166 h 386073"/>
+                <a:gd name="connsiteX1" fmla="*/ 485775 w 1838325"/>
+                <a:gd name="connsiteY1" fmla="*/ 269391 h 386073"/>
+                <a:gd name="connsiteX2" fmla="*/ 776288 w 1838325"/>
+                <a:gd name="connsiteY2" fmla="*/ 28885 h 386073"/>
+                <a:gd name="connsiteX3" fmla="*/ 1064417 w 1838325"/>
+                <a:gd name="connsiteY3" fmla="*/ 28884 h 386073"/>
+                <a:gd name="connsiteX4" fmla="*/ 1340644 w 1838325"/>
+                <a:gd name="connsiteY4" fmla="*/ 250341 h 386073"/>
+                <a:gd name="connsiteX5" fmla="*/ 1838325 w 1838325"/>
+                <a:gd name="connsiteY5" fmla="*/ 386073 h 386073"/>
+                <a:gd name="connsiteX0" fmla="*/ 0 w 1838325"/>
+                <a:gd name="connsiteY0" fmla="*/ 374166 h 386073"/>
+                <a:gd name="connsiteX1" fmla="*/ 485775 w 1838325"/>
+                <a:gd name="connsiteY1" fmla="*/ 269391 h 386073"/>
+                <a:gd name="connsiteX2" fmla="*/ 776288 w 1838325"/>
+                <a:gd name="connsiteY2" fmla="*/ 28885 h 386073"/>
+                <a:gd name="connsiteX3" fmla="*/ 1064417 w 1838325"/>
+                <a:gd name="connsiteY3" fmla="*/ 28884 h 386073"/>
+                <a:gd name="connsiteX4" fmla="*/ 1340644 w 1838325"/>
+                <a:gd name="connsiteY4" fmla="*/ 250341 h 386073"/>
+                <a:gd name="connsiteX5" fmla="*/ 1838325 w 1838325"/>
+                <a:gd name="connsiteY5" fmla="*/ 386073 h 386073"/>
+                <a:gd name="connsiteX0" fmla="*/ 0 w 1838325"/>
+                <a:gd name="connsiteY0" fmla="*/ 374166 h 386073"/>
+                <a:gd name="connsiteX1" fmla="*/ 485775 w 1838325"/>
+                <a:gd name="connsiteY1" fmla="*/ 269391 h 386073"/>
+                <a:gd name="connsiteX2" fmla="*/ 776288 w 1838325"/>
+                <a:gd name="connsiteY2" fmla="*/ 28885 h 386073"/>
+                <a:gd name="connsiteX3" fmla="*/ 1064417 w 1838325"/>
+                <a:gd name="connsiteY3" fmla="*/ 28884 h 386073"/>
+                <a:gd name="connsiteX4" fmla="*/ 1340644 w 1838325"/>
+                <a:gd name="connsiteY4" fmla="*/ 250341 h 386073"/>
+                <a:gd name="connsiteX5" fmla="*/ 1838325 w 1838325"/>
+                <a:gd name="connsiteY5" fmla="*/ 386073 h 386073"/>
+                <a:gd name="connsiteX0" fmla="*/ 0 w 1838325"/>
+                <a:gd name="connsiteY0" fmla="*/ 374166 h 386073"/>
+                <a:gd name="connsiteX1" fmla="*/ 485775 w 1838325"/>
+                <a:gd name="connsiteY1" fmla="*/ 269391 h 386073"/>
+                <a:gd name="connsiteX2" fmla="*/ 776288 w 1838325"/>
+                <a:gd name="connsiteY2" fmla="*/ 28885 h 386073"/>
+                <a:gd name="connsiteX3" fmla="*/ 1064417 w 1838325"/>
+                <a:gd name="connsiteY3" fmla="*/ 28884 h 386073"/>
+                <a:gd name="connsiteX4" fmla="*/ 1340644 w 1838325"/>
+                <a:gd name="connsiteY4" fmla="*/ 250341 h 386073"/>
+                <a:gd name="connsiteX5" fmla="*/ 1838325 w 1838325"/>
+                <a:gd name="connsiteY5" fmla="*/ 386073 h 386073"/>
+                <a:gd name="connsiteX0" fmla="*/ 0 w 1838325"/>
+                <a:gd name="connsiteY0" fmla="*/ 374166 h 386073"/>
+                <a:gd name="connsiteX1" fmla="*/ 485775 w 1838325"/>
+                <a:gd name="connsiteY1" fmla="*/ 269391 h 386073"/>
+                <a:gd name="connsiteX2" fmla="*/ 776288 w 1838325"/>
+                <a:gd name="connsiteY2" fmla="*/ 28885 h 386073"/>
+                <a:gd name="connsiteX3" fmla="*/ 1064417 w 1838325"/>
+                <a:gd name="connsiteY3" fmla="*/ 28884 h 386073"/>
+                <a:gd name="connsiteX4" fmla="*/ 1326356 w 1838325"/>
+                <a:gd name="connsiteY4" fmla="*/ 250341 h 386073"/>
+                <a:gd name="connsiteX5" fmla="*/ 1838325 w 1838325"/>
+                <a:gd name="connsiteY5" fmla="*/ 386073 h 386073"/>
+                <a:gd name="connsiteX0" fmla="*/ 0 w 1838325"/>
+                <a:gd name="connsiteY0" fmla="*/ 374166 h 386073"/>
+                <a:gd name="connsiteX1" fmla="*/ 485775 w 1838325"/>
+                <a:gd name="connsiteY1" fmla="*/ 269391 h 386073"/>
+                <a:gd name="connsiteX2" fmla="*/ 776288 w 1838325"/>
+                <a:gd name="connsiteY2" fmla="*/ 28885 h 386073"/>
+                <a:gd name="connsiteX3" fmla="*/ 1064417 w 1838325"/>
+                <a:gd name="connsiteY3" fmla="*/ 28884 h 386073"/>
+                <a:gd name="connsiteX4" fmla="*/ 1326356 w 1838325"/>
+                <a:gd name="connsiteY4" fmla="*/ 250341 h 386073"/>
+                <a:gd name="connsiteX5" fmla="*/ 1838325 w 1838325"/>
+                <a:gd name="connsiteY5" fmla="*/ 386073 h 386073"/>
+                <a:gd name="connsiteX0" fmla="*/ 0 w 1838325"/>
+                <a:gd name="connsiteY0" fmla="*/ 374166 h 386073"/>
+                <a:gd name="connsiteX1" fmla="*/ 485775 w 1838325"/>
+                <a:gd name="connsiteY1" fmla="*/ 269391 h 386073"/>
+                <a:gd name="connsiteX2" fmla="*/ 776288 w 1838325"/>
+                <a:gd name="connsiteY2" fmla="*/ 28885 h 386073"/>
+                <a:gd name="connsiteX3" fmla="*/ 1064417 w 1838325"/>
+                <a:gd name="connsiteY3" fmla="*/ 28884 h 386073"/>
+                <a:gd name="connsiteX4" fmla="*/ 1326356 w 1838325"/>
+                <a:gd name="connsiteY4" fmla="*/ 250341 h 386073"/>
+                <a:gd name="connsiteX5" fmla="*/ 1838325 w 1838325"/>
+                <a:gd name="connsiteY5" fmla="*/ 386073 h 386073"/>
+                <a:gd name="connsiteX0" fmla="*/ 0 w 1838325"/>
+                <a:gd name="connsiteY0" fmla="*/ 374166 h 386073"/>
+                <a:gd name="connsiteX1" fmla="*/ 485775 w 1838325"/>
+                <a:gd name="connsiteY1" fmla="*/ 269391 h 386073"/>
+                <a:gd name="connsiteX2" fmla="*/ 776288 w 1838325"/>
+                <a:gd name="connsiteY2" fmla="*/ 28885 h 386073"/>
+                <a:gd name="connsiteX3" fmla="*/ 1064417 w 1838325"/>
+                <a:gd name="connsiteY3" fmla="*/ 28884 h 386073"/>
+                <a:gd name="connsiteX4" fmla="*/ 1326356 w 1838325"/>
+                <a:gd name="connsiteY4" fmla="*/ 250341 h 386073"/>
+                <a:gd name="connsiteX5" fmla="*/ 1438275 w 1838325"/>
+                <a:gd name="connsiteY5" fmla="*/ 333686 h 386073"/>
+                <a:gd name="connsiteX6" fmla="*/ 1838325 w 1838325"/>
+                <a:gd name="connsiteY6" fmla="*/ 386073 h 386073"/>
+                <a:gd name="connsiteX0" fmla="*/ 0 w 1838325"/>
+                <a:gd name="connsiteY0" fmla="*/ 374166 h 386073"/>
+                <a:gd name="connsiteX1" fmla="*/ 485775 w 1838325"/>
+                <a:gd name="connsiteY1" fmla="*/ 269391 h 386073"/>
+                <a:gd name="connsiteX2" fmla="*/ 776288 w 1838325"/>
+                <a:gd name="connsiteY2" fmla="*/ 28885 h 386073"/>
+                <a:gd name="connsiteX3" fmla="*/ 1064417 w 1838325"/>
+                <a:gd name="connsiteY3" fmla="*/ 28884 h 386073"/>
+                <a:gd name="connsiteX4" fmla="*/ 1326356 w 1838325"/>
+                <a:gd name="connsiteY4" fmla="*/ 250341 h 386073"/>
+                <a:gd name="connsiteX5" fmla="*/ 1438275 w 1838325"/>
+                <a:gd name="connsiteY5" fmla="*/ 333686 h 386073"/>
+                <a:gd name="connsiteX6" fmla="*/ 1838325 w 1838325"/>
+                <a:gd name="connsiteY6" fmla="*/ 386073 h 386073"/>
+                <a:gd name="connsiteX0" fmla="*/ 0 w 1838325"/>
+                <a:gd name="connsiteY0" fmla="*/ 374166 h 386073"/>
+                <a:gd name="connsiteX1" fmla="*/ 485775 w 1838325"/>
+                <a:gd name="connsiteY1" fmla="*/ 269391 h 386073"/>
+                <a:gd name="connsiteX2" fmla="*/ 776288 w 1838325"/>
+                <a:gd name="connsiteY2" fmla="*/ 28885 h 386073"/>
+                <a:gd name="connsiteX3" fmla="*/ 1064417 w 1838325"/>
+                <a:gd name="connsiteY3" fmla="*/ 28884 h 386073"/>
+                <a:gd name="connsiteX4" fmla="*/ 1326356 w 1838325"/>
+                <a:gd name="connsiteY4" fmla="*/ 250341 h 386073"/>
+                <a:gd name="connsiteX5" fmla="*/ 1838325 w 1838325"/>
+                <a:gd name="connsiteY5" fmla="*/ 386073 h 386073"/>
+                <a:gd name="connsiteX0" fmla="*/ 0 w 1838325"/>
+                <a:gd name="connsiteY0" fmla="*/ 374166 h 386073"/>
+                <a:gd name="connsiteX1" fmla="*/ 485775 w 1838325"/>
+                <a:gd name="connsiteY1" fmla="*/ 269391 h 386073"/>
+                <a:gd name="connsiteX2" fmla="*/ 776288 w 1838325"/>
+                <a:gd name="connsiteY2" fmla="*/ 28885 h 386073"/>
+                <a:gd name="connsiteX3" fmla="*/ 1064417 w 1838325"/>
+                <a:gd name="connsiteY3" fmla="*/ 28884 h 386073"/>
+                <a:gd name="connsiteX4" fmla="*/ 1326356 w 1838325"/>
+                <a:gd name="connsiteY4" fmla="*/ 250341 h 386073"/>
+                <a:gd name="connsiteX5" fmla="*/ 1838325 w 1838325"/>
+                <a:gd name="connsiteY5" fmla="*/ 386073 h 386073"/>
+                <a:gd name="connsiteX0" fmla="*/ 0 w 1838325"/>
+                <a:gd name="connsiteY0" fmla="*/ 374166 h 386073"/>
+                <a:gd name="connsiteX1" fmla="*/ 485775 w 1838325"/>
+                <a:gd name="connsiteY1" fmla="*/ 269391 h 386073"/>
+                <a:gd name="connsiteX2" fmla="*/ 776288 w 1838325"/>
+                <a:gd name="connsiteY2" fmla="*/ 28885 h 386073"/>
+                <a:gd name="connsiteX3" fmla="*/ 1064417 w 1838325"/>
+                <a:gd name="connsiteY3" fmla="*/ 28884 h 386073"/>
+                <a:gd name="connsiteX4" fmla="*/ 1326356 w 1838325"/>
+                <a:gd name="connsiteY4" fmla="*/ 250341 h 386073"/>
+                <a:gd name="connsiteX5" fmla="*/ 1838325 w 1838325"/>
+                <a:gd name="connsiteY5" fmla="*/ 386073 h 386073"/>
+                <a:gd name="connsiteX0" fmla="*/ 0 w 1838325"/>
+                <a:gd name="connsiteY0" fmla="*/ 374166 h 386073"/>
+                <a:gd name="connsiteX1" fmla="*/ 485775 w 1838325"/>
+                <a:gd name="connsiteY1" fmla="*/ 269391 h 386073"/>
+                <a:gd name="connsiteX2" fmla="*/ 776288 w 1838325"/>
+                <a:gd name="connsiteY2" fmla="*/ 28885 h 386073"/>
+                <a:gd name="connsiteX3" fmla="*/ 1064417 w 1838325"/>
+                <a:gd name="connsiteY3" fmla="*/ 28884 h 386073"/>
+                <a:gd name="connsiteX4" fmla="*/ 1326356 w 1838325"/>
+                <a:gd name="connsiteY4" fmla="*/ 250341 h 386073"/>
+                <a:gd name="connsiteX5" fmla="*/ 1838325 w 1838325"/>
+                <a:gd name="connsiteY5" fmla="*/ 386073 h 386073"/>
+                <a:gd name="connsiteX0" fmla="*/ 0 w 1838325"/>
+                <a:gd name="connsiteY0" fmla="*/ 374166 h 386073"/>
+                <a:gd name="connsiteX1" fmla="*/ 485775 w 1838325"/>
+                <a:gd name="connsiteY1" fmla="*/ 269391 h 386073"/>
+                <a:gd name="connsiteX2" fmla="*/ 776288 w 1838325"/>
+                <a:gd name="connsiteY2" fmla="*/ 28885 h 386073"/>
+                <a:gd name="connsiteX3" fmla="*/ 1064417 w 1838325"/>
+                <a:gd name="connsiteY3" fmla="*/ 28884 h 386073"/>
+                <a:gd name="connsiteX4" fmla="*/ 1326356 w 1838325"/>
+                <a:gd name="connsiteY4" fmla="*/ 250341 h 386073"/>
+                <a:gd name="connsiteX5" fmla="*/ 1838325 w 1838325"/>
+                <a:gd name="connsiteY5" fmla="*/ 386073 h 386073"/>
+                <a:gd name="connsiteX0" fmla="*/ 0 w 1838325"/>
+                <a:gd name="connsiteY0" fmla="*/ 377899 h 389806"/>
+                <a:gd name="connsiteX1" fmla="*/ 485775 w 1838325"/>
+                <a:gd name="connsiteY1" fmla="*/ 273124 h 389806"/>
+                <a:gd name="connsiteX2" fmla="*/ 776288 w 1838325"/>
+                <a:gd name="connsiteY2" fmla="*/ 32618 h 389806"/>
+                <a:gd name="connsiteX3" fmla="*/ 1064417 w 1838325"/>
+                <a:gd name="connsiteY3" fmla="*/ 32617 h 389806"/>
+                <a:gd name="connsiteX4" fmla="*/ 1326356 w 1838325"/>
+                <a:gd name="connsiteY4" fmla="*/ 254074 h 389806"/>
+                <a:gd name="connsiteX5" fmla="*/ 1838325 w 1838325"/>
+                <a:gd name="connsiteY5" fmla="*/ 389806 h 389806"/>
+              </a:gdLst>
+              <a:ahLst/>
+              <a:cxnLst>
+                <a:cxn ang="0">
+                  <a:pos x="connsiteX0" y="connsiteY0"/>
+                </a:cxn>
+                <a:cxn ang="0">
+                  <a:pos x="connsiteX1" y="connsiteY1"/>
+                </a:cxn>
+                <a:cxn ang="0">
+                  <a:pos x="connsiteX2" y="connsiteY2"/>
+                </a:cxn>
+                <a:cxn ang="0">
+                  <a:pos x="connsiteX3" y="connsiteY3"/>
+                </a:cxn>
+                <a:cxn ang="0">
+                  <a:pos x="connsiteX4" y="connsiteY4"/>
+                </a:cxn>
+                <a:cxn ang="0">
+                  <a:pos x="connsiteX5" y="connsiteY5"/>
+                </a:cxn>
+              </a:cxnLst>
+              <a:rect l="l" t="t" r="r" b="b"/>
+              <a:pathLst>
+                <a:path w="1838325" h="389806">
+                  <a:moveTo>
+                    <a:pt x="0" y="377899"/>
+                  </a:moveTo>
+                  <a:cubicBezTo>
+                    <a:pt x="325438" y="349325"/>
+                    <a:pt x="361157" y="359246"/>
+                    <a:pt x="485775" y="273124"/>
+                  </a:cubicBezTo>
+                  <a:cubicBezTo>
+                    <a:pt x="610393" y="187002"/>
+                    <a:pt x="658417" y="82228"/>
+                    <a:pt x="776288" y="32618"/>
+                  </a:cubicBezTo>
+                  <a:cubicBezTo>
+                    <a:pt x="894159" y="-16992"/>
+                    <a:pt x="972739" y="-4292"/>
+                    <a:pt x="1064417" y="32617"/>
+                  </a:cubicBezTo>
+                  <a:cubicBezTo>
+                    <a:pt x="1156095" y="69526"/>
+                    <a:pt x="1187846" y="137393"/>
+                    <a:pt x="1326356" y="254074"/>
+                  </a:cubicBezTo>
+                  <a:cubicBezTo>
+                    <a:pt x="1483916" y="380281"/>
+                    <a:pt x="1495921" y="349623"/>
+                    <a:pt x="1838325" y="389806"/>
+                  </a:cubicBezTo>
+                </a:path>
+              </a:pathLst>
+            </a:custGeom>
+            <a:pattFill prst="lgGrid">
+              <a:fgClr>
+                <a:schemeClr val="bg2"/>
+              </a:fgClr>
+              <a:bgClr>
+                <a:srgbClr val="007396"/>
+              </a:bgClr>
+            </a:pattFill>
+            <a:ln>
+              <a:solidFill>
+                <a:srgbClr val="003E51"/>
+              </a:solidFill>
+            </a:ln>
+          </p:spPr>
+          <p:style>
+            <a:lnRef idx="2">
+              <a:schemeClr val="accent1">
+                <a:shade val="50000"/>
+              </a:schemeClr>
+            </a:lnRef>
+            <a:fillRef idx="1">
+              <a:schemeClr val="accent1"/>
+            </a:fillRef>
+            <a:effectRef idx="0">
+              <a:schemeClr val="accent1"/>
+            </a:effectRef>
+            <a:fontRef idx="minor">
+              <a:schemeClr val="lt1"/>
+            </a:fontRef>
+          </p:style>
+          <p:txBody>
+            <a:bodyPr rtlCol="0" anchor="ctr"/>
+            <a:lstStyle/>
+            <a:p>
+              <a:pPr algn="ctr"/>
+              <a:endParaRPr lang="en-US" dirty="0"/>
+            </a:p>
+          </p:txBody>
+        </p:sp>
+        <p:sp>
+          <p:nvSpPr>
+            <p:cNvPr id="7" name="Freeform: Shape 6">
+              <a:extLst>
+                <a:ext uri="{FF2B5EF4-FFF2-40B4-BE49-F238E27FC236}">
+                  <a16:creationId xmlns:a16="http://schemas.microsoft.com/office/drawing/2014/main" id="{2AD8ABF9-67A9-4850-9D33-A567F444DD66}"/>
+                </a:ext>
+              </a:extLst>
+            </p:cNvPr>
+            <p:cNvSpPr/>
+            <p:nvPr/>
+          </p:nvSpPr>
+          <p:spPr>
+            <a:xfrm rot="10800000">
+              <a:off x="7708257" y="4061136"/>
+              <a:ext cx="571081" cy="248990"/>
+            </a:xfrm>
+            <a:custGeom>
+              <a:avLst/>
+              <a:gdLst>
+                <a:gd name="connsiteX0" fmla="*/ 0 w 1838325"/>
+                <a:gd name="connsiteY0" fmla="*/ 386022 h 397929"/>
+                <a:gd name="connsiteX1" fmla="*/ 676275 w 1838325"/>
+                <a:gd name="connsiteY1" fmla="*/ 183616 h 397929"/>
+                <a:gd name="connsiteX2" fmla="*/ 923925 w 1838325"/>
+                <a:gd name="connsiteY2" fmla="*/ 260 h 397929"/>
+                <a:gd name="connsiteX3" fmla="*/ 1281112 w 1838325"/>
+                <a:gd name="connsiteY3" fmla="*/ 224097 h 397929"/>
+                <a:gd name="connsiteX4" fmla="*/ 1838325 w 1838325"/>
+                <a:gd name="connsiteY4" fmla="*/ 397929 h 397929"/>
+                <a:gd name="connsiteX0" fmla="*/ 0 w 1838325"/>
+                <a:gd name="connsiteY0" fmla="*/ 386152 h 398059"/>
+                <a:gd name="connsiteX1" fmla="*/ 485775 w 1838325"/>
+                <a:gd name="connsiteY1" fmla="*/ 281377 h 398059"/>
+                <a:gd name="connsiteX2" fmla="*/ 923925 w 1838325"/>
+                <a:gd name="connsiteY2" fmla="*/ 390 h 398059"/>
+                <a:gd name="connsiteX3" fmla="*/ 1281112 w 1838325"/>
+                <a:gd name="connsiteY3" fmla="*/ 224227 h 398059"/>
+                <a:gd name="connsiteX4" fmla="*/ 1838325 w 1838325"/>
+                <a:gd name="connsiteY4" fmla="*/ 398059 h 398059"/>
+                <a:gd name="connsiteX0" fmla="*/ 0 w 1838325"/>
+                <a:gd name="connsiteY0" fmla="*/ 386152 h 398059"/>
+                <a:gd name="connsiteX1" fmla="*/ 485775 w 1838325"/>
+                <a:gd name="connsiteY1" fmla="*/ 281377 h 398059"/>
+                <a:gd name="connsiteX2" fmla="*/ 923925 w 1838325"/>
+                <a:gd name="connsiteY2" fmla="*/ 390 h 398059"/>
+                <a:gd name="connsiteX3" fmla="*/ 1281112 w 1838325"/>
+                <a:gd name="connsiteY3" fmla="*/ 224227 h 398059"/>
+                <a:gd name="connsiteX4" fmla="*/ 1838325 w 1838325"/>
+                <a:gd name="connsiteY4" fmla="*/ 398059 h 398059"/>
+                <a:gd name="connsiteX0" fmla="*/ 0 w 1838325"/>
+                <a:gd name="connsiteY0" fmla="*/ 386152 h 398059"/>
+                <a:gd name="connsiteX1" fmla="*/ 485775 w 1838325"/>
+                <a:gd name="connsiteY1" fmla="*/ 281377 h 398059"/>
+                <a:gd name="connsiteX2" fmla="*/ 923925 w 1838325"/>
+                <a:gd name="connsiteY2" fmla="*/ 390 h 398059"/>
+                <a:gd name="connsiteX3" fmla="*/ 1281112 w 1838325"/>
+                <a:gd name="connsiteY3" fmla="*/ 224227 h 398059"/>
+                <a:gd name="connsiteX4" fmla="*/ 1838325 w 1838325"/>
+                <a:gd name="connsiteY4" fmla="*/ 398059 h 398059"/>
+                <a:gd name="connsiteX0" fmla="*/ 0 w 1838325"/>
+                <a:gd name="connsiteY0" fmla="*/ 386152 h 398059"/>
+                <a:gd name="connsiteX1" fmla="*/ 485775 w 1838325"/>
+                <a:gd name="connsiteY1" fmla="*/ 281377 h 398059"/>
+                <a:gd name="connsiteX2" fmla="*/ 923925 w 1838325"/>
+                <a:gd name="connsiteY2" fmla="*/ 390 h 398059"/>
+                <a:gd name="connsiteX3" fmla="*/ 1281112 w 1838325"/>
+                <a:gd name="connsiteY3" fmla="*/ 224227 h 398059"/>
+                <a:gd name="connsiteX4" fmla="*/ 1838325 w 1838325"/>
+                <a:gd name="connsiteY4" fmla="*/ 398059 h 398059"/>
+                <a:gd name="connsiteX0" fmla="*/ 0 w 1838325"/>
+                <a:gd name="connsiteY0" fmla="*/ 386152 h 398059"/>
+                <a:gd name="connsiteX1" fmla="*/ 485775 w 1838325"/>
+                <a:gd name="connsiteY1" fmla="*/ 281377 h 398059"/>
+                <a:gd name="connsiteX2" fmla="*/ 923925 w 1838325"/>
+                <a:gd name="connsiteY2" fmla="*/ 390 h 398059"/>
+                <a:gd name="connsiteX3" fmla="*/ 1281112 w 1838325"/>
+                <a:gd name="connsiteY3" fmla="*/ 224227 h 398059"/>
+                <a:gd name="connsiteX4" fmla="*/ 1838325 w 1838325"/>
+                <a:gd name="connsiteY4" fmla="*/ 398059 h 398059"/>
+                <a:gd name="connsiteX0" fmla="*/ 0 w 1838325"/>
+                <a:gd name="connsiteY0" fmla="*/ 386152 h 398059"/>
+                <a:gd name="connsiteX1" fmla="*/ 485775 w 1838325"/>
+                <a:gd name="connsiteY1" fmla="*/ 281377 h 398059"/>
+                <a:gd name="connsiteX2" fmla="*/ 923925 w 1838325"/>
+                <a:gd name="connsiteY2" fmla="*/ 390 h 398059"/>
+                <a:gd name="connsiteX3" fmla="*/ 1281112 w 1838325"/>
+                <a:gd name="connsiteY3" fmla="*/ 224227 h 398059"/>
+                <a:gd name="connsiteX4" fmla="*/ 1838325 w 1838325"/>
+                <a:gd name="connsiteY4" fmla="*/ 398059 h 398059"/>
+                <a:gd name="connsiteX0" fmla="*/ 0 w 1838325"/>
+                <a:gd name="connsiteY0" fmla="*/ 357640 h 369547"/>
+                <a:gd name="connsiteX1" fmla="*/ 485775 w 1838325"/>
+                <a:gd name="connsiteY1" fmla="*/ 252865 h 369547"/>
+                <a:gd name="connsiteX2" fmla="*/ 826294 w 1838325"/>
+                <a:gd name="connsiteY2" fmla="*/ 453 h 369547"/>
+                <a:gd name="connsiteX3" fmla="*/ 1281112 w 1838325"/>
+                <a:gd name="connsiteY3" fmla="*/ 195715 h 369547"/>
+                <a:gd name="connsiteX4" fmla="*/ 1838325 w 1838325"/>
+                <a:gd name="connsiteY4" fmla="*/ 369547 h 369547"/>
+                <a:gd name="connsiteX0" fmla="*/ 0 w 1838325"/>
+                <a:gd name="connsiteY0" fmla="*/ 358152 h 370059"/>
+                <a:gd name="connsiteX1" fmla="*/ 485775 w 1838325"/>
+                <a:gd name="connsiteY1" fmla="*/ 253377 h 370059"/>
+                <a:gd name="connsiteX2" fmla="*/ 826294 w 1838325"/>
+                <a:gd name="connsiteY2" fmla="*/ 965 h 370059"/>
+                <a:gd name="connsiteX3" fmla="*/ 1281112 w 1838325"/>
+                <a:gd name="connsiteY3" fmla="*/ 196227 h 370059"/>
+                <a:gd name="connsiteX4" fmla="*/ 1838325 w 1838325"/>
+                <a:gd name="connsiteY4" fmla="*/ 370059 h 370059"/>
+                <a:gd name="connsiteX0" fmla="*/ 0 w 1838325"/>
+                <a:gd name="connsiteY0" fmla="*/ 358152 h 370059"/>
+                <a:gd name="connsiteX1" fmla="*/ 485775 w 1838325"/>
+                <a:gd name="connsiteY1" fmla="*/ 253377 h 370059"/>
+                <a:gd name="connsiteX2" fmla="*/ 826294 w 1838325"/>
+                <a:gd name="connsiteY2" fmla="*/ 965 h 370059"/>
+                <a:gd name="connsiteX3" fmla="*/ 1281112 w 1838325"/>
+                <a:gd name="connsiteY3" fmla="*/ 196227 h 370059"/>
+                <a:gd name="connsiteX4" fmla="*/ 1838325 w 1838325"/>
+                <a:gd name="connsiteY4" fmla="*/ 370059 h 370059"/>
+                <a:gd name="connsiteX0" fmla="*/ 0 w 1838325"/>
+                <a:gd name="connsiteY0" fmla="*/ 377052 h 388959"/>
+                <a:gd name="connsiteX1" fmla="*/ 485775 w 1838325"/>
+                <a:gd name="connsiteY1" fmla="*/ 272277 h 388959"/>
+                <a:gd name="connsiteX2" fmla="*/ 826294 w 1838325"/>
+                <a:gd name="connsiteY2" fmla="*/ 19865 h 388959"/>
+                <a:gd name="connsiteX3" fmla="*/ 1116806 w 1838325"/>
+                <a:gd name="connsiteY3" fmla="*/ 57964 h 388959"/>
+                <a:gd name="connsiteX4" fmla="*/ 1838325 w 1838325"/>
+                <a:gd name="connsiteY4" fmla="*/ 388959 h 388959"/>
+                <a:gd name="connsiteX0" fmla="*/ 0 w 1838325"/>
+                <a:gd name="connsiteY0" fmla="*/ 365610 h 377517"/>
+                <a:gd name="connsiteX1" fmla="*/ 485775 w 1838325"/>
+                <a:gd name="connsiteY1" fmla="*/ 260835 h 377517"/>
+                <a:gd name="connsiteX2" fmla="*/ 826294 w 1838325"/>
+                <a:gd name="connsiteY2" fmla="*/ 8423 h 377517"/>
+                <a:gd name="connsiteX3" fmla="*/ 1116806 w 1838325"/>
+                <a:gd name="connsiteY3" fmla="*/ 46522 h 377517"/>
+                <a:gd name="connsiteX4" fmla="*/ 1838325 w 1838325"/>
+                <a:gd name="connsiteY4" fmla="*/ 377517 h 377517"/>
+                <a:gd name="connsiteX0" fmla="*/ 0 w 1838325"/>
+                <a:gd name="connsiteY0" fmla="*/ 369420 h 381327"/>
+                <a:gd name="connsiteX1" fmla="*/ 485775 w 1838325"/>
+                <a:gd name="connsiteY1" fmla="*/ 264645 h 381327"/>
+                <a:gd name="connsiteX2" fmla="*/ 826294 w 1838325"/>
+                <a:gd name="connsiteY2" fmla="*/ 12233 h 381327"/>
+                <a:gd name="connsiteX3" fmla="*/ 1116806 w 1838325"/>
+                <a:gd name="connsiteY3" fmla="*/ 50332 h 381327"/>
+                <a:gd name="connsiteX4" fmla="*/ 1838325 w 1838325"/>
+                <a:gd name="connsiteY4" fmla="*/ 381327 h 381327"/>
+                <a:gd name="connsiteX0" fmla="*/ 0 w 1838325"/>
+                <a:gd name="connsiteY0" fmla="*/ 359223 h 371130"/>
+                <a:gd name="connsiteX1" fmla="*/ 485775 w 1838325"/>
+                <a:gd name="connsiteY1" fmla="*/ 254448 h 371130"/>
+                <a:gd name="connsiteX2" fmla="*/ 826294 w 1838325"/>
+                <a:gd name="connsiteY2" fmla="*/ 2036 h 371130"/>
+                <a:gd name="connsiteX3" fmla="*/ 1116806 w 1838325"/>
+                <a:gd name="connsiteY3" fmla="*/ 40135 h 371130"/>
+                <a:gd name="connsiteX4" fmla="*/ 1331119 w 1838325"/>
+                <a:gd name="connsiteY4" fmla="*/ 133005 h 371130"/>
+                <a:gd name="connsiteX5" fmla="*/ 1838325 w 1838325"/>
+                <a:gd name="connsiteY5" fmla="*/ 371130 h 371130"/>
+                <a:gd name="connsiteX0" fmla="*/ 0 w 1838325"/>
+                <a:gd name="connsiteY0" fmla="*/ 360726 h 372633"/>
+                <a:gd name="connsiteX1" fmla="*/ 485775 w 1838325"/>
+                <a:gd name="connsiteY1" fmla="*/ 255951 h 372633"/>
+                <a:gd name="connsiteX2" fmla="*/ 826294 w 1838325"/>
+                <a:gd name="connsiteY2" fmla="*/ 3539 h 372633"/>
+                <a:gd name="connsiteX3" fmla="*/ 1116806 w 1838325"/>
+                <a:gd name="connsiteY3" fmla="*/ 41638 h 372633"/>
+                <a:gd name="connsiteX4" fmla="*/ 1340644 w 1838325"/>
+                <a:gd name="connsiteY4" fmla="*/ 236901 h 372633"/>
+                <a:gd name="connsiteX5" fmla="*/ 1838325 w 1838325"/>
+                <a:gd name="connsiteY5" fmla="*/ 372633 h 372633"/>
+                <a:gd name="connsiteX0" fmla="*/ 0 w 1838325"/>
+                <a:gd name="connsiteY0" fmla="*/ 393137 h 405044"/>
+                <a:gd name="connsiteX1" fmla="*/ 485775 w 1838325"/>
+                <a:gd name="connsiteY1" fmla="*/ 288362 h 405044"/>
+                <a:gd name="connsiteX2" fmla="*/ 826294 w 1838325"/>
+                <a:gd name="connsiteY2" fmla="*/ 35950 h 405044"/>
+                <a:gd name="connsiteX3" fmla="*/ 1023937 w 1838325"/>
+                <a:gd name="connsiteY3" fmla="*/ 26424 h 405044"/>
+                <a:gd name="connsiteX4" fmla="*/ 1340644 w 1838325"/>
+                <a:gd name="connsiteY4" fmla="*/ 269312 h 405044"/>
+                <a:gd name="connsiteX5" fmla="*/ 1838325 w 1838325"/>
+                <a:gd name="connsiteY5" fmla="*/ 405044 h 405044"/>
+                <a:gd name="connsiteX0" fmla="*/ 0 w 1838325"/>
+                <a:gd name="connsiteY0" fmla="*/ 382525 h 394432"/>
+                <a:gd name="connsiteX1" fmla="*/ 485775 w 1838325"/>
+                <a:gd name="connsiteY1" fmla="*/ 277750 h 394432"/>
+                <a:gd name="connsiteX2" fmla="*/ 826294 w 1838325"/>
+                <a:gd name="connsiteY2" fmla="*/ 25338 h 394432"/>
+                <a:gd name="connsiteX3" fmla="*/ 1023937 w 1838325"/>
+                <a:gd name="connsiteY3" fmla="*/ 15812 h 394432"/>
+                <a:gd name="connsiteX4" fmla="*/ 1340644 w 1838325"/>
+                <a:gd name="connsiteY4" fmla="*/ 258700 h 394432"/>
+                <a:gd name="connsiteX5" fmla="*/ 1838325 w 1838325"/>
+                <a:gd name="connsiteY5" fmla="*/ 394432 h 394432"/>
+                <a:gd name="connsiteX0" fmla="*/ 0 w 1838325"/>
+                <a:gd name="connsiteY0" fmla="*/ 400038 h 411945"/>
+                <a:gd name="connsiteX1" fmla="*/ 485775 w 1838325"/>
+                <a:gd name="connsiteY1" fmla="*/ 295263 h 411945"/>
+                <a:gd name="connsiteX2" fmla="*/ 826294 w 1838325"/>
+                <a:gd name="connsiteY2" fmla="*/ 42851 h 411945"/>
+                <a:gd name="connsiteX3" fmla="*/ 1023937 w 1838325"/>
+                <a:gd name="connsiteY3" fmla="*/ 33325 h 411945"/>
+                <a:gd name="connsiteX4" fmla="*/ 1340644 w 1838325"/>
+                <a:gd name="connsiteY4" fmla="*/ 276213 h 411945"/>
+                <a:gd name="connsiteX5" fmla="*/ 1838325 w 1838325"/>
+                <a:gd name="connsiteY5" fmla="*/ 411945 h 411945"/>
+                <a:gd name="connsiteX0" fmla="*/ 0 w 1838325"/>
+                <a:gd name="connsiteY0" fmla="*/ 389769 h 401676"/>
+                <a:gd name="connsiteX1" fmla="*/ 485775 w 1838325"/>
+                <a:gd name="connsiteY1" fmla="*/ 284994 h 401676"/>
+                <a:gd name="connsiteX2" fmla="*/ 826294 w 1838325"/>
+                <a:gd name="connsiteY2" fmla="*/ 32582 h 401676"/>
+                <a:gd name="connsiteX3" fmla="*/ 1023937 w 1838325"/>
+                <a:gd name="connsiteY3" fmla="*/ 23056 h 401676"/>
+                <a:gd name="connsiteX4" fmla="*/ 1340644 w 1838325"/>
+                <a:gd name="connsiteY4" fmla="*/ 265944 h 401676"/>
+                <a:gd name="connsiteX5" fmla="*/ 1838325 w 1838325"/>
+                <a:gd name="connsiteY5" fmla="*/ 401676 h 401676"/>
+                <a:gd name="connsiteX0" fmla="*/ 0 w 1838325"/>
+                <a:gd name="connsiteY0" fmla="*/ 376984 h 388891"/>
+                <a:gd name="connsiteX1" fmla="*/ 485775 w 1838325"/>
+                <a:gd name="connsiteY1" fmla="*/ 272209 h 388891"/>
+                <a:gd name="connsiteX2" fmla="*/ 728663 w 1838325"/>
+                <a:gd name="connsiteY2" fmla="*/ 43609 h 388891"/>
+                <a:gd name="connsiteX3" fmla="*/ 1023937 w 1838325"/>
+                <a:gd name="connsiteY3" fmla="*/ 10271 h 388891"/>
+                <a:gd name="connsiteX4" fmla="*/ 1340644 w 1838325"/>
+                <a:gd name="connsiteY4" fmla="*/ 253159 h 388891"/>
+                <a:gd name="connsiteX5" fmla="*/ 1838325 w 1838325"/>
+                <a:gd name="connsiteY5" fmla="*/ 388891 h 388891"/>
+                <a:gd name="connsiteX0" fmla="*/ 0 w 1838325"/>
+                <a:gd name="connsiteY0" fmla="*/ 355953 h 367860"/>
+                <a:gd name="connsiteX1" fmla="*/ 485775 w 1838325"/>
+                <a:gd name="connsiteY1" fmla="*/ 251178 h 367860"/>
+                <a:gd name="connsiteX2" fmla="*/ 728663 w 1838325"/>
+                <a:gd name="connsiteY2" fmla="*/ 22578 h 367860"/>
+                <a:gd name="connsiteX3" fmla="*/ 1085849 w 1838325"/>
+                <a:gd name="connsiteY3" fmla="*/ 32102 h 367860"/>
+                <a:gd name="connsiteX4" fmla="*/ 1340644 w 1838325"/>
+                <a:gd name="connsiteY4" fmla="*/ 232128 h 367860"/>
+                <a:gd name="connsiteX5" fmla="*/ 1838325 w 1838325"/>
+                <a:gd name="connsiteY5" fmla="*/ 367860 h 367860"/>
+                <a:gd name="connsiteX0" fmla="*/ 0 w 1838325"/>
+                <a:gd name="connsiteY0" fmla="*/ 371332 h 383239"/>
+                <a:gd name="connsiteX1" fmla="*/ 485775 w 1838325"/>
+                <a:gd name="connsiteY1" fmla="*/ 266557 h 383239"/>
+                <a:gd name="connsiteX2" fmla="*/ 728663 w 1838325"/>
+                <a:gd name="connsiteY2" fmla="*/ 37957 h 383239"/>
+                <a:gd name="connsiteX3" fmla="*/ 1085849 w 1838325"/>
+                <a:gd name="connsiteY3" fmla="*/ 47481 h 383239"/>
+                <a:gd name="connsiteX4" fmla="*/ 1340644 w 1838325"/>
+                <a:gd name="connsiteY4" fmla="*/ 247507 h 383239"/>
+                <a:gd name="connsiteX5" fmla="*/ 1838325 w 1838325"/>
+                <a:gd name="connsiteY5" fmla="*/ 383239 h 383239"/>
+                <a:gd name="connsiteX0" fmla="*/ 0 w 1838325"/>
+                <a:gd name="connsiteY0" fmla="*/ 355953 h 367860"/>
+                <a:gd name="connsiteX1" fmla="*/ 485775 w 1838325"/>
+                <a:gd name="connsiteY1" fmla="*/ 251178 h 367860"/>
+                <a:gd name="connsiteX2" fmla="*/ 728663 w 1838325"/>
+                <a:gd name="connsiteY2" fmla="*/ 22578 h 367860"/>
+                <a:gd name="connsiteX3" fmla="*/ 1085849 w 1838325"/>
+                <a:gd name="connsiteY3" fmla="*/ 32102 h 367860"/>
+                <a:gd name="connsiteX4" fmla="*/ 1340644 w 1838325"/>
+                <a:gd name="connsiteY4" fmla="*/ 232128 h 367860"/>
+                <a:gd name="connsiteX5" fmla="*/ 1838325 w 1838325"/>
+                <a:gd name="connsiteY5" fmla="*/ 367860 h 367860"/>
+                <a:gd name="connsiteX0" fmla="*/ 0 w 1838325"/>
+                <a:gd name="connsiteY0" fmla="*/ 366176 h 378083"/>
+                <a:gd name="connsiteX1" fmla="*/ 485775 w 1838325"/>
+                <a:gd name="connsiteY1" fmla="*/ 261401 h 378083"/>
+                <a:gd name="connsiteX2" fmla="*/ 728663 w 1838325"/>
+                <a:gd name="connsiteY2" fmla="*/ 32801 h 378083"/>
+                <a:gd name="connsiteX3" fmla="*/ 1085849 w 1838325"/>
+                <a:gd name="connsiteY3" fmla="*/ 42325 h 378083"/>
+                <a:gd name="connsiteX4" fmla="*/ 1340644 w 1838325"/>
+                <a:gd name="connsiteY4" fmla="*/ 242351 h 378083"/>
+                <a:gd name="connsiteX5" fmla="*/ 1838325 w 1838325"/>
+                <a:gd name="connsiteY5" fmla="*/ 378083 h 378083"/>
+                <a:gd name="connsiteX0" fmla="*/ 0 w 1838325"/>
+                <a:gd name="connsiteY0" fmla="*/ 364342 h 376249"/>
+                <a:gd name="connsiteX1" fmla="*/ 485775 w 1838325"/>
+                <a:gd name="connsiteY1" fmla="*/ 259567 h 376249"/>
+                <a:gd name="connsiteX2" fmla="*/ 728663 w 1838325"/>
+                <a:gd name="connsiteY2" fmla="*/ 30967 h 376249"/>
+                <a:gd name="connsiteX3" fmla="*/ 1085849 w 1838325"/>
+                <a:gd name="connsiteY3" fmla="*/ 40491 h 376249"/>
+                <a:gd name="connsiteX4" fmla="*/ 1340644 w 1838325"/>
+                <a:gd name="connsiteY4" fmla="*/ 240517 h 376249"/>
+                <a:gd name="connsiteX5" fmla="*/ 1838325 w 1838325"/>
+                <a:gd name="connsiteY5" fmla="*/ 376249 h 376249"/>
+                <a:gd name="connsiteX0" fmla="*/ 0 w 1838325"/>
+                <a:gd name="connsiteY0" fmla="*/ 351460 h 363367"/>
+                <a:gd name="connsiteX1" fmla="*/ 485775 w 1838325"/>
+                <a:gd name="connsiteY1" fmla="*/ 246685 h 363367"/>
+                <a:gd name="connsiteX2" fmla="*/ 742951 w 1838325"/>
+                <a:gd name="connsiteY2" fmla="*/ 25229 h 363367"/>
+                <a:gd name="connsiteX3" fmla="*/ 1085849 w 1838325"/>
+                <a:gd name="connsiteY3" fmla="*/ 27609 h 363367"/>
+                <a:gd name="connsiteX4" fmla="*/ 1340644 w 1838325"/>
+                <a:gd name="connsiteY4" fmla="*/ 227635 h 363367"/>
+                <a:gd name="connsiteX5" fmla="*/ 1838325 w 1838325"/>
+                <a:gd name="connsiteY5" fmla="*/ 363367 h 363367"/>
+                <a:gd name="connsiteX0" fmla="*/ 0 w 1838325"/>
+                <a:gd name="connsiteY0" fmla="*/ 359242 h 371149"/>
+                <a:gd name="connsiteX1" fmla="*/ 485775 w 1838325"/>
+                <a:gd name="connsiteY1" fmla="*/ 254467 h 371149"/>
+                <a:gd name="connsiteX2" fmla="*/ 742951 w 1838325"/>
+                <a:gd name="connsiteY2" fmla="*/ 33011 h 371149"/>
+                <a:gd name="connsiteX3" fmla="*/ 1085849 w 1838325"/>
+                <a:gd name="connsiteY3" fmla="*/ 35391 h 371149"/>
+                <a:gd name="connsiteX4" fmla="*/ 1340644 w 1838325"/>
+                <a:gd name="connsiteY4" fmla="*/ 235417 h 371149"/>
+                <a:gd name="connsiteX5" fmla="*/ 1838325 w 1838325"/>
+                <a:gd name="connsiteY5" fmla="*/ 371149 h 371149"/>
+                <a:gd name="connsiteX0" fmla="*/ 0 w 1838325"/>
+                <a:gd name="connsiteY0" fmla="*/ 372715 h 384622"/>
+                <a:gd name="connsiteX1" fmla="*/ 485775 w 1838325"/>
+                <a:gd name="connsiteY1" fmla="*/ 267940 h 384622"/>
+                <a:gd name="connsiteX2" fmla="*/ 776288 w 1838325"/>
+                <a:gd name="connsiteY2" fmla="*/ 27434 h 384622"/>
+                <a:gd name="connsiteX3" fmla="*/ 1085849 w 1838325"/>
+                <a:gd name="connsiteY3" fmla="*/ 48864 h 384622"/>
+                <a:gd name="connsiteX4" fmla="*/ 1340644 w 1838325"/>
+                <a:gd name="connsiteY4" fmla="*/ 248890 h 384622"/>
+                <a:gd name="connsiteX5" fmla="*/ 1838325 w 1838325"/>
+                <a:gd name="connsiteY5" fmla="*/ 384622 h 384622"/>
+                <a:gd name="connsiteX0" fmla="*/ 0 w 1838325"/>
+                <a:gd name="connsiteY0" fmla="*/ 374166 h 386073"/>
+                <a:gd name="connsiteX1" fmla="*/ 485775 w 1838325"/>
+                <a:gd name="connsiteY1" fmla="*/ 269391 h 386073"/>
+                <a:gd name="connsiteX2" fmla="*/ 776288 w 1838325"/>
+                <a:gd name="connsiteY2" fmla="*/ 28885 h 386073"/>
+                <a:gd name="connsiteX3" fmla="*/ 1064417 w 1838325"/>
+                <a:gd name="connsiteY3" fmla="*/ 28884 h 386073"/>
+                <a:gd name="connsiteX4" fmla="*/ 1340644 w 1838325"/>
+                <a:gd name="connsiteY4" fmla="*/ 250341 h 386073"/>
+                <a:gd name="connsiteX5" fmla="*/ 1838325 w 1838325"/>
+                <a:gd name="connsiteY5" fmla="*/ 386073 h 386073"/>
+                <a:gd name="connsiteX0" fmla="*/ 0 w 1838325"/>
+                <a:gd name="connsiteY0" fmla="*/ 374166 h 386073"/>
+                <a:gd name="connsiteX1" fmla="*/ 485775 w 1838325"/>
+                <a:gd name="connsiteY1" fmla="*/ 269391 h 386073"/>
+                <a:gd name="connsiteX2" fmla="*/ 776288 w 1838325"/>
+                <a:gd name="connsiteY2" fmla="*/ 28885 h 386073"/>
+                <a:gd name="connsiteX3" fmla="*/ 1064417 w 1838325"/>
+                <a:gd name="connsiteY3" fmla="*/ 28884 h 386073"/>
+                <a:gd name="connsiteX4" fmla="*/ 1340644 w 1838325"/>
+                <a:gd name="connsiteY4" fmla="*/ 250341 h 386073"/>
+                <a:gd name="connsiteX5" fmla="*/ 1838325 w 1838325"/>
+                <a:gd name="connsiteY5" fmla="*/ 386073 h 386073"/>
+                <a:gd name="connsiteX0" fmla="*/ 0 w 1838325"/>
+                <a:gd name="connsiteY0" fmla="*/ 374166 h 386073"/>
+                <a:gd name="connsiteX1" fmla="*/ 485775 w 1838325"/>
+                <a:gd name="connsiteY1" fmla="*/ 269391 h 386073"/>
+                <a:gd name="connsiteX2" fmla="*/ 776288 w 1838325"/>
+                <a:gd name="connsiteY2" fmla="*/ 28885 h 386073"/>
+                <a:gd name="connsiteX3" fmla="*/ 1064417 w 1838325"/>
+                <a:gd name="connsiteY3" fmla="*/ 28884 h 386073"/>
+                <a:gd name="connsiteX4" fmla="*/ 1340644 w 1838325"/>
+                <a:gd name="connsiteY4" fmla="*/ 250341 h 386073"/>
+                <a:gd name="connsiteX5" fmla="*/ 1838325 w 1838325"/>
+                <a:gd name="connsiteY5" fmla="*/ 386073 h 386073"/>
+                <a:gd name="connsiteX0" fmla="*/ 0 w 1838325"/>
+                <a:gd name="connsiteY0" fmla="*/ 374166 h 386073"/>
+                <a:gd name="connsiteX1" fmla="*/ 485775 w 1838325"/>
+                <a:gd name="connsiteY1" fmla="*/ 269391 h 386073"/>
+                <a:gd name="connsiteX2" fmla="*/ 776288 w 1838325"/>
+                <a:gd name="connsiteY2" fmla="*/ 28885 h 386073"/>
+                <a:gd name="connsiteX3" fmla="*/ 1064417 w 1838325"/>
+                <a:gd name="connsiteY3" fmla="*/ 28884 h 386073"/>
+                <a:gd name="connsiteX4" fmla="*/ 1340644 w 1838325"/>
+                <a:gd name="connsiteY4" fmla="*/ 250341 h 386073"/>
+                <a:gd name="connsiteX5" fmla="*/ 1838325 w 1838325"/>
+                <a:gd name="connsiteY5" fmla="*/ 386073 h 386073"/>
+                <a:gd name="connsiteX0" fmla="*/ 0 w 1838325"/>
+                <a:gd name="connsiteY0" fmla="*/ 374166 h 386073"/>
+                <a:gd name="connsiteX1" fmla="*/ 485775 w 1838325"/>
+                <a:gd name="connsiteY1" fmla="*/ 269391 h 386073"/>
+                <a:gd name="connsiteX2" fmla="*/ 776288 w 1838325"/>
+                <a:gd name="connsiteY2" fmla="*/ 28885 h 386073"/>
+                <a:gd name="connsiteX3" fmla="*/ 1064417 w 1838325"/>
+                <a:gd name="connsiteY3" fmla="*/ 28884 h 386073"/>
+                <a:gd name="connsiteX4" fmla="*/ 1326356 w 1838325"/>
+                <a:gd name="connsiteY4" fmla="*/ 250341 h 386073"/>
+                <a:gd name="connsiteX5" fmla="*/ 1838325 w 1838325"/>
+                <a:gd name="connsiteY5" fmla="*/ 386073 h 386073"/>
+                <a:gd name="connsiteX0" fmla="*/ 0 w 1838325"/>
+                <a:gd name="connsiteY0" fmla="*/ 374166 h 386073"/>
+                <a:gd name="connsiteX1" fmla="*/ 485775 w 1838325"/>
+                <a:gd name="connsiteY1" fmla="*/ 269391 h 386073"/>
+                <a:gd name="connsiteX2" fmla="*/ 776288 w 1838325"/>
+                <a:gd name="connsiteY2" fmla="*/ 28885 h 386073"/>
+                <a:gd name="connsiteX3" fmla="*/ 1064417 w 1838325"/>
+                <a:gd name="connsiteY3" fmla="*/ 28884 h 386073"/>
+                <a:gd name="connsiteX4" fmla="*/ 1326356 w 1838325"/>
+                <a:gd name="connsiteY4" fmla="*/ 250341 h 386073"/>
+                <a:gd name="connsiteX5" fmla="*/ 1838325 w 1838325"/>
+                <a:gd name="connsiteY5" fmla="*/ 386073 h 386073"/>
+                <a:gd name="connsiteX0" fmla="*/ 0 w 1838325"/>
+                <a:gd name="connsiteY0" fmla="*/ 374166 h 386073"/>
+                <a:gd name="connsiteX1" fmla="*/ 485775 w 1838325"/>
+                <a:gd name="connsiteY1" fmla="*/ 269391 h 386073"/>
+                <a:gd name="connsiteX2" fmla="*/ 776288 w 1838325"/>
+                <a:gd name="connsiteY2" fmla="*/ 28885 h 386073"/>
+                <a:gd name="connsiteX3" fmla="*/ 1064417 w 1838325"/>
+                <a:gd name="connsiteY3" fmla="*/ 28884 h 386073"/>
+                <a:gd name="connsiteX4" fmla="*/ 1326356 w 1838325"/>
+                <a:gd name="connsiteY4" fmla="*/ 250341 h 386073"/>
+                <a:gd name="connsiteX5" fmla="*/ 1838325 w 1838325"/>
+                <a:gd name="connsiteY5" fmla="*/ 386073 h 386073"/>
+                <a:gd name="connsiteX0" fmla="*/ 0 w 1838325"/>
+                <a:gd name="connsiteY0" fmla="*/ 374166 h 386073"/>
+                <a:gd name="connsiteX1" fmla="*/ 485775 w 1838325"/>
+                <a:gd name="connsiteY1" fmla="*/ 269391 h 386073"/>
+                <a:gd name="connsiteX2" fmla="*/ 776288 w 1838325"/>
+                <a:gd name="connsiteY2" fmla="*/ 28885 h 386073"/>
+                <a:gd name="connsiteX3" fmla="*/ 1064417 w 1838325"/>
+                <a:gd name="connsiteY3" fmla="*/ 28884 h 386073"/>
+                <a:gd name="connsiteX4" fmla="*/ 1326356 w 1838325"/>
+                <a:gd name="connsiteY4" fmla="*/ 250341 h 386073"/>
+                <a:gd name="connsiteX5" fmla="*/ 1438275 w 1838325"/>
+                <a:gd name="connsiteY5" fmla="*/ 333686 h 386073"/>
+                <a:gd name="connsiteX6" fmla="*/ 1838325 w 1838325"/>
+                <a:gd name="connsiteY6" fmla="*/ 386073 h 386073"/>
+                <a:gd name="connsiteX0" fmla="*/ 0 w 1838325"/>
+                <a:gd name="connsiteY0" fmla="*/ 374166 h 386073"/>
+                <a:gd name="connsiteX1" fmla="*/ 485775 w 1838325"/>
+                <a:gd name="connsiteY1" fmla="*/ 269391 h 386073"/>
+                <a:gd name="connsiteX2" fmla="*/ 776288 w 1838325"/>
+                <a:gd name="connsiteY2" fmla="*/ 28885 h 386073"/>
+                <a:gd name="connsiteX3" fmla="*/ 1064417 w 1838325"/>
+                <a:gd name="connsiteY3" fmla="*/ 28884 h 386073"/>
+                <a:gd name="connsiteX4" fmla="*/ 1326356 w 1838325"/>
+                <a:gd name="connsiteY4" fmla="*/ 250341 h 386073"/>
+                <a:gd name="connsiteX5" fmla="*/ 1438275 w 1838325"/>
+                <a:gd name="connsiteY5" fmla="*/ 333686 h 386073"/>
+                <a:gd name="connsiteX6" fmla="*/ 1838325 w 1838325"/>
+                <a:gd name="connsiteY6" fmla="*/ 386073 h 386073"/>
+                <a:gd name="connsiteX0" fmla="*/ 0 w 1838325"/>
+                <a:gd name="connsiteY0" fmla="*/ 374166 h 386073"/>
+                <a:gd name="connsiteX1" fmla="*/ 485775 w 1838325"/>
+                <a:gd name="connsiteY1" fmla="*/ 269391 h 386073"/>
+                <a:gd name="connsiteX2" fmla="*/ 776288 w 1838325"/>
+                <a:gd name="connsiteY2" fmla="*/ 28885 h 386073"/>
+                <a:gd name="connsiteX3" fmla="*/ 1064417 w 1838325"/>
+                <a:gd name="connsiteY3" fmla="*/ 28884 h 386073"/>
+                <a:gd name="connsiteX4" fmla="*/ 1326356 w 1838325"/>
+                <a:gd name="connsiteY4" fmla="*/ 250341 h 386073"/>
+                <a:gd name="connsiteX5" fmla="*/ 1838325 w 1838325"/>
+                <a:gd name="connsiteY5" fmla="*/ 386073 h 386073"/>
+                <a:gd name="connsiteX0" fmla="*/ 0 w 1838325"/>
+                <a:gd name="connsiteY0" fmla="*/ 374166 h 386073"/>
+                <a:gd name="connsiteX1" fmla="*/ 485775 w 1838325"/>
+                <a:gd name="connsiteY1" fmla="*/ 269391 h 386073"/>
+                <a:gd name="connsiteX2" fmla="*/ 776288 w 1838325"/>
+                <a:gd name="connsiteY2" fmla="*/ 28885 h 386073"/>
+                <a:gd name="connsiteX3" fmla="*/ 1064417 w 1838325"/>
+                <a:gd name="connsiteY3" fmla="*/ 28884 h 386073"/>
+                <a:gd name="connsiteX4" fmla="*/ 1326356 w 1838325"/>
+                <a:gd name="connsiteY4" fmla="*/ 250341 h 386073"/>
+                <a:gd name="connsiteX5" fmla="*/ 1838325 w 1838325"/>
+                <a:gd name="connsiteY5" fmla="*/ 386073 h 386073"/>
+                <a:gd name="connsiteX0" fmla="*/ 0 w 1838325"/>
+                <a:gd name="connsiteY0" fmla="*/ 374166 h 386073"/>
+                <a:gd name="connsiteX1" fmla="*/ 485775 w 1838325"/>
+                <a:gd name="connsiteY1" fmla="*/ 269391 h 386073"/>
+                <a:gd name="connsiteX2" fmla="*/ 776288 w 1838325"/>
+                <a:gd name="connsiteY2" fmla="*/ 28885 h 386073"/>
+                <a:gd name="connsiteX3" fmla="*/ 1064417 w 1838325"/>
+                <a:gd name="connsiteY3" fmla="*/ 28884 h 386073"/>
+                <a:gd name="connsiteX4" fmla="*/ 1326356 w 1838325"/>
+                <a:gd name="connsiteY4" fmla="*/ 250341 h 386073"/>
+                <a:gd name="connsiteX5" fmla="*/ 1838325 w 1838325"/>
+                <a:gd name="connsiteY5" fmla="*/ 386073 h 386073"/>
+                <a:gd name="connsiteX0" fmla="*/ 0 w 1838325"/>
+                <a:gd name="connsiteY0" fmla="*/ 374166 h 386073"/>
+                <a:gd name="connsiteX1" fmla="*/ 485775 w 1838325"/>
+                <a:gd name="connsiteY1" fmla="*/ 269391 h 386073"/>
+                <a:gd name="connsiteX2" fmla="*/ 776288 w 1838325"/>
+                <a:gd name="connsiteY2" fmla="*/ 28885 h 386073"/>
+                <a:gd name="connsiteX3" fmla="*/ 1064417 w 1838325"/>
+                <a:gd name="connsiteY3" fmla="*/ 28884 h 386073"/>
+                <a:gd name="connsiteX4" fmla="*/ 1326356 w 1838325"/>
+                <a:gd name="connsiteY4" fmla="*/ 250341 h 386073"/>
+                <a:gd name="connsiteX5" fmla="*/ 1838325 w 1838325"/>
+                <a:gd name="connsiteY5" fmla="*/ 386073 h 386073"/>
+                <a:gd name="connsiteX0" fmla="*/ 0 w 1838325"/>
+                <a:gd name="connsiteY0" fmla="*/ 374166 h 386073"/>
+                <a:gd name="connsiteX1" fmla="*/ 485775 w 1838325"/>
+                <a:gd name="connsiteY1" fmla="*/ 269391 h 386073"/>
+                <a:gd name="connsiteX2" fmla="*/ 776288 w 1838325"/>
+                <a:gd name="connsiteY2" fmla="*/ 28885 h 386073"/>
+                <a:gd name="connsiteX3" fmla="*/ 1064417 w 1838325"/>
+                <a:gd name="connsiteY3" fmla="*/ 28884 h 386073"/>
+                <a:gd name="connsiteX4" fmla="*/ 1326356 w 1838325"/>
+                <a:gd name="connsiteY4" fmla="*/ 250341 h 386073"/>
+                <a:gd name="connsiteX5" fmla="*/ 1838325 w 1838325"/>
+                <a:gd name="connsiteY5" fmla="*/ 386073 h 386073"/>
+                <a:gd name="connsiteX0" fmla="*/ 0 w 1838325"/>
+                <a:gd name="connsiteY0" fmla="*/ 377899 h 389806"/>
+                <a:gd name="connsiteX1" fmla="*/ 485775 w 1838325"/>
+                <a:gd name="connsiteY1" fmla="*/ 273124 h 389806"/>
+                <a:gd name="connsiteX2" fmla="*/ 776288 w 1838325"/>
+                <a:gd name="connsiteY2" fmla="*/ 32618 h 389806"/>
+                <a:gd name="connsiteX3" fmla="*/ 1064417 w 1838325"/>
+                <a:gd name="connsiteY3" fmla="*/ 32617 h 389806"/>
+                <a:gd name="connsiteX4" fmla="*/ 1326356 w 1838325"/>
+                <a:gd name="connsiteY4" fmla="*/ 254074 h 389806"/>
+                <a:gd name="connsiteX5" fmla="*/ 1838325 w 1838325"/>
+                <a:gd name="connsiteY5" fmla="*/ 389806 h 389806"/>
+              </a:gdLst>
+              <a:ahLst/>
+              <a:cxnLst>
+                <a:cxn ang="0">
+                  <a:pos x="connsiteX0" y="connsiteY0"/>
+                </a:cxn>
+                <a:cxn ang="0">
+                  <a:pos x="connsiteX1" y="connsiteY1"/>
+                </a:cxn>
+                <a:cxn ang="0">
+                  <a:pos x="connsiteX2" y="connsiteY2"/>
+                </a:cxn>
+                <a:cxn ang="0">
+                  <a:pos x="connsiteX3" y="connsiteY3"/>
+                </a:cxn>
+                <a:cxn ang="0">
+                  <a:pos x="connsiteX4" y="connsiteY4"/>
+                </a:cxn>
+                <a:cxn ang="0">
+                  <a:pos x="connsiteX5" y="connsiteY5"/>
+                </a:cxn>
+              </a:cxnLst>
+              <a:rect l="l" t="t" r="r" b="b"/>
+              <a:pathLst>
+                <a:path w="1838325" h="389806">
+                  <a:moveTo>
+                    <a:pt x="0" y="377899"/>
+                  </a:moveTo>
+                  <a:cubicBezTo>
+                    <a:pt x="325438" y="349325"/>
+                    <a:pt x="361157" y="359246"/>
+                    <a:pt x="485775" y="273124"/>
+                  </a:cubicBezTo>
+                  <a:cubicBezTo>
+                    <a:pt x="610393" y="187002"/>
+                    <a:pt x="658417" y="82228"/>
+                    <a:pt x="776288" y="32618"/>
+                  </a:cubicBezTo>
+                  <a:cubicBezTo>
+                    <a:pt x="894159" y="-16992"/>
+                    <a:pt x="972739" y="-4292"/>
+                    <a:pt x="1064417" y="32617"/>
+                  </a:cubicBezTo>
+                  <a:cubicBezTo>
+                    <a:pt x="1156095" y="69526"/>
+                    <a:pt x="1187846" y="137393"/>
+                    <a:pt x="1326356" y="254074"/>
+                  </a:cubicBezTo>
+                  <a:cubicBezTo>
+                    <a:pt x="1483916" y="380281"/>
+                    <a:pt x="1495921" y="349623"/>
+                    <a:pt x="1838325" y="389806"/>
+                  </a:cubicBezTo>
+                </a:path>
+              </a:pathLst>
+            </a:custGeom>
+            <a:pattFill prst="lgGrid">
+              <a:fgClr>
+                <a:schemeClr val="bg2"/>
+              </a:fgClr>
+              <a:bgClr>
+                <a:srgbClr val="007396"/>
+              </a:bgClr>
+            </a:pattFill>
+            <a:ln>
+              <a:solidFill>
+                <a:srgbClr val="003E51"/>
+              </a:solidFill>
+            </a:ln>
+          </p:spPr>
+          <p:style>
+            <a:lnRef idx="2">
+              <a:schemeClr val="accent1">
+                <a:shade val="50000"/>
+              </a:schemeClr>
+            </a:lnRef>
+            <a:fillRef idx="1">
+              <a:schemeClr val="accent1"/>
+            </a:fillRef>
+            <a:effectRef idx="0">
+              <a:schemeClr val="accent1"/>
+            </a:effectRef>
+            <a:fontRef idx="minor">
+              <a:schemeClr val="lt1"/>
+            </a:fontRef>
+          </p:style>
+          <p:txBody>
+            <a:bodyPr rtlCol="0" anchor="ctr"/>
+            <a:lstStyle/>
+            <a:p>
+              <a:pPr algn="ctr"/>
+              <a:endParaRPr lang="en-US" dirty="0"/>
+            </a:p>
+          </p:txBody>
+        </p:sp>
+        <p:sp>
+          <p:nvSpPr>
+            <p:cNvPr id="8" name="Freeform: Shape 7">
+              <a:extLst>
+                <a:ext uri="{FF2B5EF4-FFF2-40B4-BE49-F238E27FC236}">
+                  <a16:creationId xmlns:a16="http://schemas.microsoft.com/office/drawing/2014/main" id="{9220406A-C46A-4D91-9EA5-BF1ABA281439}"/>
+                </a:ext>
+              </a:extLst>
+            </p:cNvPr>
+            <p:cNvSpPr/>
+            <p:nvPr/>
+          </p:nvSpPr>
+          <p:spPr>
+            <a:xfrm>
+              <a:off x="7525017" y="3541086"/>
+              <a:ext cx="1613323" cy="545129"/>
+            </a:xfrm>
+            <a:custGeom>
+              <a:avLst/>
+              <a:gdLst>
+                <a:gd name="connsiteX0" fmla="*/ 0 w 1385888"/>
+                <a:gd name="connsiteY0" fmla="*/ 442912 h 442912"/>
+                <a:gd name="connsiteX1" fmla="*/ 1385888 w 1385888"/>
+                <a:gd name="connsiteY1" fmla="*/ 442912 h 442912"/>
+                <a:gd name="connsiteX2" fmla="*/ 823913 w 1385888"/>
+                <a:gd name="connsiteY2" fmla="*/ 0 h 442912"/>
+                <a:gd name="connsiteX3" fmla="*/ 600075 w 1385888"/>
+                <a:gd name="connsiteY3" fmla="*/ 185737 h 442912"/>
+                <a:gd name="connsiteX4" fmla="*/ 404813 w 1385888"/>
+                <a:gd name="connsiteY4" fmla="*/ 100012 h 442912"/>
+                <a:gd name="connsiteX5" fmla="*/ 0 w 1385888"/>
+                <a:gd name="connsiteY5" fmla="*/ 442912 h 442912"/>
+              </a:gdLst>
+              <a:ahLst/>
+              <a:cxnLst>
+                <a:cxn ang="0">
+                  <a:pos x="connsiteX0" y="connsiteY0"/>
+                </a:cxn>
+                <a:cxn ang="0">
+                  <a:pos x="connsiteX1" y="connsiteY1"/>
+                </a:cxn>
+                <a:cxn ang="0">
+                  <a:pos x="connsiteX2" y="connsiteY2"/>
+                </a:cxn>
+                <a:cxn ang="0">
+                  <a:pos x="connsiteX3" y="connsiteY3"/>
+                </a:cxn>
+                <a:cxn ang="0">
+                  <a:pos x="connsiteX4" y="connsiteY4"/>
+                </a:cxn>
+                <a:cxn ang="0">
+                  <a:pos x="connsiteX5" y="connsiteY5"/>
+                </a:cxn>
+              </a:cxnLst>
+              <a:rect l="l" t="t" r="r" b="b"/>
+              <a:pathLst>
+                <a:path w="1385888" h="442912">
+                  <a:moveTo>
+                    <a:pt x="0" y="442912"/>
+                  </a:moveTo>
+                  <a:lnTo>
+                    <a:pt x="1385888" y="442912"/>
+                  </a:lnTo>
+                  <a:lnTo>
+                    <a:pt x="823913" y="0"/>
+                  </a:lnTo>
+                  <a:lnTo>
+                    <a:pt x="600075" y="185737"/>
+                  </a:lnTo>
+                  <a:lnTo>
+                    <a:pt x="404813" y="100012"/>
+                  </a:lnTo>
+                  <a:lnTo>
+                    <a:pt x="0" y="442912"/>
+                  </a:lnTo>
+                  <a:close/>
+                </a:path>
+              </a:pathLst>
+            </a:custGeom>
+            <a:solidFill>
+              <a:srgbClr val="003E51"/>
+            </a:solidFill>
+            <a:ln>
+              <a:noFill/>
+            </a:ln>
+          </p:spPr>
+          <p:style>
+            <a:lnRef idx="2">
+              <a:schemeClr val="accent1">
+                <a:shade val="50000"/>
+              </a:schemeClr>
+            </a:lnRef>
+            <a:fillRef idx="1">
+              <a:schemeClr val="accent1"/>
+            </a:fillRef>
+            <a:effectRef idx="0">
+              <a:schemeClr val="accent1"/>
+            </a:effectRef>
+            <a:fontRef idx="minor">
+              <a:schemeClr val="lt1"/>
+            </a:fontRef>
+          </p:style>
+          <p:txBody>
+            <a:bodyPr rtlCol="0" anchor="ctr"/>
+            <a:lstStyle/>
+            <a:p>
+              <a:pPr algn="ctr"/>
+              <a:endParaRPr lang="en-US"/>
+            </a:p>
+          </p:txBody>
+        </p:sp>
+        <p:sp>
+          <p:nvSpPr>
+            <p:cNvPr id="9" name="Freeform: Shape 8">
+              <a:extLst>
+                <a:ext uri="{FF2B5EF4-FFF2-40B4-BE49-F238E27FC236}">
+                  <a16:creationId xmlns:a16="http://schemas.microsoft.com/office/drawing/2014/main" id="{8B9C1ED7-1336-45EC-8376-BCB8FD63134E}"/>
+                </a:ext>
+              </a:extLst>
+            </p:cNvPr>
+            <p:cNvSpPr/>
+            <p:nvPr/>
+          </p:nvSpPr>
+          <p:spPr>
+            <a:xfrm>
+              <a:off x="7859109" y="3711072"/>
+              <a:ext cx="263342" cy="140678"/>
+            </a:xfrm>
+            <a:custGeom>
+              <a:avLst/>
+              <a:gdLst>
+                <a:gd name="connsiteX0" fmla="*/ 0 w 226218"/>
+                <a:gd name="connsiteY0" fmla="*/ 104775 h 114300"/>
+                <a:gd name="connsiteX1" fmla="*/ 121443 w 226218"/>
+                <a:gd name="connsiteY1" fmla="*/ 0 h 114300"/>
+                <a:gd name="connsiteX2" fmla="*/ 226218 w 226218"/>
+                <a:gd name="connsiteY2" fmla="*/ 42863 h 114300"/>
+                <a:gd name="connsiteX3" fmla="*/ 185737 w 226218"/>
+                <a:gd name="connsiteY3" fmla="*/ 90488 h 114300"/>
+                <a:gd name="connsiteX4" fmla="*/ 133350 w 226218"/>
+                <a:gd name="connsiteY4" fmla="*/ 61913 h 114300"/>
+                <a:gd name="connsiteX5" fmla="*/ 83343 w 226218"/>
+                <a:gd name="connsiteY5" fmla="*/ 114300 h 114300"/>
+                <a:gd name="connsiteX6" fmla="*/ 52387 w 226218"/>
+                <a:gd name="connsiteY6" fmla="*/ 92869 h 114300"/>
+                <a:gd name="connsiteX7" fmla="*/ 0 w 226218"/>
+                <a:gd name="connsiteY7" fmla="*/ 104775 h 114300"/>
+              </a:gdLst>
+              <a:ahLst/>
+              <a:cxnLst>
+                <a:cxn ang="0">
+                  <a:pos x="connsiteX0" y="connsiteY0"/>
+                </a:cxn>
+                <a:cxn ang="0">
+                  <a:pos x="connsiteX1" y="connsiteY1"/>
+                </a:cxn>
+                <a:cxn ang="0">
+                  <a:pos x="connsiteX2" y="connsiteY2"/>
+                </a:cxn>
+                <a:cxn ang="0">
+                  <a:pos x="connsiteX3" y="connsiteY3"/>
+                </a:cxn>
+                <a:cxn ang="0">
+                  <a:pos x="connsiteX4" y="connsiteY4"/>
+                </a:cxn>
+                <a:cxn ang="0">
+                  <a:pos x="connsiteX5" y="connsiteY5"/>
+                </a:cxn>
+                <a:cxn ang="0">
+                  <a:pos x="connsiteX6" y="connsiteY6"/>
+                </a:cxn>
+                <a:cxn ang="0">
+                  <a:pos x="connsiteX7" y="connsiteY7"/>
+                </a:cxn>
+              </a:cxnLst>
+              <a:rect l="l" t="t" r="r" b="b"/>
+              <a:pathLst>
+                <a:path w="226218" h="114300">
+                  <a:moveTo>
+                    <a:pt x="0" y="104775"/>
+                  </a:moveTo>
+                  <a:lnTo>
+                    <a:pt x="121443" y="0"/>
+                  </a:lnTo>
+                  <a:lnTo>
+                    <a:pt x="226218" y="42863"/>
+                  </a:lnTo>
+                  <a:lnTo>
+                    <a:pt x="185737" y="90488"/>
+                  </a:lnTo>
+                  <a:lnTo>
+                    <a:pt x="133350" y="61913"/>
+                  </a:lnTo>
+                  <a:lnTo>
+                    <a:pt x="83343" y="114300"/>
+                  </a:lnTo>
+                  <a:lnTo>
+                    <a:pt x="52387" y="92869"/>
+                  </a:lnTo>
+                  <a:lnTo>
+                    <a:pt x="0" y="104775"/>
+                  </a:lnTo>
+                  <a:close/>
+                </a:path>
+              </a:pathLst>
+            </a:custGeom>
+            <a:solidFill>
+              <a:schemeClr val="bg2"/>
+            </a:solidFill>
+            <a:ln>
+              <a:solidFill>
+                <a:schemeClr val="bg2"/>
+              </a:solidFill>
+            </a:ln>
+          </p:spPr>
+          <p:style>
+            <a:lnRef idx="2">
+              <a:schemeClr val="accent1">
+                <a:shade val="50000"/>
+              </a:schemeClr>
+            </a:lnRef>
+            <a:fillRef idx="1">
+              <a:schemeClr val="accent1"/>
+            </a:fillRef>
+            <a:effectRef idx="0">
+              <a:schemeClr val="accent1"/>
+            </a:effectRef>
+            <a:fontRef idx="minor">
+              <a:schemeClr val="lt1"/>
+            </a:fontRef>
+          </p:style>
+          <p:txBody>
+            <a:bodyPr rtlCol="0" anchor="ctr"/>
+            <a:lstStyle/>
+            <a:p>
+              <a:pPr algn="ctr"/>
+              <a:endParaRPr lang="en-US" dirty="0"/>
+            </a:p>
+          </p:txBody>
+        </p:sp>
+        <p:sp>
+          <p:nvSpPr>
+            <p:cNvPr id="10" name="Freeform: Shape 9">
+              <a:extLst>
+                <a:ext uri="{FF2B5EF4-FFF2-40B4-BE49-F238E27FC236}">
+                  <a16:creationId xmlns:a16="http://schemas.microsoft.com/office/drawing/2014/main" id="{240FF68B-A5E3-46C2-AA7F-74A51B3DF3E0}"/>
+                </a:ext>
+              </a:extLst>
+            </p:cNvPr>
+            <p:cNvSpPr/>
+            <p:nvPr/>
+          </p:nvSpPr>
+          <p:spPr>
+            <a:xfrm>
+              <a:off x="8296363" y="3593880"/>
+              <a:ext cx="365980" cy="234424"/>
+            </a:xfrm>
+            <a:custGeom>
+              <a:avLst/>
+              <a:gdLst>
+                <a:gd name="connsiteX0" fmla="*/ 64294 w 316706"/>
+                <a:gd name="connsiteY0" fmla="*/ 80962 h 207169"/>
+                <a:gd name="connsiteX1" fmla="*/ 152400 w 316706"/>
+                <a:gd name="connsiteY1" fmla="*/ 0 h 207169"/>
+                <a:gd name="connsiteX2" fmla="*/ 316706 w 316706"/>
+                <a:gd name="connsiteY2" fmla="*/ 135731 h 207169"/>
+                <a:gd name="connsiteX3" fmla="*/ 238125 w 316706"/>
+                <a:gd name="connsiteY3" fmla="*/ 126206 h 207169"/>
+                <a:gd name="connsiteX4" fmla="*/ 197644 w 316706"/>
+                <a:gd name="connsiteY4" fmla="*/ 183356 h 207169"/>
+                <a:gd name="connsiteX5" fmla="*/ 145256 w 316706"/>
+                <a:gd name="connsiteY5" fmla="*/ 121444 h 207169"/>
+                <a:gd name="connsiteX6" fmla="*/ 85725 w 316706"/>
+                <a:gd name="connsiteY6" fmla="*/ 207169 h 207169"/>
+                <a:gd name="connsiteX7" fmla="*/ 0 w 316706"/>
+                <a:gd name="connsiteY7" fmla="*/ 130969 h 207169"/>
+                <a:gd name="connsiteX8" fmla="*/ 64294 w 316706"/>
+                <a:gd name="connsiteY8" fmla="*/ 80962 h 207169"/>
+                <a:gd name="connsiteX0" fmla="*/ 57150 w 309562"/>
+                <a:gd name="connsiteY0" fmla="*/ 80962 h 207169"/>
+                <a:gd name="connsiteX1" fmla="*/ 145256 w 309562"/>
+                <a:gd name="connsiteY1" fmla="*/ 0 h 207169"/>
+                <a:gd name="connsiteX2" fmla="*/ 309562 w 309562"/>
+                <a:gd name="connsiteY2" fmla="*/ 135731 h 207169"/>
+                <a:gd name="connsiteX3" fmla="*/ 230981 w 309562"/>
+                <a:gd name="connsiteY3" fmla="*/ 126206 h 207169"/>
+                <a:gd name="connsiteX4" fmla="*/ 190500 w 309562"/>
+                <a:gd name="connsiteY4" fmla="*/ 183356 h 207169"/>
+                <a:gd name="connsiteX5" fmla="*/ 138112 w 309562"/>
+                <a:gd name="connsiteY5" fmla="*/ 121444 h 207169"/>
+                <a:gd name="connsiteX6" fmla="*/ 78581 w 309562"/>
+                <a:gd name="connsiteY6" fmla="*/ 207169 h 207169"/>
+                <a:gd name="connsiteX7" fmla="*/ 0 w 309562"/>
+                <a:gd name="connsiteY7" fmla="*/ 140494 h 207169"/>
+                <a:gd name="connsiteX8" fmla="*/ 57150 w 309562"/>
+                <a:gd name="connsiteY8" fmla="*/ 80962 h 207169"/>
+                <a:gd name="connsiteX0" fmla="*/ 71438 w 323850"/>
+                <a:gd name="connsiteY0" fmla="*/ 80962 h 207169"/>
+                <a:gd name="connsiteX1" fmla="*/ 159544 w 323850"/>
+                <a:gd name="connsiteY1" fmla="*/ 0 h 207169"/>
+                <a:gd name="connsiteX2" fmla="*/ 323850 w 323850"/>
+                <a:gd name="connsiteY2" fmla="*/ 135731 h 207169"/>
+                <a:gd name="connsiteX3" fmla="*/ 245269 w 323850"/>
+                <a:gd name="connsiteY3" fmla="*/ 126206 h 207169"/>
+                <a:gd name="connsiteX4" fmla="*/ 204788 w 323850"/>
+                <a:gd name="connsiteY4" fmla="*/ 183356 h 207169"/>
+                <a:gd name="connsiteX5" fmla="*/ 152400 w 323850"/>
+                <a:gd name="connsiteY5" fmla="*/ 121444 h 207169"/>
+                <a:gd name="connsiteX6" fmla="*/ 92869 w 323850"/>
+                <a:gd name="connsiteY6" fmla="*/ 207169 h 207169"/>
+                <a:gd name="connsiteX7" fmla="*/ 0 w 323850"/>
+                <a:gd name="connsiteY7" fmla="*/ 133350 h 207169"/>
+                <a:gd name="connsiteX8" fmla="*/ 71438 w 323850"/>
+                <a:gd name="connsiteY8" fmla="*/ 80962 h 207169"/>
+                <a:gd name="connsiteX0" fmla="*/ 73820 w 326232"/>
+                <a:gd name="connsiteY0" fmla="*/ 80962 h 207169"/>
+                <a:gd name="connsiteX1" fmla="*/ 161926 w 326232"/>
+                <a:gd name="connsiteY1" fmla="*/ 0 h 207169"/>
+                <a:gd name="connsiteX2" fmla="*/ 326232 w 326232"/>
+                <a:gd name="connsiteY2" fmla="*/ 135731 h 207169"/>
+                <a:gd name="connsiteX3" fmla="*/ 247651 w 326232"/>
+                <a:gd name="connsiteY3" fmla="*/ 126206 h 207169"/>
+                <a:gd name="connsiteX4" fmla="*/ 207170 w 326232"/>
+                <a:gd name="connsiteY4" fmla="*/ 183356 h 207169"/>
+                <a:gd name="connsiteX5" fmla="*/ 154782 w 326232"/>
+                <a:gd name="connsiteY5" fmla="*/ 121444 h 207169"/>
+                <a:gd name="connsiteX6" fmla="*/ 95251 w 326232"/>
+                <a:gd name="connsiteY6" fmla="*/ 207169 h 207169"/>
+                <a:gd name="connsiteX7" fmla="*/ 0 w 326232"/>
+                <a:gd name="connsiteY7" fmla="*/ 147637 h 207169"/>
+                <a:gd name="connsiteX8" fmla="*/ 73820 w 326232"/>
+                <a:gd name="connsiteY8" fmla="*/ 80962 h 207169"/>
+                <a:gd name="connsiteX0" fmla="*/ 73820 w 326232"/>
+                <a:gd name="connsiteY0" fmla="*/ 71437 h 197644"/>
+                <a:gd name="connsiteX1" fmla="*/ 166688 w 326232"/>
+                <a:gd name="connsiteY1" fmla="*/ 0 h 197644"/>
+                <a:gd name="connsiteX2" fmla="*/ 326232 w 326232"/>
+                <a:gd name="connsiteY2" fmla="*/ 126206 h 197644"/>
+                <a:gd name="connsiteX3" fmla="*/ 247651 w 326232"/>
+                <a:gd name="connsiteY3" fmla="*/ 116681 h 197644"/>
+                <a:gd name="connsiteX4" fmla="*/ 207170 w 326232"/>
+                <a:gd name="connsiteY4" fmla="*/ 173831 h 197644"/>
+                <a:gd name="connsiteX5" fmla="*/ 154782 w 326232"/>
+                <a:gd name="connsiteY5" fmla="*/ 111919 h 197644"/>
+                <a:gd name="connsiteX6" fmla="*/ 95251 w 326232"/>
+                <a:gd name="connsiteY6" fmla="*/ 197644 h 197644"/>
+                <a:gd name="connsiteX7" fmla="*/ 0 w 326232"/>
+                <a:gd name="connsiteY7" fmla="*/ 138112 h 197644"/>
+                <a:gd name="connsiteX8" fmla="*/ 73820 w 326232"/>
+                <a:gd name="connsiteY8" fmla="*/ 71437 h 197644"/>
+              </a:gdLst>
+              <a:ahLst/>
+              <a:cxnLst>
+                <a:cxn ang="0">
+                  <a:pos x="connsiteX0" y="connsiteY0"/>
+                </a:cxn>
+                <a:cxn ang="0">
+                  <a:pos x="connsiteX1" y="connsiteY1"/>
+                </a:cxn>
+                <a:cxn ang="0">
+                  <a:pos x="connsiteX2" y="connsiteY2"/>
+                </a:cxn>
+                <a:cxn ang="0">
+                  <a:pos x="connsiteX3" y="connsiteY3"/>
+                </a:cxn>
+                <a:cxn ang="0">
+                  <a:pos x="connsiteX4" y="connsiteY4"/>
+                </a:cxn>
+                <a:cxn ang="0">
+                  <a:pos x="connsiteX5" y="connsiteY5"/>
+                </a:cxn>
+                <a:cxn ang="0">
+                  <a:pos x="connsiteX6" y="connsiteY6"/>
+                </a:cxn>
+                <a:cxn ang="0">
+                  <a:pos x="connsiteX7" y="connsiteY7"/>
+                </a:cxn>
+                <a:cxn ang="0">
+                  <a:pos x="connsiteX8" y="connsiteY8"/>
+                </a:cxn>
+              </a:cxnLst>
+              <a:rect l="l" t="t" r="r" b="b"/>
+              <a:pathLst>
+                <a:path w="326232" h="197644">
+                  <a:moveTo>
+                    <a:pt x="73820" y="71437"/>
+                  </a:moveTo>
+                  <a:lnTo>
+                    <a:pt x="166688" y="0"/>
+                  </a:lnTo>
+                  <a:lnTo>
+                    <a:pt x="326232" y="126206"/>
+                  </a:lnTo>
+                  <a:lnTo>
+                    <a:pt x="247651" y="116681"/>
+                  </a:lnTo>
+                  <a:lnTo>
+                    <a:pt x="207170" y="173831"/>
+                  </a:lnTo>
+                  <a:lnTo>
+                    <a:pt x="154782" y="111919"/>
+                  </a:lnTo>
+                  <a:lnTo>
+                    <a:pt x="95251" y="197644"/>
+                  </a:lnTo>
+                  <a:lnTo>
+                    <a:pt x="0" y="138112"/>
+                  </a:lnTo>
+                  <a:lnTo>
+                    <a:pt x="73820" y="71437"/>
+                  </a:lnTo>
+                  <a:close/>
+                </a:path>
+              </a:pathLst>
+            </a:custGeom>
+            <a:solidFill>
+              <a:schemeClr val="bg2"/>
+            </a:solidFill>
+            <a:ln>
+              <a:solidFill>
+                <a:schemeClr val="bg2"/>
+              </a:solidFill>
+            </a:ln>
+          </p:spPr>
+          <p:style>
+            <a:lnRef idx="2">
+              <a:schemeClr val="accent1">
+                <a:shade val="50000"/>
+              </a:schemeClr>
+            </a:lnRef>
+            <a:fillRef idx="1">
+              <a:schemeClr val="accent1"/>
+            </a:fillRef>
+            <a:effectRef idx="0">
+              <a:schemeClr val="accent1"/>
+            </a:effectRef>
+            <a:fontRef idx="minor">
+              <a:schemeClr val="lt1"/>
+            </a:fontRef>
+          </p:style>
+          <p:txBody>
+            <a:bodyPr rtlCol="0" anchor="ctr"/>
+            <a:lstStyle/>
+            <a:p>
+              <a:pPr algn="ctr"/>
+              <a:endParaRPr lang="en-US"/>
+            </a:p>
+          </p:txBody>
+        </p:sp>
+      </p:grpSp>
+      <p:grpSp>
+        <p:nvGrpSpPr>
+          <p:cNvPr id="33" name="Group 32">
+            <a:extLst>
+              <a:ext uri="{FF2B5EF4-FFF2-40B4-BE49-F238E27FC236}">
+                <a16:creationId xmlns:a16="http://schemas.microsoft.com/office/drawing/2014/main" id="{681D0256-4782-4102-B694-3E95340093F1}"/>
+              </a:ext>
+            </a:extLst>
+          </p:cNvPr>
+          <p:cNvGrpSpPr/>
+          <p:nvPr/>
+        </p:nvGrpSpPr>
+        <p:grpSpPr>
+          <a:xfrm>
+            <a:off x="5738399" y="308014"/>
+            <a:ext cx="5000604" cy="3505254"/>
+            <a:chOff x="5738399" y="308014"/>
+            <a:chExt cx="5000604" cy="3505254"/>
+          </a:xfrm>
+        </p:grpSpPr>
+        <p:grpSp>
+          <p:nvGrpSpPr>
+            <p:cNvPr id="11" name="Group 10">
+              <a:extLst>
+                <a:ext uri="{FF2B5EF4-FFF2-40B4-BE49-F238E27FC236}">
+                  <a16:creationId xmlns:a16="http://schemas.microsoft.com/office/drawing/2014/main" id="{64F7E5FC-CC23-491D-A601-37683C9CAA56}"/>
+                </a:ext>
+              </a:extLst>
+            </p:cNvPr>
+            <p:cNvGrpSpPr/>
+            <p:nvPr/>
+          </p:nvGrpSpPr>
+          <p:grpSpPr>
+            <a:xfrm>
+              <a:off x="5738399" y="308014"/>
+              <a:ext cx="5000604" cy="1679952"/>
+              <a:chOff x="7515689" y="3541086"/>
+              <a:chExt cx="1622651" cy="545129"/>
+            </a:xfrm>
+          </p:grpSpPr>
+          <p:sp>
+            <p:nvSpPr>
+              <p:cNvPr id="15" name="Freeform: Shape 14">
+                <a:extLst>
+                  <a:ext uri="{FF2B5EF4-FFF2-40B4-BE49-F238E27FC236}">
+                    <a16:creationId xmlns:a16="http://schemas.microsoft.com/office/drawing/2014/main" id="{8460F57C-090A-422D-B06A-00E1555D5FCA}"/>
+                  </a:ext>
+                </a:extLst>
+              </p:cNvPr>
+              <p:cNvSpPr/>
+              <p:nvPr/>
+            </p:nvSpPr>
+            <p:spPr>
+              <a:xfrm>
+                <a:off x="7515689" y="3541086"/>
+                <a:ext cx="1622651" cy="545129"/>
+              </a:xfrm>
+              <a:custGeom>
+                <a:avLst/>
+                <a:gdLst>
+                  <a:gd name="connsiteX0" fmla="*/ 0 w 1385888"/>
+                  <a:gd name="connsiteY0" fmla="*/ 442912 h 442912"/>
+                  <a:gd name="connsiteX1" fmla="*/ 1385888 w 1385888"/>
+                  <a:gd name="connsiteY1" fmla="*/ 442912 h 442912"/>
+                  <a:gd name="connsiteX2" fmla="*/ 823913 w 1385888"/>
+                  <a:gd name="connsiteY2" fmla="*/ 0 h 442912"/>
+                  <a:gd name="connsiteX3" fmla="*/ 600075 w 1385888"/>
+                  <a:gd name="connsiteY3" fmla="*/ 185737 h 442912"/>
+                  <a:gd name="connsiteX4" fmla="*/ 404813 w 1385888"/>
+                  <a:gd name="connsiteY4" fmla="*/ 100012 h 442912"/>
+                  <a:gd name="connsiteX5" fmla="*/ 0 w 1385888"/>
+                  <a:gd name="connsiteY5" fmla="*/ 442912 h 442912"/>
+                </a:gdLst>
+                <a:ahLst/>
+                <a:cxnLst>
+                  <a:cxn ang="0">
+                    <a:pos x="connsiteX0" y="connsiteY0"/>
+                  </a:cxn>
+                  <a:cxn ang="0">
+                    <a:pos x="connsiteX1" y="connsiteY1"/>
+                  </a:cxn>
+                  <a:cxn ang="0">
+                    <a:pos x="connsiteX2" y="connsiteY2"/>
+                  </a:cxn>
+                  <a:cxn ang="0">
+                    <a:pos x="connsiteX3" y="connsiteY3"/>
+                  </a:cxn>
+                  <a:cxn ang="0">
+                    <a:pos x="connsiteX4" y="connsiteY4"/>
+                  </a:cxn>
+                  <a:cxn ang="0">
+                    <a:pos x="connsiteX5" y="connsiteY5"/>
+                  </a:cxn>
+                </a:cxnLst>
+                <a:rect l="l" t="t" r="r" b="b"/>
+                <a:pathLst>
+                  <a:path w="1385888" h="442912">
+                    <a:moveTo>
+                      <a:pt x="0" y="442912"/>
+                    </a:moveTo>
+                    <a:lnTo>
+                      <a:pt x="1385888" y="442912"/>
+                    </a:lnTo>
+                    <a:lnTo>
+                      <a:pt x="823913" y="0"/>
+                    </a:lnTo>
+                    <a:lnTo>
+                      <a:pt x="600075" y="185737"/>
+                    </a:lnTo>
+                    <a:lnTo>
+                      <a:pt x="404813" y="100012"/>
+                    </a:lnTo>
+                    <a:lnTo>
+                      <a:pt x="0" y="442912"/>
+                    </a:lnTo>
+                    <a:close/>
+                  </a:path>
+                </a:pathLst>
+              </a:custGeom>
+              <a:solidFill>
+                <a:srgbClr val="003E51"/>
+              </a:solidFill>
+              <a:ln>
+                <a:noFill/>
+              </a:ln>
+            </p:spPr>
+            <p:style>
+              <a:lnRef idx="2">
+                <a:schemeClr val="accent1">
+                  <a:shade val="50000"/>
+                </a:schemeClr>
+              </a:lnRef>
+              <a:fillRef idx="1">
+                <a:schemeClr val="accent1"/>
+              </a:fillRef>
+              <a:effectRef idx="0">
+                <a:schemeClr val="accent1"/>
+              </a:effectRef>
+              <a:fontRef idx="minor">
+                <a:schemeClr val="lt1"/>
+              </a:fontRef>
+            </p:style>
+            <p:txBody>
+              <a:bodyPr rtlCol="0" anchor="ctr"/>
+              <a:lstStyle/>
+              <a:p>
+                <a:pPr algn="ctr"/>
+                <a:endParaRPr lang="en-US" dirty="0"/>
+              </a:p>
+            </p:txBody>
+          </p:sp>
+          <p:sp>
+            <p:nvSpPr>
+              <p:cNvPr id="16" name="Freeform: Shape 15">
+                <a:extLst>
+                  <a:ext uri="{FF2B5EF4-FFF2-40B4-BE49-F238E27FC236}">
+                    <a16:creationId xmlns:a16="http://schemas.microsoft.com/office/drawing/2014/main" id="{71664713-0998-4E6B-A5A6-C30026463E3E}"/>
+                  </a:ext>
+                </a:extLst>
+              </p:cNvPr>
+              <p:cNvSpPr/>
+              <p:nvPr/>
+            </p:nvSpPr>
+            <p:spPr>
+              <a:xfrm>
+                <a:off x="7859109" y="3711072"/>
+                <a:ext cx="263342" cy="140678"/>
+              </a:xfrm>
+              <a:custGeom>
+                <a:avLst/>
+                <a:gdLst>
+                  <a:gd name="connsiteX0" fmla="*/ 0 w 226218"/>
+                  <a:gd name="connsiteY0" fmla="*/ 104775 h 114300"/>
+                  <a:gd name="connsiteX1" fmla="*/ 121443 w 226218"/>
+                  <a:gd name="connsiteY1" fmla="*/ 0 h 114300"/>
+                  <a:gd name="connsiteX2" fmla="*/ 226218 w 226218"/>
+                  <a:gd name="connsiteY2" fmla="*/ 42863 h 114300"/>
+                  <a:gd name="connsiteX3" fmla="*/ 185737 w 226218"/>
+                  <a:gd name="connsiteY3" fmla="*/ 90488 h 114300"/>
+                  <a:gd name="connsiteX4" fmla="*/ 133350 w 226218"/>
+                  <a:gd name="connsiteY4" fmla="*/ 61913 h 114300"/>
+                  <a:gd name="connsiteX5" fmla="*/ 83343 w 226218"/>
+                  <a:gd name="connsiteY5" fmla="*/ 114300 h 114300"/>
+                  <a:gd name="connsiteX6" fmla="*/ 52387 w 226218"/>
+                  <a:gd name="connsiteY6" fmla="*/ 92869 h 114300"/>
+                  <a:gd name="connsiteX7" fmla="*/ 0 w 226218"/>
+                  <a:gd name="connsiteY7" fmla="*/ 104775 h 114300"/>
+                </a:gdLst>
+                <a:ahLst/>
+                <a:cxnLst>
+                  <a:cxn ang="0">
+                    <a:pos x="connsiteX0" y="connsiteY0"/>
+                  </a:cxn>
+                  <a:cxn ang="0">
+                    <a:pos x="connsiteX1" y="connsiteY1"/>
+                  </a:cxn>
+                  <a:cxn ang="0">
+                    <a:pos x="connsiteX2" y="connsiteY2"/>
+                  </a:cxn>
+                  <a:cxn ang="0">
+                    <a:pos x="connsiteX3" y="connsiteY3"/>
+                  </a:cxn>
+                  <a:cxn ang="0">
+                    <a:pos x="connsiteX4" y="connsiteY4"/>
+                  </a:cxn>
+                  <a:cxn ang="0">
+                    <a:pos x="connsiteX5" y="connsiteY5"/>
+                  </a:cxn>
+                  <a:cxn ang="0">
+                    <a:pos x="connsiteX6" y="connsiteY6"/>
+                  </a:cxn>
+                  <a:cxn ang="0">
+                    <a:pos x="connsiteX7" y="connsiteY7"/>
+                  </a:cxn>
+                </a:cxnLst>
+                <a:rect l="l" t="t" r="r" b="b"/>
+                <a:pathLst>
+                  <a:path w="226218" h="114300">
+                    <a:moveTo>
+                      <a:pt x="0" y="104775"/>
+                    </a:moveTo>
+                    <a:lnTo>
+                      <a:pt x="121443" y="0"/>
+                    </a:lnTo>
+                    <a:lnTo>
+                      <a:pt x="226218" y="42863"/>
+                    </a:lnTo>
+                    <a:lnTo>
+                      <a:pt x="185737" y="90488"/>
+                    </a:lnTo>
+                    <a:lnTo>
+                      <a:pt x="133350" y="61913"/>
+                    </a:lnTo>
+                    <a:lnTo>
+                      <a:pt x="83343" y="114300"/>
+                    </a:lnTo>
+                    <a:lnTo>
+                      <a:pt x="52387" y="92869"/>
+                    </a:lnTo>
+                    <a:lnTo>
+                      <a:pt x="0" y="104775"/>
+                    </a:lnTo>
+                    <a:close/>
+                  </a:path>
+                </a:pathLst>
+              </a:custGeom>
+              <a:solidFill>
+                <a:schemeClr val="bg2"/>
+              </a:solidFill>
+              <a:ln>
+                <a:solidFill>
+                  <a:schemeClr val="bg2"/>
+                </a:solidFill>
+              </a:ln>
+            </p:spPr>
+            <p:style>
+              <a:lnRef idx="2">
+                <a:schemeClr val="accent1">
+                  <a:shade val="50000"/>
+                </a:schemeClr>
+              </a:lnRef>
+              <a:fillRef idx="1">
+                <a:schemeClr val="accent1"/>
+              </a:fillRef>
+              <a:effectRef idx="0">
+                <a:schemeClr val="accent1"/>
+              </a:effectRef>
+              <a:fontRef idx="minor">
+                <a:schemeClr val="lt1"/>
+              </a:fontRef>
+            </p:style>
+            <p:txBody>
+              <a:bodyPr rtlCol="0" anchor="ctr"/>
+              <a:lstStyle/>
+              <a:p>
+                <a:pPr algn="ctr"/>
+                <a:endParaRPr lang="en-US" dirty="0"/>
+              </a:p>
+            </p:txBody>
+          </p:sp>
+          <p:sp>
+            <p:nvSpPr>
+              <p:cNvPr id="17" name="Freeform: Shape 16">
+                <a:extLst>
+                  <a:ext uri="{FF2B5EF4-FFF2-40B4-BE49-F238E27FC236}">
+                    <a16:creationId xmlns:a16="http://schemas.microsoft.com/office/drawing/2014/main" id="{B056F9D3-5FFC-42AE-8300-450E94011A4B}"/>
+                  </a:ext>
+                </a:extLst>
+              </p:cNvPr>
+              <p:cNvSpPr/>
+              <p:nvPr/>
+            </p:nvSpPr>
+            <p:spPr>
+              <a:xfrm>
+                <a:off x="8296363" y="3593880"/>
+                <a:ext cx="365980" cy="234424"/>
+              </a:xfrm>
+              <a:custGeom>
+                <a:avLst/>
+                <a:gdLst>
+                  <a:gd name="connsiteX0" fmla="*/ 64294 w 316706"/>
+                  <a:gd name="connsiteY0" fmla="*/ 80962 h 207169"/>
+                  <a:gd name="connsiteX1" fmla="*/ 152400 w 316706"/>
+                  <a:gd name="connsiteY1" fmla="*/ 0 h 207169"/>
+                  <a:gd name="connsiteX2" fmla="*/ 316706 w 316706"/>
+                  <a:gd name="connsiteY2" fmla="*/ 135731 h 207169"/>
+                  <a:gd name="connsiteX3" fmla="*/ 238125 w 316706"/>
+                  <a:gd name="connsiteY3" fmla="*/ 126206 h 207169"/>
+                  <a:gd name="connsiteX4" fmla="*/ 197644 w 316706"/>
+                  <a:gd name="connsiteY4" fmla="*/ 183356 h 207169"/>
+                  <a:gd name="connsiteX5" fmla="*/ 145256 w 316706"/>
+                  <a:gd name="connsiteY5" fmla="*/ 121444 h 207169"/>
+                  <a:gd name="connsiteX6" fmla="*/ 85725 w 316706"/>
+                  <a:gd name="connsiteY6" fmla="*/ 207169 h 207169"/>
+                  <a:gd name="connsiteX7" fmla="*/ 0 w 316706"/>
+                  <a:gd name="connsiteY7" fmla="*/ 130969 h 207169"/>
+                  <a:gd name="connsiteX8" fmla="*/ 64294 w 316706"/>
+                  <a:gd name="connsiteY8" fmla="*/ 80962 h 207169"/>
+                  <a:gd name="connsiteX0" fmla="*/ 57150 w 309562"/>
+                  <a:gd name="connsiteY0" fmla="*/ 80962 h 207169"/>
+                  <a:gd name="connsiteX1" fmla="*/ 145256 w 309562"/>
+                  <a:gd name="connsiteY1" fmla="*/ 0 h 207169"/>
+                  <a:gd name="connsiteX2" fmla="*/ 309562 w 309562"/>
+                  <a:gd name="connsiteY2" fmla="*/ 135731 h 207169"/>
+                  <a:gd name="connsiteX3" fmla="*/ 230981 w 309562"/>
+                  <a:gd name="connsiteY3" fmla="*/ 126206 h 207169"/>
+                  <a:gd name="connsiteX4" fmla="*/ 190500 w 309562"/>
+                  <a:gd name="connsiteY4" fmla="*/ 183356 h 207169"/>
+                  <a:gd name="connsiteX5" fmla="*/ 138112 w 309562"/>
+                  <a:gd name="connsiteY5" fmla="*/ 121444 h 207169"/>
+                  <a:gd name="connsiteX6" fmla="*/ 78581 w 309562"/>
+                  <a:gd name="connsiteY6" fmla="*/ 207169 h 207169"/>
+                  <a:gd name="connsiteX7" fmla="*/ 0 w 309562"/>
+                  <a:gd name="connsiteY7" fmla="*/ 140494 h 207169"/>
+                  <a:gd name="connsiteX8" fmla="*/ 57150 w 309562"/>
+                  <a:gd name="connsiteY8" fmla="*/ 80962 h 207169"/>
+                  <a:gd name="connsiteX0" fmla="*/ 71438 w 323850"/>
+                  <a:gd name="connsiteY0" fmla="*/ 80962 h 207169"/>
+                  <a:gd name="connsiteX1" fmla="*/ 159544 w 323850"/>
+                  <a:gd name="connsiteY1" fmla="*/ 0 h 207169"/>
+                  <a:gd name="connsiteX2" fmla="*/ 323850 w 323850"/>
+                  <a:gd name="connsiteY2" fmla="*/ 135731 h 207169"/>
+                  <a:gd name="connsiteX3" fmla="*/ 245269 w 323850"/>
+                  <a:gd name="connsiteY3" fmla="*/ 126206 h 207169"/>
+                  <a:gd name="connsiteX4" fmla="*/ 204788 w 323850"/>
+                  <a:gd name="connsiteY4" fmla="*/ 183356 h 207169"/>
+                  <a:gd name="connsiteX5" fmla="*/ 152400 w 323850"/>
+                  <a:gd name="connsiteY5" fmla="*/ 121444 h 207169"/>
+                  <a:gd name="connsiteX6" fmla="*/ 92869 w 323850"/>
+                  <a:gd name="connsiteY6" fmla="*/ 207169 h 207169"/>
+                  <a:gd name="connsiteX7" fmla="*/ 0 w 323850"/>
+                  <a:gd name="connsiteY7" fmla="*/ 133350 h 207169"/>
+                  <a:gd name="connsiteX8" fmla="*/ 71438 w 323850"/>
+                  <a:gd name="connsiteY8" fmla="*/ 80962 h 207169"/>
+                  <a:gd name="connsiteX0" fmla="*/ 73820 w 326232"/>
+                  <a:gd name="connsiteY0" fmla="*/ 80962 h 207169"/>
+                  <a:gd name="connsiteX1" fmla="*/ 161926 w 326232"/>
+                  <a:gd name="connsiteY1" fmla="*/ 0 h 207169"/>
+                  <a:gd name="connsiteX2" fmla="*/ 326232 w 326232"/>
+                  <a:gd name="connsiteY2" fmla="*/ 135731 h 207169"/>
+                  <a:gd name="connsiteX3" fmla="*/ 247651 w 326232"/>
+                  <a:gd name="connsiteY3" fmla="*/ 126206 h 207169"/>
+                  <a:gd name="connsiteX4" fmla="*/ 207170 w 326232"/>
+                  <a:gd name="connsiteY4" fmla="*/ 183356 h 207169"/>
+                  <a:gd name="connsiteX5" fmla="*/ 154782 w 326232"/>
+                  <a:gd name="connsiteY5" fmla="*/ 121444 h 207169"/>
+                  <a:gd name="connsiteX6" fmla="*/ 95251 w 326232"/>
+                  <a:gd name="connsiteY6" fmla="*/ 207169 h 207169"/>
+                  <a:gd name="connsiteX7" fmla="*/ 0 w 326232"/>
+                  <a:gd name="connsiteY7" fmla="*/ 147637 h 207169"/>
+                  <a:gd name="connsiteX8" fmla="*/ 73820 w 326232"/>
+                  <a:gd name="connsiteY8" fmla="*/ 80962 h 207169"/>
+                  <a:gd name="connsiteX0" fmla="*/ 73820 w 326232"/>
+                  <a:gd name="connsiteY0" fmla="*/ 71437 h 197644"/>
+                  <a:gd name="connsiteX1" fmla="*/ 166688 w 326232"/>
+                  <a:gd name="connsiteY1" fmla="*/ 0 h 197644"/>
+                  <a:gd name="connsiteX2" fmla="*/ 326232 w 326232"/>
+                  <a:gd name="connsiteY2" fmla="*/ 126206 h 197644"/>
+                  <a:gd name="connsiteX3" fmla="*/ 247651 w 326232"/>
+                  <a:gd name="connsiteY3" fmla="*/ 116681 h 197644"/>
+                  <a:gd name="connsiteX4" fmla="*/ 207170 w 326232"/>
+                  <a:gd name="connsiteY4" fmla="*/ 173831 h 197644"/>
+                  <a:gd name="connsiteX5" fmla="*/ 154782 w 326232"/>
+                  <a:gd name="connsiteY5" fmla="*/ 111919 h 197644"/>
+                  <a:gd name="connsiteX6" fmla="*/ 95251 w 326232"/>
+                  <a:gd name="connsiteY6" fmla="*/ 197644 h 197644"/>
+                  <a:gd name="connsiteX7" fmla="*/ 0 w 326232"/>
+                  <a:gd name="connsiteY7" fmla="*/ 138112 h 197644"/>
+                  <a:gd name="connsiteX8" fmla="*/ 73820 w 326232"/>
+                  <a:gd name="connsiteY8" fmla="*/ 71437 h 197644"/>
+                </a:gdLst>
+                <a:ahLst/>
+                <a:cxnLst>
+                  <a:cxn ang="0">
+                    <a:pos x="connsiteX0" y="connsiteY0"/>
+                  </a:cxn>
+                  <a:cxn ang="0">
+                    <a:pos x="connsiteX1" y="connsiteY1"/>
+                  </a:cxn>
+                  <a:cxn ang="0">
+                    <a:pos x="connsiteX2" y="connsiteY2"/>
+                  </a:cxn>
+                  <a:cxn ang="0">
+                    <a:pos x="connsiteX3" y="connsiteY3"/>
+                  </a:cxn>
+                  <a:cxn ang="0">
+                    <a:pos x="connsiteX4" y="connsiteY4"/>
+                  </a:cxn>
+                  <a:cxn ang="0">
+                    <a:pos x="connsiteX5" y="connsiteY5"/>
+                  </a:cxn>
+                  <a:cxn ang="0">
+                    <a:pos x="connsiteX6" y="connsiteY6"/>
+                  </a:cxn>
+                  <a:cxn ang="0">
+                    <a:pos x="connsiteX7" y="connsiteY7"/>
+                  </a:cxn>
+                  <a:cxn ang="0">
+                    <a:pos x="connsiteX8" y="connsiteY8"/>
+                  </a:cxn>
+                </a:cxnLst>
+                <a:rect l="l" t="t" r="r" b="b"/>
+                <a:pathLst>
+                  <a:path w="326232" h="197644">
+                    <a:moveTo>
+                      <a:pt x="73820" y="71437"/>
+                    </a:moveTo>
+                    <a:lnTo>
+                      <a:pt x="166688" y="0"/>
+                    </a:lnTo>
+                    <a:lnTo>
+                      <a:pt x="326232" y="126206"/>
+                    </a:lnTo>
+                    <a:lnTo>
+                      <a:pt x="247651" y="116681"/>
+                    </a:lnTo>
+                    <a:lnTo>
+                      <a:pt x="207170" y="173831"/>
+                    </a:lnTo>
+                    <a:lnTo>
+                      <a:pt x="154782" y="111919"/>
+                    </a:lnTo>
+                    <a:lnTo>
+                      <a:pt x="95251" y="197644"/>
+                    </a:lnTo>
+                    <a:lnTo>
+                      <a:pt x="0" y="138112"/>
+                    </a:lnTo>
+                    <a:lnTo>
+                      <a:pt x="73820" y="71437"/>
+                    </a:lnTo>
+                    <a:close/>
+                  </a:path>
+                </a:pathLst>
+              </a:custGeom>
+              <a:solidFill>
+                <a:schemeClr val="bg2"/>
+              </a:solidFill>
+              <a:ln>
+                <a:solidFill>
+                  <a:schemeClr val="bg2"/>
+                </a:solidFill>
+              </a:ln>
+            </p:spPr>
+            <p:style>
+              <a:lnRef idx="2">
+                <a:schemeClr val="accent1">
+                  <a:shade val="50000"/>
+                </a:schemeClr>
+              </a:lnRef>
+              <a:fillRef idx="1">
+                <a:schemeClr val="accent1"/>
+              </a:fillRef>
+              <a:effectRef idx="0">
+                <a:schemeClr val="accent1"/>
+              </a:effectRef>
+              <a:fontRef idx="minor">
+                <a:schemeClr val="lt1"/>
+              </a:fontRef>
+            </p:style>
+            <p:txBody>
+              <a:bodyPr rtlCol="0" anchor="ctr"/>
+              <a:lstStyle/>
+              <a:p>
+                <a:pPr algn="ctr"/>
+                <a:endParaRPr lang="en-US"/>
+              </a:p>
+            </p:txBody>
+          </p:sp>
+        </p:grpSp>
+        <p:sp>
+          <p:nvSpPr>
+            <p:cNvPr id="25" name="Trapezoid 24">
+              <a:extLst>
+                <a:ext uri="{FF2B5EF4-FFF2-40B4-BE49-F238E27FC236}">
+                  <a16:creationId xmlns:a16="http://schemas.microsoft.com/office/drawing/2014/main" id="{BE857A13-7446-4B69-AE0D-4C51BB1263E9}"/>
+                </a:ext>
+              </a:extLst>
+            </p:cNvPr>
+            <p:cNvSpPr/>
+            <p:nvPr/>
+          </p:nvSpPr>
+          <p:spPr>
+            <a:xfrm rot="10800000">
+              <a:off x="5738399" y="2124989"/>
+              <a:ext cx="5000604" cy="131064"/>
+            </a:xfrm>
+            <a:prstGeom prst="trapezoid">
+              <a:avLst>
+                <a:gd name="adj" fmla="val 108604"/>
+              </a:avLst>
+            </a:prstGeom>
+            <a:solidFill>
+              <a:srgbClr val="007396"/>
+            </a:solidFill>
+            <a:ln>
+              <a:noFill/>
+            </a:ln>
+          </p:spPr>
+          <p:style>
+            <a:lnRef idx="2">
+              <a:schemeClr val="accent1">
+                <a:shade val="50000"/>
+              </a:schemeClr>
+            </a:lnRef>
+            <a:fillRef idx="1">
+              <a:schemeClr val="accent1"/>
+            </a:fillRef>
+            <a:effectRef idx="0">
+              <a:schemeClr val="accent1"/>
+            </a:effectRef>
+            <a:fontRef idx="minor">
+              <a:schemeClr val="lt1"/>
+            </a:fontRef>
+          </p:style>
+          <p:txBody>
+            <a:bodyPr rtlCol="0" anchor="ctr"/>
+            <a:lstStyle/>
+            <a:p>
+              <a:pPr algn="ctr"/>
+              <a:endParaRPr lang="en-US"/>
+            </a:p>
+          </p:txBody>
+        </p:sp>
+        <p:sp>
+          <p:nvSpPr>
+            <p:cNvPr id="26" name="Trapezoid 25">
+              <a:extLst>
+                <a:ext uri="{FF2B5EF4-FFF2-40B4-BE49-F238E27FC236}">
+                  <a16:creationId xmlns:a16="http://schemas.microsoft.com/office/drawing/2014/main" id="{F882A331-B28F-4CAF-8A15-99E489793645}"/>
+                </a:ext>
+              </a:extLst>
+            </p:cNvPr>
+            <p:cNvSpPr/>
+            <p:nvPr/>
+          </p:nvSpPr>
+          <p:spPr>
+            <a:xfrm rot="10800000">
+              <a:off x="6038062" y="2387117"/>
+              <a:ext cx="4375517" cy="131064"/>
+            </a:xfrm>
+            <a:prstGeom prst="trapezoid">
+              <a:avLst>
+                <a:gd name="adj" fmla="val 108604"/>
+              </a:avLst>
+            </a:prstGeom>
+            <a:solidFill>
+              <a:srgbClr val="007396"/>
+            </a:solidFill>
+            <a:ln>
+              <a:noFill/>
+            </a:ln>
+          </p:spPr>
+          <p:style>
+            <a:lnRef idx="2">
+              <a:schemeClr val="accent1">
+                <a:shade val="50000"/>
+              </a:schemeClr>
+            </a:lnRef>
+            <a:fillRef idx="1">
+              <a:schemeClr val="accent1"/>
+            </a:fillRef>
+            <a:effectRef idx="0">
+              <a:schemeClr val="accent1"/>
+            </a:effectRef>
+            <a:fontRef idx="minor">
+              <a:schemeClr val="lt1"/>
+            </a:fontRef>
+          </p:style>
+          <p:txBody>
+            <a:bodyPr rtlCol="0" anchor="ctr"/>
+            <a:lstStyle/>
+            <a:p>
+              <a:pPr algn="ctr"/>
+              <a:endParaRPr lang="en-US"/>
+            </a:p>
+          </p:txBody>
+        </p:sp>
+        <p:sp>
+          <p:nvSpPr>
+            <p:cNvPr id="27" name="Trapezoid 26">
+              <a:extLst>
+                <a:ext uri="{FF2B5EF4-FFF2-40B4-BE49-F238E27FC236}">
+                  <a16:creationId xmlns:a16="http://schemas.microsoft.com/office/drawing/2014/main" id="{5EF969CA-84DB-4970-BE37-CB9AA8A45E59}"/>
+                </a:ext>
+              </a:extLst>
+            </p:cNvPr>
+            <p:cNvSpPr/>
+            <p:nvPr/>
+          </p:nvSpPr>
+          <p:spPr>
+            <a:xfrm rot="10800000">
+              <a:off x="6333364" y="2649245"/>
+              <a:ext cx="3770378" cy="131064"/>
+            </a:xfrm>
+            <a:prstGeom prst="trapezoid">
+              <a:avLst>
+                <a:gd name="adj" fmla="val 108604"/>
+              </a:avLst>
+            </a:prstGeom>
+            <a:solidFill>
+              <a:srgbClr val="007396"/>
+            </a:solidFill>
+            <a:ln>
+              <a:noFill/>
+            </a:ln>
+          </p:spPr>
+          <p:style>
+            <a:lnRef idx="2">
+              <a:schemeClr val="accent1">
+                <a:shade val="50000"/>
+              </a:schemeClr>
+            </a:lnRef>
+            <a:fillRef idx="1">
+              <a:schemeClr val="accent1"/>
+            </a:fillRef>
+            <a:effectRef idx="0">
+              <a:schemeClr val="accent1"/>
+            </a:effectRef>
+            <a:fontRef idx="minor">
+              <a:schemeClr val="lt1"/>
+            </a:fontRef>
+          </p:style>
+          <p:txBody>
+            <a:bodyPr rtlCol="0" anchor="ctr"/>
+            <a:lstStyle/>
+            <a:p>
+              <a:pPr algn="ctr"/>
+              <a:endParaRPr lang="en-US"/>
+            </a:p>
+          </p:txBody>
+        </p:sp>
+        <p:sp>
+          <p:nvSpPr>
+            <p:cNvPr id="28" name="Trapezoid 27">
+              <a:extLst>
+                <a:ext uri="{FF2B5EF4-FFF2-40B4-BE49-F238E27FC236}">
+                  <a16:creationId xmlns:a16="http://schemas.microsoft.com/office/drawing/2014/main" id="{9D326389-0605-4602-AB63-E8307C6BA3DE}"/>
+                </a:ext>
+              </a:extLst>
+            </p:cNvPr>
+            <p:cNvSpPr/>
+            <p:nvPr/>
+          </p:nvSpPr>
+          <p:spPr>
+            <a:xfrm rot="10800000">
+              <a:off x="6627510" y="2913071"/>
+              <a:ext cx="3151279" cy="131064"/>
+            </a:xfrm>
+            <a:prstGeom prst="trapezoid">
+              <a:avLst>
+                <a:gd name="adj" fmla="val 108604"/>
+              </a:avLst>
+            </a:prstGeom>
+            <a:solidFill>
+              <a:srgbClr val="007396"/>
+            </a:solidFill>
+            <a:ln>
+              <a:noFill/>
+            </a:ln>
+          </p:spPr>
+          <p:style>
+            <a:lnRef idx="2">
+              <a:schemeClr val="accent1">
+                <a:shade val="50000"/>
+              </a:schemeClr>
+            </a:lnRef>
+            <a:fillRef idx="1">
+              <a:schemeClr val="accent1"/>
+            </a:fillRef>
+            <a:effectRef idx="0">
+              <a:schemeClr val="accent1"/>
+            </a:effectRef>
+            <a:fontRef idx="minor">
+              <a:schemeClr val="lt1"/>
+            </a:fontRef>
+          </p:style>
+          <p:txBody>
+            <a:bodyPr rtlCol="0" anchor="ctr"/>
+            <a:lstStyle/>
+            <a:p>
+              <a:pPr algn="ctr"/>
+              <a:endParaRPr lang="en-US"/>
+            </a:p>
+          </p:txBody>
+        </p:sp>
+        <p:sp>
+          <p:nvSpPr>
+            <p:cNvPr id="29" name="Trapezoid 28">
+              <a:extLst>
+                <a:ext uri="{FF2B5EF4-FFF2-40B4-BE49-F238E27FC236}">
+                  <a16:creationId xmlns:a16="http://schemas.microsoft.com/office/drawing/2014/main" id="{1C99B87D-274E-4B5C-88A0-91C95318CF19}"/>
+                </a:ext>
+              </a:extLst>
+            </p:cNvPr>
+            <p:cNvSpPr/>
+            <p:nvPr/>
+          </p:nvSpPr>
+          <p:spPr>
+            <a:xfrm rot="10800000">
+              <a:off x="8002888" y="3173501"/>
+              <a:ext cx="1458505" cy="131064"/>
+            </a:xfrm>
+            <a:prstGeom prst="trapezoid">
+              <a:avLst>
+                <a:gd name="adj" fmla="val 108604"/>
+              </a:avLst>
+            </a:prstGeom>
+            <a:solidFill>
+              <a:srgbClr val="007396"/>
+            </a:solidFill>
+            <a:ln>
+              <a:noFill/>
+            </a:ln>
+          </p:spPr>
+          <p:style>
+            <a:lnRef idx="2">
+              <a:schemeClr val="accent1">
+                <a:shade val="50000"/>
+              </a:schemeClr>
+            </a:lnRef>
+            <a:fillRef idx="1">
+              <a:schemeClr val="accent1"/>
+            </a:fillRef>
+            <a:effectRef idx="0">
+              <a:schemeClr val="accent1"/>
+            </a:effectRef>
+            <a:fontRef idx="minor">
+              <a:schemeClr val="lt1"/>
+            </a:fontRef>
+          </p:style>
+          <p:txBody>
+            <a:bodyPr rtlCol="0" anchor="ctr"/>
+            <a:lstStyle/>
+            <a:p>
+              <a:pPr algn="ctr"/>
+              <a:endParaRPr lang="en-US"/>
+            </a:p>
+          </p:txBody>
+        </p:sp>
+        <p:sp>
+          <p:nvSpPr>
+            <p:cNvPr id="30" name="Trapezoid 29">
+              <a:extLst>
+                <a:ext uri="{FF2B5EF4-FFF2-40B4-BE49-F238E27FC236}">
+                  <a16:creationId xmlns:a16="http://schemas.microsoft.com/office/drawing/2014/main" id="{D67307F3-EB5B-49B4-816A-E811F82B3638}"/>
+                </a:ext>
+              </a:extLst>
+            </p:cNvPr>
+            <p:cNvSpPr/>
+            <p:nvPr/>
+          </p:nvSpPr>
+          <p:spPr>
+            <a:xfrm rot="10800000">
+              <a:off x="8312727" y="3435628"/>
+              <a:ext cx="842609" cy="131064"/>
+            </a:xfrm>
+            <a:prstGeom prst="trapezoid">
+              <a:avLst>
+                <a:gd name="adj" fmla="val 108604"/>
+              </a:avLst>
+            </a:prstGeom>
+            <a:solidFill>
+              <a:srgbClr val="007396"/>
+            </a:solidFill>
+            <a:ln>
+              <a:noFill/>
+            </a:ln>
+          </p:spPr>
+          <p:style>
+            <a:lnRef idx="2">
+              <a:schemeClr val="accent1">
+                <a:shade val="50000"/>
+              </a:schemeClr>
+            </a:lnRef>
+            <a:fillRef idx="1">
+              <a:schemeClr val="accent1"/>
+            </a:fillRef>
+            <a:effectRef idx="0">
+              <a:schemeClr val="accent1"/>
+            </a:effectRef>
+            <a:fontRef idx="minor">
+              <a:schemeClr val="lt1"/>
+            </a:fontRef>
+          </p:style>
+          <p:txBody>
+            <a:bodyPr rtlCol="0" anchor="ctr"/>
+            <a:lstStyle/>
+            <a:p>
+              <a:pPr algn="ctr"/>
+              <a:endParaRPr lang="en-US"/>
+            </a:p>
+          </p:txBody>
+        </p:sp>
+        <p:sp>
+          <p:nvSpPr>
+            <p:cNvPr id="31" name="Freeform: Shape 30">
+              <a:extLst>
+                <a:ext uri="{FF2B5EF4-FFF2-40B4-BE49-F238E27FC236}">
+                  <a16:creationId xmlns:a16="http://schemas.microsoft.com/office/drawing/2014/main" id="{62D0E969-0272-46AE-9710-7C67EDE0D4F1}"/>
+                </a:ext>
+              </a:extLst>
+            </p:cNvPr>
+            <p:cNvSpPr/>
+            <p:nvPr/>
+          </p:nvSpPr>
+          <p:spPr>
+            <a:xfrm>
+              <a:off x="6922688" y="3172990"/>
+              <a:ext cx="811338" cy="133761"/>
+            </a:xfrm>
+            <a:custGeom>
+              <a:avLst/>
+              <a:gdLst>
+                <a:gd name="connsiteX0" fmla="*/ 0 w 811338"/>
+                <a:gd name="connsiteY0" fmla="*/ 0 h 133761"/>
+                <a:gd name="connsiteX1" fmla="*/ 151303 w 811338"/>
+                <a:gd name="connsiteY1" fmla="*/ 133761 h 133761"/>
+                <a:gd name="connsiteX2" fmla="*/ 532852 w 811338"/>
+                <a:gd name="connsiteY2" fmla="*/ 133761 h 133761"/>
+                <a:gd name="connsiteX3" fmla="*/ 811338 w 811338"/>
+                <a:gd name="connsiteY3" fmla="*/ 0 h 133761"/>
+                <a:gd name="connsiteX4" fmla="*/ 0 w 811338"/>
+                <a:gd name="connsiteY4" fmla="*/ 0 h 133761"/>
+              </a:gdLst>
+              <a:ahLst/>
+              <a:cxnLst>
+                <a:cxn ang="0">
+                  <a:pos x="connsiteX0" y="connsiteY0"/>
+                </a:cxn>
+                <a:cxn ang="0">
+                  <a:pos x="connsiteX1" y="connsiteY1"/>
+                </a:cxn>
+                <a:cxn ang="0">
+                  <a:pos x="connsiteX2" y="connsiteY2"/>
+                </a:cxn>
+                <a:cxn ang="0">
+                  <a:pos x="connsiteX3" y="connsiteY3"/>
+                </a:cxn>
+                <a:cxn ang="0">
+                  <a:pos x="connsiteX4" y="connsiteY4"/>
+                </a:cxn>
+              </a:cxnLst>
+              <a:rect l="l" t="t" r="r" b="b"/>
+              <a:pathLst>
+                <a:path w="811338" h="133761">
+                  <a:moveTo>
+                    <a:pt x="0" y="0"/>
+                  </a:moveTo>
+                  <a:lnTo>
+                    <a:pt x="151303" y="133761"/>
+                  </a:lnTo>
+                  <a:lnTo>
+                    <a:pt x="532852" y="133761"/>
+                  </a:lnTo>
+                  <a:lnTo>
+                    <a:pt x="811338" y="0"/>
+                  </a:lnTo>
+                  <a:lnTo>
+                    <a:pt x="0" y="0"/>
+                  </a:lnTo>
+                  <a:close/>
+                </a:path>
+              </a:pathLst>
+            </a:custGeom>
+            <a:solidFill>
+              <a:srgbClr val="007396"/>
+            </a:solidFill>
+            <a:ln>
+              <a:noFill/>
+            </a:ln>
+          </p:spPr>
+          <p:style>
+            <a:lnRef idx="2">
+              <a:schemeClr val="accent1">
+                <a:shade val="50000"/>
+              </a:schemeClr>
+            </a:lnRef>
+            <a:fillRef idx="1">
+              <a:schemeClr val="accent1"/>
+            </a:fillRef>
+            <a:effectRef idx="0">
+              <a:schemeClr val="accent1"/>
+            </a:effectRef>
+            <a:fontRef idx="minor">
+              <a:schemeClr val="lt1"/>
+            </a:fontRef>
+          </p:style>
+          <p:txBody>
+            <a:bodyPr rtlCol="0" anchor="ctr"/>
+            <a:lstStyle/>
+            <a:p>
+              <a:pPr algn="ctr"/>
+              <a:endParaRPr lang="en-US"/>
+            </a:p>
+          </p:txBody>
+        </p:sp>
+        <p:sp>
+          <p:nvSpPr>
+            <p:cNvPr id="32" name="Isosceles Triangle 31">
+              <a:extLst>
+                <a:ext uri="{FF2B5EF4-FFF2-40B4-BE49-F238E27FC236}">
+                  <a16:creationId xmlns:a16="http://schemas.microsoft.com/office/drawing/2014/main" id="{AA017A43-ED5D-441A-931C-2FBFCDDDE87F}"/>
+                </a:ext>
+              </a:extLst>
+            </p:cNvPr>
+            <p:cNvSpPr/>
+            <p:nvPr/>
+          </p:nvSpPr>
+          <p:spPr>
+            <a:xfrm rot="10800000">
+              <a:off x="8601402" y="3682202"/>
+              <a:ext cx="261475" cy="131066"/>
+            </a:xfrm>
+            <a:prstGeom prst="triangle">
+              <a:avLst/>
+            </a:prstGeom>
+            <a:solidFill>
+              <a:srgbClr val="007396"/>
+            </a:solidFill>
+            <a:ln>
+              <a:noFill/>
+            </a:ln>
+          </p:spPr>
+          <p:style>
+            <a:lnRef idx="2">
+              <a:schemeClr val="accent1">
+                <a:shade val="50000"/>
+              </a:schemeClr>
+            </a:lnRef>
+            <a:fillRef idx="1">
+              <a:schemeClr val="accent1"/>
+            </a:fillRef>
+            <a:effectRef idx="0">
+              <a:schemeClr val="accent1"/>
+            </a:effectRef>
+            <a:fontRef idx="minor">
+              <a:schemeClr val="lt1"/>
+            </a:fontRef>
+          </p:style>
+          <p:txBody>
+            <a:bodyPr rtlCol="0" anchor="ctr"/>
+            <a:lstStyle/>
+            <a:p>
+              <a:pPr algn="ctr"/>
+              <a:endParaRPr lang="en-US"/>
+            </a:p>
+          </p:txBody>
+        </p:sp>
+      </p:grpSp>
+    </p:spTree>
+    <p:extLst>
+      <p:ext uri="{BB962C8B-B14F-4D97-AF65-F5344CB8AC3E}">
+        <p14:creationId xmlns:p14="http://schemas.microsoft.com/office/powerpoint/2010/main" val="1483773972"/>
       </p:ext>
     </p:extLst>
   </p:cSld>

--- a/Resources/GraphicalResources/Presentation1.pptx
+++ b/Resources/GraphicalResources/Presentation1.pptx
@@ -9,6 +9,7 @@
     <p:sldId id="257" r:id="rId3"/>
     <p:sldId id="258" r:id="rId4"/>
     <p:sldId id="259" r:id="rId5"/>
+    <p:sldId id="260" r:id="rId6"/>
   </p:sldIdLst>
   <p:sldSz cx="12192000" cy="6858000"/>
   <p:notesSz cx="6858000" cy="9144000"/>
@@ -244,7 +245,7 @@
           <a:p>
             <a:fld id="{52674EDA-D5F0-4BA8-BCF8-E774905099E5}" type="datetimeFigureOut">
               <a:rPr lang="en-US" smtClean="0"/>
-              <a:t>11/15/2019</a:t>
+              <a:t>11/18/2019</a:t>
             </a:fld>
             <a:endParaRPr lang="en-US"/>
           </a:p>
@@ -412,7 +413,7 @@
           <a:p>
             <a:fld id="{52674EDA-D5F0-4BA8-BCF8-E774905099E5}" type="datetimeFigureOut">
               <a:rPr lang="en-US" smtClean="0"/>
-              <a:t>11/15/2019</a:t>
+              <a:t>11/18/2019</a:t>
             </a:fld>
             <a:endParaRPr lang="en-US"/>
           </a:p>
@@ -590,7 +591,7 @@
           <a:p>
             <a:fld id="{52674EDA-D5F0-4BA8-BCF8-E774905099E5}" type="datetimeFigureOut">
               <a:rPr lang="en-US" smtClean="0"/>
-              <a:t>11/15/2019</a:t>
+              <a:t>11/18/2019</a:t>
             </a:fld>
             <a:endParaRPr lang="en-US"/>
           </a:p>
@@ -758,7 +759,7 @@
           <a:p>
             <a:fld id="{52674EDA-D5F0-4BA8-BCF8-E774905099E5}" type="datetimeFigureOut">
               <a:rPr lang="en-US" smtClean="0"/>
-              <a:t>11/15/2019</a:t>
+              <a:t>11/18/2019</a:t>
             </a:fld>
             <a:endParaRPr lang="en-US"/>
           </a:p>
@@ -1003,7 +1004,7 @@
           <a:p>
             <a:fld id="{52674EDA-D5F0-4BA8-BCF8-E774905099E5}" type="datetimeFigureOut">
               <a:rPr lang="en-US" smtClean="0"/>
-              <a:t>11/15/2019</a:t>
+              <a:t>11/18/2019</a:t>
             </a:fld>
             <a:endParaRPr lang="en-US"/>
           </a:p>
@@ -1232,7 +1233,7 @@
           <a:p>
             <a:fld id="{52674EDA-D5F0-4BA8-BCF8-E774905099E5}" type="datetimeFigureOut">
               <a:rPr lang="en-US" smtClean="0"/>
-              <a:t>11/15/2019</a:t>
+              <a:t>11/18/2019</a:t>
             </a:fld>
             <a:endParaRPr lang="en-US"/>
           </a:p>
@@ -1596,7 +1597,7 @@
           <a:p>
             <a:fld id="{52674EDA-D5F0-4BA8-BCF8-E774905099E5}" type="datetimeFigureOut">
               <a:rPr lang="en-US" smtClean="0"/>
-              <a:t>11/15/2019</a:t>
+              <a:t>11/18/2019</a:t>
             </a:fld>
             <a:endParaRPr lang="en-US"/>
           </a:p>
@@ -1713,7 +1714,7 @@
           <a:p>
             <a:fld id="{52674EDA-D5F0-4BA8-BCF8-E774905099E5}" type="datetimeFigureOut">
               <a:rPr lang="en-US" smtClean="0"/>
-              <a:t>11/15/2019</a:t>
+              <a:t>11/18/2019</a:t>
             </a:fld>
             <a:endParaRPr lang="en-US"/>
           </a:p>
@@ -1808,7 +1809,7 @@
           <a:p>
             <a:fld id="{52674EDA-D5F0-4BA8-BCF8-E774905099E5}" type="datetimeFigureOut">
               <a:rPr lang="en-US" smtClean="0"/>
-              <a:t>11/15/2019</a:t>
+              <a:t>11/18/2019</a:t>
             </a:fld>
             <a:endParaRPr lang="en-US"/>
           </a:p>
@@ -2083,7 +2084,7 @@
           <a:p>
             <a:fld id="{52674EDA-D5F0-4BA8-BCF8-E774905099E5}" type="datetimeFigureOut">
               <a:rPr lang="en-US" smtClean="0"/>
-              <a:t>11/15/2019</a:t>
+              <a:t>11/18/2019</a:t>
             </a:fld>
             <a:endParaRPr lang="en-US"/>
           </a:p>
@@ -2335,7 +2336,7 @@
           <a:p>
             <a:fld id="{52674EDA-D5F0-4BA8-BCF8-E774905099E5}" type="datetimeFigureOut">
               <a:rPr lang="en-US" smtClean="0"/>
-              <a:t>11/15/2019</a:t>
+              <a:t>11/18/2019</a:t>
             </a:fld>
             <a:endParaRPr lang="en-US"/>
           </a:p>
@@ -2546,7 +2547,7 @@
           <a:p>
             <a:fld id="{52674EDA-D5F0-4BA8-BCF8-E774905099E5}" type="datetimeFigureOut">
               <a:rPr lang="en-US" smtClean="0"/>
-              <a:t>11/15/2019</a:t>
+              <a:t>11/18/2019</a:t>
             </a:fld>
             <a:endParaRPr lang="en-US"/>
           </a:p>
@@ -12587,7 +12588,7 @@
         <p:spPr>
           <a:xfrm>
             <a:off x="2915153" y="2830257"/>
-            <a:ext cx="4144927" cy="904712"/>
+            <a:ext cx="3385627" cy="904712"/>
           </a:xfrm>
           <a:prstGeom prst="roundRect">
             <a:avLst>
@@ -12736,7 +12737,7 @@
         </p:nvGrpSpPr>
         <p:grpSpPr>
           <a:xfrm>
-            <a:off x="5461414" y="2724686"/>
+            <a:off x="9141332" y="2683969"/>
             <a:ext cx="1825008" cy="1144335"/>
             <a:chOff x="7615490" y="615489"/>
             <a:chExt cx="3700006" cy="2320018"/>
@@ -18987,7 +18988,7 @@
             <a:lstStyle/>
             <a:p>
               <a:pPr algn="ctr"/>
-              <a:endParaRPr lang="en-US"/>
+              <a:endParaRPr lang="en-US" dirty="0"/>
             </a:p>
           </p:txBody>
         </p:sp>
@@ -19281,6 +19282,275 @@
             </a:solidFill>
             <a:ln>
               <a:noFill/>
+            </a:ln>
+          </p:spPr>
+          <p:style>
+            <a:lnRef idx="2">
+              <a:schemeClr val="accent1">
+                <a:shade val="50000"/>
+              </a:schemeClr>
+            </a:lnRef>
+            <a:fillRef idx="1">
+              <a:schemeClr val="accent1"/>
+            </a:fillRef>
+            <a:effectRef idx="0">
+              <a:schemeClr val="accent1"/>
+            </a:effectRef>
+            <a:fontRef idx="minor">
+              <a:schemeClr val="lt1"/>
+            </a:fontRef>
+          </p:style>
+          <p:txBody>
+            <a:bodyPr rtlCol="0" anchor="ctr"/>
+            <a:lstStyle/>
+            <a:p>
+              <a:pPr algn="ctr"/>
+              <a:endParaRPr lang="en-US"/>
+            </a:p>
+          </p:txBody>
+        </p:sp>
+      </p:grpSp>
+      <p:pic>
+        <p:nvPicPr>
+          <p:cNvPr id="45" name="Picture 44">
+            <a:extLst>
+              <a:ext uri="{FF2B5EF4-FFF2-40B4-BE49-F238E27FC236}">
+                <a16:creationId xmlns:a16="http://schemas.microsoft.com/office/drawing/2014/main" id="{2E25B242-2F5F-41A6-ABB0-1E601F3AEEBA}"/>
+              </a:ext>
+            </a:extLst>
+          </p:cNvPr>
+          <p:cNvPicPr>
+            <a:picLocks noChangeAspect="1"/>
+          </p:cNvPicPr>
+          <p:nvPr/>
+        </p:nvPicPr>
+        <p:blipFill>
+          <a:blip r:embed="rId2" cstate="print">
+            <a:extLst>
+              <a:ext uri="{28A0092B-C50C-407E-A947-70E740481C1C}">
+                <a14:useLocalDpi xmlns:a14="http://schemas.microsoft.com/office/drawing/2010/main" val="0"/>
+              </a:ext>
+            </a:extLst>
+          </a:blip>
+          <a:stretch>
+            <a:fillRect/>
+          </a:stretch>
+        </p:blipFill>
+        <p:spPr>
+          <a:xfrm rot="14417290">
+            <a:off x="1855330" y="2883297"/>
+            <a:ext cx="641867" cy="736230"/>
+          </a:xfrm>
+          <a:prstGeom prst="rect">
+            <a:avLst/>
+          </a:prstGeom>
+        </p:spPr>
+      </p:pic>
+      <p:grpSp>
+        <p:nvGrpSpPr>
+          <p:cNvPr id="72" name="Group 71">
+            <a:extLst>
+              <a:ext uri="{FF2B5EF4-FFF2-40B4-BE49-F238E27FC236}">
+                <a16:creationId xmlns:a16="http://schemas.microsoft.com/office/drawing/2014/main" id="{6E8F815A-53EA-420B-B2EB-D4B46948A61E}"/>
+              </a:ext>
+            </a:extLst>
+          </p:cNvPr>
+          <p:cNvGrpSpPr/>
+          <p:nvPr/>
+        </p:nvGrpSpPr>
+        <p:grpSpPr>
+          <a:xfrm>
+            <a:off x="5503862" y="2938618"/>
+            <a:ext cx="614312" cy="661948"/>
+            <a:chOff x="1502747" y="1672047"/>
+            <a:chExt cx="1256825" cy="1354284"/>
+          </a:xfrm>
+        </p:grpSpPr>
+        <p:sp>
+          <p:nvSpPr>
+            <p:cNvPr id="73" name="Isosceles Triangle 72">
+              <a:extLst>
+                <a:ext uri="{FF2B5EF4-FFF2-40B4-BE49-F238E27FC236}">
+                  <a16:creationId xmlns:a16="http://schemas.microsoft.com/office/drawing/2014/main" id="{5F98B0C2-9FE0-453E-AB41-CD90C7AED0AA}"/>
+                </a:ext>
+              </a:extLst>
+            </p:cNvPr>
+            <p:cNvSpPr/>
+            <p:nvPr/>
+          </p:nvSpPr>
+          <p:spPr>
+            <a:xfrm>
+              <a:off x="1820091" y="1672047"/>
+              <a:ext cx="939481" cy="639948"/>
+            </a:xfrm>
+            <a:prstGeom prst="triangle">
+              <a:avLst/>
+            </a:prstGeom>
+            <a:solidFill>
+              <a:srgbClr val="003E51"/>
+            </a:solidFill>
+            <a:ln w="152400" cap="rnd">
+              <a:noFill/>
+              <a:round/>
+            </a:ln>
+          </p:spPr>
+          <p:style>
+            <a:lnRef idx="2">
+              <a:schemeClr val="accent1">
+                <a:shade val="50000"/>
+              </a:schemeClr>
+            </a:lnRef>
+            <a:fillRef idx="1">
+              <a:schemeClr val="accent1"/>
+            </a:fillRef>
+            <a:effectRef idx="0">
+              <a:schemeClr val="accent1"/>
+            </a:effectRef>
+            <a:fontRef idx="minor">
+              <a:schemeClr val="lt1"/>
+            </a:fontRef>
+          </p:style>
+          <p:txBody>
+            <a:bodyPr rtlCol="0" anchor="ctr"/>
+            <a:lstStyle/>
+            <a:p>
+              <a:pPr algn="ctr"/>
+              <a:endParaRPr lang="en-US"/>
+            </a:p>
+          </p:txBody>
+        </p:sp>
+        <p:sp>
+          <p:nvSpPr>
+            <p:cNvPr id="74" name="Isosceles Triangle 73">
+              <a:extLst>
+                <a:ext uri="{FF2B5EF4-FFF2-40B4-BE49-F238E27FC236}">
+                  <a16:creationId xmlns:a16="http://schemas.microsoft.com/office/drawing/2014/main" id="{898A038D-253E-4A0F-9727-8D134B13336F}"/>
+                </a:ext>
+              </a:extLst>
+            </p:cNvPr>
+            <p:cNvSpPr/>
+            <p:nvPr/>
+          </p:nvSpPr>
+          <p:spPr>
+            <a:xfrm>
+              <a:off x="1502750" y="1672047"/>
+              <a:ext cx="939481" cy="639948"/>
+            </a:xfrm>
+            <a:prstGeom prst="triangle">
+              <a:avLst/>
+            </a:prstGeom>
+            <a:solidFill>
+              <a:srgbClr val="007396"/>
+            </a:solidFill>
+            <a:ln w="152400" cap="rnd">
+              <a:noFill/>
+              <a:round/>
+            </a:ln>
+          </p:spPr>
+          <p:style>
+            <a:lnRef idx="2">
+              <a:schemeClr val="accent1">
+                <a:shade val="50000"/>
+              </a:schemeClr>
+            </a:lnRef>
+            <a:fillRef idx="1">
+              <a:schemeClr val="accent1"/>
+            </a:fillRef>
+            <a:effectRef idx="0">
+              <a:schemeClr val="accent1"/>
+            </a:effectRef>
+            <a:fontRef idx="minor">
+              <a:schemeClr val="lt1"/>
+            </a:fontRef>
+          </p:style>
+          <p:txBody>
+            <a:bodyPr rtlCol="0" anchor="ctr"/>
+            <a:lstStyle/>
+            <a:p>
+              <a:pPr algn="ctr"/>
+              <a:endParaRPr lang="en-US"/>
+            </a:p>
+          </p:txBody>
+        </p:sp>
+        <p:sp>
+          <p:nvSpPr>
+            <p:cNvPr id="75" name="Isosceles Triangle 74">
+              <a:extLst>
+                <a:ext uri="{FF2B5EF4-FFF2-40B4-BE49-F238E27FC236}">
+                  <a16:creationId xmlns:a16="http://schemas.microsoft.com/office/drawing/2014/main" id="{390A749C-642E-45FA-912E-5595FFA57B14}"/>
+                </a:ext>
+              </a:extLst>
+            </p:cNvPr>
+            <p:cNvSpPr/>
+            <p:nvPr/>
+          </p:nvSpPr>
+          <p:spPr>
+            <a:xfrm rot="10800000">
+              <a:off x="1502747" y="2386383"/>
+              <a:ext cx="939481" cy="639948"/>
+            </a:xfrm>
+            <a:prstGeom prst="triangle">
+              <a:avLst/>
+            </a:prstGeom>
+            <a:solidFill>
+              <a:srgbClr val="9A3324"/>
+            </a:solidFill>
+            <a:ln w="152400" cap="rnd">
+              <a:noFill/>
+              <a:round/>
+            </a:ln>
+          </p:spPr>
+          <p:style>
+            <a:lnRef idx="2">
+              <a:schemeClr val="accent1">
+                <a:shade val="50000"/>
+              </a:schemeClr>
+            </a:lnRef>
+            <a:fillRef idx="1">
+              <a:schemeClr val="accent1"/>
+            </a:fillRef>
+            <a:effectRef idx="0">
+              <a:schemeClr val="accent1"/>
+            </a:effectRef>
+            <a:fontRef idx="minor">
+              <a:schemeClr val="lt1"/>
+            </a:fontRef>
+          </p:style>
+          <p:txBody>
+            <a:bodyPr rtlCol="0" anchor="ctr"/>
+            <a:lstStyle/>
+            <a:p>
+              <a:pPr algn="ctr"/>
+              <a:endParaRPr lang="en-US"/>
+            </a:p>
+          </p:txBody>
+        </p:sp>
+        <p:sp>
+          <p:nvSpPr>
+            <p:cNvPr id="76" name="Isosceles Triangle 75">
+              <a:extLst>
+                <a:ext uri="{FF2B5EF4-FFF2-40B4-BE49-F238E27FC236}">
+                  <a16:creationId xmlns:a16="http://schemas.microsoft.com/office/drawing/2014/main" id="{A5761B0F-4B9A-4A0C-8A8C-5D2327E9470B}"/>
+                </a:ext>
+              </a:extLst>
+            </p:cNvPr>
+            <p:cNvSpPr/>
+            <p:nvPr/>
+          </p:nvSpPr>
+          <p:spPr>
+            <a:xfrm rot="10800000">
+              <a:off x="1820090" y="2386383"/>
+              <a:ext cx="939481" cy="639948"/>
+            </a:xfrm>
+            <a:prstGeom prst="triangle">
+              <a:avLst/>
+            </a:prstGeom>
+            <a:solidFill>
+              <a:srgbClr val="CA9117"/>
+            </a:solidFill>
+            <a:ln w="152400" cap="rnd">
+              <a:noFill/>
+              <a:round/>
             </a:ln>
           </p:spPr>
           <p:style>
@@ -22126,10 +22396,940 @@
           </p:txBody>
         </p:sp>
       </p:grpSp>
+      <p:pic>
+        <p:nvPicPr>
+          <p:cNvPr id="12" name="Picture 11">
+            <a:extLst>
+              <a:ext uri="{FF2B5EF4-FFF2-40B4-BE49-F238E27FC236}">
+                <a16:creationId xmlns:a16="http://schemas.microsoft.com/office/drawing/2014/main" id="{9D98D786-6572-4457-A8AF-72B157C8166C}"/>
+              </a:ext>
+            </a:extLst>
+          </p:cNvPr>
+          <p:cNvPicPr>
+            <a:picLocks noChangeAspect="1"/>
+          </p:cNvPicPr>
+          <p:nvPr/>
+        </p:nvPicPr>
+        <p:blipFill>
+          <a:blip r:embed="rId2" cstate="print">
+            <a:extLst>
+              <a:ext uri="{28A0092B-C50C-407E-A947-70E740481C1C}">
+                <a14:useLocalDpi xmlns:a14="http://schemas.microsoft.com/office/drawing/2010/main" val="0"/>
+              </a:ext>
+            </a:extLst>
+          </a:blip>
+          <a:stretch>
+            <a:fillRect/>
+          </a:stretch>
+        </p:blipFill>
+        <p:spPr>
+          <a:xfrm>
+            <a:off x="868036" y="6026136"/>
+            <a:ext cx="2486623" cy="2268605"/>
+          </a:xfrm>
+          <a:prstGeom prst="rect">
+            <a:avLst/>
+          </a:prstGeom>
+        </p:spPr>
+      </p:pic>
+      <p:sp>
+        <p:nvSpPr>
+          <p:cNvPr id="2" name="Isosceles Triangle 1">
+            <a:extLst>
+              <a:ext uri="{FF2B5EF4-FFF2-40B4-BE49-F238E27FC236}">
+                <a16:creationId xmlns:a16="http://schemas.microsoft.com/office/drawing/2014/main" id="{7A1D70BB-ECCC-4685-9497-F637E1119449}"/>
+              </a:ext>
+            </a:extLst>
+          </p:cNvPr>
+          <p:cNvSpPr/>
+          <p:nvPr/>
+        </p:nvSpPr>
+        <p:spPr>
+          <a:xfrm>
+            <a:off x="3354659" y="3856423"/>
+            <a:ext cx="4228113" cy="1289461"/>
+          </a:xfrm>
+          <a:prstGeom prst="triangle">
+            <a:avLst>
+              <a:gd name="adj" fmla="val 35460"/>
+            </a:avLst>
+          </a:prstGeom>
+          <a:solidFill>
+            <a:srgbClr val="003E51"/>
+          </a:solidFill>
+          <a:ln>
+            <a:noFill/>
+          </a:ln>
+        </p:spPr>
+        <p:style>
+          <a:lnRef idx="2">
+            <a:schemeClr val="accent1">
+              <a:shade val="50000"/>
+            </a:schemeClr>
+          </a:lnRef>
+          <a:fillRef idx="1">
+            <a:schemeClr val="accent1"/>
+          </a:fillRef>
+          <a:effectRef idx="0">
+            <a:schemeClr val="accent1"/>
+          </a:effectRef>
+          <a:fontRef idx="minor">
+            <a:schemeClr val="lt1"/>
+          </a:fontRef>
+        </p:style>
+        <p:txBody>
+          <a:bodyPr rtlCol="0" anchor="ctr"/>
+          <a:lstStyle/>
+          <a:p>
+            <a:pPr algn="ctr"/>
+            <a:endParaRPr lang="en-US"/>
+          </a:p>
+        </p:txBody>
+      </p:sp>
+      <p:sp>
+        <p:nvSpPr>
+          <p:cNvPr id="13" name="Isosceles Triangle 12">
+            <a:extLst>
+              <a:ext uri="{FF2B5EF4-FFF2-40B4-BE49-F238E27FC236}">
+                <a16:creationId xmlns:a16="http://schemas.microsoft.com/office/drawing/2014/main" id="{56D9E8A3-4F77-4AB9-B827-2C3B05615AF9}"/>
+              </a:ext>
+            </a:extLst>
+          </p:cNvPr>
+          <p:cNvSpPr/>
+          <p:nvPr/>
+        </p:nvSpPr>
+        <p:spPr>
+          <a:xfrm>
+            <a:off x="4115672" y="3641502"/>
+            <a:ext cx="3831261" cy="1499611"/>
+          </a:xfrm>
+          <a:prstGeom prst="triangle">
+            <a:avLst>
+              <a:gd name="adj" fmla="val 42762"/>
+            </a:avLst>
+          </a:prstGeom>
+          <a:solidFill>
+            <a:srgbClr val="007396"/>
+          </a:solidFill>
+          <a:ln>
+            <a:noFill/>
+          </a:ln>
+        </p:spPr>
+        <p:style>
+          <a:lnRef idx="2">
+            <a:schemeClr val="accent1">
+              <a:shade val="50000"/>
+            </a:schemeClr>
+          </a:lnRef>
+          <a:fillRef idx="1">
+            <a:schemeClr val="accent1"/>
+          </a:fillRef>
+          <a:effectRef idx="0">
+            <a:schemeClr val="accent1"/>
+          </a:effectRef>
+          <a:fontRef idx="minor">
+            <a:schemeClr val="lt1"/>
+          </a:fontRef>
+        </p:style>
+        <p:txBody>
+          <a:bodyPr rtlCol="0" anchor="ctr"/>
+          <a:lstStyle/>
+          <a:p>
+            <a:pPr algn="ctr"/>
+            <a:endParaRPr lang="en-US"/>
+          </a:p>
+        </p:txBody>
+      </p:sp>
+      <p:grpSp>
+        <p:nvGrpSpPr>
+          <p:cNvPr id="14" name="Group 13">
+            <a:extLst>
+              <a:ext uri="{FF2B5EF4-FFF2-40B4-BE49-F238E27FC236}">
+                <a16:creationId xmlns:a16="http://schemas.microsoft.com/office/drawing/2014/main" id="{23A530DA-D887-4E86-A5F4-D7E8F9BC69EF}"/>
+              </a:ext>
+            </a:extLst>
+          </p:cNvPr>
+          <p:cNvGrpSpPr/>
+          <p:nvPr/>
+        </p:nvGrpSpPr>
+        <p:grpSpPr>
+          <a:xfrm>
+            <a:off x="3354659" y="5227094"/>
+            <a:ext cx="4592274" cy="1550421"/>
+            <a:chOff x="3206818" y="5339287"/>
+            <a:chExt cx="5000604" cy="1688279"/>
+          </a:xfrm>
+          <a:solidFill>
+            <a:srgbClr val="007396"/>
+          </a:solidFill>
+        </p:grpSpPr>
+        <p:sp>
+          <p:nvSpPr>
+            <p:cNvPr id="42" name="Trapezoid 41">
+              <a:extLst>
+                <a:ext uri="{FF2B5EF4-FFF2-40B4-BE49-F238E27FC236}">
+                  <a16:creationId xmlns:a16="http://schemas.microsoft.com/office/drawing/2014/main" id="{B108C556-51B0-4954-884E-7D7AC67FB965}"/>
+                </a:ext>
+              </a:extLst>
+            </p:cNvPr>
+            <p:cNvSpPr/>
+            <p:nvPr/>
+          </p:nvSpPr>
+          <p:spPr>
+            <a:xfrm rot="10800000">
+              <a:off x="3206818" y="5339287"/>
+              <a:ext cx="5000604" cy="131064"/>
+            </a:xfrm>
+            <a:prstGeom prst="trapezoid">
+              <a:avLst>
+                <a:gd name="adj" fmla="val 108604"/>
+              </a:avLst>
+            </a:prstGeom>
+            <a:grpFill/>
+            <a:ln>
+              <a:noFill/>
+            </a:ln>
+          </p:spPr>
+          <p:style>
+            <a:lnRef idx="2">
+              <a:schemeClr val="accent1">
+                <a:shade val="50000"/>
+              </a:schemeClr>
+            </a:lnRef>
+            <a:fillRef idx="1">
+              <a:schemeClr val="accent1"/>
+            </a:fillRef>
+            <a:effectRef idx="0">
+              <a:schemeClr val="accent1"/>
+            </a:effectRef>
+            <a:fontRef idx="minor">
+              <a:schemeClr val="lt1"/>
+            </a:fontRef>
+          </p:style>
+          <p:txBody>
+            <a:bodyPr rtlCol="0" anchor="ctr"/>
+            <a:lstStyle/>
+            <a:p>
+              <a:pPr algn="ctr"/>
+              <a:endParaRPr lang="en-US"/>
+            </a:p>
+          </p:txBody>
+        </p:sp>
+        <p:sp>
+          <p:nvSpPr>
+            <p:cNvPr id="43" name="Trapezoid 42">
+              <a:extLst>
+                <a:ext uri="{FF2B5EF4-FFF2-40B4-BE49-F238E27FC236}">
+                  <a16:creationId xmlns:a16="http://schemas.microsoft.com/office/drawing/2014/main" id="{683F4413-253A-4111-9E53-A73517AC8E4A}"/>
+                </a:ext>
+              </a:extLst>
+            </p:cNvPr>
+            <p:cNvSpPr/>
+            <p:nvPr/>
+          </p:nvSpPr>
+          <p:spPr>
+            <a:xfrm rot="10800000">
+              <a:off x="3506481" y="5601415"/>
+              <a:ext cx="4375517" cy="131064"/>
+            </a:xfrm>
+            <a:prstGeom prst="trapezoid">
+              <a:avLst>
+                <a:gd name="adj" fmla="val 108604"/>
+              </a:avLst>
+            </a:prstGeom>
+            <a:grpFill/>
+            <a:ln>
+              <a:noFill/>
+            </a:ln>
+          </p:spPr>
+          <p:style>
+            <a:lnRef idx="2">
+              <a:schemeClr val="accent1">
+                <a:shade val="50000"/>
+              </a:schemeClr>
+            </a:lnRef>
+            <a:fillRef idx="1">
+              <a:schemeClr val="accent1"/>
+            </a:fillRef>
+            <a:effectRef idx="0">
+              <a:schemeClr val="accent1"/>
+            </a:effectRef>
+            <a:fontRef idx="minor">
+              <a:schemeClr val="lt1"/>
+            </a:fontRef>
+          </p:style>
+          <p:txBody>
+            <a:bodyPr rtlCol="0" anchor="ctr"/>
+            <a:lstStyle/>
+            <a:p>
+              <a:pPr algn="ctr"/>
+              <a:endParaRPr lang="en-US"/>
+            </a:p>
+          </p:txBody>
+        </p:sp>
+        <p:sp>
+          <p:nvSpPr>
+            <p:cNvPr id="44" name="Trapezoid 43">
+              <a:extLst>
+                <a:ext uri="{FF2B5EF4-FFF2-40B4-BE49-F238E27FC236}">
+                  <a16:creationId xmlns:a16="http://schemas.microsoft.com/office/drawing/2014/main" id="{47B7A524-7E2A-4D65-8669-31B7C5775E57}"/>
+                </a:ext>
+              </a:extLst>
+            </p:cNvPr>
+            <p:cNvSpPr/>
+            <p:nvPr/>
+          </p:nvSpPr>
+          <p:spPr>
+            <a:xfrm rot="10800000">
+              <a:off x="3801783" y="5863543"/>
+              <a:ext cx="3770378" cy="131064"/>
+            </a:xfrm>
+            <a:prstGeom prst="trapezoid">
+              <a:avLst>
+                <a:gd name="adj" fmla="val 108604"/>
+              </a:avLst>
+            </a:prstGeom>
+            <a:grpFill/>
+            <a:ln>
+              <a:noFill/>
+            </a:ln>
+          </p:spPr>
+          <p:style>
+            <a:lnRef idx="2">
+              <a:schemeClr val="accent1">
+                <a:shade val="50000"/>
+              </a:schemeClr>
+            </a:lnRef>
+            <a:fillRef idx="1">
+              <a:schemeClr val="accent1"/>
+            </a:fillRef>
+            <a:effectRef idx="0">
+              <a:schemeClr val="accent1"/>
+            </a:effectRef>
+            <a:fontRef idx="minor">
+              <a:schemeClr val="lt1"/>
+            </a:fontRef>
+          </p:style>
+          <p:txBody>
+            <a:bodyPr rtlCol="0" anchor="ctr"/>
+            <a:lstStyle/>
+            <a:p>
+              <a:pPr algn="ctr"/>
+              <a:endParaRPr lang="en-US"/>
+            </a:p>
+          </p:txBody>
+        </p:sp>
+        <p:sp>
+          <p:nvSpPr>
+            <p:cNvPr id="45" name="Trapezoid 44">
+              <a:extLst>
+                <a:ext uri="{FF2B5EF4-FFF2-40B4-BE49-F238E27FC236}">
+                  <a16:creationId xmlns:a16="http://schemas.microsoft.com/office/drawing/2014/main" id="{85EA406A-1F8E-4B5E-BB4E-19E95D50C0F8}"/>
+                </a:ext>
+              </a:extLst>
+            </p:cNvPr>
+            <p:cNvSpPr/>
+            <p:nvPr/>
+          </p:nvSpPr>
+          <p:spPr>
+            <a:xfrm rot="10800000">
+              <a:off x="4095929" y="6127369"/>
+              <a:ext cx="3151279" cy="131064"/>
+            </a:xfrm>
+            <a:prstGeom prst="trapezoid">
+              <a:avLst>
+                <a:gd name="adj" fmla="val 108604"/>
+              </a:avLst>
+            </a:prstGeom>
+            <a:grpFill/>
+            <a:ln>
+              <a:noFill/>
+            </a:ln>
+          </p:spPr>
+          <p:style>
+            <a:lnRef idx="2">
+              <a:schemeClr val="accent1">
+                <a:shade val="50000"/>
+              </a:schemeClr>
+            </a:lnRef>
+            <a:fillRef idx="1">
+              <a:schemeClr val="accent1"/>
+            </a:fillRef>
+            <a:effectRef idx="0">
+              <a:schemeClr val="accent1"/>
+            </a:effectRef>
+            <a:fontRef idx="minor">
+              <a:schemeClr val="lt1"/>
+            </a:fontRef>
+          </p:style>
+          <p:txBody>
+            <a:bodyPr rtlCol="0" anchor="ctr"/>
+            <a:lstStyle/>
+            <a:p>
+              <a:pPr algn="ctr"/>
+              <a:endParaRPr lang="en-US"/>
+            </a:p>
+          </p:txBody>
+        </p:sp>
+        <p:sp>
+          <p:nvSpPr>
+            <p:cNvPr id="46" name="Trapezoid 45">
+              <a:extLst>
+                <a:ext uri="{FF2B5EF4-FFF2-40B4-BE49-F238E27FC236}">
+                  <a16:creationId xmlns:a16="http://schemas.microsoft.com/office/drawing/2014/main" id="{2F55602E-E815-4931-B553-9A1E5CF3F40A}"/>
+                </a:ext>
+              </a:extLst>
+            </p:cNvPr>
+            <p:cNvSpPr/>
+            <p:nvPr/>
+          </p:nvSpPr>
+          <p:spPr>
+            <a:xfrm rot="10800000">
+              <a:off x="5471307" y="6387799"/>
+              <a:ext cx="1458505" cy="131064"/>
+            </a:xfrm>
+            <a:prstGeom prst="trapezoid">
+              <a:avLst>
+                <a:gd name="adj" fmla="val 108604"/>
+              </a:avLst>
+            </a:prstGeom>
+            <a:grpFill/>
+            <a:ln>
+              <a:noFill/>
+            </a:ln>
+          </p:spPr>
+          <p:style>
+            <a:lnRef idx="2">
+              <a:schemeClr val="accent1">
+                <a:shade val="50000"/>
+              </a:schemeClr>
+            </a:lnRef>
+            <a:fillRef idx="1">
+              <a:schemeClr val="accent1"/>
+            </a:fillRef>
+            <a:effectRef idx="0">
+              <a:schemeClr val="accent1"/>
+            </a:effectRef>
+            <a:fontRef idx="minor">
+              <a:schemeClr val="lt1"/>
+            </a:fontRef>
+          </p:style>
+          <p:txBody>
+            <a:bodyPr rtlCol="0" anchor="ctr"/>
+            <a:lstStyle/>
+            <a:p>
+              <a:pPr algn="ctr"/>
+              <a:endParaRPr lang="en-US"/>
+            </a:p>
+          </p:txBody>
+        </p:sp>
+        <p:sp>
+          <p:nvSpPr>
+            <p:cNvPr id="47" name="Trapezoid 46">
+              <a:extLst>
+                <a:ext uri="{FF2B5EF4-FFF2-40B4-BE49-F238E27FC236}">
+                  <a16:creationId xmlns:a16="http://schemas.microsoft.com/office/drawing/2014/main" id="{8D63DFDA-36A0-4AC2-BE4C-B65BD613C215}"/>
+                </a:ext>
+              </a:extLst>
+            </p:cNvPr>
+            <p:cNvSpPr/>
+            <p:nvPr/>
+          </p:nvSpPr>
+          <p:spPr>
+            <a:xfrm rot="10800000">
+              <a:off x="5781146" y="6649926"/>
+              <a:ext cx="842609" cy="131064"/>
+            </a:xfrm>
+            <a:prstGeom prst="trapezoid">
+              <a:avLst>
+                <a:gd name="adj" fmla="val 108604"/>
+              </a:avLst>
+            </a:prstGeom>
+            <a:grpFill/>
+            <a:ln>
+              <a:noFill/>
+            </a:ln>
+          </p:spPr>
+          <p:style>
+            <a:lnRef idx="2">
+              <a:schemeClr val="accent1">
+                <a:shade val="50000"/>
+              </a:schemeClr>
+            </a:lnRef>
+            <a:fillRef idx="1">
+              <a:schemeClr val="accent1"/>
+            </a:fillRef>
+            <a:effectRef idx="0">
+              <a:schemeClr val="accent1"/>
+            </a:effectRef>
+            <a:fontRef idx="minor">
+              <a:schemeClr val="lt1"/>
+            </a:fontRef>
+          </p:style>
+          <p:txBody>
+            <a:bodyPr rtlCol="0" anchor="ctr"/>
+            <a:lstStyle/>
+            <a:p>
+              <a:pPr algn="ctr"/>
+              <a:endParaRPr lang="en-US"/>
+            </a:p>
+          </p:txBody>
+        </p:sp>
+        <p:sp>
+          <p:nvSpPr>
+            <p:cNvPr id="48" name="Freeform: Shape 47">
+              <a:extLst>
+                <a:ext uri="{FF2B5EF4-FFF2-40B4-BE49-F238E27FC236}">
+                  <a16:creationId xmlns:a16="http://schemas.microsoft.com/office/drawing/2014/main" id="{A92F66E1-81B8-43A8-BA24-CD8FF3294540}"/>
+                </a:ext>
+              </a:extLst>
+            </p:cNvPr>
+            <p:cNvSpPr/>
+            <p:nvPr/>
+          </p:nvSpPr>
+          <p:spPr>
+            <a:xfrm>
+              <a:off x="4391107" y="6387288"/>
+              <a:ext cx="811338" cy="133761"/>
+            </a:xfrm>
+            <a:custGeom>
+              <a:avLst/>
+              <a:gdLst>
+                <a:gd name="connsiteX0" fmla="*/ 0 w 811338"/>
+                <a:gd name="connsiteY0" fmla="*/ 0 h 133761"/>
+                <a:gd name="connsiteX1" fmla="*/ 151303 w 811338"/>
+                <a:gd name="connsiteY1" fmla="*/ 133761 h 133761"/>
+                <a:gd name="connsiteX2" fmla="*/ 532852 w 811338"/>
+                <a:gd name="connsiteY2" fmla="*/ 133761 h 133761"/>
+                <a:gd name="connsiteX3" fmla="*/ 811338 w 811338"/>
+                <a:gd name="connsiteY3" fmla="*/ 0 h 133761"/>
+                <a:gd name="connsiteX4" fmla="*/ 0 w 811338"/>
+                <a:gd name="connsiteY4" fmla="*/ 0 h 133761"/>
+              </a:gdLst>
+              <a:ahLst/>
+              <a:cxnLst>
+                <a:cxn ang="0">
+                  <a:pos x="connsiteX0" y="connsiteY0"/>
+                </a:cxn>
+                <a:cxn ang="0">
+                  <a:pos x="connsiteX1" y="connsiteY1"/>
+                </a:cxn>
+                <a:cxn ang="0">
+                  <a:pos x="connsiteX2" y="connsiteY2"/>
+                </a:cxn>
+                <a:cxn ang="0">
+                  <a:pos x="connsiteX3" y="connsiteY3"/>
+                </a:cxn>
+                <a:cxn ang="0">
+                  <a:pos x="connsiteX4" y="connsiteY4"/>
+                </a:cxn>
+              </a:cxnLst>
+              <a:rect l="l" t="t" r="r" b="b"/>
+              <a:pathLst>
+                <a:path w="811338" h="133761">
+                  <a:moveTo>
+                    <a:pt x="0" y="0"/>
+                  </a:moveTo>
+                  <a:lnTo>
+                    <a:pt x="151303" y="133761"/>
+                  </a:lnTo>
+                  <a:lnTo>
+                    <a:pt x="532852" y="133761"/>
+                  </a:lnTo>
+                  <a:lnTo>
+                    <a:pt x="811338" y="0"/>
+                  </a:lnTo>
+                  <a:lnTo>
+                    <a:pt x="0" y="0"/>
+                  </a:lnTo>
+                  <a:close/>
+                </a:path>
+              </a:pathLst>
+            </a:custGeom>
+            <a:grpFill/>
+            <a:ln>
+              <a:noFill/>
+            </a:ln>
+          </p:spPr>
+          <p:style>
+            <a:lnRef idx="2">
+              <a:schemeClr val="accent1">
+                <a:shade val="50000"/>
+              </a:schemeClr>
+            </a:lnRef>
+            <a:fillRef idx="1">
+              <a:schemeClr val="accent1"/>
+            </a:fillRef>
+            <a:effectRef idx="0">
+              <a:schemeClr val="accent1"/>
+            </a:effectRef>
+            <a:fontRef idx="minor">
+              <a:schemeClr val="lt1"/>
+            </a:fontRef>
+          </p:style>
+          <p:txBody>
+            <a:bodyPr rtlCol="0" anchor="ctr"/>
+            <a:lstStyle/>
+            <a:p>
+              <a:pPr algn="ctr"/>
+              <a:endParaRPr lang="en-US"/>
+            </a:p>
+          </p:txBody>
+        </p:sp>
+        <p:sp>
+          <p:nvSpPr>
+            <p:cNvPr id="49" name="Isosceles Triangle 48">
+              <a:extLst>
+                <a:ext uri="{FF2B5EF4-FFF2-40B4-BE49-F238E27FC236}">
+                  <a16:creationId xmlns:a16="http://schemas.microsoft.com/office/drawing/2014/main" id="{1B39339E-3AD9-4715-9C94-AE711DF395BA}"/>
+                </a:ext>
+              </a:extLst>
+            </p:cNvPr>
+            <p:cNvSpPr/>
+            <p:nvPr/>
+          </p:nvSpPr>
+          <p:spPr>
+            <a:xfrm rot="10800000">
+              <a:off x="6069821" y="6896500"/>
+              <a:ext cx="261475" cy="131066"/>
+            </a:xfrm>
+            <a:prstGeom prst="triangle">
+              <a:avLst/>
+            </a:prstGeom>
+            <a:grpFill/>
+            <a:ln>
+              <a:noFill/>
+            </a:ln>
+          </p:spPr>
+          <p:style>
+            <a:lnRef idx="2">
+              <a:schemeClr val="accent1">
+                <a:shade val="50000"/>
+              </a:schemeClr>
+            </a:lnRef>
+            <a:fillRef idx="1">
+              <a:schemeClr val="accent1"/>
+            </a:fillRef>
+            <a:effectRef idx="0">
+              <a:schemeClr val="accent1"/>
+            </a:effectRef>
+            <a:fontRef idx="minor">
+              <a:schemeClr val="lt1"/>
+            </a:fontRef>
+          </p:style>
+          <p:txBody>
+            <a:bodyPr rtlCol="0" anchor="ctr"/>
+            <a:lstStyle/>
+            <a:p>
+              <a:pPr algn="ctr"/>
+              <a:endParaRPr lang="en-US"/>
+            </a:p>
+          </p:txBody>
+        </p:sp>
+      </p:grpSp>
     </p:spTree>
     <p:extLst>
       <p:ext uri="{BB962C8B-B14F-4D97-AF65-F5344CB8AC3E}">
         <p14:creationId xmlns:p14="http://schemas.microsoft.com/office/powerpoint/2010/main" val="1483773972"/>
+      </p:ext>
+    </p:extLst>
+  </p:cSld>
+  <p:clrMapOvr>
+    <a:masterClrMapping/>
+  </p:clrMapOvr>
+</p:sld>
+</file>
+
+<file path=ppt/slides/slide5.xml><?xml version="1.0" encoding="utf-8"?>
+<p:sld xmlns:a="http://schemas.openxmlformats.org/drawingml/2006/main" xmlns:r="http://schemas.openxmlformats.org/officeDocument/2006/relationships" xmlns:p="http://schemas.openxmlformats.org/presentationml/2006/main">
+  <p:cSld>
+    <p:spTree>
+      <p:nvGrpSpPr>
+        <p:cNvPr id="1" name=""/>
+        <p:cNvGrpSpPr/>
+        <p:nvPr/>
+      </p:nvGrpSpPr>
+      <p:grpSpPr>
+        <a:xfrm>
+          <a:off x="0" y="0"/>
+          <a:ext cx="0" cy="0"/>
+          <a:chOff x="0" y="0"/>
+          <a:chExt cx="0" cy="0"/>
+        </a:xfrm>
+      </p:grpSpPr>
+      <p:sp>
+        <p:nvSpPr>
+          <p:cNvPr id="4" name="Rectangle 3">
+            <a:extLst>
+              <a:ext uri="{FF2B5EF4-FFF2-40B4-BE49-F238E27FC236}">
+                <a16:creationId xmlns:a16="http://schemas.microsoft.com/office/drawing/2014/main" id="{A8289669-69E2-409B-94AD-6E7C56E6D250}"/>
+              </a:ext>
+            </a:extLst>
+          </p:cNvPr>
+          <p:cNvSpPr/>
+          <p:nvPr/>
+        </p:nvSpPr>
+        <p:spPr>
+          <a:xfrm>
+            <a:off x="2168435" y="644434"/>
+            <a:ext cx="2116184" cy="2116184"/>
+          </a:xfrm>
+          <a:prstGeom prst="rect">
+            <a:avLst/>
+          </a:prstGeom>
+          <a:solidFill>
+            <a:srgbClr val="003E51"/>
+          </a:solidFill>
+          <a:ln>
+            <a:solidFill>
+              <a:srgbClr val="003E51"/>
+            </a:solidFill>
+          </a:ln>
+        </p:spPr>
+        <p:style>
+          <a:lnRef idx="2">
+            <a:schemeClr val="accent1">
+              <a:shade val="50000"/>
+            </a:schemeClr>
+          </a:lnRef>
+          <a:fillRef idx="1">
+            <a:schemeClr val="accent1"/>
+          </a:fillRef>
+          <a:effectRef idx="0">
+            <a:schemeClr val="accent1"/>
+          </a:effectRef>
+          <a:fontRef idx="minor">
+            <a:schemeClr val="lt1"/>
+          </a:fontRef>
+        </p:style>
+        <p:txBody>
+          <a:bodyPr rtlCol="0" anchor="t"/>
+          <a:lstStyle/>
+          <a:p>
+            <a:r>
+              <a:rPr lang="en-US" sz="1400" dirty="0">
+                <a:latin typeface="Consolas" panose="020B0609020204030204" pitchFamily="49" charset="0"/>
+              </a:rPr>
+              <a:t>Primary</a:t>
+            </a:r>
+          </a:p>
+          <a:p>
+            <a:r>
+              <a:rPr lang="en-US" sz="1400" dirty="0">
+                <a:latin typeface="Consolas" panose="020B0609020204030204" pitchFamily="49" charset="0"/>
+              </a:rPr>
+              <a:t>#003E51</a:t>
+            </a:r>
+          </a:p>
+        </p:txBody>
+      </p:sp>
+      <p:sp>
+        <p:nvSpPr>
+          <p:cNvPr id="5" name="Rectangle 4">
+            <a:extLst>
+              <a:ext uri="{FF2B5EF4-FFF2-40B4-BE49-F238E27FC236}">
+                <a16:creationId xmlns:a16="http://schemas.microsoft.com/office/drawing/2014/main" id="{6C7819CE-DD26-4186-B850-824DF7BA399C}"/>
+              </a:ext>
+            </a:extLst>
+          </p:cNvPr>
+          <p:cNvSpPr/>
+          <p:nvPr/>
+        </p:nvSpPr>
+        <p:spPr>
+          <a:xfrm>
+            <a:off x="4284619" y="644434"/>
+            <a:ext cx="2116184" cy="2116184"/>
+          </a:xfrm>
+          <a:prstGeom prst="rect">
+            <a:avLst/>
+          </a:prstGeom>
+          <a:solidFill>
+            <a:srgbClr val="007396"/>
+          </a:solidFill>
+          <a:ln>
+            <a:solidFill>
+              <a:srgbClr val="007396"/>
+            </a:solidFill>
+          </a:ln>
+        </p:spPr>
+        <p:style>
+          <a:lnRef idx="2">
+            <a:schemeClr val="accent1">
+              <a:shade val="50000"/>
+            </a:schemeClr>
+          </a:lnRef>
+          <a:fillRef idx="1">
+            <a:schemeClr val="accent1"/>
+          </a:fillRef>
+          <a:effectRef idx="0">
+            <a:schemeClr val="accent1"/>
+          </a:effectRef>
+          <a:fontRef idx="minor">
+            <a:schemeClr val="lt1"/>
+          </a:fontRef>
+        </p:style>
+        <p:txBody>
+          <a:bodyPr rtlCol="0" anchor="t"/>
+          <a:lstStyle/>
+          <a:p>
+            <a:r>
+              <a:rPr lang="en-US" sz="1400" dirty="0">
+                <a:latin typeface="Consolas" panose="020B0609020204030204" pitchFamily="49" charset="0"/>
+              </a:rPr>
+              <a:t>Primary Variant</a:t>
+            </a:r>
+          </a:p>
+          <a:p>
+            <a:r>
+              <a:rPr lang="en-US" sz="1400" dirty="0">
+                <a:latin typeface="Consolas" panose="020B0609020204030204" pitchFamily="49" charset="0"/>
+              </a:rPr>
+              <a:t>#007396</a:t>
+            </a:r>
+          </a:p>
+        </p:txBody>
+      </p:sp>
+      <p:sp>
+        <p:nvSpPr>
+          <p:cNvPr id="6" name="Rectangle 5">
+            <a:extLst>
+              <a:ext uri="{FF2B5EF4-FFF2-40B4-BE49-F238E27FC236}">
+                <a16:creationId xmlns:a16="http://schemas.microsoft.com/office/drawing/2014/main" id="{0DDAB34B-7C2E-49D6-B99B-494A58B1A38D}"/>
+              </a:ext>
+            </a:extLst>
+          </p:cNvPr>
+          <p:cNvSpPr/>
+          <p:nvPr/>
+        </p:nvSpPr>
+        <p:spPr>
+          <a:xfrm>
+            <a:off x="2168435" y="3313612"/>
+            <a:ext cx="2116184" cy="2116184"/>
+          </a:xfrm>
+          <a:prstGeom prst="rect">
+            <a:avLst/>
+          </a:prstGeom>
+          <a:solidFill>
+            <a:srgbClr val="CA9117"/>
+          </a:solidFill>
+          <a:ln>
+            <a:solidFill>
+              <a:srgbClr val="CA9117"/>
+            </a:solidFill>
+          </a:ln>
+        </p:spPr>
+        <p:style>
+          <a:lnRef idx="2">
+            <a:schemeClr val="accent1">
+              <a:shade val="50000"/>
+            </a:schemeClr>
+          </a:lnRef>
+          <a:fillRef idx="1">
+            <a:schemeClr val="accent1"/>
+          </a:fillRef>
+          <a:effectRef idx="0">
+            <a:schemeClr val="accent1"/>
+          </a:effectRef>
+          <a:fontRef idx="minor">
+            <a:schemeClr val="lt1"/>
+          </a:fontRef>
+        </p:style>
+        <p:txBody>
+          <a:bodyPr rtlCol="0" anchor="t"/>
+          <a:lstStyle/>
+          <a:p>
+            <a:r>
+              <a:rPr lang="en-US" sz="1400" dirty="0">
+                <a:latin typeface="Consolas" panose="020B0609020204030204" pitchFamily="49" charset="0"/>
+              </a:rPr>
+              <a:t>Secondary</a:t>
+            </a:r>
+          </a:p>
+          <a:p>
+            <a:r>
+              <a:rPr lang="en-US" sz="1400" dirty="0">
+                <a:latin typeface="Consolas" panose="020B0609020204030204" pitchFamily="49" charset="0"/>
+              </a:rPr>
+              <a:t>#CA9117</a:t>
+            </a:r>
+          </a:p>
+          <a:p>
+            <a:endParaRPr lang="en-US" sz="1400" dirty="0">
+              <a:latin typeface="Consolas" panose="020B0609020204030204" pitchFamily="49" charset="0"/>
+            </a:endParaRPr>
+          </a:p>
+        </p:txBody>
+      </p:sp>
+      <p:sp>
+        <p:nvSpPr>
+          <p:cNvPr id="7" name="Rectangle 6">
+            <a:extLst>
+              <a:ext uri="{FF2B5EF4-FFF2-40B4-BE49-F238E27FC236}">
+                <a16:creationId xmlns:a16="http://schemas.microsoft.com/office/drawing/2014/main" id="{99CED24A-16D2-4B67-A702-9488A0442336}"/>
+              </a:ext>
+            </a:extLst>
+          </p:cNvPr>
+          <p:cNvSpPr/>
+          <p:nvPr/>
+        </p:nvSpPr>
+        <p:spPr>
+          <a:xfrm>
+            <a:off x="4284619" y="3313612"/>
+            <a:ext cx="2116184" cy="2116184"/>
+          </a:xfrm>
+          <a:prstGeom prst="rect">
+            <a:avLst/>
+          </a:prstGeom>
+          <a:solidFill>
+            <a:srgbClr val="CFBD2D"/>
+          </a:solidFill>
+          <a:ln>
+            <a:solidFill>
+              <a:srgbClr val="CFBD2D"/>
+            </a:solidFill>
+          </a:ln>
+        </p:spPr>
+        <p:style>
+          <a:lnRef idx="2">
+            <a:schemeClr val="accent1">
+              <a:shade val="50000"/>
+            </a:schemeClr>
+          </a:lnRef>
+          <a:fillRef idx="1">
+            <a:schemeClr val="accent1"/>
+          </a:fillRef>
+          <a:effectRef idx="0">
+            <a:schemeClr val="accent1"/>
+          </a:effectRef>
+          <a:fontRef idx="minor">
+            <a:schemeClr val="lt1"/>
+          </a:fontRef>
+        </p:style>
+        <p:txBody>
+          <a:bodyPr rtlCol="0" anchor="t"/>
+          <a:lstStyle/>
+          <a:p>
+            <a:r>
+              <a:rPr lang="en-US" sz="1400" dirty="0">
+                <a:latin typeface="Consolas" panose="020B0609020204030204" pitchFamily="49" charset="0"/>
+              </a:rPr>
+              <a:t>Secondary Variant</a:t>
+            </a:r>
+          </a:p>
+          <a:p>
+            <a:r>
+              <a:rPr lang="en-US" sz="1400" dirty="0">
+                <a:latin typeface="Consolas" panose="020B0609020204030204" pitchFamily="49" charset="0"/>
+              </a:rPr>
+              <a:t>#CFBD2D</a:t>
+            </a:r>
+          </a:p>
+        </p:txBody>
+      </p:sp>
+    </p:spTree>
+    <p:extLst>
+      <p:ext uri="{BB962C8B-B14F-4D97-AF65-F5344CB8AC3E}">
+        <p14:creationId xmlns:p14="http://schemas.microsoft.com/office/powerpoint/2010/main" val="1473641504"/>
       </p:ext>
     </p:extLst>
   </p:cSld>

--- a/Resources/GraphicalResources/Presentation1.pptx
+++ b/Resources/GraphicalResources/Presentation1.pptx
@@ -245,7 +245,7 @@
           <a:p>
             <a:fld id="{52674EDA-D5F0-4BA8-BCF8-E774905099E5}" type="datetimeFigureOut">
               <a:rPr lang="en-US" smtClean="0"/>
-              <a:t>11/18/2019</a:t>
+              <a:t>12/6/2019</a:t>
             </a:fld>
             <a:endParaRPr lang="en-US"/>
           </a:p>
@@ -413,7 +413,7 @@
           <a:p>
             <a:fld id="{52674EDA-D5F0-4BA8-BCF8-E774905099E5}" type="datetimeFigureOut">
               <a:rPr lang="en-US" smtClean="0"/>
-              <a:t>11/18/2019</a:t>
+              <a:t>12/6/2019</a:t>
             </a:fld>
             <a:endParaRPr lang="en-US"/>
           </a:p>
@@ -591,7 +591,7 @@
           <a:p>
             <a:fld id="{52674EDA-D5F0-4BA8-BCF8-E774905099E5}" type="datetimeFigureOut">
               <a:rPr lang="en-US" smtClean="0"/>
-              <a:t>11/18/2019</a:t>
+              <a:t>12/6/2019</a:t>
             </a:fld>
             <a:endParaRPr lang="en-US"/>
           </a:p>
@@ -759,7 +759,7 @@
           <a:p>
             <a:fld id="{52674EDA-D5F0-4BA8-BCF8-E774905099E5}" type="datetimeFigureOut">
               <a:rPr lang="en-US" smtClean="0"/>
-              <a:t>11/18/2019</a:t>
+              <a:t>12/6/2019</a:t>
             </a:fld>
             <a:endParaRPr lang="en-US"/>
           </a:p>
@@ -1004,7 +1004,7 @@
           <a:p>
             <a:fld id="{52674EDA-D5F0-4BA8-BCF8-E774905099E5}" type="datetimeFigureOut">
               <a:rPr lang="en-US" smtClean="0"/>
-              <a:t>11/18/2019</a:t>
+              <a:t>12/6/2019</a:t>
             </a:fld>
             <a:endParaRPr lang="en-US"/>
           </a:p>
@@ -1233,7 +1233,7 @@
           <a:p>
             <a:fld id="{52674EDA-D5F0-4BA8-BCF8-E774905099E5}" type="datetimeFigureOut">
               <a:rPr lang="en-US" smtClean="0"/>
-              <a:t>11/18/2019</a:t>
+              <a:t>12/6/2019</a:t>
             </a:fld>
             <a:endParaRPr lang="en-US"/>
           </a:p>
@@ -1597,7 +1597,7 @@
           <a:p>
             <a:fld id="{52674EDA-D5F0-4BA8-BCF8-E774905099E5}" type="datetimeFigureOut">
               <a:rPr lang="en-US" smtClean="0"/>
-              <a:t>11/18/2019</a:t>
+              <a:t>12/6/2019</a:t>
             </a:fld>
             <a:endParaRPr lang="en-US"/>
           </a:p>
@@ -1714,7 +1714,7 @@
           <a:p>
             <a:fld id="{52674EDA-D5F0-4BA8-BCF8-E774905099E5}" type="datetimeFigureOut">
               <a:rPr lang="en-US" smtClean="0"/>
-              <a:t>11/18/2019</a:t>
+              <a:t>12/6/2019</a:t>
             </a:fld>
             <a:endParaRPr lang="en-US"/>
           </a:p>
@@ -1809,7 +1809,7 @@
           <a:p>
             <a:fld id="{52674EDA-D5F0-4BA8-BCF8-E774905099E5}" type="datetimeFigureOut">
               <a:rPr lang="en-US" smtClean="0"/>
-              <a:t>11/18/2019</a:t>
+              <a:t>12/6/2019</a:t>
             </a:fld>
             <a:endParaRPr lang="en-US"/>
           </a:p>
@@ -2084,7 +2084,7 @@
           <a:p>
             <a:fld id="{52674EDA-D5F0-4BA8-BCF8-E774905099E5}" type="datetimeFigureOut">
               <a:rPr lang="en-US" smtClean="0"/>
-              <a:t>11/18/2019</a:t>
+              <a:t>12/6/2019</a:t>
             </a:fld>
             <a:endParaRPr lang="en-US"/>
           </a:p>
@@ -2336,7 +2336,7 @@
           <a:p>
             <a:fld id="{52674EDA-D5F0-4BA8-BCF8-E774905099E5}" type="datetimeFigureOut">
               <a:rPr lang="en-US" smtClean="0"/>
-              <a:t>11/18/2019</a:t>
+              <a:t>12/6/2019</a:t>
             </a:fld>
             <a:endParaRPr lang="en-US"/>
           </a:p>
@@ -2547,7 +2547,7 @@
           <a:p>
             <a:fld id="{52674EDA-D5F0-4BA8-BCF8-E774905099E5}" type="datetimeFigureOut">
               <a:rPr lang="en-US" smtClean="0"/>
-              <a:t>11/18/2019</a:t>
+              <a:t>12/6/2019</a:t>
             </a:fld>
             <a:endParaRPr lang="en-US"/>
           </a:p>
@@ -16401,9 +16401,9 @@
         <p:grpSpPr>
           <a:xfrm>
             <a:off x="7525017" y="3541086"/>
-            <a:ext cx="1613323" cy="1075616"/>
+            <a:ext cx="1613323" cy="1073303"/>
             <a:chOff x="7525017" y="3541086"/>
-            <a:chExt cx="1613323" cy="1075616"/>
+            <a:chExt cx="1613323" cy="1073303"/>
           </a:xfrm>
         </p:grpSpPr>
         <p:sp>
@@ -16420,7 +16420,7 @@
           </p:nvSpPr>
           <p:spPr>
             <a:xfrm flipV="1">
-              <a:off x="7525017" y="4073918"/>
+              <a:off x="7525017" y="4071605"/>
               <a:ext cx="1606526" cy="542784"/>
             </a:xfrm>
             <a:custGeom>
@@ -16518,7 +16518,7 @@
             <a:lstStyle/>
             <a:p>
               <a:pPr algn="ctr"/>
-              <a:endParaRPr lang="en-US"/>
+              <a:endParaRPr lang="en-US" dirty="0"/>
             </a:p>
           </p:txBody>
         </p:sp>
@@ -19389,8 +19389,10 @@
             <a:solidFill>
               <a:srgbClr val="003E51"/>
             </a:solidFill>
-            <a:ln w="152400" cap="rnd">
-              <a:noFill/>
+            <a:ln w="12700" cap="rnd">
+              <a:solidFill>
+                <a:srgbClr val="003E51"/>
+              </a:solidFill>
               <a:round/>
             </a:ln>
           </p:spPr>
@@ -19442,8 +19444,10 @@
             <a:solidFill>
               <a:srgbClr val="007396"/>
             </a:solidFill>
-            <a:ln w="152400" cap="rnd">
-              <a:noFill/>
+            <a:ln w="12700" cap="rnd">
+              <a:solidFill>
+                <a:srgbClr val="003E51"/>
+              </a:solidFill>
               <a:round/>
             </a:ln>
           </p:spPr>
@@ -19493,10 +19497,12 @@
               <a:avLst/>
             </a:prstGeom>
             <a:solidFill>
-              <a:srgbClr val="9A3324"/>
+              <a:srgbClr val="CA9117"/>
             </a:solidFill>
-            <a:ln w="152400" cap="rnd">
-              <a:noFill/>
+            <a:ln w="12700" cap="rnd">
+              <a:solidFill>
+                <a:srgbClr val="003E51"/>
+              </a:solidFill>
               <a:round/>
             </a:ln>
           </p:spPr>
@@ -19546,10 +19552,12 @@
               <a:avLst/>
             </a:prstGeom>
             <a:solidFill>
-              <a:srgbClr val="CA9117"/>
+              <a:srgbClr val="CFBD2D"/>
             </a:solidFill>
-            <a:ln w="152400" cap="rnd">
-              <a:noFill/>
+            <a:ln w="12700" cap="rnd">
+              <a:solidFill>
+                <a:srgbClr val="003E51"/>
+              </a:solidFill>
               <a:round/>
             </a:ln>
           </p:spPr>

--- a/Resources/GraphicalResources/Presentation1.pptx
+++ b/Resources/GraphicalResources/Presentation1.pptx
@@ -8,8 +8,9 @@
     <p:sldId id="256" r:id="rId2"/>
     <p:sldId id="257" r:id="rId3"/>
     <p:sldId id="258" r:id="rId4"/>
-    <p:sldId id="259" r:id="rId5"/>
-    <p:sldId id="260" r:id="rId6"/>
+    <p:sldId id="261" r:id="rId5"/>
+    <p:sldId id="259" r:id="rId6"/>
+    <p:sldId id="260" r:id="rId7"/>
   </p:sldIdLst>
   <p:sldSz cx="12192000" cy="6858000"/>
   <p:notesSz cx="6858000" cy="9144000"/>
@@ -245,7 +246,7 @@
           <a:p>
             <a:fld id="{52674EDA-D5F0-4BA8-BCF8-E774905099E5}" type="datetimeFigureOut">
               <a:rPr lang="en-US" smtClean="0"/>
-              <a:t>12/6/2019</a:t>
+              <a:t>2/26/2020</a:t>
             </a:fld>
             <a:endParaRPr lang="en-US"/>
           </a:p>
@@ -413,7 +414,7 @@
           <a:p>
             <a:fld id="{52674EDA-D5F0-4BA8-BCF8-E774905099E5}" type="datetimeFigureOut">
               <a:rPr lang="en-US" smtClean="0"/>
-              <a:t>12/6/2019</a:t>
+              <a:t>2/26/2020</a:t>
             </a:fld>
             <a:endParaRPr lang="en-US"/>
           </a:p>
@@ -591,7 +592,7 @@
           <a:p>
             <a:fld id="{52674EDA-D5F0-4BA8-BCF8-E774905099E5}" type="datetimeFigureOut">
               <a:rPr lang="en-US" smtClean="0"/>
-              <a:t>12/6/2019</a:t>
+              <a:t>2/26/2020</a:t>
             </a:fld>
             <a:endParaRPr lang="en-US"/>
           </a:p>
@@ -759,7 +760,7 @@
           <a:p>
             <a:fld id="{52674EDA-D5F0-4BA8-BCF8-E774905099E5}" type="datetimeFigureOut">
               <a:rPr lang="en-US" smtClean="0"/>
-              <a:t>12/6/2019</a:t>
+              <a:t>2/26/2020</a:t>
             </a:fld>
             <a:endParaRPr lang="en-US"/>
           </a:p>
@@ -1004,7 +1005,7 @@
           <a:p>
             <a:fld id="{52674EDA-D5F0-4BA8-BCF8-E774905099E5}" type="datetimeFigureOut">
               <a:rPr lang="en-US" smtClean="0"/>
-              <a:t>12/6/2019</a:t>
+              <a:t>2/26/2020</a:t>
             </a:fld>
             <a:endParaRPr lang="en-US"/>
           </a:p>
@@ -1233,7 +1234,7 @@
           <a:p>
             <a:fld id="{52674EDA-D5F0-4BA8-BCF8-E774905099E5}" type="datetimeFigureOut">
               <a:rPr lang="en-US" smtClean="0"/>
-              <a:t>12/6/2019</a:t>
+              <a:t>2/26/2020</a:t>
             </a:fld>
             <a:endParaRPr lang="en-US"/>
           </a:p>
@@ -1597,7 +1598,7 @@
           <a:p>
             <a:fld id="{52674EDA-D5F0-4BA8-BCF8-E774905099E5}" type="datetimeFigureOut">
               <a:rPr lang="en-US" smtClean="0"/>
-              <a:t>12/6/2019</a:t>
+              <a:t>2/26/2020</a:t>
             </a:fld>
             <a:endParaRPr lang="en-US"/>
           </a:p>
@@ -1714,7 +1715,7 @@
           <a:p>
             <a:fld id="{52674EDA-D5F0-4BA8-BCF8-E774905099E5}" type="datetimeFigureOut">
               <a:rPr lang="en-US" smtClean="0"/>
-              <a:t>12/6/2019</a:t>
+              <a:t>2/26/2020</a:t>
             </a:fld>
             <a:endParaRPr lang="en-US"/>
           </a:p>
@@ -1809,7 +1810,7 @@
           <a:p>
             <a:fld id="{52674EDA-D5F0-4BA8-BCF8-E774905099E5}" type="datetimeFigureOut">
               <a:rPr lang="en-US" smtClean="0"/>
-              <a:t>12/6/2019</a:t>
+              <a:t>2/26/2020</a:t>
             </a:fld>
             <a:endParaRPr lang="en-US"/>
           </a:p>
@@ -2084,7 +2085,7 @@
           <a:p>
             <a:fld id="{52674EDA-D5F0-4BA8-BCF8-E774905099E5}" type="datetimeFigureOut">
               <a:rPr lang="en-US" smtClean="0"/>
-              <a:t>12/6/2019</a:t>
+              <a:t>2/26/2020</a:t>
             </a:fld>
             <a:endParaRPr lang="en-US"/>
           </a:p>
@@ -2336,7 +2337,7 @@
           <a:p>
             <a:fld id="{52674EDA-D5F0-4BA8-BCF8-E774905099E5}" type="datetimeFigureOut">
               <a:rPr lang="en-US" smtClean="0"/>
-              <a:t>12/6/2019</a:t>
+              <a:t>2/26/2020</a:t>
             </a:fld>
             <a:endParaRPr lang="en-US"/>
           </a:p>
@@ -2547,7 +2548,7 @@
           <a:p>
             <a:fld id="{52674EDA-D5F0-4BA8-BCF8-E774905099E5}" type="datetimeFigureOut">
               <a:rPr lang="en-US" smtClean="0"/>
-              <a:t>12/6/2019</a:t>
+              <a:t>2/26/2020</a:t>
             </a:fld>
             <a:endParaRPr lang="en-US"/>
           </a:p>
@@ -12643,8 +12644,8 @@
         </p:nvSpPr>
         <p:spPr>
           <a:xfrm>
-            <a:off x="2894250" y="2745852"/>
-            <a:ext cx="3082530" cy="800217"/>
+            <a:off x="2752673" y="2737295"/>
+            <a:ext cx="3589829" cy="800219"/>
           </a:xfrm>
           <a:prstGeom prst="rect">
             <a:avLst/>
@@ -12659,20 +12660,14 @@
           <a:p>
             <a:r>
               <a:rPr lang="en-US" sz="4600" kern="0" dirty="0">
-                <a:solidFill>
-                  <a:srgbClr val="003E51"/>
-                </a:solidFill>
                 <a:latin typeface="Segoe UI Semilight" panose="020B0402040204020203" pitchFamily="34" charset="0"/>
                 <a:ea typeface="Tahoma" panose="020B0604030504040204" pitchFamily="34" charset="0"/>
                 <a:cs typeface="Segoe UI Semilight" panose="020B0402040204020203" pitchFamily="34" charset="0"/>
               </a:rPr>
-              <a:t>Next</a:t>
+              <a:t> Next     </a:t>
             </a:r>
             <a:r>
               <a:rPr lang="en-US" sz="4600" b="1" kern="0" dirty="0">
-                <a:solidFill>
-                  <a:srgbClr val="003E51"/>
-                </a:solidFill>
                 <a:latin typeface="Segoe UI Semibold" panose="020B0702040204020203" pitchFamily="34" charset="0"/>
                 <a:ea typeface="Tahoma" panose="020B0604030504040204" pitchFamily="34" charset="0"/>
                 <a:cs typeface="Segoe UI Semibold" panose="020B0702040204020203" pitchFamily="34" charset="0"/>
@@ -12696,8 +12691,8 @@
         </p:nvSpPr>
         <p:spPr>
           <a:xfrm>
-            <a:off x="2938639" y="3332800"/>
-            <a:ext cx="2857602" cy="342774"/>
+            <a:off x="2962125" y="3324662"/>
+            <a:ext cx="2857602" cy="430887"/>
           </a:xfrm>
           <a:prstGeom prst="rect">
             <a:avLst/>
@@ -12711,14 +12706,26 @@
           <a:lstStyle/>
           <a:p>
             <a:r>
-              <a:rPr lang="en-US" sz="1600" dirty="0">
+              <a:rPr lang="en-US" sz="1100" dirty="0">
                 <a:solidFill>
                   <a:srgbClr val="007396"/>
                 </a:solidFill>
                 <a:latin typeface="Segoe UI Semibold" panose="020B0702040204020203" pitchFamily="34" charset="0"/>
                 <a:cs typeface="Segoe UI Semibold" panose="020B0702040204020203" pitchFamily="34" charset="0"/>
               </a:rPr>
-              <a:t>Water Supply Forecasting</a:t>
+              <a:t>Water Supply </a:t>
+            </a:r>
+          </a:p>
+          <a:p>
+            <a:r>
+              <a:rPr lang="en-US" sz="1100" dirty="0">
+                <a:solidFill>
+                  <a:srgbClr val="007396"/>
+                </a:solidFill>
+                <a:latin typeface="Segoe UI Semibold" panose="020B0702040204020203" pitchFamily="34" charset="0"/>
+                <a:cs typeface="Segoe UI Semibold" panose="020B0702040204020203" pitchFamily="34" charset="0"/>
+              </a:rPr>
+              <a:t>Forecasting</a:t>
             </a:r>
           </a:p>
         </p:txBody>
@@ -19337,8 +19344,8 @@
           </a:stretch>
         </p:blipFill>
         <p:spPr>
-          <a:xfrm rot="14417290">
-            <a:off x="1855330" y="2883297"/>
+          <a:xfrm rot="10800000">
+            <a:off x="4287032" y="2919470"/>
             <a:ext cx="641867" cy="736230"/>
           </a:xfrm>
           <a:prstGeom prst="rect">
@@ -19360,7 +19367,7 @@
         </p:nvGrpSpPr>
         <p:grpSpPr>
           <a:xfrm>
-            <a:off x="5503862" y="2938618"/>
+            <a:off x="7091176" y="2878498"/>
             <a:ext cx="614312" cy="661948"/>
             <a:chOff x="1502747" y="1672047"/>
             <a:chExt cx="1256825" cy="1354284"/>
@@ -19601,6 +19608,1207 @@
 </file>
 
 <file path=ppt/slides/slide4.xml><?xml version="1.0" encoding="utf-8"?>
+<p:sld xmlns:a="http://schemas.openxmlformats.org/drawingml/2006/main" xmlns:r="http://schemas.openxmlformats.org/officeDocument/2006/relationships" xmlns:p="http://schemas.openxmlformats.org/presentationml/2006/main">
+  <p:cSld>
+    <p:bg>
+      <p:bgPr>
+        <a:solidFill>
+          <a:schemeClr val="tx2"/>
+        </a:solidFill>
+        <a:effectLst/>
+      </p:bgPr>
+    </p:bg>
+    <p:spTree>
+      <p:nvGrpSpPr>
+        <p:cNvPr id="1" name=""/>
+        <p:cNvGrpSpPr/>
+        <p:nvPr/>
+      </p:nvGrpSpPr>
+      <p:grpSpPr>
+        <a:xfrm>
+          <a:off x="0" y="0"/>
+          <a:ext cx="0" cy="0"/>
+          <a:chOff x="0" y="0"/>
+          <a:chExt cx="0" cy="0"/>
+        </a:xfrm>
+      </p:grpSpPr>
+      <p:sp>
+        <p:nvSpPr>
+          <p:cNvPr id="97" name="Oval 96">
+            <a:extLst>
+              <a:ext uri="{FF2B5EF4-FFF2-40B4-BE49-F238E27FC236}">
+                <a16:creationId xmlns:a16="http://schemas.microsoft.com/office/drawing/2014/main" id="{1E9805D6-3349-404F-A00D-F1DD0100ED4E}"/>
+              </a:ext>
+            </a:extLst>
+          </p:cNvPr>
+          <p:cNvSpPr/>
+          <p:nvPr/>
+        </p:nvSpPr>
+        <p:spPr>
+          <a:xfrm>
+            <a:off x="8597963" y="795138"/>
+            <a:ext cx="2448403" cy="2448403"/>
+          </a:xfrm>
+          <a:prstGeom prst="ellipse">
+            <a:avLst/>
+          </a:prstGeom>
+          <a:solidFill>
+            <a:srgbClr val="FFFFFF">
+              <a:alpha val="63922"/>
+            </a:srgbClr>
+          </a:solidFill>
+          <a:ln>
+            <a:noFill/>
+          </a:ln>
+          <a:effectLst>
+            <a:outerShdw blurRad="152400" dist="317500" dir="5400000" sx="90000" sy="-19000" rotWithShape="0">
+              <a:prstClr val="black">
+                <a:alpha val="15000"/>
+              </a:prstClr>
+            </a:outerShdw>
+          </a:effectLst>
+        </p:spPr>
+        <p:style>
+          <a:lnRef idx="2">
+            <a:schemeClr val="accent1">
+              <a:shade val="50000"/>
+            </a:schemeClr>
+          </a:lnRef>
+          <a:fillRef idx="1">
+            <a:schemeClr val="accent1"/>
+          </a:fillRef>
+          <a:effectRef idx="0">
+            <a:schemeClr val="accent1"/>
+          </a:effectRef>
+          <a:fontRef idx="minor">
+            <a:schemeClr val="lt1"/>
+          </a:fontRef>
+        </p:style>
+        <p:txBody>
+          <a:bodyPr rtlCol="0" anchor="ctr"/>
+          <a:lstStyle/>
+          <a:p>
+            <a:pPr algn="ctr"/>
+            <a:endParaRPr lang="en-US"/>
+          </a:p>
+        </p:txBody>
+      </p:sp>
+      <p:grpSp>
+        <p:nvGrpSpPr>
+          <p:cNvPr id="78" name="Group 77">
+            <a:extLst>
+              <a:ext uri="{FF2B5EF4-FFF2-40B4-BE49-F238E27FC236}">
+                <a16:creationId xmlns:a16="http://schemas.microsoft.com/office/drawing/2014/main" id="{4322D164-7838-4405-B190-4A4FF38A2D9B}"/>
+              </a:ext>
+            </a:extLst>
+          </p:cNvPr>
+          <p:cNvGrpSpPr/>
+          <p:nvPr/>
+        </p:nvGrpSpPr>
+        <p:grpSpPr>
+          <a:xfrm>
+            <a:off x="1511358" y="3227652"/>
+            <a:ext cx="1869944" cy="2014946"/>
+            <a:chOff x="1502747" y="1672047"/>
+            <a:chExt cx="1256825" cy="1354284"/>
+          </a:xfrm>
+        </p:grpSpPr>
+        <p:sp>
+          <p:nvSpPr>
+            <p:cNvPr id="79" name="Isosceles Triangle 78">
+              <a:extLst>
+                <a:ext uri="{FF2B5EF4-FFF2-40B4-BE49-F238E27FC236}">
+                  <a16:creationId xmlns:a16="http://schemas.microsoft.com/office/drawing/2014/main" id="{DD1AFCAC-A0E8-48B8-BCEC-A14B302FA219}"/>
+                </a:ext>
+              </a:extLst>
+            </p:cNvPr>
+            <p:cNvSpPr/>
+            <p:nvPr/>
+          </p:nvSpPr>
+          <p:spPr>
+            <a:xfrm>
+              <a:off x="1820091" y="1672047"/>
+              <a:ext cx="939481" cy="639948"/>
+            </a:xfrm>
+            <a:prstGeom prst="triangle">
+              <a:avLst/>
+            </a:prstGeom>
+            <a:solidFill>
+              <a:srgbClr val="003E51"/>
+            </a:solidFill>
+            <a:ln w="76200" cap="rnd">
+              <a:solidFill>
+                <a:srgbClr val="003E51"/>
+              </a:solidFill>
+              <a:round/>
+            </a:ln>
+          </p:spPr>
+          <p:style>
+            <a:lnRef idx="2">
+              <a:schemeClr val="accent1">
+                <a:shade val="50000"/>
+              </a:schemeClr>
+            </a:lnRef>
+            <a:fillRef idx="1">
+              <a:schemeClr val="accent1"/>
+            </a:fillRef>
+            <a:effectRef idx="0">
+              <a:schemeClr val="accent1"/>
+            </a:effectRef>
+            <a:fontRef idx="minor">
+              <a:schemeClr val="lt1"/>
+            </a:fontRef>
+          </p:style>
+          <p:txBody>
+            <a:bodyPr rtlCol="0" anchor="ctr"/>
+            <a:lstStyle/>
+            <a:p>
+              <a:pPr algn="ctr"/>
+              <a:endParaRPr lang="en-US"/>
+            </a:p>
+          </p:txBody>
+        </p:sp>
+        <p:sp>
+          <p:nvSpPr>
+            <p:cNvPr id="80" name="Isosceles Triangle 79">
+              <a:extLst>
+                <a:ext uri="{FF2B5EF4-FFF2-40B4-BE49-F238E27FC236}">
+                  <a16:creationId xmlns:a16="http://schemas.microsoft.com/office/drawing/2014/main" id="{02AC2F3E-B49F-413A-A56A-707F77019C88}"/>
+                </a:ext>
+              </a:extLst>
+            </p:cNvPr>
+            <p:cNvSpPr/>
+            <p:nvPr/>
+          </p:nvSpPr>
+          <p:spPr>
+            <a:xfrm>
+              <a:off x="1502750" y="1672047"/>
+              <a:ext cx="939481" cy="639948"/>
+            </a:xfrm>
+            <a:prstGeom prst="triangle">
+              <a:avLst/>
+            </a:prstGeom>
+            <a:solidFill>
+              <a:srgbClr val="007396"/>
+            </a:solidFill>
+            <a:ln w="76200" cap="rnd">
+              <a:solidFill>
+                <a:srgbClr val="003E51"/>
+              </a:solidFill>
+              <a:round/>
+            </a:ln>
+          </p:spPr>
+          <p:style>
+            <a:lnRef idx="2">
+              <a:schemeClr val="accent1">
+                <a:shade val="50000"/>
+              </a:schemeClr>
+            </a:lnRef>
+            <a:fillRef idx="1">
+              <a:schemeClr val="accent1"/>
+            </a:fillRef>
+            <a:effectRef idx="0">
+              <a:schemeClr val="accent1"/>
+            </a:effectRef>
+            <a:fontRef idx="minor">
+              <a:schemeClr val="lt1"/>
+            </a:fontRef>
+          </p:style>
+          <p:txBody>
+            <a:bodyPr rtlCol="0" anchor="ctr"/>
+            <a:lstStyle/>
+            <a:p>
+              <a:pPr algn="ctr"/>
+              <a:endParaRPr lang="en-US"/>
+            </a:p>
+          </p:txBody>
+        </p:sp>
+        <p:sp>
+          <p:nvSpPr>
+            <p:cNvPr id="81" name="Isosceles Triangle 80">
+              <a:extLst>
+                <a:ext uri="{FF2B5EF4-FFF2-40B4-BE49-F238E27FC236}">
+                  <a16:creationId xmlns:a16="http://schemas.microsoft.com/office/drawing/2014/main" id="{588E980D-8155-48A4-B42D-4A1C4E5D64DF}"/>
+                </a:ext>
+              </a:extLst>
+            </p:cNvPr>
+            <p:cNvSpPr/>
+            <p:nvPr/>
+          </p:nvSpPr>
+          <p:spPr>
+            <a:xfrm rot="10800000">
+              <a:off x="1502747" y="2386383"/>
+              <a:ext cx="939481" cy="639948"/>
+            </a:xfrm>
+            <a:prstGeom prst="triangle">
+              <a:avLst/>
+            </a:prstGeom>
+            <a:solidFill>
+              <a:srgbClr val="CA9117"/>
+            </a:solidFill>
+            <a:ln w="76200" cap="rnd">
+              <a:solidFill>
+                <a:srgbClr val="003E51"/>
+              </a:solidFill>
+              <a:round/>
+            </a:ln>
+          </p:spPr>
+          <p:style>
+            <a:lnRef idx="2">
+              <a:schemeClr val="accent1">
+                <a:shade val="50000"/>
+              </a:schemeClr>
+            </a:lnRef>
+            <a:fillRef idx="1">
+              <a:schemeClr val="accent1"/>
+            </a:fillRef>
+            <a:effectRef idx="0">
+              <a:schemeClr val="accent1"/>
+            </a:effectRef>
+            <a:fontRef idx="minor">
+              <a:schemeClr val="lt1"/>
+            </a:fontRef>
+          </p:style>
+          <p:txBody>
+            <a:bodyPr rtlCol="0" anchor="ctr"/>
+            <a:lstStyle/>
+            <a:p>
+              <a:pPr algn="ctr"/>
+              <a:endParaRPr lang="en-US"/>
+            </a:p>
+          </p:txBody>
+        </p:sp>
+        <p:sp>
+          <p:nvSpPr>
+            <p:cNvPr id="82" name="Isosceles Triangle 81">
+              <a:extLst>
+                <a:ext uri="{FF2B5EF4-FFF2-40B4-BE49-F238E27FC236}">
+                  <a16:creationId xmlns:a16="http://schemas.microsoft.com/office/drawing/2014/main" id="{733C210F-117A-4B50-855C-75F7F67CFB97}"/>
+                </a:ext>
+              </a:extLst>
+            </p:cNvPr>
+            <p:cNvSpPr/>
+            <p:nvPr/>
+          </p:nvSpPr>
+          <p:spPr>
+            <a:xfrm rot="10800000">
+              <a:off x="1820090" y="2386383"/>
+              <a:ext cx="939481" cy="639948"/>
+            </a:xfrm>
+            <a:prstGeom prst="triangle">
+              <a:avLst/>
+            </a:prstGeom>
+            <a:solidFill>
+              <a:srgbClr val="CFBD2D"/>
+            </a:solidFill>
+            <a:ln w="76200" cap="rnd">
+              <a:solidFill>
+                <a:srgbClr val="003E51"/>
+              </a:solidFill>
+              <a:round/>
+            </a:ln>
+          </p:spPr>
+          <p:style>
+            <a:lnRef idx="2">
+              <a:schemeClr val="accent1">
+                <a:shade val="50000"/>
+              </a:schemeClr>
+            </a:lnRef>
+            <a:fillRef idx="1">
+              <a:schemeClr val="accent1"/>
+            </a:fillRef>
+            <a:effectRef idx="0">
+              <a:schemeClr val="accent1"/>
+            </a:effectRef>
+            <a:fontRef idx="minor">
+              <a:schemeClr val="lt1"/>
+            </a:fontRef>
+          </p:style>
+          <p:txBody>
+            <a:bodyPr rtlCol="0" anchor="ctr"/>
+            <a:lstStyle/>
+            <a:p>
+              <a:pPr algn="ctr"/>
+              <a:endParaRPr lang="en-US"/>
+            </a:p>
+          </p:txBody>
+        </p:sp>
+      </p:grpSp>
+      <p:sp>
+        <p:nvSpPr>
+          <p:cNvPr id="83" name="TextBox 82">
+            <a:extLst>
+              <a:ext uri="{FF2B5EF4-FFF2-40B4-BE49-F238E27FC236}">
+                <a16:creationId xmlns:a16="http://schemas.microsoft.com/office/drawing/2014/main" id="{E026FE84-6116-47F9-9B29-ABA8F0E78F04}"/>
+              </a:ext>
+            </a:extLst>
+          </p:cNvPr>
+          <p:cNvSpPr txBox="1"/>
+          <p:nvPr/>
+        </p:nvSpPr>
+        <p:spPr>
+          <a:xfrm>
+            <a:off x="3500506" y="1626747"/>
+            <a:ext cx="6368183" cy="584775"/>
+          </a:xfrm>
+          <a:prstGeom prst="rect">
+            <a:avLst/>
+          </a:prstGeom>
+          <a:noFill/>
+        </p:spPr>
+        <p:txBody>
+          <a:bodyPr wrap="square" rtlCol="0">
+            <a:spAutoFit/>
+          </a:bodyPr>
+          <a:lstStyle/>
+          <a:p>
+            <a:r>
+              <a:rPr lang="en-US" sz="3200" b="1" i="1" dirty="0">
+                <a:solidFill>
+                  <a:srgbClr val="007396"/>
+                </a:solidFill>
+                <a:latin typeface="Segoe UI Light" panose="020B0502040204020203" pitchFamily="34" charset="0"/>
+                <a:cs typeface="Segoe UI Light" panose="020B0502040204020203" pitchFamily="34" charset="0"/>
+              </a:rPr>
+              <a:t>Water Supply Forecasting</a:t>
+            </a:r>
+          </a:p>
+        </p:txBody>
+      </p:sp>
+      <p:grpSp>
+        <p:nvGrpSpPr>
+          <p:cNvPr id="84" name="Group 83">
+            <a:extLst>
+              <a:ext uri="{FF2B5EF4-FFF2-40B4-BE49-F238E27FC236}">
+                <a16:creationId xmlns:a16="http://schemas.microsoft.com/office/drawing/2014/main" id="{349C1401-05B4-48A8-874C-B9CA654B99C2}"/>
+              </a:ext>
+            </a:extLst>
+          </p:cNvPr>
+          <p:cNvGrpSpPr/>
+          <p:nvPr/>
+        </p:nvGrpSpPr>
+        <p:grpSpPr>
+          <a:xfrm>
+            <a:off x="7091176" y="2878498"/>
+            <a:ext cx="614312" cy="661948"/>
+            <a:chOff x="1502747" y="1672047"/>
+            <a:chExt cx="1256825" cy="1354284"/>
+          </a:xfrm>
+        </p:grpSpPr>
+        <p:sp>
+          <p:nvSpPr>
+            <p:cNvPr id="85" name="Isosceles Triangle 84">
+              <a:extLst>
+                <a:ext uri="{FF2B5EF4-FFF2-40B4-BE49-F238E27FC236}">
+                  <a16:creationId xmlns:a16="http://schemas.microsoft.com/office/drawing/2014/main" id="{DB988064-77FA-4182-8F3E-195EB37730E8}"/>
+                </a:ext>
+              </a:extLst>
+            </p:cNvPr>
+            <p:cNvSpPr/>
+            <p:nvPr/>
+          </p:nvSpPr>
+          <p:spPr>
+            <a:xfrm>
+              <a:off x="1820091" y="1672047"/>
+              <a:ext cx="939481" cy="639948"/>
+            </a:xfrm>
+            <a:prstGeom prst="triangle">
+              <a:avLst/>
+            </a:prstGeom>
+            <a:solidFill>
+              <a:srgbClr val="003E51"/>
+            </a:solidFill>
+            <a:ln w="12700" cap="rnd">
+              <a:solidFill>
+                <a:srgbClr val="003E51"/>
+              </a:solidFill>
+              <a:round/>
+            </a:ln>
+          </p:spPr>
+          <p:style>
+            <a:lnRef idx="2">
+              <a:schemeClr val="accent1">
+                <a:shade val="50000"/>
+              </a:schemeClr>
+            </a:lnRef>
+            <a:fillRef idx="1">
+              <a:schemeClr val="accent1"/>
+            </a:fillRef>
+            <a:effectRef idx="0">
+              <a:schemeClr val="accent1"/>
+            </a:effectRef>
+            <a:fontRef idx="minor">
+              <a:schemeClr val="lt1"/>
+            </a:fontRef>
+          </p:style>
+          <p:txBody>
+            <a:bodyPr rtlCol="0" anchor="ctr"/>
+            <a:lstStyle/>
+            <a:p>
+              <a:pPr algn="ctr"/>
+              <a:endParaRPr lang="en-US"/>
+            </a:p>
+          </p:txBody>
+        </p:sp>
+        <p:sp>
+          <p:nvSpPr>
+            <p:cNvPr id="86" name="Isosceles Triangle 85">
+              <a:extLst>
+                <a:ext uri="{FF2B5EF4-FFF2-40B4-BE49-F238E27FC236}">
+                  <a16:creationId xmlns:a16="http://schemas.microsoft.com/office/drawing/2014/main" id="{198973F3-BC70-4F9E-B45B-A8C42E677AE5}"/>
+                </a:ext>
+              </a:extLst>
+            </p:cNvPr>
+            <p:cNvSpPr/>
+            <p:nvPr/>
+          </p:nvSpPr>
+          <p:spPr>
+            <a:xfrm>
+              <a:off x="1502750" y="1672047"/>
+              <a:ext cx="939481" cy="639948"/>
+            </a:xfrm>
+            <a:prstGeom prst="triangle">
+              <a:avLst/>
+            </a:prstGeom>
+            <a:solidFill>
+              <a:srgbClr val="007396"/>
+            </a:solidFill>
+            <a:ln w="12700" cap="rnd">
+              <a:solidFill>
+                <a:srgbClr val="003E51"/>
+              </a:solidFill>
+              <a:round/>
+            </a:ln>
+          </p:spPr>
+          <p:style>
+            <a:lnRef idx="2">
+              <a:schemeClr val="accent1">
+                <a:shade val="50000"/>
+              </a:schemeClr>
+            </a:lnRef>
+            <a:fillRef idx="1">
+              <a:schemeClr val="accent1"/>
+            </a:fillRef>
+            <a:effectRef idx="0">
+              <a:schemeClr val="accent1"/>
+            </a:effectRef>
+            <a:fontRef idx="minor">
+              <a:schemeClr val="lt1"/>
+            </a:fontRef>
+          </p:style>
+          <p:txBody>
+            <a:bodyPr rtlCol="0" anchor="ctr"/>
+            <a:lstStyle/>
+            <a:p>
+              <a:pPr algn="ctr"/>
+              <a:endParaRPr lang="en-US"/>
+            </a:p>
+          </p:txBody>
+        </p:sp>
+        <p:sp>
+          <p:nvSpPr>
+            <p:cNvPr id="87" name="Isosceles Triangle 86">
+              <a:extLst>
+                <a:ext uri="{FF2B5EF4-FFF2-40B4-BE49-F238E27FC236}">
+                  <a16:creationId xmlns:a16="http://schemas.microsoft.com/office/drawing/2014/main" id="{45E836DD-D6D6-46FD-9BFA-DD99B74F6D97}"/>
+                </a:ext>
+              </a:extLst>
+            </p:cNvPr>
+            <p:cNvSpPr/>
+            <p:nvPr/>
+          </p:nvSpPr>
+          <p:spPr>
+            <a:xfrm rot="10800000">
+              <a:off x="1502747" y="2386383"/>
+              <a:ext cx="939481" cy="639948"/>
+            </a:xfrm>
+            <a:prstGeom prst="triangle">
+              <a:avLst/>
+            </a:prstGeom>
+            <a:solidFill>
+              <a:srgbClr val="CA9117"/>
+            </a:solidFill>
+            <a:ln w="12700" cap="rnd">
+              <a:solidFill>
+                <a:srgbClr val="003E51"/>
+              </a:solidFill>
+              <a:round/>
+            </a:ln>
+          </p:spPr>
+          <p:style>
+            <a:lnRef idx="2">
+              <a:schemeClr val="accent1">
+                <a:shade val="50000"/>
+              </a:schemeClr>
+            </a:lnRef>
+            <a:fillRef idx="1">
+              <a:schemeClr val="accent1"/>
+            </a:fillRef>
+            <a:effectRef idx="0">
+              <a:schemeClr val="accent1"/>
+            </a:effectRef>
+            <a:fontRef idx="minor">
+              <a:schemeClr val="lt1"/>
+            </a:fontRef>
+          </p:style>
+          <p:txBody>
+            <a:bodyPr rtlCol="0" anchor="ctr"/>
+            <a:lstStyle/>
+            <a:p>
+              <a:pPr algn="ctr"/>
+              <a:endParaRPr lang="en-US"/>
+            </a:p>
+          </p:txBody>
+        </p:sp>
+        <p:sp>
+          <p:nvSpPr>
+            <p:cNvPr id="88" name="Isosceles Triangle 87">
+              <a:extLst>
+                <a:ext uri="{FF2B5EF4-FFF2-40B4-BE49-F238E27FC236}">
+                  <a16:creationId xmlns:a16="http://schemas.microsoft.com/office/drawing/2014/main" id="{CEA3A590-3D16-43F9-9BBD-FE1415A74087}"/>
+                </a:ext>
+              </a:extLst>
+            </p:cNvPr>
+            <p:cNvSpPr/>
+            <p:nvPr/>
+          </p:nvSpPr>
+          <p:spPr>
+            <a:xfrm rot="10800000">
+              <a:off x="1820090" y="2386383"/>
+              <a:ext cx="939481" cy="639948"/>
+            </a:xfrm>
+            <a:prstGeom prst="triangle">
+              <a:avLst/>
+            </a:prstGeom>
+            <a:solidFill>
+              <a:srgbClr val="CFBD2D"/>
+            </a:solidFill>
+            <a:ln w="12700" cap="rnd">
+              <a:solidFill>
+                <a:srgbClr val="003E51"/>
+              </a:solidFill>
+              <a:round/>
+            </a:ln>
+          </p:spPr>
+          <p:style>
+            <a:lnRef idx="2">
+              <a:schemeClr val="accent1">
+                <a:shade val="50000"/>
+              </a:schemeClr>
+            </a:lnRef>
+            <a:fillRef idx="1">
+              <a:schemeClr val="accent1"/>
+            </a:fillRef>
+            <a:effectRef idx="0">
+              <a:schemeClr val="accent1"/>
+            </a:effectRef>
+            <a:fontRef idx="minor">
+              <a:schemeClr val="lt1"/>
+            </a:fontRef>
+          </p:style>
+          <p:txBody>
+            <a:bodyPr rtlCol="0" anchor="ctr"/>
+            <a:lstStyle/>
+            <a:p>
+              <a:pPr algn="ctr"/>
+              <a:endParaRPr lang="en-US"/>
+            </a:p>
+          </p:txBody>
+        </p:sp>
+      </p:grpSp>
+      <p:grpSp>
+        <p:nvGrpSpPr>
+          <p:cNvPr id="3" name="Group 2">
+            <a:extLst>
+              <a:ext uri="{FF2B5EF4-FFF2-40B4-BE49-F238E27FC236}">
+                <a16:creationId xmlns:a16="http://schemas.microsoft.com/office/drawing/2014/main" id="{160C6AFC-7170-4945-9164-470AA86167DB}"/>
+              </a:ext>
+            </a:extLst>
+          </p:cNvPr>
+          <p:cNvGrpSpPr/>
+          <p:nvPr/>
+        </p:nvGrpSpPr>
+        <p:grpSpPr>
+          <a:xfrm>
+            <a:off x="4688700" y="3975096"/>
+            <a:ext cx="2726756" cy="856526"/>
+            <a:chOff x="4519531" y="3975099"/>
+            <a:chExt cx="2726756" cy="856526"/>
+          </a:xfrm>
+        </p:grpSpPr>
+        <p:sp>
+          <p:nvSpPr>
+            <p:cNvPr id="2" name="Rectangle 1">
+              <a:extLst>
+                <a:ext uri="{FF2B5EF4-FFF2-40B4-BE49-F238E27FC236}">
+                  <a16:creationId xmlns:a16="http://schemas.microsoft.com/office/drawing/2014/main" id="{AF3B43A2-95ED-447D-B1A6-271FD7E4795F}"/>
+                </a:ext>
+              </a:extLst>
+            </p:cNvPr>
+            <p:cNvSpPr/>
+            <p:nvPr/>
+          </p:nvSpPr>
+          <p:spPr>
+            <a:xfrm>
+              <a:off x="4519531" y="4117656"/>
+              <a:ext cx="2389359" cy="713969"/>
+            </a:xfrm>
+            <a:prstGeom prst="rect">
+              <a:avLst/>
+            </a:prstGeom>
+            <a:solidFill>
+              <a:schemeClr val="bg1">
+                <a:lumMod val="50000"/>
+                <a:alpha val="65000"/>
+              </a:schemeClr>
+            </a:solidFill>
+            <a:ln>
+              <a:noFill/>
+            </a:ln>
+            <a:effectLst>
+              <a:outerShdw blurRad="152400" dist="317500" dir="5400000" sx="90000" sy="-19000" rotWithShape="0">
+                <a:prstClr val="black">
+                  <a:alpha val="15000"/>
+                </a:prstClr>
+              </a:outerShdw>
+            </a:effectLst>
+          </p:spPr>
+          <p:style>
+            <a:lnRef idx="2">
+              <a:schemeClr val="accent1">
+                <a:shade val="50000"/>
+              </a:schemeClr>
+            </a:lnRef>
+            <a:fillRef idx="1">
+              <a:schemeClr val="accent1"/>
+            </a:fillRef>
+            <a:effectRef idx="0">
+              <a:schemeClr val="accent1"/>
+            </a:effectRef>
+            <a:fontRef idx="minor">
+              <a:schemeClr val="lt1"/>
+            </a:fontRef>
+          </p:style>
+          <p:txBody>
+            <a:bodyPr rtlCol="0" anchor="ctr"/>
+            <a:lstStyle/>
+            <a:p>
+              <a:pPr algn="ctr"/>
+              <a:endParaRPr lang="en-US"/>
+            </a:p>
+          </p:txBody>
+        </p:sp>
+        <p:grpSp>
+          <p:nvGrpSpPr>
+            <p:cNvPr id="89" name="Group 88">
+              <a:extLst>
+                <a:ext uri="{FF2B5EF4-FFF2-40B4-BE49-F238E27FC236}">
+                  <a16:creationId xmlns:a16="http://schemas.microsoft.com/office/drawing/2014/main" id="{85DD6476-DE09-4195-AF7F-E2E667E678A6}"/>
+                </a:ext>
+              </a:extLst>
+            </p:cNvPr>
+            <p:cNvGrpSpPr/>
+            <p:nvPr/>
+          </p:nvGrpSpPr>
+          <p:grpSpPr>
+            <a:xfrm>
+              <a:off x="4603557" y="3975099"/>
+              <a:ext cx="2224810" cy="829369"/>
+              <a:chOff x="1502750" y="1194835"/>
+              <a:chExt cx="1256822" cy="639949"/>
+            </a:xfrm>
+          </p:grpSpPr>
+          <p:sp>
+            <p:nvSpPr>
+              <p:cNvPr id="90" name="Isosceles Triangle 89">
+                <a:extLst>
+                  <a:ext uri="{FF2B5EF4-FFF2-40B4-BE49-F238E27FC236}">
+                    <a16:creationId xmlns:a16="http://schemas.microsoft.com/office/drawing/2014/main" id="{EC2CDBFB-48F2-4DD9-867A-4F12B153567E}"/>
+                  </a:ext>
+                </a:extLst>
+              </p:cNvPr>
+              <p:cNvSpPr/>
+              <p:nvPr/>
+            </p:nvSpPr>
+            <p:spPr>
+              <a:xfrm>
+                <a:off x="1820091" y="1194836"/>
+                <a:ext cx="939481" cy="639948"/>
+              </a:xfrm>
+              <a:prstGeom prst="triangle">
+                <a:avLst/>
+              </a:prstGeom>
+              <a:solidFill>
+                <a:srgbClr val="003E51"/>
+              </a:solidFill>
+              <a:ln w="57150" cap="sq">
+                <a:solidFill>
+                  <a:srgbClr val="003E51"/>
+                </a:solidFill>
+                <a:miter lim="800000"/>
+              </a:ln>
+            </p:spPr>
+            <p:style>
+              <a:lnRef idx="2">
+                <a:schemeClr val="accent1">
+                  <a:shade val="50000"/>
+                </a:schemeClr>
+              </a:lnRef>
+              <a:fillRef idx="1">
+                <a:schemeClr val="accent1"/>
+              </a:fillRef>
+              <a:effectRef idx="0">
+                <a:schemeClr val="accent1"/>
+              </a:effectRef>
+              <a:fontRef idx="minor">
+                <a:schemeClr val="lt1"/>
+              </a:fontRef>
+            </p:style>
+            <p:txBody>
+              <a:bodyPr rtlCol="0" anchor="ctr"/>
+              <a:lstStyle/>
+              <a:p>
+                <a:pPr algn="ctr"/>
+                <a:endParaRPr lang="en-US"/>
+              </a:p>
+            </p:txBody>
+          </p:sp>
+          <p:sp>
+            <p:nvSpPr>
+              <p:cNvPr id="91" name="Isosceles Triangle 90">
+                <a:extLst>
+                  <a:ext uri="{FF2B5EF4-FFF2-40B4-BE49-F238E27FC236}">
+                    <a16:creationId xmlns:a16="http://schemas.microsoft.com/office/drawing/2014/main" id="{87517D06-CBB0-4BBC-A81E-84E2B3600205}"/>
+                  </a:ext>
+                </a:extLst>
+              </p:cNvPr>
+              <p:cNvSpPr/>
+              <p:nvPr/>
+            </p:nvSpPr>
+            <p:spPr>
+              <a:xfrm>
+                <a:off x="1502750" y="1194835"/>
+                <a:ext cx="939481" cy="639948"/>
+              </a:xfrm>
+              <a:prstGeom prst="triangle">
+                <a:avLst/>
+              </a:prstGeom>
+              <a:solidFill>
+                <a:srgbClr val="007396"/>
+              </a:solidFill>
+              <a:ln w="57150" cap="sq">
+                <a:solidFill>
+                  <a:srgbClr val="007396"/>
+                </a:solidFill>
+                <a:miter lim="800000"/>
+              </a:ln>
+            </p:spPr>
+            <p:style>
+              <a:lnRef idx="2">
+                <a:schemeClr val="accent1">
+                  <a:shade val="50000"/>
+                </a:schemeClr>
+              </a:lnRef>
+              <a:fillRef idx="1">
+                <a:schemeClr val="accent1"/>
+              </a:fillRef>
+              <a:effectRef idx="0">
+                <a:schemeClr val="accent1"/>
+              </a:effectRef>
+              <a:fontRef idx="minor">
+                <a:schemeClr val="lt1"/>
+              </a:fontRef>
+            </p:style>
+            <p:txBody>
+              <a:bodyPr rtlCol="0" anchor="ctr"/>
+              <a:lstStyle/>
+              <a:p>
+                <a:pPr algn="ctr"/>
+                <a:endParaRPr lang="en-US" dirty="0"/>
+              </a:p>
+            </p:txBody>
+          </p:sp>
+        </p:grpSp>
+        <p:sp>
+          <p:nvSpPr>
+            <p:cNvPr id="33" name="Rectangle 32">
+              <a:extLst>
+                <a:ext uri="{FF2B5EF4-FFF2-40B4-BE49-F238E27FC236}">
+                  <a16:creationId xmlns:a16="http://schemas.microsoft.com/office/drawing/2014/main" id="{4257E732-AA08-4C30-9874-EDCFD664D322}"/>
+                </a:ext>
+              </a:extLst>
+            </p:cNvPr>
+            <p:cNvSpPr/>
+            <p:nvPr/>
+          </p:nvSpPr>
+          <p:spPr>
+            <a:xfrm>
+              <a:off x="4558110" y="4128977"/>
+              <a:ext cx="2688177" cy="646331"/>
+            </a:xfrm>
+            <a:prstGeom prst="rect">
+              <a:avLst/>
+            </a:prstGeom>
+          </p:spPr>
+          <p:txBody>
+            <a:bodyPr wrap="square">
+              <a:spAutoFit/>
+            </a:bodyPr>
+            <a:lstStyle/>
+            <a:p>
+              <a:r>
+                <a:rPr lang="en-US" sz="3600" kern="0" spc="-150" dirty="0">
+                  <a:solidFill>
+                    <a:srgbClr val="FFFFFF"/>
+                  </a:solidFill>
+                  <a:latin typeface="Segoe UI" panose="020B0502040204020203" pitchFamily="34" charset="0"/>
+                  <a:ea typeface="Tahoma" panose="020B0604030504040204" pitchFamily="34" charset="0"/>
+                  <a:cs typeface="Segoe UI" panose="020B0502040204020203" pitchFamily="34" charset="0"/>
+                </a:rPr>
+                <a:t>Py</a:t>
+              </a:r>
+              <a:r>
+                <a:rPr lang="en-US" sz="3600" b="1" kern="0" spc="-150" dirty="0">
+                  <a:solidFill>
+                    <a:srgbClr val="FFFFFF"/>
+                  </a:solidFill>
+                  <a:latin typeface="Segoe UI" panose="020B0502040204020203" pitchFamily="34" charset="0"/>
+                  <a:ea typeface="Tahoma" panose="020B0604030504040204" pitchFamily="34" charset="0"/>
+                  <a:cs typeface="Segoe UI" panose="020B0502040204020203" pitchFamily="34" charset="0"/>
+                </a:rPr>
+                <a:t>Forecast</a:t>
+              </a:r>
+              <a:endParaRPr lang="en-US" sz="3600" spc="-150" dirty="0">
+                <a:solidFill>
+                  <a:srgbClr val="FFFFFF"/>
+                </a:solidFill>
+                <a:latin typeface="Segoe UI" panose="020B0502040204020203" pitchFamily="34" charset="0"/>
+                <a:cs typeface="Segoe UI" panose="020B0502040204020203" pitchFamily="34" charset="0"/>
+              </a:endParaRPr>
+            </a:p>
+          </p:txBody>
+        </p:sp>
+      </p:grpSp>
+      <p:grpSp>
+        <p:nvGrpSpPr>
+          <p:cNvPr id="6" name="Group 5">
+            <a:extLst>
+              <a:ext uri="{FF2B5EF4-FFF2-40B4-BE49-F238E27FC236}">
+                <a16:creationId xmlns:a16="http://schemas.microsoft.com/office/drawing/2014/main" id="{5B520ACB-7E36-4445-AD7B-CC3386E79CB0}"/>
+              </a:ext>
+            </a:extLst>
+          </p:cNvPr>
+          <p:cNvGrpSpPr/>
+          <p:nvPr/>
+        </p:nvGrpSpPr>
+        <p:grpSpPr>
+          <a:xfrm>
+            <a:off x="4962310" y="5183846"/>
+            <a:ext cx="1032883" cy="1032883"/>
+            <a:chOff x="4962310" y="5183846"/>
+            <a:chExt cx="1032883" cy="1032883"/>
+          </a:xfrm>
+        </p:grpSpPr>
+        <p:sp>
+          <p:nvSpPr>
+            <p:cNvPr id="26" name="Rectangle 25">
+              <a:extLst>
+                <a:ext uri="{FF2B5EF4-FFF2-40B4-BE49-F238E27FC236}">
+                  <a16:creationId xmlns:a16="http://schemas.microsoft.com/office/drawing/2014/main" id="{BE4B2817-7C40-4415-8F23-F1650C445EBA}"/>
+                </a:ext>
+              </a:extLst>
+            </p:cNvPr>
+            <p:cNvSpPr/>
+            <p:nvPr/>
+          </p:nvSpPr>
+          <p:spPr>
+            <a:xfrm>
+              <a:off x="5002130" y="5283201"/>
+              <a:ext cx="962638" cy="773340"/>
+            </a:xfrm>
+            <a:prstGeom prst="rect">
+              <a:avLst/>
+            </a:prstGeom>
+            <a:solidFill>
+              <a:schemeClr val="bg1">
+                <a:lumMod val="50000"/>
+                <a:alpha val="65000"/>
+              </a:schemeClr>
+            </a:solidFill>
+            <a:ln>
+              <a:noFill/>
+            </a:ln>
+            <a:effectLst/>
+          </p:spPr>
+          <p:style>
+            <a:lnRef idx="2">
+              <a:schemeClr val="accent1">
+                <a:shade val="50000"/>
+              </a:schemeClr>
+            </a:lnRef>
+            <a:fillRef idx="1">
+              <a:schemeClr val="accent1"/>
+            </a:fillRef>
+            <a:effectRef idx="0">
+              <a:schemeClr val="accent1"/>
+            </a:effectRef>
+            <a:fontRef idx="minor">
+              <a:schemeClr val="lt1"/>
+            </a:fontRef>
+          </p:style>
+          <p:txBody>
+            <a:bodyPr rtlCol="0" anchor="ctr"/>
+            <a:lstStyle/>
+            <a:p>
+              <a:pPr algn="ctr"/>
+              <a:endParaRPr lang="en-US"/>
+            </a:p>
+          </p:txBody>
+        </p:sp>
+        <p:grpSp>
+          <p:nvGrpSpPr>
+            <p:cNvPr id="5" name="Group 4">
+              <a:extLst>
+                <a:ext uri="{FF2B5EF4-FFF2-40B4-BE49-F238E27FC236}">
+                  <a16:creationId xmlns:a16="http://schemas.microsoft.com/office/drawing/2014/main" id="{C4D2D44F-DE6F-4637-941D-2233BECF3E99}"/>
+                </a:ext>
+              </a:extLst>
+            </p:cNvPr>
+            <p:cNvGrpSpPr/>
+            <p:nvPr/>
+          </p:nvGrpSpPr>
+          <p:grpSpPr>
+            <a:xfrm>
+              <a:off x="4962310" y="5183846"/>
+              <a:ext cx="1032883" cy="1032883"/>
+              <a:chOff x="4962310" y="5183846"/>
+              <a:chExt cx="1032883" cy="1032883"/>
+            </a:xfrm>
+          </p:grpSpPr>
+          <p:sp>
+            <p:nvSpPr>
+              <p:cNvPr id="4" name="Rectangle 3">
+                <a:extLst>
+                  <a:ext uri="{FF2B5EF4-FFF2-40B4-BE49-F238E27FC236}">
+                    <a16:creationId xmlns:a16="http://schemas.microsoft.com/office/drawing/2014/main" id="{6BF17742-BCD8-4C12-A894-BE74427D1DC7}"/>
+                  </a:ext>
+                </a:extLst>
+              </p:cNvPr>
+              <p:cNvSpPr/>
+              <p:nvPr/>
+            </p:nvSpPr>
+            <p:spPr>
+              <a:xfrm>
+                <a:off x="4962310" y="5183846"/>
+                <a:ext cx="1032883" cy="1032883"/>
+              </a:xfrm>
+              <a:prstGeom prst="rect">
+                <a:avLst/>
+              </a:prstGeom>
+              <a:noFill/>
+              <a:ln>
+                <a:noFill/>
+              </a:ln>
+            </p:spPr>
+            <p:style>
+              <a:lnRef idx="2">
+                <a:schemeClr val="accent1">
+                  <a:shade val="50000"/>
+                </a:schemeClr>
+              </a:lnRef>
+              <a:fillRef idx="1">
+                <a:schemeClr val="accent1"/>
+              </a:fillRef>
+              <a:effectRef idx="0">
+                <a:schemeClr val="accent1"/>
+              </a:effectRef>
+              <a:fontRef idx="minor">
+                <a:schemeClr val="lt1"/>
+              </a:fontRef>
+            </p:style>
+            <p:txBody>
+              <a:bodyPr rtlCol="0" anchor="ctr"/>
+              <a:lstStyle/>
+              <a:p>
+                <a:pPr algn="ctr"/>
+                <a:endParaRPr lang="en-US"/>
+              </a:p>
+            </p:txBody>
+          </p:sp>
+          <p:sp>
+            <p:nvSpPr>
+              <p:cNvPr id="20" name="Isosceles Triangle 19">
+                <a:extLst>
+                  <a:ext uri="{FF2B5EF4-FFF2-40B4-BE49-F238E27FC236}">
+                    <a16:creationId xmlns:a16="http://schemas.microsoft.com/office/drawing/2014/main" id="{DCDD01A0-1307-4B9C-826A-736C96D45661}"/>
+                  </a:ext>
+                </a:extLst>
+              </p:cNvPr>
+              <p:cNvSpPr/>
+              <p:nvPr/>
+            </p:nvSpPr>
+            <p:spPr>
+              <a:xfrm>
+                <a:off x="5151312" y="5350450"/>
+                <a:ext cx="765155" cy="675708"/>
+              </a:xfrm>
+              <a:prstGeom prst="triangle">
+                <a:avLst/>
+              </a:prstGeom>
+              <a:solidFill>
+                <a:srgbClr val="003E51"/>
+              </a:solidFill>
+              <a:ln w="57150" cap="sq">
+                <a:solidFill>
+                  <a:srgbClr val="003E51"/>
+                </a:solidFill>
+                <a:miter lim="800000"/>
+              </a:ln>
+            </p:spPr>
+            <p:style>
+              <a:lnRef idx="2">
+                <a:schemeClr val="accent1">
+                  <a:shade val="50000"/>
+                </a:schemeClr>
+              </a:lnRef>
+              <a:fillRef idx="1">
+                <a:schemeClr val="accent1"/>
+              </a:fillRef>
+              <a:effectRef idx="0">
+                <a:schemeClr val="accent1"/>
+              </a:effectRef>
+              <a:fontRef idx="minor">
+                <a:schemeClr val="lt1"/>
+              </a:fontRef>
+            </p:style>
+            <p:txBody>
+              <a:bodyPr rtlCol="0" anchor="ctr"/>
+              <a:lstStyle/>
+              <a:p>
+                <a:pPr algn="ctr"/>
+                <a:endParaRPr lang="en-US"/>
+              </a:p>
+            </p:txBody>
+          </p:sp>
+          <p:sp>
+            <p:nvSpPr>
+              <p:cNvPr id="21" name="Isosceles Triangle 20">
+                <a:extLst>
+                  <a:ext uri="{FF2B5EF4-FFF2-40B4-BE49-F238E27FC236}">
+                    <a16:creationId xmlns:a16="http://schemas.microsoft.com/office/drawing/2014/main" id="{59672E98-ADF9-47E5-85F9-B23337F583C7}"/>
+                  </a:ext>
+                </a:extLst>
+              </p:cNvPr>
+              <p:cNvSpPr/>
+              <p:nvPr/>
+            </p:nvSpPr>
+            <p:spPr>
+              <a:xfrm>
+                <a:off x="5053954" y="5350451"/>
+                <a:ext cx="765154" cy="675707"/>
+              </a:xfrm>
+              <a:prstGeom prst="triangle">
+                <a:avLst/>
+              </a:prstGeom>
+              <a:solidFill>
+                <a:srgbClr val="007396"/>
+              </a:solidFill>
+              <a:ln w="57150" cap="sq">
+                <a:solidFill>
+                  <a:srgbClr val="007396"/>
+                </a:solidFill>
+                <a:miter lim="800000"/>
+              </a:ln>
+            </p:spPr>
+            <p:style>
+              <a:lnRef idx="2">
+                <a:schemeClr val="accent1">
+                  <a:shade val="50000"/>
+                </a:schemeClr>
+              </a:lnRef>
+              <a:fillRef idx="1">
+                <a:schemeClr val="accent1"/>
+              </a:fillRef>
+              <a:effectRef idx="0">
+                <a:schemeClr val="accent1"/>
+              </a:effectRef>
+              <a:fontRef idx="minor">
+                <a:schemeClr val="lt1"/>
+              </a:fontRef>
+            </p:style>
+            <p:txBody>
+              <a:bodyPr rtlCol="0" anchor="ctr"/>
+              <a:lstStyle/>
+              <a:p>
+                <a:pPr algn="ctr"/>
+                <a:endParaRPr lang="en-US" dirty="0"/>
+              </a:p>
+            </p:txBody>
+          </p:sp>
+          <p:sp>
+            <p:nvSpPr>
+              <p:cNvPr id="24" name="Rectangle 23">
+                <a:extLst>
+                  <a:ext uri="{FF2B5EF4-FFF2-40B4-BE49-F238E27FC236}">
+                    <a16:creationId xmlns:a16="http://schemas.microsoft.com/office/drawing/2014/main" id="{C7C9CB47-9BAC-4C89-8B05-A780590F4F28}"/>
+                  </a:ext>
+                </a:extLst>
+              </p:cNvPr>
+              <p:cNvSpPr/>
+              <p:nvPr/>
+            </p:nvSpPr>
+            <p:spPr>
+              <a:xfrm>
+                <a:off x="5029337" y="5242595"/>
+                <a:ext cx="485189" cy="923330"/>
+              </a:xfrm>
+              <a:prstGeom prst="rect">
+                <a:avLst/>
+              </a:prstGeom>
+            </p:spPr>
+            <p:txBody>
+              <a:bodyPr wrap="square">
+                <a:spAutoFit/>
+              </a:bodyPr>
+              <a:lstStyle/>
+              <a:p>
+                <a:r>
+                  <a:rPr lang="en-US" sz="5400" b="1" kern="0" spc="-150" dirty="0">
+                    <a:solidFill>
+                      <a:srgbClr val="FFFFFF"/>
+                    </a:solidFill>
+                    <a:latin typeface="Segoe UI" panose="020B0502040204020203" pitchFamily="34" charset="0"/>
+                    <a:ea typeface="Tahoma" panose="020B0604030504040204" pitchFamily="34" charset="0"/>
+                    <a:cs typeface="Segoe UI" panose="020B0502040204020203" pitchFamily="34" charset="0"/>
+                  </a:rPr>
+                  <a:t>P</a:t>
+                </a:r>
+                <a:endParaRPr lang="en-US" sz="5400" b="1" spc="-150" dirty="0">
+                  <a:solidFill>
+                    <a:srgbClr val="FFFFFF"/>
+                  </a:solidFill>
+                  <a:latin typeface="Segoe UI" panose="020B0502040204020203" pitchFamily="34" charset="0"/>
+                  <a:cs typeface="Segoe UI" panose="020B0502040204020203" pitchFamily="34" charset="0"/>
+                </a:endParaRPr>
+              </a:p>
+            </p:txBody>
+          </p:sp>
+        </p:grpSp>
+      </p:grpSp>
+    </p:spTree>
+    <p:extLst>
+      <p:ext uri="{BB962C8B-B14F-4D97-AF65-F5344CB8AC3E}">
+        <p14:creationId xmlns:p14="http://schemas.microsoft.com/office/powerpoint/2010/main" val="1106938065"/>
+      </p:ext>
+    </p:extLst>
+  </p:cSld>
+  <p:clrMapOvr>
+    <a:masterClrMapping/>
+  </p:clrMapOvr>
+</p:sld>
+</file>
+
+<file path=ppt/slides/slide5.xml><?xml version="1.0" encoding="utf-8"?>
 <p:sld xmlns:a="http://schemas.openxmlformats.org/drawingml/2006/main" xmlns:r="http://schemas.openxmlformats.org/officeDocument/2006/relationships" xmlns:p="http://schemas.openxmlformats.org/presentationml/2006/main">
   <p:cSld>
     <p:bg>
@@ -23048,7 +24256,7 @@
 </p:sld>
 </file>
 
-<file path=ppt/slides/slide5.xml><?xml version="1.0" encoding="utf-8"?>
+<file path=ppt/slides/slide6.xml><?xml version="1.0" encoding="utf-8"?>
 <p:sld xmlns:a="http://schemas.openxmlformats.org/drawingml/2006/main" xmlns:r="http://schemas.openxmlformats.org/officeDocument/2006/relationships" xmlns:p="http://schemas.openxmlformats.org/presentationml/2006/main">
   <p:cSld>
     <p:spTree>

--- a/Resources/GraphicalResources/Presentation1.pptx
+++ b/Resources/GraphicalResources/Presentation1.pptx
@@ -245,7 +245,7 @@
           <a:p>
             <a:fld id="{52674EDA-D5F0-4BA8-BCF8-E774905099E5}" type="datetimeFigureOut">
               <a:rPr lang="en-US" smtClean="0"/>
-              <a:t>3/17/2020</a:t>
+              <a:t>4/23/2020</a:t>
             </a:fld>
             <a:endParaRPr lang="en-US"/>
           </a:p>
@@ -413,7 +413,7 @@
           <a:p>
             <a:fld id="{52674EDA-D5F0-4BA8-BCF8-E774905099E5}" type="datetimeFigureOut">
               <a:rPr lang="en-US" smtClean="0"/>
-              <a:t>3/17/2020</a:t>
+              <a:t>4/23/2020</a:t>
             </a:fld>
             <a:endParaRPr lang="en-US"/>
           </a:p>
@@ -591,7 +591,7 @@
           <a:p>
             <a:fld id="{52674EDA-D5F0-4BA8-BCF8-E774905099E5}" type="datetimeFigureOut">
               <a:rPr lang="en-US" smtClean="0"/>
-              <a:t>3/17/2020</a:t>
+              <a:t>4/23/2020</a:t>
             </a:fld>
             <a:endParaRPr lang="en-US"/>
           </a:p>
@@ -759,7 +759,7 @@
           <a:p>
             <a:fld id="{52674EDA-D5F0-4BA8-BCF8-E774905099E5}" type="datetimeFigureOut">
               <a:rPr lang="en-US" smtClean="0"/>
-              <a:t>3/17/2020</a:t>
+              <a:t>4/23/2020</a:t>
             </a:fld>
             <a:endParaRPr lang="en-US"/>
           </a:p>
@@ -1004,7 +1004,7 @@
           <a:p>
             <a:fld id="{52674EDA-D5F0-4BA8-BCF8-E774905099E5}" type="datetimeFigureOut">
               <a:rPr lang="en-US" smtClean="0"/>
-              <a:t>3/17/2020</a:t>
+              <a:t>4/23/2020</a:t>
             </a:fld>
             <a:endParaRPr lang="en-US"/>
           </a:p>
@@ -1233,7 +1233,7 @@
           <a:p>
             <a:fld id="{52674EDA-D5F0-4BA8-BCF8-E774905099E5}" type="datetimeFigureOut">
               <a:rPr lang="en-US" smtClean="0"/>
-              <a:t>3/17/2020</a:t>
+              <a:t>4/23/2020</a:t>
             </a:fld>
             <a:endParaRPr lang="en-US"/>
           </a:p>
@@ -1597,7 +1597,7 @@
           <a:p>
             <a:fld id="{52674EDA-D5F0-4BA8-BCF8-E774905099E5}" type="datetimeFigureOut">
               <a:rPr lang="en-US" smtClean="0"/>
-              <a:t>3/17/2020</a:t>
+              <a:t>4/23/2020</a:t>
             </a:fld>
             <a:endParaRPr lang="en-US"/>
           </a:p>
@@ -1714,7 +1714,7 @@
           <a:p>
             <a:fld id="{52674EDA-D5F0-4BA8-BCF8-E774905099E5}" type="datetimeFigureOut">
               <a:rPr lang="en-US" smtClean="0"/>
-              <a:t>3/17/2020</a:t>
+              <a:t>4/23/2020</a:t>
             </a:fld>
             <a:endParaRPr lang="en-US"/>
           </a:p>
@@ -1809,7 +1809,7 @@
           <a:p>
             <a:fld id="{52674EDA-D5F0-4BA8-BCF8-E774905099E5}" type="datetimeFigureOut">
               <a:rPr lang="en-US" smtClean="0"/>
-              <a:t>3/17/2020</a:t>
+              <a:t>4/23/2020</a:t>
             </a:fld>
             <a:endParaRPr lang="en-US"/>
           </a:p>
@@ -2084,7 +2084,7 @@
           <a:p>
             <a:fld id="{52674EDA-D5F0-4BA8-BCF8-E774905099E5}" type="datetimeFigureOut">
               <a:rPr lang="en-US" smtClean="0"/>
-              <a:t>3/17/2020</a:t>
+              <a:t>4/23/2020</a:t>
             </a:fld>
             <a:endParaRPr lang="en-US"/>
           </a:p>
@@ -2336,7 +2336,7 @@
           <a:p>
             <a:fld id="{52674EDA-D5F0-4BA8-BCF8-E774905099E5}" type="datetimeFigureOut">
               <a:rPr lang="en-US" smtClean="0"/>
-              <a:t>3/17/2020</a:t>
+              <a:t>4/23/2020</a:t>
             </a:fld>
             <a:endParaRPr lang="en-US"/>
           </a:p>
@@ -2547,7 +2547,7 @@
           <a:p>
             <a:fld id="{52674EDA-D5F0-4BA8-BCF8-E774905099E5}" type="datetimeFigureOut">
               <a:rPr lang="en-US" smtClean="0"/>
-              <a:t>3/17/2020</a:t>
+              <a:t>4/23/2020</a:t>
             </a:fld>
             <a:endParaRPr lang="en-US"/>
           </a:p>
@@ -15758,7 +15758,7 @@
         </p:nvGrpSpPr>
         <p:grpSpPr>
           <a:xfrm>
-            <a:off x="4655050" y="3813289"/>
+            <a:off x="3718934" y="3782235"/>
             <a:ext cx="1440950" cy="1242198"/>
             <a:chOff x="3744506" y="3749789"/>
             <a:chExt cx="1440950" cy="1242198"/>
@@ -16259,6 +16259,611 @@
             <a:p>
               <a:pPr algn="ctr"/>
               <a:endParaRPr lang="en-US"/>
+            </a:p>
+          </p:txBody>
+        </p:sp>
+      </p:grpSp>
+      <p:grpSp>
+        <p:nvGrpSpPr>
+          <p:cNvPr id="3" name="Group 2">
+            <a:extLst>
+              <a:ext uri="{FF2B5EF4-FFF2-40B4-BE49-F238E27FC236}">
+                <a16:creationId xmlns:a16="http://schemas.microsoft.com/office/drawing/2014/main" id="{CD1D4D98-2761-4AD5-953E-93FA3C2BD5E6}"/>
+              </a:ext>
+            </a:extLst>
+          </p:cNvPr>
+          <p:cNvGrpSpPr/>
+          <p:nvPr/>
+        </p:nvGrpSpPr>
+        <p:grpSpPr>
+          <a:xfrm>
+            <a:off x="1686517" y="4567744"/>
+            <a:ext cx="1355263" cy="1242198"/>
+            <a:chOff x="1686517" y="4567744"/>
+            <a:chExt cx="1528474" cy="1242198"/>
+          </a:xfrm>
+        </p:grpSpPr>
+        <p:grpSp>
+          <p:nvGrpSpPr>
+            <p:cNvPr id="33" name="Group 32">
+              <a:extLst>
+                <a:ext uri="{FF2B5EF4-FFF2-40B4-BE49-F238E27FC236}">
+                  <a16:creationId xmlns:a16="http://schemas.microsoft.com/office/drawing/2014/main" id="{0B7E275E-DD51-4F5D-841D-D0298B7EAFAD}"/>
+                </a:ext>
+              </a:extLst>
+            </p:cNvPr>
+            <p:cNvGrpSpPr/>
+            <p:nvPr/>
+          </p:nvGrpSpPr>
+          <p:grpSpPr>
+            <a:xfrm>
+              <a:off x="1774041" y="4567744"/>
+              <a:ext cx="1440950" cy="1242198"/>
+              <a:chOff x="3744506" y="3749789"/>
+              <a:chExt cx="1440950" cy="1242198"/>
+            </a:xfrm>
+          </p:grpSpPr>
+          <p:sp>
+            <p:nvSpPr>
+              <p:cNvPr id="34" name="Isosceles Triangle 33">
+                <a:extLst>
+                  <a:ext uri="{FF2B5EF4-FFF2-40B4-BE49-F238E27FC236}">
+                    <a16:creationId xmlns:a16="http://schemas.microsoft.com/office/drawing/2014/main" id="{AA18C361-D973-4B34-8D06-B50899D78E66}"/>
+                  </a:ext>
+                </a:extLst>
+              </p:cNvPr>
+              <p:cNvSpPr/>
+              <p:nvPr/>
+            </p:nvSpPr>
+            <p:spPr>
+              <a:xfrm>
+                <a:off x="3744506" y="3749789"/>
+                <a:ext cx="1440950" cy="1242198"/>
+              </a:xfrm>
+              <a:prstGeom prst="triangle">
+                <a:avLst/>
+              </a:prstGeom>
+              <a:noFill/>
+              <a:ln w="152400">
+                <a:noFill/>
+              </a:ln>
+            </p:spPr>
+            <p:style>
+              <a:lnRef idx="2">
+                <a:schemeClr val="accent1">
+                  <a:shade val="50000"/>
+                </a:schemeClr>
+              </a:lnRef>
+              <a:fillRef idx="1">
+                <a:schemeClr val="accent1"/>
+              </a:fillRef>
+              <a:effectRef idx="0">
+                <a:schemeClr val="accent1"/>
+              </a:effectRef>
+              <a:fontRef idx="minor">
+                <a:schemeClr val="lt1"/>
+              </a:fontRef>
+            </p:style>
+            <p:txBody>
+              <a:bodyPr rtlCol="0" anchor="ctr"/>
+              <a:lstStyle/>
+              <a:p>
+                <a:pPr algn="ctr"/>
+                <a:endParaRPr lang="en-US"/>
+              </a:p>
+            </p:txBody>
+          </p:sp>
+          <p:sp>
+            <p:nvSpPr>
+              <p:cNvPr id="41" name="Isosceles Triangle 40">
+                <a:extLst>
+                  <a:ext uri="{FF2B5EF4-FFF2-40B4-BE49-F238E27FC236}">
+                    <a16:creationId xmlns:a16="http://schemas.microsoft.com/office/drawing/2014/main" id="{44B83A6E-EEB3-48C9-B6DC-E7CE9997EF53}"/>
+                  </a:ext>
+                </a:extLst>
+              </p:cNvPr>
+              <p:cNvSpPr/>
+              <p:nvPr/>
+            </p:nvSpPr>
+            <p:spPr>
+              <a:xfrm>
+                <a:off x="3803109" y="3821620"/>
+                <a:ext cx="1327890" cy="1144733"/>
+              </a:xfrm>
+              <a:prstGeom prst="triangle">
+                <a:avLst/>
+              </a:prstGeom>
+              <a:solidFill>
+                <a:srgbClr val="007396"/>
+              </a:solidFill>
+              <a:ln w="101600">
+                <a:solidFill>
+                  <a:srgbClr val="003E51"/>
+                </a:solidFill>
+              </a:ln>
+            </p:spPr>
+            <p:style>
+              <a:lnRef idx="2">
+                <a:schemeClr val="accent1">
+                  <a:shade val="50000"/>
+                </a:schemeClr>
+              </a:lnRef>
+              <a:fillRef idx="1">
+                <a:schemeClr val="accent1"/>
+              </a:fillRef>
+              <a:effectRef idx="0">
+                <a:schemeClr val="accent1"/>
+              </a:effectRef>
+              <a:fontRef idx="minor">
+                <a:schemeClr val="lt1"/>
+              </a:fontRef>
+            </p:style>
+            <p:txBody>
+              <a:bodyPr rtlCol="0" anchor="ctr"/>
+              <a:lstStyle/>
+              <a:p>
+                <a:pPr algn="ctr"/>
+                <a:endParaRPr lang="en-US"/>
+              </a:p>
+            </p:txBody>
+          </p:sp>
+          <p:sp>
+            <p:nvSpPr>
+              <p:cNvPr id="43" name="Isosceles Triangle 42">
+                <a:extLst>
+                  <a:ext uri="{FF2B5EF4-FFF2-40B4-BE49-F238E27FC236}">
+                    <a16:creationId xmlns:a16="http://schemas.microsoft.com/office/drawing/2014/main" id="{DAE62C6D-58F2-42FD-A125-1A15C9D2955A}"/>
+                  </a:ext>
+                </a:extLst>
+              </p:cNvPr>
+              <p:cNvSpPr/>
+              <p:nvPr/>
+            </p:nvSpPr>
+            <p:spPr>
+              <a:xfrm>
+                <a:off x="4464981" y="3821620"/>
+                <a:ext cx="666018" cy="1163273"/>
+              </a:xfrm>
+              <a:prstGeom prst="triangle">
+                <a:avLst>
+                  <a:gd name="adj" fmla="val 0"/>
+                </a:avLst>
+              </a:prstGeom>
+              <a:solidFill>
+                <a:srgbClr val="003E51"/>
+              </a:solidFill>
+              <a:ln w="76200">
+                <a:noFill/>
+              </a:ln>
+            </p:spPr>
+            <p:style>
+              <a:lnRef idx="2">
+                <a:schemeClr val="accent1">
+                  <a:shade val="50000"/>
+                </a:schemeClr>
+              </a:lnRef>
+              <a:fillRef idx="1">
+                <a:schemeClr val="accent1"/>
+              </a:fillRef>
+              <a:effectRef idx="0">
+                <a:schemeClr val="accent1"/>
+              </a:effectRef>
+              <a:fontRef idx="minor">
+                <a:schemeClr val="lt1"/>
+              </a:fontRef>
+            </p:style>
+            <p:txBody>
+              <a:bodyPr rtlCol="0" anchor="ctr"/>
+              <a:lstStyle/>
+              <a:p>
+                <a:pPr algn="ctr"/>
+                <a:endParaRPr lang="en-US"/>
+              </a:p>
+            </p:txBody>
+          </p:sp>
+          <p:grpSp>
+            <p:nvGrpSpPr>
+              <p:cNvPr id="44" name="Group 43">
+                <a:extLst>
+                  <a:ext uri="{FF2B5EF4-FFF2-40B4-BE49-F238E27FC236}">
+                    <a16:creationId xmlns:a16="http://schemas.microsoft.com/office/drawing/2014/main" id="{65C01CF2-381B-472F-B30D-993B9DF82783}"/>
+                  </a:ext>
+                </a:extLst>
+              </p:cNvPr>
+              <p:cNvGrpSpPr/>
+              <p:nvPr/>
+            </p:nvGrpSpPr>
+            <p:grpSpPr>
+              <a:xfrm>
+                <a:off x="4218751" y="3929482"/>
+                <a:ext cx="500917" cy="652043"/>
+                <a:chOff x="6943450" y="743459"/>
+                <a:chExt cx="1055694" cy="1374197"/>
+              </a:xfrm>
+              <a:solidFill>
+                <a:srgbClr val="FFFFFF"/>
+              </a:solidFill>
+            </p:grpSpPr>
+            <p:sp>
+              <p:nvSpPr>
+                <p:cNvPr id="46" name="Isosceles Triangle 45">
+                  <a:extLst>
+                    <a:ext uri="{FF2B5EF4-FFF2-40B4-BE49-F238E27FC236}">
+                      <a16:creationId xmlns:a16="http://schemas.microsoft.com/office/drawing/2014/main" id="{BBCA5DC8-EE90-413E-B4F5-88133F31FA14}"/>
+                    </a:ext>
+                  </a:extLst>
+                </p:cNvPr>
+                <p:cNvSpPr/>
+                <p:nvPr/>
+              </p:nvSpPr>
+              <p:spPr>
+                <a:xfrm>
+                  <a:off x="6943450" y="743459"/>
+                  <a:ext cx="1055694" cy="910081"/>
+                </a:xfrm>
+                <a:prstGeom prst="triangle">
+                  <a:avLst/>
+                </a:prstGeom>
+                <a:grpFill/>
+                <a:ln>
+                  <a:noFill/>
+                </a:ln>
+              </p:spPr>
+              <p:style>
+                <a:lnRef idx="2">
+                  <a:schemeClr val="accent1">
+                    <a:shade val="50000"/>
+                  </a:schemeClr>
+                </a:lnRef>
+                <a:fillRef idx="1">
+                  <a:schemeClr val="accent1"/>
+                </a:fillRef>
+                <a:effectRef idx="0">
+                  <a:schemeClr val="accent1"/>
+                </a:effectRef>
+                <a:fontRef idx="minor">
+                  <a:schemeClr val="lt1"/>
+                </a:fontRef>
+              </p:style>
+              <p:txBody>
+                <a:bodyPr rtlCol="0" anchor="ctr"/>
+                <a:lstStyle/>
+                <a:p>
+                  <a:pPr algn="ctr"/>
+                  <a:endParaRPr lang="en-US"/>
+                </a:p>
+              </p:txBody>
+            </p:sp>
+            <p:sp>
+              <p:nvSpPr>
+                <p:cNvPr id="47" name="Isosceles Triangle 46">
+                  <a:extLst>
+                    <a:ext uri="{FF2B5EF4-FFF2-40B4-BE49-F238E27FC236}">
+                      <a16:creationId xmlns:a16="http://schemas.microsoft.com/office/drawing/2014/main" id="{52CD6C6A-E4FC-43D4-8BDC-D84F12F2F0D1}"/>
+                    </a:ext>
+                  </a:extLst>
+                </p:cNvPr>
+                <p:cNvSpPr/>
+                <p:nvPr/>
+              </p:nvSpPr>
+              <p:spPr>
+                <a:xfrm rot="10800000">
+                  <a:off x="6943450" y="1647527"/>
+                  <a:ext cx="428576" cy="369462"/>
+                </a:xfrm>
+                <a:prstGeom prst="triangle">
+                  <a:avLst>
+                    <a:gd name="adj" fmla="val 96486"/>
+                  </a:avLst>
+                </a:prstGeom>
+                <a:grpFill/>
+                <a:ln>
+                  <a:noFill/>
+                </a:ln>
+              </p:spPr>
+              <p:style>
+                <a:lnRef idx="2">
+                  <a:schemeClr val="accent1">
+                    <a:shade val="50000"/>
+                  </a:schemeClr>
+                </a:lnRef>
+                <a:fillRef idx="1">
+                  <a:schemeClr val="accent1"/>
+                </a:fillRef>
+                <a:effectRef idx="0">
+                  <a:schemeClr val="accent1"/>
+                </a:effectRef>
+                <a:fontRef idx="minor">
+                  <a:schemeClr val="lt1"/>
+                </a:fontRef>
+              </p:style>
+              <p:txBody>
+                <a:bodyPr rtlCol="0" anchor="ctr"/>
+                <a:lstStyle/>
+                <a:p>
+                  <a:pPr algn="ctr"/>
+                  <a:endParaRPr lang="en-US"/>
+                </a:p>
+              </p:txBody>
+            </p:sp>
+            <p:sp>
+              <p:nvSpPr>
+                <p:cNvPr id="50" name="Isosceles Triangle 49">
+                  <a:extLst>
+                    <a:ext uri="{FF2B5EF4-FFF2-40B4-BE49-F238E27FC236}">
+                      <a16:creationId xmlns:a16="http://schemas.microsoft.com/office/drawing/2014/main" id="{B23530B1-F7E5-4290-AE2D-D09459A742A3}"/>
+                    </a:ext>
+                  </a:extLst>
+                </p:cNvPr>
+                <p:cNvSpPr/>
+                <p:nvPr/>
+              </p:nvSpPr>
+              <p:spPr>
+                <a:xfrm rot="10800000">
+                  <a:off x="7129536" y="1647527"/>
+                  <a:ext cx="428576" cy="470129"/>
+                </a:xfrm>
+                <a:prstGeom prst="triangle">
+                  <a:avLst>
+                    <a:gd name="adj" fmla="val 64680"/>
+                  </a:avLst>
+                </a:prstGeom>
+                <a:grpFill/>
+                <a:ln>
+                  <a:noFill/>
+                </a:ln>
+              </p:spPr>
+              <p:style>
+                <a:lnRef idx="2">
+                  <a:schemeClr val="accent1">
+                    <a:shade val="50000"/>
+                  </a:schemeClr>
+                </a:lnRef>
+                <a:fillRef idx="1">
+                  <a:schemeClr val="accent1"/>
+                </a:fillRef>
+                <a:effectRef idx="0">
+                  <a:schemeClr val="accent1"/>
+                </a:effectRef>
+                <a:fontRef idx="minor">
+                  <a:schemeClr val="lt1"/>
+                </a:fontRef>
+              </p:style>
+              <p:txBody>
+                <a:bodyPr rtlCol="0" anchor="ctr"/>
+                <a:lstStyle/>
+                <a:p>
+                  <a:pPr algn="ctr"/>
+                  <a:endParaRPr lang="en-US"/>
+                </a:p>
+              </p:txBody>
+            </p:sp>
+            <p:sp>
+              <p:nvSpPr>
+                <p:cNvPr id="52" name="Isosceles Triangle 51">
+                  <a:extLst>
+                    <a:ext uri="{FF2B5EF4-FFF2-40B4-BE49-F238E27FC236}">
+                      <a16:creationId xmlns:a16="http://schemas.microsoft.com/office/drawing/2014/main" id="{6BC1268B-8F1D-4D38-B9C5-815713870798}"/>
+                    </a:ext>
+                  </a:extLst>
+                </p:cNvPr>
+                <p:cNvSpPr/>
+                <p:nvPr/>
+              </p:nvSpPr>
+              <p:spPr>
+                <a:xfrm rot="10800000">
+                  <a:off x="7353968" y="1647527"/>
+                  <a:ext cx="428576" cy="470129"/>
+                </a:xfrm>
+                <a:prstGeom prst="triangle">
+                  <a:avLst>
+                    <a:gd name="adj" fmla="val 30427"/>
+                  </a:avLst>
+                </a:prstGeom>
+                <a:grpFill/>
+                <a:ln>
+                  <a:noFill/>
+                </a:ln>
+              </p:spPr>
+              <p:style>
+                <a:lnRef idx="2">
+                  <a:schemeClr val="accent1">
+                    <a:shade val="50000"/>
+                  </a:schemeClr>
+                </a:lnRef>
+                <a:fillRef idx="1">
+                  <a:schemeClr val="accent1"/>
+                </a:fillRef>
+                <a:effectRef idx="0">
+                  <a:schemeClr val="accent1"/>
+                </a:effectRef>
+                <a:fontRef idx="minor">
+                  <a:schemeClr val="lt1"/>
+                </a:fontRef>
+              </p:style>
+              <p:txBody>
+                <a:bodyPr rtlCol="0" anchor="ctr"/>
+                <a:lstStyle/>
+                <a:p>
+                  <a:pPr algn="ctr"/>
+                  <a:endParaRPr lang="en-US"/>
+                </a:p>
+              </p:txBody>
+            </p:sp>
+            <p:sp>
+              <p:nvSpPr>
+                <p:cNvPr id="54" name="Isosceles Triangle 53">
+                  <a:extLst>
+                    <a:ext uri="{FF2B5EF4-FFF2-40B4-BE49-F238E27FC236}">
+                      <a16:creationId xmlns:a16="http://schemas.microsoft.com/office/drawing/2014/main" id="{461386FA-A68C-4455-B3B8-1C4FAB29D823}"/>
+                    </a:ext>
+                  </a:extLst>
+                </p:cNvPr>
+                <p:cNvSpPr/>
+                <p:nvPr/>
+              </p:nvSpPr>
+              <p:spPr>
+                <a:xfrm rot="10800000">
+                  <a:off x="7564559" y="1647527"/>
+                  <a:ext cx="428576" cy="369462"/>
+                </a:xfrm>
+                <a:prstGeom prst="triangle">
+                  <a:avLst>
+                    <a:gd name="adj" fmla="val 0"/>
+                  </a:avLst>
+                </a:prstGeom>
+                <a:grpFill/>
+                <a:ln>
+                  <a:noFill/>
+                </a:ln>
+              </p:spPr>
+              <p:style>
+                <a:lnRef idx="2">
+                  <a:schemeClr val="accent1">
+                    <a:shade val="50000"/>
+                  </a:schemeClr>
+                </a:lnRef>
+                <a:fillRef idx="1">
+                  <a:schemeClr val="accent1"/>
+                </a:fillRef>
+                <a:effectRef idx="0">
+                  <a:schemeClr val="accent1"/>
+                </a:effectRef>
+                <a:fontRef idx="minor">
+                  <a:schemeClr val="lt1"/>
+                </a:fontRef>
+              </p:style>
+              <p:txBody>
+                <a:bodyPr rtlCol="0" anchor="ctr"/>
+                <a:lstStyle/>
+                <a:p>
+                  <a:pPr algn="ctr"/>
+                  <a:endParaRPr lang="en-US" dirty="0"/>
+                </a:p>
+              </p:txBody>
+            </p:sp>
+          </p:grpSp>
+          <p:sp>
+            <p:nvSpPr>
+              <p:cNvPr id="45" name="Isosceles Triangle 44">
+                <a:extLst>
+                  <a:ext uri="{FF2B5EF4-FFF2-40B4-BE49-F238E27FC236}">
+                    <a16:creationId xmlns:a16="http://schemas.microsoft.com/office/drawing/2014/main" id="{20842484-8B9D-4230-9CE8-94D6D970D624}"/>
+                  </a:ext>
+                </a:extLst>
+              </p:cNvPr>
+              <p:cNvSpPr/>
+              <p:nvPr/>
+            </p:nvSpPr>
+            <p:spPr>
+              <a:xfrm>
+                <a:off x="4468629" y="3789252"/>
+                <a:ext cx="666018" cy="1163273"/>
+              </a:xfrm>
+              <a:prstGeom prst="triangle">
+                <a:avLst>
+                  <a:gd name="adj" fmla="val 0"/>
+                </a:avLst>
+              </a:prstGeom>
+              <a:solidFill>
+                <a:srgbClr val="003E51">
+                  <a:alpha val="27059"/>
+                </a:srgbClr>
+              </a:solidFill>
+              <a:ln w="76200">
+                <a:noFill/>
+              </a:ln>
+            </p:spPr>
+            <p:style>
+              <a:lnRef idx="2">
+                <a:schemeClr val="accent1">
+                  <a:shade val="50000"/>
+                </a:schemeClr>
+              </a:lnRef>
+              <a:fillRef idx="1">
+                <a:schemeClr val="accent1"/>
+              </a:fillRef>
+              <a:effectRef idx="0">
+                <a:schemeClr val="accent1"/>
+              </a:effectRef>
+              <a:fontRef idx="minor">
+                <a:schemeClr val="lt1"/>
+              </a:fontRef>
+            </p:style>
+            <p:txBody>
+              <a:bodyPr rtlCol="0" anchor="ctr"/>
+              <a:lstStyle/>
+              <a:p>
+                <a:pPr algn="ctr"/>
+                <a:endParaRPr lang="en-US"/>
+              </a:p>
+            </p:txBody>
+          </p:sp>
+        </p:grpSp>
+        <p:sp>
+          <p:nvSpPr>
+            <p:cNvPr id="55" name="Rectangle 54">
+              <a:extLst>
+                <a:ext uri="{FF2B5EF4-FFF2-40B4-BE49-F238E27FC236}">
+                  <a16:creationId xmlns:a16="http://schemas.microsoft.com/office/drawing/2014/main" id="{6404E1D1-8079-461F-97C6-F739EF0CDA85}"/>
+                </a:ext>
+              </a:extLst>
+            </p:cNvPr>
+            <p:cNvSpPr/>
+            <p:nvPr/>
+          </p:nvSpPr>
+          <p:spPr>
+            <a:xfrm>
+              <a:off x="1686517" y="4773700"/>
+              <a:ext cx="704424" cy="805416"/>
+            </a:xfrm>
+            <a:prstGeom prst="rect">
+              <a:avLst/>
+            </a:prstGeom>
+            <a:solidFill>
+              <a:srgbClr val="007396"/>
+            </a:solidFill>
+            <a:ln w="0">
+              <a:solidFill>
+                <a:srgbClr val="007396"/>
+              </a:solidFill>
+            </a:ln>
+            <a:effectLst>
+              <a:outerShdw blurRad="76200" dist="88900" dir="2700000" algn="tl" rotWithShape="0">
+                <a:prstClr val="black">
+                  <a:alpha val="40000"/>
+                </a:prstClr>
+              </a:outerShdw>
+            </a:effectLst>
+          </p:spPr>
+          <p:style>
+            <a:lnRef idx="2">
+              <a:schemeClr val="accent1">
+                <a:shade val="50000"/>
+              </a:schemeClr>
+            </a:lnRef>
+            <a:fillRef idx="1">
+              <a:schemeClr val="accent1"/>
+            </a:fillRef>
+            <a:effectRef idx="0">
+              <a:schemeClr val="accent1"/>
+            </a:effectRef>
+            <a:fontRef idx="minor">
+              <a:schemeClr val="lt1"/>
+            </a:fontRef>
+          </p:style>
+          <p:txBody>
+            <a:bodyPr lIns="0" tIns="0" rIns="0" bIns="0" rtlCol="0" anchor="ctr"/>
+            <a:lstStyle/>
+            <a:p>
+              <a:pPr algn="ctr"/>
+              <a:r>
+                <a:rPr lang="en-US" sz="7200" b="1" dirty="0">
+                  <a:latin typeface="Segoe UI" panose="020B0502040204020203" pitchFamily="34" charset="0"/>
+                  <a:cs typeface="Segoe UI" panose="020B0502040204020203" pitchFamily="34" charset="0"/>
+                </a:rPr>
+                <a:t>P</a:t>
+              </a:r>
             </a:p>
           </p:txBody>
         </p:sp>
